--- a/CSOF5204 Arquitectura de Software/0609PrimeraEntregaSAD.pptx
+++ b/CSOF5204 Arquitectura de Software/0609PrimeraEntregaSAD.pptx
@@ -5,17 +5,18 @@
     <p:sldMasterId id="2147483876" r:id="rId1"/>
   </p:sldMasterIdLst>
   <p:notesMasterIdLst>
-    <p:notesMasterId r:id="rId10"/>
+    <p:notesMasterId r:id="rId11"/>
   </p:notesMasterIdLst>
   <p:sldIdLst>
     <p:sldId id="318" r:id="rId2"/>
     <p:sldId id="288" r:id="rId3"/>
-    <p:sldId id="319" r:id="rId4"/>
-    <p:sldId id="320" r:id="rId5"/>
-    <p:sldId id="321" r:id="rId6"/>
-    <p:sldId id="322" r:id="rId7"/>
-    <p:sldId id="323" r:id="rId8"/>
-    <p:sldId id="324" r:id="rId9"/>
+    <p:sldId id="325" r:id="rId4"/>
+    <p:sldId id="319" r:id="rId5"/>
+    <p:sldId id="320" r:id="rId6"/>
+    <p:sldId id="321" r:id="rId7"/>
+    <p:sldId id="322" r:id="rId8"/>
+    <p:sldId id="323" r:id="rId9"/>
+    <p:sldId id="324" r:id="rId10"/>
   </p:sldIdLst>
   <p:sldSz cx="9144000" cy="6858000" type="screen4x3"/>
   <p:notesSz cx="6858000" cy="9144000"/>
@@ -900,6 +901,788 @@
 </file>
 
 <file path=ppt/diagrams/colors2.xml><?xml version="1.0" encoding="utf-8"?>
+<dgm:colorsDef xmlns:dgm="http://schemas.openxmlformats.org/drawingml/2006/diagram" xmlns:a="http://schemas.openxmlformats.org/drawingml/2006/main" uniqueId="urn:microsoft.com/office/officeart/2005/8/colors/colorful2">
+  <dgm:title val=""/>
+  <dgm:desc val=""/>
+  <dgm:catLst>
+    <dgm:cat type="colorful" pri="10200"/>
+  </dgm:catLst>
+  <dgm:styleLbl name="node0">
+    <dgm:fillClrLst meth="repeat">
+      <a:schemeClr val="accent1"/>
+    </dgm:fillClrLst>
+    <dgm:linClrLst meth="repeat">
+      <a:schemeClr val="lt1"/>
+    </dgm:linClrLst>
+    <dgm:effectClrLst/>
+    <dgm:txLinClrLst/>
+    <dgm:txFillClrLst/>
+    <dgm:txEffectClrLst/>
+  </dgm:styleLbl>
+  <dgm:styleLbl name="node1">
+    <dgm:fillClrLst>
+      <a:schemeClr val="accent2"/>
+      <a:schemeClr val="accent3"/>
+    </dgm:fillClrLst>
+    <dgm:linClrLst meth="repeat">
+      <a:schemeClr val="lt1"/>
+    </dgm:linClrLst>
+    <dgm:effectClrLst/>
+    <dgm:txLinClrLst/>
+    <dgm:txFillClrLst/>
+    <dgm:txEffectClrLst/>
+  </dgm:styleLbl>
+  <dgm:styleLbl name="alignNode1">
+    <dgm:fillClrLst>
+      <a:schemeClr val="accent2"/>
+      <a:schemeClr val="accent3"/>
+    </dgm:fillClrLst>
+    <dgm:linClrLst>
+      <a:schemeClr val="accent2"/>
+      <a:schemeClr val="accent3"/>
+    </dgm:linClrLst>
+    <dgm:effectClrLst/>
+    <dgm:txLinClrLst/>
+    <dgm:txFillClrLst/>
+    <dgm:txEffectClrLst/>
+  </dgm:styleLbl>
+  <dgm:styleLbl name="lnNode1">
+    <dgm:fillClrLst>
+      <a:schemeClr val="accent2"/>
+      <a:schemeClr val="accent3"/>
+    </dgm:fillClrLst>
+    <dgm:linClrLst meth="repeat">
+      <a:schemeClr val="lt1"/>
+    </dgm:linClrLst>
+    <dgm:effectClrLst/>
+    <dgm:txLinClrLst/>
+    <dgm:txFillClrLst/>
+    <dgm:txEffectClrLst/>
+  </dgm:styleLbl>
+  <dgm:styleLbl name="vennNode1">
+    <dgm:fillClrLst>
+      <a:schemeClr val="accent2">
+        <a:alpha val="50000"/>
+      </a:schemeClr>
+      <a:schemeClr val="accent3">
+        <a:alpha val="50000"/>
+      </a:schemeClr>
+    </dgm:fillClrLst>
+    <dgm:linClrLst meth="repeat">
+      <a:schemeClr val="lt1"/>
+    </dgm:linClrLst>
+    <dgm:effectClrLst/>
+    <dgm:txLinClrLst/>
+    <dgm:txFillClrLst/>
+    <dgm:txEffectClrLst/>
+  </dgm:styleLbl>
+  <dgm:styleLbl name="node2">
+    <dgm:fillClrLst>
+      <a:schemeClr val="accent3"/>
+    </dgm:fillClrLst>
+    <dgm:linClrLst meth="repeat">
+      <a:schemeClr val="lt1"/>
+    </dgm:linClrLst>
+    <dgm:effectClrLst/>
+    <dgm:txLinClrLst/>
+    <dgm:txFillClrLst/>
+    <dgm:txEffectClrLst/>
+  </dgm:styleLbl>
+  <dgm:styleLbl name="node3">
+    <dgm:fillClrLst>
+      <a:schemeClr val="accent4"/>
+    </dgm:fillClrLst>
+    <dgm:linClrLst meth="repeat">
+      <a:schemeClr val="lt1"/>
+    </dgm:linClrLst>
+    <dgm:effectClrLst/>
+    <dgm:txLinClrLst/>
+    <dgm:txFillClrLst/>
+    <dgm:txEffectClrLst/>
+  </dgm:styleLbl>
+  <dgm:styleLbl name="node4">
+    <dgm:fillClrLst>
+      <a:schemeClr val="accent5"/>
+    </dgm:fillClrLst>
+    <dgm:linClrLst meth="repeat">
+      <a:schemeClr val="lt1"/>
+    </dgm:linClrLst>
+    <dgm:effectClrLst/>
+    <dgm:txLinClrLst/>
+    <dgm:txFillClrLst/>
+    <dgm:txEffectClrLst/>
+  </dgm:styleLbl>
+  <dgm:styleLbl name="fgImgPlace1">
+    <dgm:fillClrLst>
+      <a:schemeClr val="accent2">
+        <a:tint val="50000"/>
+      </a:schemeClr>
+      <a:schemeClr val="accent3">
+        <a:tint val="50000"/>
+      </a:schemeClr>
+    </dgm:fillClrLst>
+    <dgm:linClrLst meth="repeat">
+      <a:schemeClr val="lt1"/>
+    </dgm:linClrLst>
+    <dgm:effectClrLst/>
+    <dgm:txLinClrLst/>
+    <dgm:txFillClrLst meth="repeat">
+      <a:schemeClr val="lt1"/>
+    </dgm:txFillClrLst>
+    <dgm:txEffectClrLst/>
+  </dgm:styleLbl>
+  <dgm:styleLbl name="alignImgPlace1">
+    <dgm:fillClrLst>
+      <a:schemeClr val="accent2">
+        <a:tint val="50000"/>
+      </a:schemeClr>
+      <a:schemeClr val="accent3">
+        <a:tint val="20000"/>
+      </a:schemeClr>
+    </dgm:fillClrLst>
+    <dgm:linClrLst meth="repeat">
+      <a:schemeClr val="lt1"/>
+    </dgm:linClrLst>
+    <dgm:effectClrLst/>
+    <dgm:txLinClrLst/>
+    <dgm:txFillClrLst meth="repeat">
+      <a:schemeClr val="lt1"/>
+    </dgm:txFillClrLst>
+    <dgm:txEffectClrLst/>
+  </dgm:styleLbl>
+  <dgm:styleLbl name="bgImgPlace1">
+    <dgm:fillClrLst>
+      <a:schemeClr val="accent2">
+        <a:tint val="50000"/>
+      </a:schemeClr>
+      <a:schemeClr val="accent3">
+        <a:tint val="20000"/>
+      </a:schemeClr>
+    </dgm:fillClrLst>
+    <dgm:linClrLst meth="repeat">
+      <a:schemeClr val="lt1"/>
+    </dgm:linClrLst>
+    <dgm:effectClrLst/>
+    <dgm:txLinClrLst/>
+    <dgm:txFillClrLst meth="repeat">
+      <a:schemeClr val="lt1"/>
+    </dgm:txFillClrLst>
+    <dgm:txEffectClrLst/>
+  </dgm:styleLbl>
+  <dgm:styleLbl name="sibTrans2D1">
+    <dgm:fillClrLst>
+      <a:schemeClr val="accent2"/>
+      <a:schemeClr val="accent3"/>
+    </dgm:fillClrLst>
+    <dgm:linClrLst meth="repeat">
+      <a:schemeClr val="lt1"/>
+    </dgm:linClrLst>
+    <dgm:effectClrLst/>
+    <dgm:txLinClrLst/>
+    <dgm:txFillClrLst/>
+    <dgm:txEffectClrLst/>
+  </dgm:styleLbl>
+  <dgm:styleLbl name="fgSibTrans2D1">
+    <dgm:fillClrLst>
+      <a:schemeClr val="accent2"/>
+      <a:schemeClr val="accent3"/>
+    </dgm:fillClrLst>
+    <dgm:linClrLst meth="repeat">
+      <a:schemeClr val="lt1"/>
+    </dgm:linClrLst>
+    <dgm:effectClrLst/>
+    <dgm:txLinClrLst/>
+    <dgm:txFillClrLst meth="repeat">
+      <a:schemeClr val="lt1"/>
+    </dgm:txFillClrLst>
+    <dgm:txEffectClrLst/>
+  </dgm:styleLbl>
+  <dgm:styleLbl name="bgSibTrans2D1">
+    <dgm:fillClrLst>
+      <a:schemeClr val="accent2"/>
+      <a:schemeClr val="accent3"/>
+    </dgm:fillClrLst>
+    <dgm:linClrLst meth="repeat">
+      <a:schemeClr val="lt1"/>
+    </dgm:linClrLst>
+    <dgm:effectClrLst/>
+    <dgm:txLinClrLst/>
+    <dgm:txFillClrLst meth="repeat">
+      <a:schemeClr val="lt1"/>
+    </dgm:txFillClrLst>
+    <dgm:txEffectClrLst/>
+  </dgm:styleLbl>
+  <dgm:styleLbl name="sibTrans1D1">
+    <dgm:fillClrLst/>
+    <dgm:linClrLst>
+      <a:schemeClr val="accent2"/>
+      <a:schemeClr val="accent3"/>
+    </dgm:linClrLst>
+    <dgm:effectClrLst/>
+    <dgm:txLinClrLst/>
+    <dgm:txFillClrLst meth="repeat">
+      <a:schemeClr val="tx1"/>
+    </dgm:txFillClrLst>
+    <dgm:txEffectClrLst/>
+  </dgm:styleLbl>
+  <dgm:styleLbl name="callout">
+    <dgm:fillClrLst meth="repeat">
+      <a:schemeClr val="accent2"/>
+    </dgm:fillClrLst>
+    <dgm:linClrLst meth="repeat">
+      <a:schemeClr val="accent2">
+        <a:tint val="50000"/>
+      </a:schemeClr>
+    </dgm:linClrLst>
+    <dgm:effectClrLst/>
+    <dgm:txLinClrLst/>
+    <dgm:txFillClrLst meth="repeat">
+      <a:schemeClr val="tx1"/>
+    </dgm:txFillClrLst>
+    <dgm:txEffectClrLst/>
+  </dgm:styleLbl>
+  <dgm:styleLbl name="asst0">
+    <dgm:fillClrLst meth="repeat">
+      <a:schemeClr val="accent2"/>
+    </dgm:fillClrLst>
+    <dgm:linClrLst meth="repeat">
+      <a:schemeClr val="lt1">
+        <a:shade val="80000"/>
+      </a:schemeClr>
+    </dgm:linClrLst>
+    <dgm:effectClrLst/>
+    <dgm:txLinClrLst/>
+    <dgm:txFillClrLst/>
+    <dgm:txEffectClrLst/>
+  </dgm:styleLbl>
+  <dgm:styleLbl name="asst1">
+    <dgm:fillClrLst meth="repeat">
+      <a:schemeClr val="accent3"/>
+    </dgm:fillClrLst>
+    <dgm:linClrLst meth="repeat">
+      <a:schemeClr val="lt1">
+        <a:shade val="80000"/>
+      </a:schemeClr>
+    </dgm:linClrLst>
+    <dgm:effectClrLst/>
+    <dgm:txLinClrLst/>
+    <dgm:txFillClrLst/>
+    <dgm:txEffectClrLst/>
+  </dgm:styleLbl>
+  <dgm:styleLbl name="asst2">
+    <dgm:fillClrLst>
+      <a:schemeClr val="accent4"/>
+    </dgm:fillClrLst>
+    <dgm:linClrLst meth="repeat">
+      <a:schemeClr val="lt1"/>
+    </dgm:linClrLst>
+    <dgm:effectClrLst/>
+    <dgm:txLinClrLst/>
+    <dgm:txFillClrLst/>
+    <dgm:txEffectClrLst/>
+  </dgm:styleLbl>
+  <dgm:styleLbl name="asst3">
+    <dgm:fillClrLst>
+      <a:schemeClr val="accent5"/>
+    </dgm:fillClrLst>
+    <dgm:linClrLst meth="repeat">
+      <a:schemeClr val="lt1"/>
+    </dgm:linClrLst>
+    <dgm:effectClrLst/>
+    <dgm:txLinClrLst/>
+    <dgm:txFillClrLst/>
+    <dgm:txEffectClrLst/>
+  </dgm:styleLbl>
+  <dgm:styleLbl name="asst4">
+    <dgm:fillClrLst>
+      <a:schemeClr val="accent6"/>
+    </dgm:fillClrLst>
+    <dgm:linClrLst meth="repeat">
+      <a:schemeClr val="lt1"/>
+    </dgm:linClrLst>
+    <dgm:effectClrLst/>
+    <dgm:txLinClrLst/>
+    <dgm:txFillClrLst/>
+    <dgm:txEffectClrLst/>
+  </dgm:styleLbl>
+  <dgm:styleLbl name="parChTrans2D1">
+    <dgm:fillClrLst meth="repeat">
+      <a:schemeClr val="accent2"/>
+    </dgm:fillClrLst>
+    <dgm:linClrLst meth="repeat">
+      <a:schemeClr val="lt1"/>
+    </dgm:linClrLst>
+    <dgm:effectClrLst/>
+    <dgm:txLinClrLst/>
+    <dgm:txFillClrLst meth="repeat">
+      <a:schemeClr val="lt1"/>
+    </dgm:txFillClrLst>
+    <dgm:txEffectClrLst/>
+  </dgm:styleLbl>
+  <dgm:styleLbl name="parChTrans2D2">
+    <dgm:fillClrLst meth="repeat">
+      <a:schemeClr val="accent3"/>
+    </dgm:fillClrLst>
+    <dgm:linClrLst meth="repeat">
+      <a:schemeClr val="lt1"/>
+    </dgm:linClrLst>
+    <dgm:effectClrLst/>
+    <dgm:txLinClrLst/>
+    <dgm:txFillClrLst/>
+    <dgm:txEffectClrLst/>
+  </dgm:styleLbl>
+  <dgm:styleLbl name="parChTrans2D3">
+    <dgm:fillClrLst meth="repeat">
+      <a:schemeClr val="accent4"/>
+    </dgm:fillClrLst>
+    <dgm:linClrLst meth="repeat">
+      <a:schemeClr val="lt1"/>
+    </dgm:linClrLst>
+    <dgm:effectClrLst/>
+    <dgm:txLinClrLst/>
+    <dgm:txFillClrLst/>
+    <dgm:txEffectClrLst/>
+  </dgm:styleLbl>
+  <dgm:styleLbl name="parChTrans2D4">
+    <dgm:fillClrLst meth="repeat">
+      <a:schemeClr val="accent5"/>
+    </dgm:fillClrLst>
+    <dgm:linClrLst meth="repeat">
+      <a:schemeClr val="lt1"/>
+    </dgm:linClrLst>
+    <dgm:effectClrLst/>
+    <dgm:txLinClrLst/>
+    <dgm:txFillClrLst meth="repeat">
+      <a:schemeClr val="lt1"/>
+    </dgm:txFillClrLst>
+    <dgm:txEffectClrLst/>
+  </dgm:styleLbl>
+  <dgm:styleLbl name="parChTrans1D1">
+    <dgm:fillClrLst meth="repeat">
+      <a:schemeClr val="accent2"/>
+    </dgm:fillClrLst>
+    <dgm:linClrLst meth="repeat">
+      <a:schemeClr val="accent2"/>
+    </dgm:linClrLst>
+    <dgm:effectClrLst/>
+    <dgm:txLinClrLst/>
+    <dgm:txFillClrLst meth="repeat">
+      <a:schemeClr val="tx1"/>
+    </dgm:txFillClrLst>
+    <dgm:txEffectClrLst/>
+  </dgm:styleLbl>
+  <dgm:styleLbl name="parChTrans1D2">
+    <dgm:fillClrLst meth="repeat">
+      <a:schemeClr val="accent2">
+        <a:tint val="90000"/>
+      </a:schemeClr>
+    </dgm:fillClrLst>
+    <dgm:linClrLst meth="repeat">
+      <a:schemeClr val="accent3"/>
+    </dgm:linClrLst>
+    <dgm:effectClrLst/>
+    <dgm:txLinClrLst/>
+    <dgm:txFillClrLst meth="repeat">
+      <a:schemeClr val="tx1"/>
+    </dgm:txFillClrLst>
+    <dgm:txEffectClrLst/>
+  </dgm:styleLbl>
+  <dgm:styleLbl name="parChTrans1D3">
+    <dgm:fillClrLst meth="repeat">
+      <a:schemeClr val="accent2">
+        <a:tint val="70000"/>
+      </a:schemeClr>
+    </dgm:fillClrLst>
+    <dgm:linClrLst meth="repeat">
+      <a:schemeClr val="accent4"/>
+    </dgm:linClrLst>
+    <dgm:effectClrLst/>
+    <dgm:txLinClrLst/>
+    <dgm:txFillClrLst meth="repeat">
+      <a:schemeClr val="tx1"/>
+    </dgm:txFillClrLst>
+    <dgm:txEffectClrLst/>
+  </dgm:styleLbl>
+  <dgm:styleLbl name="parChTrans1D4">
+    <dgm:fillClrLst meth="repeat">
+      <a:schemeClr val="accent2">
+        <a:tint val="50000"/>
+      </a:schemeClr>
+    </dgm:fillClrLst>
+    <dgm:linClrLst meth="repeat">
+      <a:schemeClr val="accent5"/>
+    </dgm:linClrLst>
+    <dgm:effectClrLst/>
+    <dgm:txLinClrLst/>
+    <dgm:txFillClrLst meth="repeat">
+      <a:schemeClr val="tx1"/>
+    </dgm:txFillClrLst>
+    <dgm:txEffectClrLst/>
+  </dgm:styleLbl>
+  <dgm:styleLbl name="fgAcc1">
+    <dgm:fillClrLst meth="repeat">
+      <a:schemeClr val="lt1">
+        <a:alpha val="90000"/>
+      </a:schemeClr>
+    </dgm:fillClrLst>
+    <dgm:linClrLst>
+      <a:schemeClr val="accent2"/>
+      <a:schemeClr val="accent3"/>
+    </dgm:linClrLst>
+    <dgm:effectClrLst/>
+    <dgm:txLinClrLst/>
+    <dgm:txFillClrLst meth="repeat">
+      <a:schemeClr val="dk1"/>
+    </dgm:txFillClrLst>
+    <dgm:txEffectClrLst/>
+  </dgm:styleLbl>
+  <dgm:styleLbl name="conFgAcc1">
+    <dgm:fillClrLst meth="repeat">
+      <a:schemeClr val="lt1">
+        <a:alpha val="90000"/>
+      </a:schemeClr>
+    </dgm:fillClrLst>
+    <dgm:linClrLst>
+      <a:schemeClr val="accent2"/>
+      <a:schemeClr val="accent3"/>
+    </dgm:linClrLst>
+    <dgm:effectClrLst/>
+    <dgm:txLinClrLst/>
+    <dgm:txFillClrLst meth="repeat">
+      <a:schemeClr val="dk1"/>
+    </dgm:txFillClrLst>
+    <dgm:txEffectClrLst/>
+  </dgm:styleLbl>
+  <dgm:styleLbl name="alignAcc1">
+    <dgm:fillClrLst meth="repeat">
+      <a:schemeClr val="lt1">
+        <a:alpha val="90000"/>
+      </a:schemeClr>
+    </dgm:fillClrLst>
+    <dgm:linClrLst>
+      <a:schemeClr val="accent2"/>
+      <a:schemeClr val="accent3"/>
+    </dgm:linClrLst>
+    <dgm:effectClrLst/>
+    <dgm:txLinClrLst/>
+    <dgm:txFillClrLst meth="repeat">
+      <a:schemeClr val="dk1"/>
+    </dgm:txFillClrLst>
+    <dgm:txEffectClrLst/>
+  </dgm:styleLbl>
+  <dgm:styleLbl name="trAlignAcc1">
+    <dgm:fillClrLst meth="repeat">
+      <a:schemeClr val="lt1">
+        <a:alpha val="40000"/>
+      </a:schemeClr>
+    </dgm:fillClrLst>
+    <dgm:linClrLst meth="repeat">
+      <a:schemeClr val="accent2"/>
+    </dgm:linClrLst>
+    <dgm:effectClrLst/>
+    <dgm:txLinClrLst/>
+    <dgm:txFillClrLst meth="repeat">
+      <a:schemeClr val="dk1"/>
+    </dgm:txFillClrLst>
+    <dgm:txEffectClrLst/>
+  </dgm:styleLbl>
+  <dgm:styleLbl name="bgAcc1">
+    <dgm:fillClrLst meth="repeat">
+      <a:schemeClr val="lt1">
+        <a:alpha val="90000"/>
+      </a:schemeClr>
+    </dgm:fillClrLst>
+    <dgm:linClrLst>
+      <a:schemeClr val="accent2"/>
+      <a:schemeClr val="accent3"/>
+    </dgm:linClrLst>
+    <dgm:effectClrLst/>
+    <dgm:txLinClrLst/>
+    <dgm:txFillClrLst meth="repeat">
+      <a:schemeClr val="dk1"/>
+    </dgm:txFillClrLst>
+    <dgm:txEffectClrLst/>
+  </dgm:styleLbl>
+  <dgm:styleLbl name="solidFgAcc1">
+    <dgm:fillClrLst meth="repeat">
+      <a:schemeClr val="lt1"/>
+    </dgm:fillClrLst>
+    <dgm:linClrLst>
+      <a:schemeClr val="accent2"/>
+      <a:schemeClr val="accent3"/>
+    </dgm:linClrLst>
+    <dgm:effectClrLst/>
+    <dgm:txLinClrLst/>
+    <dgm:txFillClrLst meth="repeat">
+      <a:schemeClr val="dk1"/>
+    </dgm:txFillClrLst>
+    <dgm:txEffectClrLst/>
+  </dgm:styleLbl>
+  <dgm:styleLbl name="solidAlignAcc1">
+    <dgm:fillClrLst meth="repeat">
+      <a:schemeClr val="lt1"/>
+    </dgm:fillClrLst>
+    <dgm:linClrLst>
+      <a:schemeClr val="accent2"/>
+      <a:schemeClr val="accent3"/>
+    </dgm:linClrLst>
+    <dgm:effectClrLst/>
+    <dgm:txLinClrLst/>
+    <dgm:txFillClrLst meth="repeat">
+      <a:schemeClr val="dk1"/>
+    </dgm:txFillClrLst>
+    <dgm:txEffectClrLst/>
+  </dgm:styleLbl>
+  <dgm:styleLbl name="solidBgAcc1">
+    <dgm:fillClrLst meth="repeat">
+      <a:schemeClr val="lt1"/>
+    </dgm:fillClrLst>
+    <dgm:linClrLst>
+      <a:schemeClr val="accent2"/>
+      <a:schemeClr val="accent3"/>
+    </dgm:linClrLst>
+    <dgm:effectClrLst/>
+    <dgm:txLinClrLst/>
+    <dgm:txFillClrLst meth="repeat">
+      <a:schemeClr val="dk1"/>
+    </dgm:txFillClrLst>
+    <dgm:txEffectClrLst/>
+  </dgm:styleLbl>
+  <dgm:styleLbl name="fgAccFollowNode1">
+    <dgm:fillClrLst>
+      <a:schemeClr val="accent2">
+        <a:tint val="40000"/>
+        <a:alpha val="90000"/>
+      </a:schemeClr>
+      <a:schemeClr val="accent3">
+        <a:tint val="40000"/>
+        <a:alpha val="90000"/>
+      </a:schemeClr>
+    </dgm:fillClrLst>
+    <dgm:linClrLst>
+      <a:schemeClr val="accent2">
+        <a:tint val="40000"/>
+        <a:alpha val="90000"/>
+      </a:schemeClr>
+      <a:schemeClr val="accent3">
+        <a:tint val="40000"/>
+        <a:alpha val="90000"/>
+      </a:schemeClr>
+    </dgm:linClrLst>
+    <dgm:effectClrLst/>
+    <dgm:txLinClrLst/>
+    <dgm:txFillClrLst meth="repeat">
+      <a:schemeClr val="dk1"/>
+    </dgm:txFillClrLst>
+    <dgm:txEffectClrLst/>
+  </dgm:styleLbl>
+  <dgm:styleLbl name="alignAccFollowNode1">
+    <dgm:fillClrLst>
+      <a:schemeClr val="accent2">
+        <a:tint val="40000"/>
+        <a:alpha val="90000"/>
+      </a:schemeClr>
+      <a:schemeClr val="accent3">
+        <a:tint val="40000"/>
+        <a:alpha val="90000"/>
+      </a:schemeClr>
+    </dgm:fillClrLst>
+    <dgm:linClrLst>
+      <a:schemeClr val="accent2">
+        <a:tint val="40000"/>
+        <a:alpha val="90000"/>
+      </a:schemeClr>
+      <a:schemeClr val="accent3">
+        <a:tint val="40000"/>
+        <a:alpha val="90000"/>
+      </a:schemeClr>
+    </dgm:linClrLst>
+    <dgm:effectClrLst/>
+    <dgm:txLinClrLst/>
+    <dgm:txFillClrLst meth="repeat">
+      <a:schemeClr val="dk1"/>
+    </dgm:txFillClrLst>
+    <dgm:txEffectClrLst/>
+  </dgm:styleLbl>
+  <dgm:styleLbl name="bgAccFollowNode1">
+    <dgm:fillClrLst>
+      <a:schemeClr val="accent2">
+        <a:tint val="40000"/>
+        <a:alpha val="90000"/>
+      </a:schemeClr>
+      <a:schemeClr val="accent3">
+        <a:tint val="40000"/>
+        <a:alpha val="90000"/>
+      </a:schemeClr>
+    </dgm:fillClrLst>
+    <dgm:linClrLst>
+      <a:schemeClr val="accent2">
+        <a:tint val="40000"/>
+        <a:alpha val="90000"/>
+      </a:schemeClr>
+      <a:schemeClr val="accent3">
+        <a:tint val="40000"/>
+        <a:alpha val="90000"/>
+      </a:schemeClr>
+    </dgm:linClrLst>
+    <dgm:effectClrLst/>
+    <dgm:txLinClrLst/>
+    <dgm:txFillClrLst meth="repeat">
+      <a:schemeClr val="dk1"/>
+    </dgm:txFillClrLst>
+    <dgm:txEffectClrLst/>
+  </dgm:styleLbl>
+  <dgm:styleLbl name="fgAcc0">
+    <dgm:fillClrLst meth="repeat">
+      <a:schemeClr val="lt1">
+        <a:alpha val="90000"/>
+      </a:schemeClr>
+    </dgm:fillClrLst>
+    <dgm:linClrLst>
+      <a:schemeClr val="accent1"/>
+    </dgm:linClrLst>
+    <dgm:effectClrLst/>
+    <dgm:txLinClrLst/>
+    <dgm:txFillClrLst meth="repeat">
+      <a:schemeClr val="dk1"/>
+    </dgm:txFillClrLst>
+    <dgm:txEffectClrLst/>
+  </dgm:styleLbl>
+  <dgm:styleLbl name="fgAcc2">
+    <dgm:fillClrLst meth="repeat">
+      <a:schemeClr val="lt1">
+        <a:alpha val="90000"/>
+      </a:schemeClr>
+    </dgm:fillClrLst>
+    <dgm:linClrLst>
+      <a:schemeClr val="accent3"/>
+    </dgm:linClrLst>
+    <dgm:effectClrLst/>
+    <dgm:txLinClrLst/>
+    <dgm:txFillClrLst meth="repeat">
+      <a:schemeClr val="dk1"/>
+    </dgm:txFillClrLst>
+    <dgm:txEffectClrLst/>
+  </dgm:styleLbl>
+  <dgm:styleLbl name="fgAcc3">
+    <dgm:fillClrLst meth="repeat">
+      <a:schemeClr val="lt1">
+        <a:alpha val="90000"/>
+      </a:schemeClr>
+    </dgm:fillClrLst>
+    <dgm:linClrLst>
+      <a:schemeClr val="accent4"/>
+    </dgm:linClrLst>
+    <dgm:effectClrLst/>
+    <dgm:txLinClrLst/>
+    <dgm:txFillClrLst meth="repeat">
+      <a:schemeClr val="dk1"/>
+    </dgm:txFillClrLst>
+    <dgm:txEffectClrLst/>
+  </dgm:styleLbl>
+  <dgm:styleLbl name="fgAcc4">
+    <dgm:fillClrLst meth="repeat">
+      <a:schemeClr val="lt1">
+        <a:alpha val="90000"/>
+      </a:schemeClr>
+    </dgm:fillClrLst>
+    <dgm:linClrLst>
+      <a:schemeClr val="accent5"/>
+    </dgm:linClrLst>
+    <dgm:effectClrLst/>
+    <dgm:txLinClrLst/>
+    <dgm:txFillClrLst meth="repeat">
+      <a:schemeClr val="dk1"/>
+    </dgm:txFillClrLst>
+    <dgm:txEffectClrLst/>
+  </dgm:styleLbl>
+  <dgm:styleLbl name="bgShp">
+    <dgm:fillClrLst meth="repeat">
+      <a:schemeClr val="accent2">
+        <a:tint val="40000"/>
+      </a:schemeClr>
+    </dgm:fillClrLst>
+    <dgm:linClrLst meth="repeat">
+      <a:schemeClr val="dk1"/>
+    </dgm:linClrLst>
+    <dgm:effectClrLst/>
+    <dgm:txLinClrLst/>
+    <dgm:txFillClrLst meth="repeat">
+      <a:schemeClr val="dk1"/>
+    </dgm:txFillClrLst>
+    <dgm:txEffectClrLst/>
+  </dgm:styleLbl>
+  <dgm:styleLbl name="dkBgShp">
+    <dgm:fillClrLst meth="repeat">
+      <a:schemeClr val="accent2">
+        <a:shade val="90000"/>
+      </a:schemeClr>
+    </dgm:fillClrLst>
+    <dgm:linClrLst meth="repeat">
+      <a:schemeClr val="dk1"/>
+    </dgm:linClrLst>
+    <dgm:effectClrLst/>
+    <dgm:txLinClrLst/>
+    <dgm:txFillClrLst meth="repeat">
+      <a:schemeClr val="lt1"/>
+    </dgm:txFillClrLst>
+    <dgm:txEffectClrLst/>
+  </dgm:styleLbl>
+  <dgm:styleLbl name="trBgShp">
+    <dgm:fillClrLst meth="repeat">
+      <a:schemeClr val="accent2">
+        <a:tint val="50000"/>
+        <a:alpha val="40000"/>
+      </a:schemeClr>
+    </dgm:fillClrLst>
+    <dgm:linClrLst meth="repeat">
+      <a:schemeClr val="accent2"/>
+    </dgm:linClrLst>
+    <dgm:effectClrLst/>
+    <dgm:txLinClrLst/>
+    <dgm:txFillClrLst meth="repeat">
+      <a:schemeClr val="lt1"/>
+    </dgm:txFillClrLst>
+    <dgm:txEffectClrLst/>
+  </dgm:styleLbl>
+  <dgm:styleLbl name="fgShp">
+    <dgm:fillClrLst meth="repeat">
+      <a:schemeClr val="accent2">
+        <a:tint val="40000"/>
+      </a:schemeClr>
+    </dgm:fillClrLst>
+    <dgm:linClrLst meth="repeat">
+      <a:schemeClr val="lt1"/>
+    </dgm:linClrLst>
+    <dgm:effectClrLst/>
+    <dgm:txLinClrLst/>
+    <dgm:txFillClrLst meth="repeat">
+      <a:schemeClr val="dk1"/>
+    </dgm:txFillClrLst>
+    <dgm:txEffectClrLst/>
+  </dgm:styleLbl>
+  <dgm:styleLbl name="revTx">
+    <dgm:fillClrLst meth="repeat">
+      <a:schemeClr val="lt1">
+        <a:alpha val="0"/>
+      </a:schemeClr>
+    </dgm:fillClrLst>
+    <dgm:linClrLst meth="repeat">
+      <a:schemeClr val="dk1">
+        <a:alpha val="0"/>
+      </a:schemeClr>
+    </dgm:linClrLst>
+    <dgm:effectClrLst/>
+    <dgm:txLinClrLst/>
+    <dgm:txFillClrLst meth="repeat">
+      <a:schemeClr val="tx1"/>
+    </dgm:txFillClrLst>
+    <dgm:txEffectClrLst/>
+  </dgm:styleLbl>
+</dgm:colorsDef>
+</file>
+
+<file path=ppt/diagrams/colors3.xml><?xml version="1.0" encoding="utf-8"?>
 <dgm:colorsDef xmlns:dgm="http://schemas.openxmlformats.org/drawingml/2006/diagram" xmlns:a="http://schemas.openxmlformats.org/drawingml/2006/main" uniqueId="urn:microsoft.com/office/officeart/2005/8/colors/colorful1">
   <dgm:title val=""/>
   <dgm:desc val=""/>
@@ -1818,7 +2601,7 @@
 </dgm:colorsDef>
 </file>
 
-<file path=ppt/diagrams/colors3.xml><?xml version="1.0" encoding="utf-8"?>
+<file path=ppt/diagrams/colors4.xml><?xml version="1.0" encoding="utf-8"?>
 <dgm:colorsDef xmlns:dgm="http://schemas.openxmlformats.org/drawingml/2006/diagram" xmlns:a="http://schemas.openxmlformats.org/drawingml/2006/main" uniqueId="urn:microsoft.com/office/officeart/2005/8/colors/accent0_3">
   <dgm:title val=""/>
   <dgm:desc val=""/>
@@ -2570,6 +3353,775 @@
 </file>
 
 <file path=ppt/diagrams/data1.xml><?xml version="1.0" encoding="utf-8"?>
+<dgm:dataModel xmlns:dgm="http://schemas.openxmlformats.org/drawingml/2006/diagram" xmlns:a="http://schemas.openxmlformats.org/drawingml/2006/main">
+  <dgm:ptLst>
+    <dgm:pt modelId="{E533AE77-875F-4914-90B2-D7D7AC3B4C89}" type="doc">
+      <dgm:prSet loTypeId="urn:microsoft.com/office/officeart/2005/8/layout/lProcess3" loCatId="process" qsTypeId="urn:microsoft.com/office/officeart/2005/8/quickstyle/simple1" qsCatId="simple" csTypeId="urn:microsoft.com/office/officeart/2005/8/colors/colorful2" csCatId="colorful" phldr="1"/>
+      <dgm:spPr/>
+      <dgm:t>
+        <a:bodyPr/>
+        <a:lstStyle/>
+        <a:p>
+          <a:endParaRPr lang="es-CO"/>
+        </a:p>
+      </dgm:t>
+    </dgm:pt>
+    <dgm:pt modelId="{DBEA8E81-1A74-4A8B-83A7-F6769D0C49E5}">
+      <dgm:prSet phldrT="[Text]"/>
+      <dgm:spPr/>
+      <dgm:t>
+        <a:bodyPr/>
+        <a:lstStyle/>
+        <a:p>
+          <a:pPr algn="l"/>
+          <a:r>
+            <a:rPr lang="es-CO" b="1" dirty="0" smtClean="0"/>
+            <a:t>Ingeniero de Administración</a:t>
+          </a:r>
+          <a:endParaRPr lang="es-CO" dirty="0"/>
+        </a:p>
+      </dgm:t>
+    </dgm:pt>
+    <dgm:pt modelId="{B427755B-47C7-458C-8162-BAAA69DF1436}" type="parTrans" cxnId="{BAE822A1-96C0-49C7-8E34-289C85E806F5}">
+      <dgm:prSet/>
+      <dgm:spPr/>
+      <dgm:t>
+        <a:bodyPr/>
+        <a:lstStyle/>
+        <a:p>
+          <a:endParaRPr lang="es-CO"/>
+        </a:p>
+      </dgm:t>
+    </dgm:pt>
+    <dgm:pt modelId="{6F14D17C-8C00-4974-92FC-3DA1F126CE58}" type="sibTrans" cxnId="{BAE822A1-96C0-49C7-8E34-289C85E806F5}">
+      <dgm:prSet/>
+      <dgm:spPr/>
+      <dgm:t>
+        <a:bodyPr/>
+        <a:lstStyle/>
+        <a:p>
+          <a:endParaRPr lang="es-CO"/>
+        </a:p>
+      </dgm:t>
+    </dgm:pt>
+    <dgm:pt modelId="{7C31DAEF-63F8-4A9C-BCF1-0501B41AB3F3}">
+      <dgm:prSet phldrT="[Text]"/>
+      <dgm:spPr/>
+      <dgm:t>
+        <a:bodyPr/>
+        <a:lstStyle/>
+        <a:p>
+          <a:pPr algn="l"/>
+          <a:r>
+            <a:rPr lang="es-CO" dirty="0" smtClean="0"/>
+            <a:t>Erik Fernando Arcos Franco</a:t>
+          </a:r>
+          <a:endParaRPr lang="es-CO" dirty="0"/>
+        </a:p>
+      </dgm:t>
+    </dgm:pt>
+    <dgm:pt modelId="{CA5CA1B2-DB55-44A9-A17D-B941F74A7F9C}" type="parTrans" cxnId="{BC1602A1-26D2-4A86-BDD9-46707AD43E68}">
+      <dgm:prSet/>
+      <dgm:spPr/>
+      <dgm:t>
+        <a:bodyPr/>
+        <a:lstStyle/>
+        <a:p>
+          <a:endParaRPr lang="es-CO"/>
+        </a:p>
+      </dgm:t>
+    </dgm:pt>
+    <dgm:pt modelId="{A53E1126-50BD-4DE9-B804-4D9F21B3CE65}" type="sibTrans" cxnId="{BC1602A1-26D2-4A86-BDD9-46707AD43E68}">
+      <dgm:prSet/>
+      <dgm:spPr/>
+      <dgm:t>
+        <a:bodyPr/>
+        <a:lstStyle/>
+        <a:p>
+          <a:endParaRPr lang="es-CO"/>
+        </a:p>
+      </dgm:t>
+    </dgm:pt>
+    <dgm:pt modelId="{9B6CD67C-C744-45B3-8B6E-E5EE4E9742CE}">
+      <dgm:prSet phldrT="[Text]"/>
+      <dgm:spPr/>
+      <dgm:t>
+        <a:bodyPr/>
+        <a:lstStyle/>
+        <a:p>
+          <a:pPr algn="l"/>
+          <a:r>
+            <a:rPr lang="es-CO" b="1" dirty="0" smtClean="0"/>
+            <a:t>Ingeniero de Soporte</a:t>
+          </a:r>
+          <a:endParaRPr lang="es-CO" dirty="0"/>
+        </a:p>
+      </dgm:t>
+    </dgm:pt>
+    <dgm:pt modelId="{FB31E350-8F19-4F2A-B848-423ED114E008}" type="parTrans" cxnId="{831472BF-C9A0-4ECB-B045-EED8F6B40664}">
+      <dgm:prSet/>
+      <dgm:spPr/>
+      <dgm:t>
+        <a:bodyPr/>
+        <a:lstStyle/>
+        <a:p>
+          <a:endParaRPr lang="es-CO"/>
+        </a:p>
+      </dgm:t>
+    </dgm:pt>
+    <dgm:pt modelId="{6A2FD69B-3333-4522-ADDC-D758A489AA90}" type="sibTrans" cxnId="{831472BF-C9A0-4ECB-B045-EED8F6B40664}">
+      <dgm:prSet/>
+      <dgm:spPr/>
+      <dgm:t>
+        <a:bodyPr/>
+        <a:lstStyle/>
+        <a:p>
+          <a:endParaRPr lang="es-CO"/>
+        </a:p>
+      </dgm:t>
+    </dgm:pt>
+    <dgm:pt modelId="{3AAAA34A-8C23-4477-A29B-C4D5C9FFA8E4}">
+      <dgm:prSet phldrT="[Text]"/>
+      <dgm:spPr/>
+      <dgm:t>
+        <a:bodyPr/>
+        <a:lstStyle/>
+        <a:p>
+          <a:pPr algn="l"/>
+          <a:r>
+            <a:rPr lang="es-CO" dirty="0" smtClean="0"/>
+            <a:t>Andrés Mauricio Erazo Benavides</a:t>
+          </a:r>
+          <a:endParaRPr lang="es-CO" dirty="0"/>
+        </a:p>
+      </dgm:t>
+    </dgm:pt>
+    <dgm:pt modelId="{E5F7ED4C-F8A7-4CCB-889A-AE24857CF7DA}" type="parTrans" cxnId="{5413A998-028C-490D-BC4E-9B9377F3AAF2}">
+      <dgm:prSet/>
+      <dgm:spPr/>
+      <dgm:t>
+        <a:bodyPr/>
+        <a:lstStyle/>
+        <a:p>
+          <a:endParaRPr lang="es-CO"/>
+        </a:p>
+      </dgm:t>
+    </dgm:pt>
+    <dgm:pt modelId="{1DBD4FE6-EA61-46C9-97FC-5164503DF7F6}" type="sibTrans" cxnId="{5413A998-028C-490D-BC4E-9B9377F3AAF2}">
+      <dgm:prSet/>
+      <dgm:spPr/>
+      <dgm:t>
+        <a:bodyPr/>
+        <a:lstStyle/>
+        <a:p>
+          <a:endParaRPr lang="es-CO"/>
+        </a:p>
+      </dgm:t>
+    </dgm:pt>
+    <dgm:pt modelId="{779E9C81-2383-453F-9112-4987C2CDA336}">
+      <dgm:prSet phldrT="[Text]"/>
+      <dgm:spPr/>
+      <dgm:t>
+        <a:bodyPr/>
+        <a:lstStyle/>
+        <a:p>
+          <a:pPr algn="l"/>
+          <a:r>
+            <a:rPr lang="es-CO" dirty="0" smtClean="0"/>
+            <a:t>Andrés Mauricio Erazo Benavides</a:t>
+          </a:r>
+          <a:endParaRPr lang="es-CO" dirty="0"/>
+        </a:p>
+      </dgm:t>
+    </dgm:pt>
+    <dgm:pt modelId="{BA49ADF7-F70D-4491-BF65-48537280AD67}" type="parTrans" cxnId="{0CBF8184-CB0C-4988-88B1-E7D67C257A85}">
+      <dgm:prSet/>
+      <dgm:spPr/>
+      <dgm:t>
+        <a:bodyPr/>
+        <a:lstStyle/>
+        <a:p>
+          <a:endParaRPr lang="es-CO"/>
+        </a:p>
+      </dgm:t>
+    </dgm:pt>
+    <dgm:pt modelId="{E1B9BFE2-12E2-4312-9F42-C1F115BBDC46}" type="sibTrans" cxnId="{0CBF8184-CB0C-4988-88B1-E7D67C257A85}">
+      <dgm:prSet/>
+      <dgm:spPr/>
+      <dgm:t>
+        <a:bodyPr/>
+        <a:lstStyle/>
+        <a:p>
+          <a:endParaRPr lang="es-CO"/>
+        </a:p>
+      </dgm:t>
+    </dgm:pt>
+    <dgm:pt modelId="{3FC5635F-A438-43DA-8514-E42FE6F52953}">
+      <dgm:prSet phldrT="[Text]"/>
+      <dgm:spPr/>
+      <dgm:t>
+        <a:bodyPr/>
+        <a:lstStyle/>
+        <a:p>
+          <a:pPr algn="l"/>
+          <a:r>
+            <a:rPr lang="es-CO" b="1" dirty="0" smtClean="0"/>
+            <a:t>Ingeniero de Requerimientos</a:t>
+          </a:r>
+          <a:endParaRPr lang="es-CO" dirty="0"/>
+        </a:p>
+      </dgm:t>
+    </dgm:pt>
+    <dgm:pt modelId="{89C2D555-A90D-4BBC-A5D9-84C08647F10A}" type="parTrans" cxnId="{527591CD-BCEE-492C-B054-4FA5D4E16324}">
+      <dgm:prSet/>
+      <dgm:spPr/>
+      <dgm:t>
+        <a:bodyPr/>
+        <a:lstStyle/>
+        <a:p>
+          <a:endParaRPr lang="es-CO"/>
+        </a:p>
+      </dgm:t>
+    </dgm:pt>
+    <dgm:pt modelId="{AEF84628-7450-4AD5-8A4C-54A9924BB19B}" type="sibTrans" cxnId="{527591CD-BCEE-492C-B054-4FA5D4E16324}">
+      <dgm:prSet/>
+      <dgm:spPr/>
+      <dgm:t>
+        <a:bodyPr/>
+        <a:lstStyle/>
+        <a:p>
+          <a:endParaRPr lang="es-CO"/>
+        </a:p>
+      </dgm:t>
+    </dgm:pt>
+    <dgm:pt modelId="{41BF745E-F7A9-44C8-85FE-147DE8A54F4D}">
+      <dgm:prSet phldrT="[Text]"/>
+      <dgm:spPr/>
+      <dgm:t>
+        <a:bodyPr/>
+        <a:lstStyle/>
+        <a:p>
+          <a:pPr algn="l"/>
+          <a:r>
+            <a:rPr lang="es-CO" dirty="0" smtClean="0"/>
+            <a:t>Sandra Milena Gómez Ríos</a:t>
+          </a:r>
+          <a:endParaRPr lang="es-CO" dirty="0"/>
+        </a:p>
+      </dgm:t>
+    </dgm:pt>
+    <dgm:pt modelId="{BAA3BBCD-1C13-4C8A-A342-2E157461906D}" type="parTrans" cxnId="{7C52BA3B-C0CE-4A52-9F2E-25D8982B6D40}">
+      <dgm:prSet/>
+      <dgm:spPr/>
+      <dgm:t>
+        <a:bodyPr/>
+        <a:lstStyle/>
+        <a:p>
+          <a:endParaRPr lang="es-CO"/>
+        </a:p>
+      </dgm:t>
+    </dgm:pt>
+    <dgm:pt modelId="{914DADCE-E8A5-47E3-A0B0-4F57026C4C32}" type="sibTrans" cxnId="{7C52BA3B-C0CE-4A52-9F2E-25D8982B6D40}">
+      <dgm:prSet/>
+      <dgm:spPr/>
+      <dgm:t>
+        <a:bodyPr/>
+        <a:lstStyle/>
+        <a:p>
+          <a:endParaRPr lang="es-CO"/>
+        </a:p>
+      </dgm:t>
+    </dgm:pt>
+    <dgm:pt modelId="{BBC7BC5E-C71D-4FA6-84A8-CE34A5C18A08}">
+      <dgm:prSet phldrT="[Text]"/>
+      <dgm:spPr/>
+      <dgm:t>
+        <a:bodyPr/>
+        <a:lstStyle/>
+        <a:p>
+          <a:pPr algn="l"/>
+          <a:r>
+            <a:rPr lang="es-CO" dirty="0" smtClean="0"/>
+            <a:t>Carlos Ernesto González Vargas</a:t>
+          </a:r>
+          <a:endParaRPr lang="es-CO" dirty="0"/>
+        </a:p>
+      </dgm:t>
+    </dgm:pt>
+    <dgm:pt modelId="{BCD23F92-EED3-417C-AC5F-ABA1A73E3368}" type="parTrans" cxnId="{A86BCEF2-381B-40C6-BE0D-56D378C022E8}">
+      <dgm:prSet/>
+      <dgm:spPr/>
+      <dgm:t>
+        <a:bodyPr/>
+        <a:lstStyle/>
+        <a:p>
+          <a:endParaRPr lang="es-CO"/>
+        </a:p>
+      </dgm:t>
+    </dgm:pt>
+    <dgm:pt modelId="{18CFA2AF-0EEF-4E40-98EF-E40D026C7967}" type="sibTrans" cxnId="{A86BCEF2-381B-40C6-BE0D-56D378C022E8}">
+      <dgm:prSet/>
+      <dgm:spPr/>
+      <dgm:t>
+        <a:bodyPr/>
+        <a:lstStyle/>
+        <a:p>
+          <a:endParaRPr lang="es-CO"/>
+        </a:p>
+      </dgm:t>
+    </dgm:pt>
+    <dgm:pt modelId="{950FBC46-DAB7-4F06-A61E-013EEC9DC271}">
+      <dgm:prSet phldrT="[Text]"/>
+      <dgm:spPr/>
+      <dgm:t>
+        <a:bodyPr/>
+        <a:lstStyle/>
+        <a:p>
+          <a:pPr algn="l"/>
+          <a:r>
+            <a:rPr lang="es-CO" b="1" dirty="0" smtClean="0"/>
+            <a:t>Arquitecto Jefe</a:t>
+          </a:r>
+          <a:endParaRPr lang="es-CO" dirty="0"/>
+        </a:p>
+      </dgm:t>
+    </dgm:pt>
+    <dgm:pt modelId="{C702E283-0257-487F-9C44-7C3745E84551}" type="parTrans" cxnId="{0150F1EC-7940-4BF7-B123-43C3751CCCCA}">
+      <dgm:prSet/>
+      <dgm:spPr/>
+      <dgm:t>
+        <a:bodyPr/>
+        <a:lstStyle/>
+        <a:p>
+          <a:endParaRPr lang="es-CO"/>
+        </a:p>
+      </dgm:t>
+    </dgm:pt>
+    <dgm:pt modelId="{C74DE747-8B74-4AD3-939F-AF6403D6AB43}" type="sibTrans" cxnId="{0150F1EC-7940-4BF7-B123-43C3751CCCCA}">
+      <dgm:prSet/>
+      <dgm:spPr/>
+      <dgm:t>
+        <a:bodyPr/>
+        <a:lstStyle/>
+        <a:p>
+          <a:endParaRPr lang="es-CO"/>
+        </a:p>
+      </dgm:t>
+    </dgm:pt>
+    <dgm:pt modelId="{C48CB691-9011-4339-9AA6-0DDF04C158CE}">
+      <dgm:prSet phldrT="[Text]"/>
+      <dgm:spPr/>
+      <dgm:t>
+        <a:bodyPr/>
+        <a:lstStyle/>
+        <a:p>
+          <a:pPr algn="l"/>
+          <a:r>
+            <a:rPr lang="es-CO" b="1" dirty="0" smtClean="0"/>
+            <a:t>Ingeniero de calidad</a:t>
+          </a:r>
+          <a:endParaRPr lang="es-CO" dirty="0"/>
+        </a:p>
+      </dgm:t>
+    </dgm:pt>
+    <dgm:pt modelId="{D748F646-1065-4659-A685-CF7AAC97ADFB}" type="parTrans" cxnId="{C97E7F95-97EC-4CEC-9D21-D572F47283A2}">
+      <dgm:prSet/>
+      <dgm:spPr/>
+      <dgm:t>
+        <a:bodyPr/>
+        <a:lstStyle/>
+        <a:p>
+          <a:endParaRPr lang="es-CO"/>
+        </a:p>
+      </dgm:t>
+    </dgm:pt>
+    <dgm:pt modelId="{EB6CB7AA-F81D-46EE-B488-70F8F0695B7B}" type="sibTrans" cxnId="{C97E7F95-97EC-4CEC-9D21-D572F47283A2}">
+      <dgm:prSet/>
+      <dgm:spPr/>
+      <dgm:t>
+        <a:bodyPr/>
+        <a:lstStyle/>
+        <a:p>
+          <a:endParaRPr lang="es-CO"/>
+        </a:p>
+      </dgm:t>
+    </dgm:pt>
+    <dgm:pt modelId="{E6970C8D-4031-4C8D-A6FC-27EBDCE4651B}">
+      <dgm:prSet phldrT="[Text]"/>
+      <dgm:spPr/>
+      <dgm:t>
+        <a:bodyPr/>
+        <a:lstStyle/>
+        <a:p>
+          <a:pPr algn="l"/>
+          <a:r>
+            <a:rPr lang="es-CO" dirty="0" smtClean="0"/>
+            <a:t>David Pérez </a:t>
+          </a:r>
+          <a:r>
+            <a:rPr lang="es-CO" dirty="0" err="1" smtClean="0"/>
+            <a:t>Chibuque</a:t>
+          </a:r>
+          <a:endParaRPr lang="es-CO" dirty="0"/>
+        </a:p>
+      </dgm:t>
+    </dgm:pt>
+    <dgm:pt modelId="{B714884F-C54A-4FA3-8AD3-D110EA2382A2}" type="parTrans" cxnId="{4AB7F73A-6C02-4BAD-9E6D-67361905150D}">
+      <dgm:prSet/>
+      <dgm:spPr/>
+      <dgm:t>
+        <a:bodyPr/>
+        <a:lstStyle/>
+        <a:p>
+          <a:endParaRPr lang="es-CO"/>
+        </a:p>
+      </dgm:t>
+    </dgm:pt>
+    <dgm:pt modelId="{1FA935EE-5092-4F49-9299-964CD785398B}" type="sibTrans" cxnId="{4AB7F73A-6C02-4BAD-9E6D-67361905150D}">
+      <dgm:prSet/>
+      <dgm:spPr/>
+      <dgm:t>
+        <a:bodyPr/>
+        <a:lstStyle/>
+        <a:p>
+          <a:endParaRPr lang="es-CO"/>
+        </a:p>
+      </dgm:t>
+    </dgm:pt>
+    <dgm:pt modelId="{70829743-8A99-4CEA-AAAC-2FF7E79CC1B3}">
+      <dgm:prSet phldrT="[Text]"/>
+      <dgm:spPr/>
+      <dgm:t>
+        <a:bodyPr/>
+        <a:lstStyle/>
+        <a:p>
+          <a:pPr algn="l"/>
+          <a:r>
+            <a:rPr lang="es-CO" b="1" dirty="0" smtClean="0"/>
+            <a:t>Ingeniera de Producción</a:t>
+          </a:r>
+          <a:endParaRPr lang="es-CO" dirty="0"/>
+        </a:p>
+      </dgm:t>
+    </dgm:pt>
+    <dgm:pt modelId="{2F2E711F-47CB-4E5F-85C6-9E8B7C786A71}" type="parTrans" cxnId="{EBDD8355-E696-4884-BC20-D8C4F9A7DBE9}">
+      <dgm:prSet/>
+      <dgm:spPr/>
+      <dgm:t>
+        <a:bodyPr/>
+        <a:lstStyle/>
+        <a:p>
+          <a:endParaRPr lang="es-CO"/>
+        </a:p>
+      </dgm:t>
+    </dgm:pt>
+    <dgm:pt modelId="{7DD15BF3-1A5E-4818-A800-54F6FA566C48}" type="sibTrans" cxnId="{EBDD8355-E696-4884-BC20-D8C4F9A7DBE9}">
+      <dgm:prSet/>
+      <dgm:spPr/>
+      <dgm:t>
+        <a:bodyPr/>
+        <a:lstStyle/>
+        <a:p>
+          <a:endParaRPr lang="es-CO"/>
+        </a:p>
+      </dgm:t>
+    </dgm:pt>
+    <dgm:pt modelId="{8506897D-5A90-4870-9C50-651C43DCF413}" type="pres">
+      <dgm:prSet presAssocID="{E533AE77-875F-4914-90B2-D7D7AC3B4C89}" presName="Name0" presStyleCnt="0">
+        <dgm:presLayoutVars>
+          <dgm:chPref val="3"/>
+          <dgm:dir/>
+          <dgm:animLvl val="lvl"/>
+          <dgm:resizeHandles/>
+        </dgm:presLayoutVars>
+      </dgm:prSet>
+      <dgm:spPr/>
+    </dgm:pt>
+    <dgm:pt modelId="{21945C05-1064-48EB-955C-81E13F3CB966}" type="pres">
+      <dgm:prSet presAssocID="{DBEA8E81-1A74-4A8B-83A7-F6769D0C49E5}" presName="horFlow" presStyleCnt="0"/>
+      <dgm:spPr/>
+    </dgm:pt>
+    <dgm:pt modelId="{43D2433B-C800-41EB-B72A-24E30D1266E8}" type="pres">
+      <dgm:prSet presAssocID="{DBEA8E81-1A74-4A8B-83A7-F6769D0C49E5}" presName="bigChev" presStyleLbl="node1" presStyleIdx="0" presStyleCnt="6" custScaleX="166283"/>
+      <dgm:spPr/>
+      <dgm:t>
+        <a:bodyPr/>
+        <a:lstStyle/>
+        <a:p>
+          <a:endParaRPr lang="es-CO"/>
+        </a:p>
+      </dgm:t>
+    </dgm:pt>
+    <dgm:pt modelId="{1EBD6795-F45E-410C-999A-53CF1EC896E7}" type="pres">
+      <dgm:prSet presAssocID="{CA5CA1B2-DB55-44A9-A17D-B941F74A7F9C}" presName="parTrans" presStyleCnt="0"/>
+      <dgm:spPr/>
+    </dgm:pt>
+    <dgm:pt modelId="{3AF60287-035B-4E46-A68D-CE361C1192E0}" type="pres">
+      <dgm:prSet presAssocID="{7C31DAEF-63F8-4A9C-BCF1-0501B41AB3F3}" presName="node" presStyleLbl="alignAccFollowNode1" presStyleIdx="0" presStyleCnt="6" custScaleX="308014" custScaleY="80388">
+        <dgm:presLayoutVars>
+          <dgm:bulletEnabled val="1"/>
+        </dgm:presLayoutVars>
+      </dgm:prSet>
+      <dgm:spPr/>
+    </dgm:pt>
+    <dgm:pt modelId="{F6E9FF59-4F78-42F3-8D54-8BD94CC037AD}" type="pres">
+      <dgm:prSet presAssocID="{DBEA8E81-1A74-4A8B-83A7-F6769D0C49E5}" presName="vSp" presStyleCnt="0"/>
+      <dgm:spPr/>
+    </dgm:pt>
+    <dgm:pt modelId="{777BEAE5-E54E-46AE-9EAE-33FBCEFBD99D}" type="pres">
+      <dgm:prSet presAssocID="{9B6CD67C-C744-45B3-8B6E-E5EE4E9742CE}" presName="horFlow" presStyleCnt="0"/>
+      <dgm:spPr/>
+    </dgm:pt>
+    <dgm:pt modelId="{DDEF83C6-53B3-4A7D-9E75-C0B2EEC177DF}" type="pres">
+      <dgm:prSet presAssocID="{9B6CD67C-C744-45B3-8B6E-E5EE4E9742CE}" presName="bigChev" presStyleLbl="node1" presStyleIdx="1" presStyleCnt="6" custScaleX="166283"/>
+      <dgm:spPr/>
+      <dgm:t>
+        <a:bodyPr/>
+        <a:lstStyle/>
+        <a:p>
+          <a:endParaRPr lang="es-CO"/>
+        </a:p>
+      </dgm:t>
+    </dgm:pt>
+    <dgm:pt modelId="{3B601A2F-08F9-4156-AE92-9228C90A70EA}" type="pres">
+      <dgm:prSet presAssocID="{E5F7ED4C-F8A7-4CCB-889A-AE24857CF7DA}" presName="parTrans" presStyleCnt="0"/>
+      <dgm:spPr/>
+    </dgm:pt>
+    <dgm:pt modelId="{8D6A7D35-C7E5-403F-9217-4F5D58B77A03}" type="pres">
+      <dgm:prSet presAssocID="{3AAAA34A-8C23-4477-A29B-C4D5C9FFA8E4}" presName="node" presStyleLbl="alignAccFollowNode1" presStyleIdx="1" presStyleCnt="6" custScaleX="308014" custScaleY="80388">
+        <dgm:presLayoutVars>
+          <dgm:bulletEnabled val="1"/>
+        </dgm:presLayoutVars>
+      </dgm:prSet>
+      <dgm:spPr/>
+      <dgm:t>
+        <a:bodyPr/>
+        <a:lstStyle/>
+        <a:p>
+          <a:endParaRPr lang="es-CO"/>
+        </a:p>
+      </dgm:t>
+    </dgm:pt>
+    <dgm:pt modelId="{335D9E21-A502-4A50-AFCB-202690F60884}" type="pres">
+      <dgm:prSet presAssocID="{9B6CD67C-C744-45B3-8B6E-E5EE4E9742CE}" presName="vSp" presStyleCnt="0"/>
+      <dgm:spPr/>
+    </dgm:pt>
+    <dgm:pt modelId="{AA208354-36EA-4E6D-BD3B-2C96E3BC4567}" type="pres">
+      <dgm:prSet presAssocID="{950FBC46-DAB7-4F06-A61E-013EEC9DC271}" presName="horFlow" presStyleCnt="0"/>
+      <dgm:spPr/>
+    </dgm:pt>
+    <dgm:pt modelId="{3C8C0889-D2FC-4512-B2E2-34392065E875}" type="pres">
+      <dgm:prSet presAssocID="{950FBC46-DAB7-4F06-A61E-013EEC9DC271}" presName="bigChev" presStyleLbl="node1" presStyleIdx="2" presStyleCnt="6" custScaleX="166283"/>
+      <dgm:spPr/>
+      <dgm:t>
+        <a:bodyPr/>
+        <a:lstStyle/>
+        <a:p>
+          <a:endParaRPr lang="es-CO"/>
+        </a:p>
+      </dgm:t>
+    </dgm:pt>
+    <dgm:pt modelId="{CCB76B56-92BA-4131-BE58-AB631380E256}" type="pres">
+      <dgm:prSet presAssocID="{BA49ADF7-F70D-4491-BF65-48537280AD67}" presName="parTrans" presStyleCnt="0"/>
+      <dgm:spPr/>
+    </dgm:pt>
+    <dgm:pt modelId="{14AFB1CC-5D3A-4FF2-B4AD-5A51A3533829}" type="pres">
+      <dgm:prSet presAssocID="{779E9C81-2383-453F-9112-4987C2CDA336}" presName="node" presStyleLbl="alignAccFollowNode1" presStyleIdx="2" presStyleCnt="6" custScaleX="308014" custScaleY="80388">
+        <dgm:presLayoutVars>
+          <dgm:bulletEnabled val="1"/>
+        </dgm:presLayoutVars>
+      </dgm:prSet>
+      <dgm:spPr/>
+      <dgm:t>
+        <a:bodyPr/>
+        <a:lstStyle/>
+        <a:p>
+          <a:endParaRPr lang="es-CO"/>
+        </a:p>
+      </dgm:t>
+    </dgm:pt>
+    <dgm:pt modelId="{06D09742-4200-4188-A478-8BA0EADFDD11}" type="pres">
+      <dgm:prSet presAssocID="{950FBC46-DAB7-4F06-A61E-013EEC9DC271}" presName="vSp" presStyleCnt="0"/>
+      <dgm:spPr/>
+    </dgm:pt>
+    <dgm:pt modelId="{427387EA-3BDD-42C2-AED6-73A330572A13}" type="pres">
+      <dgm:prSet presAssocID="{3FC5635F-A438-43DA-8514-E42FE6F52953}" presName="horFlow" presStyleCnt="0"/>
+      <dgm:spPr/>
+    </dgm:pt>
+    <dgm:pt modelId="{D3350139-2613-4C73-B491-E108435D0AE9}" type="pres">
+      <dgm:prSet presAssocID="{3FC5635F-A438-43DA-8514-E42FE6F52953}" presName="bigChev" presStyleLbl="node1" presStyleIdx="3" presStyleCnt="6" custScaleX="166283"/>
+      <dgm:spPr/>
+      <dgm:t>
+        <a:bodyPr/>
+        <a:lstStyle/>
+        <a:p>
+          <a:endParaRPr lang="es-CO"/>
+        </a:p>
+      </dgm:t>
+    </dgm:pt>
+    <dgm:pt modelId="{8DFC2BD3-3D3E-45B8-9AC4-15BBA0355EAC}" type="pres">
+      <dgm:prSet presAssocID="{BCD23F92-EED3-417C-AC5F-ABA1A73E3368}" presName="parTrans" presStyleCnt="0"/>
+      <dgm:spPr/>
+    </dgm:pt>
+    <dgm:pt modelId="{09498659-E017-4DD8-8D1D-F98B28139037}" type="pres">
+      <dgm:prSet presAssocID="{BBC7BC5E-C71D-4FA6-84A8-CE34A5C18A08}" presName="node" presStyleLbl="alignAccFollowNode1" presStyleIdx="3" presStyleCnt="6" custScaleX="308014" custScaleY="80388">
+        <dgm:presLayoutVars>
+          <dgm:bulletEnabled val="1"/>
+        </dgm:presLayoutVars>
+      </dgm:prSet>
+      <dgm:spPr/>
+      <dgm:t>
+        <a:bodyPr/>
+        <a:lstStyle/>
+        <a:p>
+          <a:endParaRPr lang="es-CO"/>
+        </a:p>
+      </dgm:t>
+    </dgm:pt>
+    <dgm:pt modelId="{4C40AEEF-2B92-43CA-9508-F69FBC948C8C}" type="pres">
+      <dgm:prSet presAssocID="{3FC5635F-A438-43DA-8514-E42FE6F52953}" presName="vSp" presStyleCnt="0"/>
+      <dgm:spPr/>
+    </dgm:pt>
+    <dgm:pt modelId="{02900EC5-A0FE-4FBE-9951-7EB4091E6391}" type="pres">
+      <dgm:prSet presAssocID="{C48CB691-9011-4339-9AA6-0DDF04C158CE}" presName="horFlow" presStyleCnt="0"/>
+      <dgm:spPr/>
+    </dgm:pt>
+    <dgm:pt modelId="{D7ED1614-9D60-4293-8664-C9F7DFCBFE8A}" type="pres">
+      <dgm:prSet presAssocID="{C48CB691-9011-4339-9AA6-0DDF04C158CE}" presName="bigChev" presStyleLbl="node1" presStyleIdx="4" presStyleCnt="6" custScaleX="166283"/>
+      <dgm:spPr/>
+      <dgm:t>
+        <a:bodyPr/>
+        <a:lstStyle/>
+        <a:p>
+          <a:endParaRPr lang="es-CO"/>
+        </a:p>
+      </dgm:t>
+    </dgm:pt>
+    <dgm:pt modelId="{422CDE3A-6286-4FA4-91C8-5858CA16CC47}" type="pres">
+      <dgm:prSet presAssocID="{B714884F-C54A-4FA3-8AD3-D110EA2382A2}" presName="parTrans" presStyleCnt="0"/>
+      <dgm:spPr/>
+    </dgm:pt>
+    <dgm:pt modelId="{B0A9C9C2-74B4-49C4-A0B4-2D254947495B}" type="pres">
+      <dgm:prSet presAssocID="{E6970C8D-4031-4C8D-A6FC-27EBDCE4651B}" presName="node" presStyleLbl="alignAccFollowNode1" presStyleIdx="4" presStyleCnt="6" custScaleX="308014" custScaleY="80388">
+        <dgm:presLayoutVars>
+          <dgm:bulletEnabled val="1"/>
+        </dgm:presLayoutVars>
+      </dgm:prSet>
+      <dgm:spPr/>
+      <dgm:t>
+        <a:bodyPr/>
+        <a:lstStyle/>
+        <a:p>
+          <a:endParaRPr lang="es-CO"/>
+        </a:p>
+      </dgm:t>
+    </dgm:pt>
+    <dgm:pt modelId="{28851346-219E-4936-A9BF-64EDF1A59506}" type="pres">
+      <dgm:prSet presAssocID="{C48CB691-9011-4339-9AA6-0DDF04C158CE}" presName="vSp" presStyleCnt="0"/>
+      <dgm:spPr/>
+    </dgm:pt>
+    <dgm:pt modelId="{92EC3D43-57D9-4245-BB44-2A3DFCF5F154}" type="pres">
+      <dgm:prSet presAssocID="{70829743-8A99-4CEA-AAAC-2FF7E79CC1B3}" presName="horFlow" presStyleCnt="0"/>
+      <dgm:spPr/>
+    </dgm:pt>
+    <dgm:pt modelId="{9A2EFF53-CE12-4033-99C5-D70209579430}" type="pres">
+      <dgm:prSet presAssocID="{70829743-8A99-4CEA-AAAC-2FF7E79CC1B3}" presName="bigChev" presStyleLbl="node1" presStyleIdx="5" presStyleCnt="6" custScaleX="166283"/>
+      <dgm:spPr/>
+      <dgm:t>
+        <a:bodyPr/>
+        <a:lstStyle/>
+        <a:p>
+          <a:endParaRPr lang="es-CO"/>
+        </a:p>
+      </dgm:t>
+    </dgm:pt>
+    <dgm:pt modelId="{E40EACB1-539F-4F27-9289-D3A36F5352DC}" type="pres">
+      <dgm:prSet presAssocID="{BAA3BBCD-1C13-4C8A-A342-2E157461906D}" presName="parTrans" presStyleCnt="0"/>
+      <dgm:spPr/>
+    </dgm:pt>
+    <dgm:pt modelId="{01D1699C-D4EB-4C39-9E1B-A05367549CF3}" type="pres">
+      <dgm:prSet presAssocID="{41BF745E-F7A9-44C8-85FE-147DE8A54F4D}" presName="node" presStyleLbl="alignAccFollowNode1" presStyleIdx="5" presStyleCnt="6" custScaleX="308014" custScaleY="80388">
+        <dgm:presLayoutVars>
+          <dgm:bulletEnabled val="1"/>
+        </dgm:presLayoutVars>
+      </dgm:prSet>
+      <dgm:spPr/>
+      <dgm:t>
+        <a:bodyPr/>
+        <a:lstStyle/>
+        <a:p>
+          <a:endParaRPr lang="es-CO"/>
+        </a:p>
+      </dgm:t>
+    </dgm:pt>
+  </dgm:ptLst>
+  <dgm:cxnLst>
+    <dgm:cxn modelId="{F9FB5043-EF00-4AE8-B5E3-898EA16F84A9}" type="presOf" srcId="{3AAAA34A-8C23-4477-A29B-C4D5C9FFA8E4}" destId="{8D6A7D35-C7E5-403F-9217-4F5D58B77A03}" srcOrd="0" destOrd="0" presId="urn:microsoft.com/office/officeart/2005/8/layout/lProcess3"/>
+    <dgm:cxn modelId="{77442C8E-8985-4114-A8F7-34ABA2EA003F}" type="presOf" srcId="{3FC5635F-A438-43DA-8514-E42FE6F52953}" destId="{D3350139-2613-4C73-B491-E108435D0AE9}" srcOrd="0" destOrd="0" presId="urn:microsoft.com/office/officeart/2005/8/layout/lProcess3"/>
+    <dgm:cxn modelId="{C97E7F95-97EC-4CEC-9D21-D572F47283A2}" srcId="{E533AE77-875F-4914-90B2-D7D7AC3B4C89}" destId="{C48CB691-9011-4339-9AA6-0DDF04C158CE}" srcOrd="4" destOrd="0" parTransId="{D748F646-1065-4659-A685-CF7AAC97ADFB}" sibTransId="{EB6CB7AA-F81D-46EE-B488-70F8F0695B7B}"/>
+    <dgm:cxn modelId="{67ABE383-F6C9-4AE9-BAB2-25BDA895F7EE}" type="presOf" srcId="{DBEA8E81-1A74-4A8B-83A7-F6769D0C49E5}" destId="{43D2433B-C800-41EB-B72A-24E30D1266E8}" srcOrd="0" destOrd="0" presId="urn:microsoft.com/office/officeart/2005/8/layout/lProcess3"/>
+    <dgm:cxn modelId="{5413A998-028C-490D-BC4E-9B9377F3AAF2}" srcId="{9B6CD67C-C744-45B3-8B6E-E5EE4E9742CE}" destId="{3AAAA34A-8C23-4477-A29B-C4D5C9FFA8E4}" srcOrd="0" destOrd="0" parTransId="{E5F7ED4C-F8A7-4CCB-889A-AE24857CF7DA}" sibTransId="{1DBD4FE6-EA61-46C9-97FC-5164503DF7F6}"/>
+    <dgm:cxn modelId="{7ED8102E-1028-42C1-946F-B7DFA94FA75A}" type="presOf" srcId="{70829743-8A99-4CEA-AAAC-2FF7E79CC1B3}" destId="{9A2EFF53-CE12-4033-99C5-D70209579430}" srcOrd="0" destOrd="0" presId="urn:microsoft.com/office/officeart/2005/8/layout/lProcess3"/>
+    <dgm:cxn modelId="{282DEF8E-B64E-458D-849F-3566EF8DF96E}" type="presOf" srcId="{E6970C8D-4031-4C8D-A6FC-27EBDCE4651B}" destId="{B0A9C9C2-74B4-49C4-A0B4-2D254947495B}" srcOrd="0" destOrd="0" presId="urn:microsoft.com/office/officeart/2005/8/layout/lProcess3"/>
+    <dgm:cxn modelId="{4AB7F73A-6C02-4BAD-9E6D-67361905150D}" srcId="{C48CB691-9011-4339-9AA6-0DDF04C158CE}" destId="{E6970C8D-4031-4C8D-A6FC-27EBDCE4651B}" srcOrd="0" destOrd="0" parTransId="{B714884F-C54A-4FA3-8AD3-D110EA2382A2}" sibTransId="{1FA935EE-5092-4F49-9299-964CD785398B}"/>
+    <dgm:cxn modelId="{1EE471E0-DE1F-4E2B-89A8-945933F7AA36}" type="presOf" srcId="{779E9C81-2383-453F-9112-4987C2CDA336}" destId="{14AFB1CC-5D3A-4FF2-B4AD-5A51A3533829}" srcOrd="0" destOrd="0" presId="urn:microsoft.com/office/officeart/2005/8/layout/lProcess3"/>
+    <dgm:cxn modelId="{ED23BB92-CB18-4B4D-AD16-B8332EB4F4B0}" type="presOf" srcId="{9B6CD67C-C744-45B3-8B6E-E5EE4E9742CE}" destId="{DDEF83C6-53B3-4A7D-9E75-C0B2EEC177DF}" srcOrd="0" destOrd="0" presId="urn:microsoft.com/office/officeart/2005/8/layout/lProcess3"/>
+    <dgm:cxn modelId="{0150F1EC-7940-4BF7-B123-43C3751CCCCA}" srcId="{E533AE77-875F-4914-90B2-D7D7AC3B4C89}" destId="{950FBC46-DAB7-4F06-A61E-013EEC9DC271}" srcOrd="2" destOrd="0" parTransId="{C702E283-0257-487F-9C44-7C3745E84551}" sibTransId="{C74DE747-8B74-4AD3-939F-AF6403D6AB43}"/>
+    <dgm:cxn modelId="{BC1602A1-26D2-4A86-BDD9-46707AD43E68}" srcId="{DBEA8E81-1A74-4A8B-83A7-F6769D0C49E5}" destId="{7C31DAEF-63F8-4A9C-BCF1-0501B41AB3F3}" srcOrd="0" destOrd="0" parTransId="{CA5CA1B2-DB55-44A9-A17D-B941F74A7F9C}" sibTransId="{A53E1126-50BD-4DE9-B804-4D9F21B3CE65}"/>
+    <dgm:cxn modelId="{630254F7-2857-4F51-95F6-B7636FA729B9}" type="presOf" srcId="{BBC7BC5E-C71D-4FA6-84A8-CE34A5C18A08}" destId="{09498659-E017-4DD8-8D1D-F98B28139037}" srcOrd="0" destOrd="0" presId="urn:microsoft.com/office/officeart/2005/8/layout/lProcess3"/>
+    <dgm:cxn modelId="{8DBFA7F2-DCEE-458F-9472-C09E6FFC1E3A}" type="presOf" srcId="{41BF745E-F7A9-44C8-85FE-147DE8A54F4D}" destId="{01D1699C-D4EB-4C39-9E1B-A05367549CF3}" srcOrd="0" destOrd="0" presId="urn:microsoft.com/office/officeart/2005/8/layout/lProcess3"/>
+    <dgm:cxn modelId="{527591CD-BCEE-492C-B054-4FA5D4E16324}" srcId="{E533AE77-875F-4914-90B2-D7D7AC3B4C89}" destId="{3FC5635F-A438-43DA-8514-E42FE6F52953}" srcOrd="3" destOrd="0" parTransId="{89C2D555-A90D-4BBC-A5D9-84C08647F10A}" sibTransId="{AEF84628-7450-4AD5-8A4C-54A9924BB19B}"/>
+    <dgm:cxn modelId="{7C52BA3B-C0CE-4A52-9F2E-25D8982B6D40}" srcId="{70829743-8A99-4CEA-AAAC-2FF7E79CC1B3}" destId="{41BF745E-F7A9-44C8-85FE-147DE8A54F4D}" srcOrd="0" destOrd="0" parTransId="{BAA3BBCD-1C13-4C8A-A342-2E157461906D}" sibTransId="{914DADCE-E8A5-47E3-A0B0-4F57026C4C32}"/>
+    <dgm:cxn modelId="{4C7A59AF-5806-4790-99B5-1E35CC89A023}" type="presOf" srcId="{C48CB691-9011-4339-9AA6-0DDF04C158CE}" destId="{D7ED1614-9D60-4293-8664-C9F7DFCBFE8A}" srcOrd="0" destOrd="0" presId="urn:microsoft.com/office/officeart/2005/8/layout/lProcess3"/>
+    <dgm:cxn modelId="{831472BF-C9A0-4ECB-B045-EED8F6B40664}" srcId="{E533AE77-875F-4914-90B2-D7D7AC3B4C89}" destId="{9B6CD67C-C744-45B3-8B6E-E5EE4E9742CE}" srcOrd="1" destOrd="0" parTransId="{FB31E350-8F19-4F2A-B848-423ED114E008}" sibTransId="{6A2FD69B-3333-4522-ADDC-D758A489AA90}"/>
+    <dgm:cxn modelId="{A86BCEF2-381B-40C6-BE0D-56D378C022E8}" srcId="{3FC5635F-A438-43DA-8514-E42FE6F52953}" destId="{BBC7BC5E-C71D-4FA6-84A8-CE34A5C18A08}" srcOrd="0" destOrd="0" parTransId="{BCD23F92-EED3-417C-AC5F-ABA1A73E3368}" sibTransId="{18CFA2AF-0EEF-4E40-98EF-E40D026C7967}"/>
+    <dgm:cxn modelId="{BAE822A1-96C0-49C7-8E34-289C85E806F5}" srcId="{E533AE77-875F-4914-90B2-D7D7AC3B4C89}" destId="{DBEA8E81-1A74-4A8B-83A7-F6769D0C49E5}" srcOrd="0" destOrd="0" parTransId="{B427755B-47C7-458C-8162-BAAA69DF1436}" sibTransId="{6F14D17C-8C00-4974-92FC-3DA1F126CE58}"/>
+    <dgm:cxn modelId="{2AF4FFDD-D319-4A0A-A8A2-EFB783497D12}" type="presOf" srcId="{950FBC46-DAB7-4F06-A61E-013EEC9DC271}" destId="{3C8C0889-D2FC-4512-B2E2-34392065E875}" srcOrd="0" destOrd="0" presId="urn:microsoft.com/office/officeart/2005/8/layout/lProcess3"/>
+    <dgm:cxn modelId="{46B1532D-5180-4886-BD22-136010C663DE}" type="presOf" srcId="{7C31DAEF-63F8-4A9C-BCF1-0501B41AB3F3}" destId="{3AF60287-035B-4E46-A68D-CE361C1192E0}" srcOrd="0" destOrd="0" presId="urn:microsoft.com/office/officeart/2005/8/layout/lProcess3"/>
+    <dgm:cxn modelId="{0CBF8184-CB0C-4988-88B1-E7D67C257A85}" srcId="{950FBC46-DAB7-4F06-A61E-013EEC9DC271}" destId="{779E9C81-2383-453F-9112-4987C2CDA336}" srcOrd="0" destOrd="0" parTransId="{BA49ADF7-F70D-4491-BF65-48537280AD67}" sibTransId="{E1B9BFE2-12E2-4312-9F42-C1F115BBDC46}"/>
+    <dgm:cxn modelId="{EBDD8355-E696-4884-BC20-D8C4F9A7DBE9}" srcId="{E533AE77-875F-4914-90B2-D7D7AC3B4C89}" destId="{70829743-8A99-4CEA-AAAC-2FF7E79CC1B3}" srcOrd="5" destOrd="0" parTransId="{2F2E711F-47CB-4E5F-85C6-9E8B7C786A71}" sibTransId="{7DD15BF3-1A5E-4818-A800-54F6FA566C48}"/>
+    <dgm:cxn modelId="{68128905-E82D-424C-8336-A95151323F62}" type="presOf" srcId="{E533AE77-875F-4914-90B2-D7D7AC3B4C89}" destId="{8506897D-5A90-4870-9C50-651C43DCF413}" srcOrd="0" destOrd="0" presId="urn:microsoft.com/office/officeart/2005/8/layout/lProcess3"/>
+    <dgm:cxn modelId="{111F661D-0D7D-42C5-A9B5-E8F5C49F05A4}" type="presParOf" srcId="{8506897D-5A90-4870-9C50-651C43DCF413}" destId="{21945C05-1064-48EB-955C-81E13F3CB966}" srcOrd="0" destOrd="0" presId="urn:microsoft.com/office/officeart/2005/8/layout/lProcess3"/>
+    <dgm:cxn modelId="{1B187C42-68A6-4B9B-8F94-448D3D430C9C}" type="presParOf" srcId="{21945C05-1064-48EB-955C-81E13F3CB966}" destId="{43D2433B-C800-41EB-B72A-24E30D1266E8}" srcOrd="0" destOrd="0" presId="urn:microsoft.com/office/officeart/2005/8/layout/lProcess3"/>
+    <dgm:cxn modelId="{D645C435-60FD-4EE6-8EF8-1BA6A4B5BC61}" type="presParOf" srcId="{21945C05-1064-48EB-955C-81E13F3CB966}" destId="{1EBD6795-F45E-410C-999A-53CF1EC896E7}" srcOrd="1" destOrd="0" presId="urn:microsoft.com/office/officeart/2005/8/layout/lProcess3"/>
+    <dgm:cxn modelId="{81B18365-72F0-474C-AA73-9E0536B54968}" type="presParOf" srcId="{21945C05-1064-48EB-955C-81E13F3CB966}" destId="{3AF60287-035B-4E46-A68D-CE361C1192E0}" srcOrd="2" destOrd="0" presId="urn:microsoft.com/office/officeart/2005/8/layout/lProcess3"/>
+    <dgm:cxn modelId="{4B412223-185D-452E-A58D-1714042A2712}" type="presParOf" srcId="{8506897D-5A90-4870-9C50-651C43DCF413}" destId="{F6E9FF59-4F78-42F3-8D54-8BD94CC037AD}" srcOrd="1" destOrd="0" presId="urn:microsoft.com/office/officeart/2005/8/layout/lProcess3"/>
+    <dgm:cxn modelId="{66101CBB-429B-41C3-8110-7360218A0260}" type="presParOf" srcId="{8506897D-5A90-4870-9C50-651C43DCF413}" destId="{777BEAE5-E54E-46AE-9EAE-33FBCEFBD99D}" srcOrd="2" destOrd="0" presId="urn:microsoft.com/office/officeart/2005/8/layout/lProcess3"/>
+    <dgm:cxn modelId="{5069C8CB-504B-49F5-87A3-C92EE4F3F0CC}" type="presParOf" srcId="{777BEAE5-E54E-46AE-9EAE-33FBCEFBD99D}" destId="{DDEF83C6-53B3-4A7D-9E75-C0B2EEC177DF}" srcOrd="0" destOrd="0" presId="urn:microsoft.com/office/officeart/2005/8/layout/lProcess3"/>
+    <dgm:cxn modelId="{06575418-BEC0-4EC6-9A5F-90889A8EEB06}" type="presParOf" srcId="{777BEAE5-E54E-46AE-9EAE-33FBCEFBD99D}" destId="{3B601A2F-08F9-4156-AE92-9228C90A70EA}" srcOrd="1" destOrd="0" presId="urn:microsoft.com/office/officeart/2005/8/layout/lProcess3"/>
+    <dgm:cxn modelId="{74411DED-CEDF-4166-A127-FE70DBD12E08}" type="presParOf" srcId="{777BEAE5-E54E-46AE-9EAE-33FBCEFBD99D}" destId="{8D6A7D35-C7E5-403F-9217-4F5D58B77A03}" srcOrd="2" destOrd="0" presId="urn:microsoft.com/office/officeart/2005/8/layout/lProcess3"/>
+    <dgm:cxn modelId="{34F12EAA-579F-4810-BABC-01FD4E95A938}" type="presParOf" srcId="{8506897D-5A90-4870-9C50-651C43DCF413}" destId="{335D9E21-A502-4A50-AFCB-202690F60884}" srcOrd="3" destOrd="0" presId="urn:microsoft.com/office/officeart/2005/8/layout/lProcess3"/>
+    <dgm:cxn modelId="{BD5FC335-82FD-4495-BDEA-7C4E2BAAA461}" type="presParOf" srcId="{8506897D-5A90-4870-9C50-651C43DCF413}" destId="{AA208354-36EA-4E6D-BD3B-2C96E3BC4567}" srcOrd="4" destOrd="0" presId="urn:microsoft.com/office/officeart/2005/8/layout/lProcess3"/>
+    <dgm:cxn modelId="{A57807A1-9377-4F63-918F-183BA03576EC}" type="presParOf" srcId="{AA208354-36EA-4E6D-BD3B-2C96E3BC4567}" destId="{3C8C0889-D2FC-4512-B2E2-34392065E875}" srcOrd="0" destOrd="0" presId="urn:microsoft.com/office/officeart/2005/8/layout/lProcess3"/>
+    <dgm:cxn modelId="{F3DF5E7E-06E7-47E2-B3D2-2AD50096194D}" type="presParOf" srcId="{AA208354-36EA-4E6D-BD3B-2C96E3BC4567}" destId="{CCB76B56-92BA-4131-BE58-AB631380E256}" srcOrd="1" destOrd="0" presId="urn:microsoft.com/office/officeart/2005/8/layout/lProcess3"/>
+    <dgm:cxn modelId="{D8479E1D-B367-494B-B355-98D43526B3B0}" type="presParOf" srcId="{AA208354-36EA-4E6D-BD3B-2C96E3BC4567}" destId="{14AFB1CC-5D3A-4FF2-B4AD-5A51A3533829}" srcOrd="2" destOrd="0" presId="urn:microsoft.com/office/officeart/2005/8/layout/lProcess3"/>
+    <dgm:cxn modelId="{20DC8FC2-C6E8-4591-9FBC-8C70654B522C}" type="presParOf" srcId="{8506897D-5A90-4870-9C50-651C43DCF413}" destId="{06D09742-4200-4188-A478-8BA0EADFDD11}" srcOrd="5" destOrd="0" presId="urn:microsoft.com/office/officeart/2005/8/layout/lProcess3"/>
+    <dgm:cxn modelId="{B35EC1FB-FF3F-4AC2-9B30-34C54E2CA80C}" type="presParOf" srcId="{8506897D-5A90-4870-9C50-651C43DCF413}" destId="{427387EA-3BDD-42C2-AED6-73A330572A13}" srcOrd="6" destOrd="0" presId="urn:microsoft.com/office/officeart/2005/8/layout/lProcess3"/>
+    <dgm:cxn modelId="{8314A629-85F5-4F3B-BAEB-2824337E1897}" type="presParOf" srcId="{427387EA-3BDD-42C2-AED6-73A330572A13}" destId="{D3350139-2613-4C73-B491-E108435D0AE9}" srcOrd="0" destOrd="0" presId="urn:microsoft.com/office/officeart/2005/8/layout/lProcess3"/>
+    <dgm:cxn modelId="{CEE498BB-A63B-41E1-B8BE-4D425E201115}" type="presParOf" srcId="{427387EA-3BDD-42C2-AED6-73A330572A13}" destId="{8DFC2BD3-3D3E-45B8-9AC4-15BBA0355EAC}" srcOrd="1" destOrd="0" presId="urn:microsoft.com/office/officeart/2005/8/layout/lProcess3"/>
+    <dgm:cxn modelId="{2C222581-723A-48CE-A9F5-56C298811ACF}" type="presParOf" srcId="{427387EA-3BDD-42C2-AED6-73A330572A13}" destId="{09498659-E017-4DD8-8D1D-F98B28139037}" srcOrd="2" destOrd="0" presId="urn:microsoft.com/office/officeart/2005/8/layout/lProcess3"/>
+    <dgm:cxn modelId="{8C18429A-5E28-470D-AFFB-734580AB6BA0}" type="presParOf" srcId="{8506897D-5A90-4870-9C50-651C43DCF413}" destId="{4C40AEEF-2B92-43CA-9508-F69FBC948C8C}" srcOrd="7" destOrd="0" presId="urn:microsoft.com/office/officeart/2005/8/layout/lProcess3"/>
+    <dgm:cxn modelId="{A7E3D4C5-7DCF-43EA-96CB-EBEBE3A311A9}" type="presParOf" srcId="{8506897D-5A90-4870-9C50-651C43DCF413}" destId="{02900EC5-A0FE-4FBE-9951-7EB4091E6391}" srcOrd="8" destOrd="0" presId="urn:microsoft.com/office/officeart/2005/8/layout/lProcess3"/>
+    <dgm:cxn modelId="{8B22BB55-D4FC-49F5-827F-49E83F4EB8AF}" type="presParOf" srcId="{02900EC5-A0FE-4FBE-9951-7EB4091E6391}" destId="{D7ED1614-9D60-4293-8664-C9F7DFCBFE8A}" srcOrd="0" destOrd="0" presId="urn:microsoft.com/office/officeart/2005/8/layout/lProcess3"/>
+    <dgm:cxn modelId="{DB15FF3C-CB05-4ACA-AA00-7EF1F5E27FAF}" type="presParOf" srcId="{02900EC5-A0FE-4FBE-9951-7EB4091E6391}" destId="{422CDE3A-6286-4FA4-91C8-5858CA16CC47}" srcOrd="1" destOrd="0" presId="urn:microsoft.com/office/officeart/2005/8/layout/lProcess3"/>
+    <dgm:cxn modelId="{BB533508-B13B-4CEE-BEA6-005D3E98316C}" type="presParOf" srcId="{02900EC5-A0FE-4FBE-9951-7EB4091E6391}" destId="{B0A9C9C2-74B4-49C4-A0B4-2D254947495B}" srcOrd="2" destOrd="0" presId="urn:microsoft.com/office/officeart/2005/8/layout/lProcess3"/>
+    <dgm:cxn modelId="{E3CC50CE-2AE0-4D0D-A853-2E408AD2E099}" type="presParOf" srcId="{8506897D-5A90-4870-9C50-651C43DCF413}" destId="{28851346-219E-4936-A9BF-64EDF1A59506}" srcOrd="9" destOrd="0" presId="urn:microsoft.com/office/officeart/2005/8/layout/lProcess3"/>
+    <dgm:cxn modelId="{5112A703-358C-4A4B-AC10-E3298FE82DD2}" type="presParOf" srcId="{8506897D-5A90-4870-9C50-651C43DCF413}" destId="{92EC3D43-57D9-4245-BB44-2A3DFCF5F154}" srcOrd="10" destOrd="0" presId="urn:microsoft.com/office/officeart/2005/8/layout/lProcess3"/>
+    <dgm:cxn modelId="{06873A60-589E-4F5C-9E6E-7B3D24302C3A}" type="presParOf" srcId="{92EC3D43-57D9-4245-BB44-2A3DFCF5F154}" destId="{9A2EFF53-CE12-4033-99C5-D70209579430}" srcOrd="0" destOrd="0" presId="urn:microsoft.com/office/officeart/2005/8/layout/lProcess3"/>
+    <dgm:cxn modelId="{85534091-EF84-43C4-841E-A5B656434428}" type="presParOf" srcId="{92EC3D43-57D9-4245-BB44-2A3DFCF5F154}" destId="{E40EACB1-539F-4F27-9289-D3A36F5352DC}" srcOrd="1" destOrd="0" presId="urn:microsoft.com/office/officeart/2005/8/layout/lProcess3"/>
+    <dgm:cxn modelId="{F047E8BE-DE72-4D22-8010-459DC055BCBC}" type="presParOf" srcId="{92EC3D43-57D9-4245-BB44-2A3DFCF5F154}" destId="{01D1699C-D4EB-4C39-9E1B-A05367549CF3}" srcOrd="2" destOrd="0" presId="urn:microsoft.com/office/officeart/2005/8/layout/lProcess3"/>
+  </dgm:cxnLst>
+  <dgm:bg/>
+  <dgm:whole/>
+  <dgm:extLst>
+    <a:ext uri="http://schemas.microsoft.com/office/drawing/2008/diagram">
+      <dsp:dataModelExt xmlns:dsp="http://schemas.microsoft.com/office/drawing/2008/diagram" xmlns="" relId="rId8" minVer="http://schemas.openxmlformats.org/drawingml/2006/diagram"/>
+    </a:ext>
+  </dgm:extLst>
+</dgm:dataModel>
+</file>
+
+<file path=ppt/diagrams/data2.xml><?xml version="1.0" encoding="utf-8"?>
 <dgm:dataModel xmlns:dgm="http://schemas.openxmlformats.org/drawingml/2006/diagram" xmlns:a="http://schemas.openxmlformats.org/drawingml/2006/main">
   <dgm:ptLst>
     <dgm:pt modelId="{ADB7EBD1-A8CF-43DD-A743-5F2DFC0F0908}" type="doc">
@@ -2851,6 +4403,13 @@
         </dgm:presLayoutVars>
       </dgm:prSet>
       <dgm:spPr/>
+      <dgm:t>
+        <a:bodyPr/>
+        <a:lstStyle/>
+        <a:p>
+          <a:endParaRPr lang="es-CO"/>
+        </a:p>
+      </dgm:t>
     </dgm:pt>
     <dgm:pt modelId="{45DADB1D-67EE-41C7-AF89-166F7D138311}" type="pres">
       <dgm:prSet presAssocID="{B0FF15E8-5BC8-4128-B098-99892562F2F3}" presName="node" presStyleLbl="node1" presStyleIdx="0" presStyleCnt="5" custScaleX="112395" custScaleY="65000">
@@ -2859,6 +4418,13 @@
         </dgm:presLayoutVars>
       </dgm:prSet>
       <dgm:spPr/>
+      <dgm:t>
+        <a:bodyPr/>
+        <a:lstStyle/>
+        <a:p>
+          <a:endParaRPr lang="es-CO"/>
+        </a:p>
+      </dgm:t>
     </dgm:pt>
     <dgm:pt modelId="{DAF4B58B-B524-4CAB-B4E6-7044C46A481E}" type="pres">
       <dgm:prSet presAssocID="{B0FF15E8-5BC8-4128-B098-99892562F2F3}" presName="spNode" presStyleCnt="0"/>
@@ -2867,6 +4433,13 @@
     <dgm:pt modelId="{32B8A90D-8083-4306-9BEC-F03C098436C5}" type="pres">
       <dgm:prSet presAssocID="{73E9D85E-84CF-4230-AA61-98E2DBAFE92E}" presName="sibTrans" presStyleLbl="sibTrans1D1" presStyleIdx="0" presStyleCnt="5"/>
       <dgm:spPr/>
+      <dgm:t>
+        <a:bodyPr/>
+        <a:lstStyle/>
+        <a:p>
+          <a:endParaRPr lang="es-CO"/>
+        </a:p>
+      </dgm:t>
     </dgm:pt>
     <dgm:pt modelId="{0302CEA1-3A05-4722-A9C2-AA0DDE4C7EBE}" type="pres">
       <dgm:prSet presAssocID="{88476F09-5EAB-4492-840F-C5FC5253CF23}" presName="node" presStyleLbl="node1" presStyleIdx="1" presStyleCnt="5" custScaleX="112395" custScaleY="65000">
@@ -2875,6 +4448,13 @@
         </dgm:presLayoutVars>
       </dgm:prSet>
       <dgm:spPr/>
+      <dgm:t>
+        <a:bodyPr/>
+        <a:lstStyle/>
+        <a:p>
+          <a:endParaRPr lang="es-CO"/>
+        </a:p>
+      </dgm:t>
     </dgm:pt>
     <dgm:pt modelId="{E012657D-C779-4537-ADAC-4DF1B0DE1207}" type="pres">
       <dgm:prSet presAssocID="{88476F09-5EAB-4492-840F-C5FC5253CF23}" presName="spNode" presStyleCnt="0"/>
@@ -2883,6 +4463,13 @@
     <dgm:pt modelId="{3BEE996F-EE49-46DA-92DF-50BEC7174763}" type="pres">
       <dgm:prSet presAssocID="{1169A99C-D357-4705-ACF2-C4586945BAAE}" presName="sibTrans" presStyleLbl="sibTrans1D1" presStyleIdx="1" presStyleCnt="5"/>
       <dgm:spPr/>
+      <dgm:t>
+        <a:bodyPr/>
+        <a:lstStyle/>
+        <a:p>
+          <a:endParaRPr lang="es-CO"/>
+        </a:p>
+      </dgm:t>
     </dgm:pt>
     <dgm:pt modelId="{19E09223-7F6B-42B7-8AD9-81869F8DF284}" type="pres">
       <dgm:prSet presAssocID="{E3518AFD-17C7-45CF-8A9C-D1617EF00A63}" presName="node" presStyleLbl="node1" presStyleIdx="2" presStyleCnt="5" custScaleX="112395" custScaleY="65000">
@@ -2891,6 +4478,13 @@
         </dgm:presLayoutVars>
       </dgm:prSet>
       <dgm:spPr/>
+      <dgm:t>
+        <a:bodyPr/>
+        <a:lstStyle/>
+        <a:p>
+          <a:endParaRPr lang="es-CO"/>
+        </a:p>
+      </dgm:t>
     </dgm:pt>
     <dgm:pt modelId="{B2B056AB-1946-413A-A05E-8F3980103792}" type="pres">
       <dgm:prSet presAssocID="{E3518AFD-17C7-45CF-8A9C-D1617EF00A63}" presName="spNode" presStyleCnt="0"/>
@@ -2899,6 +4493,13 @@
     <dgm:pt modelId="{0DB8809E-D526-4ADD-B575-82B647DCCBAA}" type="pres">
       <dgm:prSet presAssocID="{29079D8B-DFBE-42B3-8214-9EA93895E50F}" presName="sibTrans" presStyleLbl="sibTrans1D1" presStyleIdx="2" presStyleCnt="5"/>
       <dgm:spPr/>
+      <dgm:t>
+        <a:bodyPr/>
+        <a:lstStyle/>
+        <a:p>
+          <a:endParaRPr lang="es-CO"/>
+        </a:p>
+      </dgm:t>
     </dgm:pt>
     <dgm:pt modelId="{7EA1AE7A-F8E3-41D4-8148-4DCE0597BBE2}" type="pres">
       <dgm:prSet presAssocID="{0F1851D5-EAB5-4A1A-9C85-F466E88F99EF}" presName="node" presStyleLbl="node1" presStyleIdx="3" presStyleCnt="5" custScaleX="112395" custScaleY="65000">
@@ -2922,6 +4523,13 @@
     <dgm:pt modelId="{CF75848A-C38F-4A11-B127-79DFB72C0C40}" type="pres">
       <dgm:prSet presAssocID="{4525A8F2-F19F-4603-A46C-96D8A1A4E967}" presName="sibTrans" presStyleLbl="sibTrans1D1" presStyleIdx="3" presStyleCnt="5"/>
       <dgm:spPr/>
+      <dgm:t>
+        <a:bodyPr/>
+        <a:lstStyle/>
+        <a:p>
+          <a:endParaRPr lang="es-CO"/>
+        </a:p>
+      </dgm:t>
     </dgm:pt>
     <dgm:pt modelId="{C72D65E7-D725-4E91-A350-E005ACF5DEC9}" type="pres">
       <dgm:prSet presAssocID="{CB1F2A39-0444-4B26-948F-C6C11FFAEA24}" presName="node" presStyleLbl="node1" presStyleIdx="4" presStyleCnt="5" custScaleX="112395" custScaleY="65000">
@@ -2945,6 +4553,13 @@
     <dgm:pt modelId="{08439079-F8E0-4BAA-AD3C-BE01766C0F54}" type="pres">
       <dgm:prSet presAssocID="{E527EAD8-0342-40FF-8C9C-6E1B6581BF28}" presName="sibTrans" presStyleLbl="sibTrans1D1" presStyleIdx="4" presStyleCnt="5"/>
       <dgm:spPr/>
+      <dgm:t>
+        <a:bodyPr/>
+        <a:lstStyle/>
+        <a:p>
+          <a:endParaRPr lang="es-CO"/>
+        </a:p>
+      </dgm:t>
     </dgm:pt>
   </dgm:ptLst>
   <dgm:cxnLst>
@@ -2992,7 +4607,7 @@
 </dgm:dataModel>
 </file>
 
-<file path=ppt/diagrams/data2.xml><?xml version="1.0" encoding="utf-8"?>
+<file path=ppt/diagrams/data3.xml><?xml version="1.0" encoding="utf-8"?>
 <dgm:dataModel xmlns:dgm="http://schemas.openxmlformats.org/drawingml/2006/diagram" xmlns:a="http://schemas.openxmlformats.org/drawingml/2006/main">
   <dgm:ptLst>
     <dgm:pt modelId="{C44EB566-5989-4FBE-B629-5ACBF3EE4DBA}" type="doc">
@@ -3126,6 +4741,13 @@
         </dgm:presLayoutVars>
       </dgm:prSet>
       <dgm:spPr/>
+      <dgm:t>
+        <a:bodyPr/>
+        <a:lstStyle/>
+        <a:p>
+          <a:endParaRPr lang="es-CO"/>
+        </a:p>
+      </dgm:t>
     </dgm:pt>
     <dgm:pt modelId="{B426D59A-9A13-442A-B2A8-4B5C5F6E1A4E}" type="pres">
       <dgm:prSet presAssocID="{692710A1-8731-442E-8D6C-306132943371}" presName="parentLin" presStyleCnt="0"/>
@@ -3134,6 +4756,13 @@
     <dgm:pt modelId="{BC8D5B32-4287-488A-AE27-24B5753B20AD}" type="pres">
       <dgm:prSet presAssocID="{692710A1-8731-442E-8D6C-306132943371}" presName="parentLeftMargin" presStyleLbl="node1" presStyleIdx="0" presStyleCnt="3"/>
       <dgm:spPr/>
+      <dgm:t>
+        <a:bodyPr/>
+        <a:lstStyle/>
+        <a:p>
+          <a:endParaRPr lang="es-CO"/>
+        </a:p>
+      </dgm:t>
     </dgm:pt>
     <dgm:pt modelId="{A6417265-19A4-4C59-8205-0913748E67B8}" type="pres">
       <dgm:prSet presAssocID="{692710A1-8731-442E-8D6C-306132943371}" presName="parentText" presStyleLbl="node1" presStyleIdx="0" presStyleCnt="3" custScaleX="107289" custScaleY="73470" custLinFactNeighborX="-30612">
@@ -3174,6 +4803,13 @@
     <dgm:pt modelId="{B4A5AD27-14FC-464F-BF49-82A63C9EF2B7}" type="pres">
       <dgm:prSet presAssocID="{9E35B1E4-2B65-4AED-87FF-9121B714B9BC}" presName="parentLeftMargin" presStyleLbl="node1" presStyleIdx="0" presStyleCnt="3"/>
       <dgm:spPr/>
+      <dgm:t>
+        <a:bodyPr/>
+        <a:lstStyle/>
+        <a:p>
+          <a:endParaRPr lang="es-CO"/>
+        </a:p>
+      </dgm:t>
     </dgm:pt>
     <dgm:pt modelId="{4D95C240-A4FC-4E0D-A076-3E67FDF9964B}" type="pres">
       <dgm:prSet presAssocID="{9E35B1E4-2B65-4AED-87FF-9121B714B9BC}" presName="parentText" presStyleLbl="node1" presStyleIdx="1" presStyleCnt="3" custScaleX="107289" custScaleY="73470" custLinFactNeighborX="-30612">
@@ -3214,6 +4850,13 @@
     <dgm:pt modelId="{3A6543C4-2661-4A81-847F-7B2D93C8FE93}" type="pres">
       <dgm:prSet presAssocID="{FFA4FAAE-5B9E-4381-9BBF-0E05DDF61069}" presName="parentLeftMargin" presStyleLbl="node1" presStyleIdx="1" presStyleCnt="3"/>
       <dgm:spPr/>
+      <dgm:t>
+        <a:bodyPr/>
+        <a:lstStyle/>
+        <a:p>
+          <a:endParaRPr lang="es-CO"/>
+        </a:p>
+      </dgm:t>
     </dgm:pt>
     <dgm:pt modelId="{34CAA45C-B192-493D-B061-33340917CAE8}" type="pres">
       <dgm:prSet presAssocID="{FFA4FAAE-5B9E-4381-9BBF-0E05DDF61069}" presName="parentText" presStyleLbl="node1" presStyleIdx="2" presStyleCnt="3" custScaleX="107289" custScaleY="73470" custLinFactNeighborX="-30612">
@@ -3245,16 +4888,16 @@
     </dgm:pt>
   </dgm:ptLst>
   <dgm:cxnLst>
+    <dgm:cxn modelId="{C1B1EDD4-E2A7-4E2E-86B0-A4FE105F0FFC}" type="presOf" srcId="{692710A1-8731-442E-8D6C-306132943371}" destId="{A6417265-19A4-4C59-8205-0913748E67B8}" srcOrd="1" destOrd="0" presId="urn:microsoft.com/office/officeart/2005/8/layout/list1"/>
+    <dgm:cxn modelId="{7BE4DB96-7026-4373-940E-3E29543D64ED}" type="presOf" srcId="{C44EB566-5989-4FBE-B629-5ACBF3EE4DBA}" destId="{FEB58AB4-B823-40FE-89CB-589520293FC8}" srcOrd="0" destOrd="0" presId="urn:microsoft.com/office/officeart/2005/8/layout/list1"/>
+    <dgm:cxn modelId="{4246AED8-0161-4D28-9E44-59BB7021993F}" srcId="{C44EB566-5989-4FBE-B629-5ACBF3EE4DBA}" destId="{FFA4FAAE-5B9E-4381-9BBF-0E05DDF61069}" srcOrd="2" destOrd="0" parTransId="{D7FBE176-2DDC-40F2-BD64-F2D5B3CE94F8}" sibTransId="{6CDCE64C-C0CE-4D35-AE0A-2DA3AB7B6D27}"/>
+    <dgm:cxn modelId="{184BE2FB-49BD-47CE-A7A7-17887B672780}" srcId="{C44EB566-5989-4FBE-B629-5ACBF3EE4DBA}" destId="{692710A1-8731-442E-8D6C-306132943371}" srcOrd="0" destOrd="0" parTransId="{3E5C758F-1BF2-4C1C-9375-F454D0556B26}" sibTransId="{E02DACA9-FFEF-495A-BEB3-E2D5E7AF55C2}"/>
     <dgm:cxn modelId="{648C98A4-CF79-4BD6-9B8D-B320BBB78E09}" type="presOf" srcId="{FFA4FAAE-5B9E-4381-9BBF-0E05DDF61069}" destId="{3A6543C4-2661-4A81-847F-7B2D93C8FE93}" srcOrd="0" destOrd="0" presId="urn:microsoft.com/office/officeart/2005/8/layout/list1"/>
-    <dgm:cxn modelId="{C1B1EDD4-E2A7-4E2E-86B0-A4FE105F0FFC}" type="presOf" srcId="{692710A1-8731-442E-8D6C-306132943371}" destId="{A6417265-19A4-4C59-8205-0913748E67B8}" srcOrd="1" destOrd="0" presId="urn:microsoft.com/office/officeart/2005/8/layout/list1"/>
+    <dgm:cxn modelId="{00857025-5C6E-4771-B955-36DA8D92805E}" type="presOf" srcId="{FFA4FAAE-5B9E-4381-9BBF-0E05DDF61069}" destId="{34CAA45C-B192-493D-B061-33340917CAE8}" srcOrd="1" destOrd="0" presId="urn:microsoft.com/office/officeart/2005/8/layout/list1"/>
+    <dgm:cxn modelId="{237F174D-5B82-4999-B777-1133487EF88A}" type="presOf" srcId="{9E35B1E4-2B65-4AED-87FF-9121B714B9BC}" destId="{B4A5AD27-14FC-464F-BF49-82A63C9EF2B7}" srcOrd="0" destOrd="0" presId="urn:microsoft.com/office/officeart/2005/8/layout/list1"/>
     <dgm:cxn modelId="{7B5486B2-E1F4-4849-A0EA-D8C5C81272CE}" type="presOf" srcId="{9E35B1E4-2B65-4AED-87FF-9121B714B9BC}" destId="{4D95C240-A4FC-4E0D-A076-3E67FDF9964B}" srcOrd="1" destOrd="0" presId="urn:microsoft.com/office/officeart/2005/8/layout/list1"/>
-    <dgm:cxn modelId="{237F174D-5B82-4999-B777-1133487EF88A}" type="presOf" srcId="{9E35B1E4-2B65-4AED-87FF-9121B714B9BC}" destId="{B4A5AD27-14FC-464F-BF49-82A63C9EF2B7}" srcOrd="0" destOrd="0" presId="urn:microsoft.com/office/officeart/2005/8/layout/list1"/>
-    <dgm:cxn modelId="{4246AED8-0161-4D28-9E44-59BB7021993F}" srcId="{C44EB566-5989-4FBE-B629-5ACBF3EE4DBA}" destId="{FFA4FAAE-5B9E-4381-9BBF-0E05DDF61069}" srcOrd="2" destOrd="0" parTransId="{D7FBE176-2DDC-40F2-BD64-F2D5B3CE94F8}" sibTransId="{6CDCE64C-C0CE-4D35-AE0A-2DA3AB7B6D27}"/>
+    <dgm:cxn modelId="{89D0192B-9938-496A-B915-91209FEB203B}" type="presOf" srcId="{692710A1-8731-442E-8D6C-306132943371}" destId="{BC8D5B32-4287-488A-AE27-24B5753B20AD}" srcOrd="0" destOrd="0" presId="urn:microsoft.com/office/officeart/2005/8/layout/list1"/>
     <dgm:cxn modelId="{616F1C69-B77E-43DD-A577-3BF075138957}" srcId="{C44EB566-5989-4FBE-B629-5ACBF3EE4DBA}" destId="{9E35B1E4-2B65-4AED-87FF-9121B714B9BC}" srcOrd="1" destOrd="0" parTransId="{E79FDAAA-3442-421A-A67D-B6D6E42D4C3C}" sibTransId="{F62DA44C-FE49-434B-9B70-4EFA45C078EC}"/>
-    <dgm:cxn modelId="{00857025-5C6E-4771-B955-36DA8D92805E}" type="presOf" srcId="{FFA4FAAE-5B9E-4381-9BBF-0E05DDF61069}" destId="{34CAA45C-B192-493D-B061-33340917CAE8}" srcOrd="1" destOrd="0" presId="urn:microsoft.com/office/officeart/2005/8/layout/list1"/>
-    <dgm:cxn modelId="{7BE4DB96-7026-4373-940E-3E29543D64ED}" type="presOf" srcId="{C44EB566-5989-4FBE-B629-5ACBF3EE4DBA}" destId="{FEB58AB4-B823-40FE-89CB-589520293FC8}" srcOrd="0" destOrd="0" presId="urn:microsoft.com/office/officeart/2005/8/layout/list1"/>
-    <dgm:cxn modelId="{184BE2FB-49BD-47CE-A7A7-17887B672780}" srcId="{C44EB566-5989-4FBE-B629-5ACBF3EE4DBA}" destId="{692710A1-8731-442E-8D6C-306132943371}" srcOrd="0" destOrd="0" parTransId="{3E5C758F-1BF2-4C1C-9375-F454D0556B26}" sibTransId="{E02DACA9-FFEF-495A-BEB3-E2D5E7AF55C2}"/>
-    <dgm:cxn modelId="{89D0192B-9938-496A-B915-91209FEB203B}" type="presOf" srcId="{692710A1-8731-442E-8D6C-306132943371}" destId="{BC8D5B32-4287-488A-AE27-24B5753B20AD}" srcOrd="0" destOrd="0" presId="urn:microsoft.com/office/officeart/2005/8/layout/list1"/>
     <dgm:cxn modelId="{9949A78F-FAD8-445E-B852-AE0243C01E6F}" type="presParOf" srcId="{FEB58AB4-B823-40FE-89CB-589520293FC8}" destId="{B426D59A-9A13-442A-B2A8-4B5C5F6E1A4E}" srcOrd="0" destOrd="0" presId="urn:microsoft.com/office/officeart/2005/8/layout/list1"/>
     <dgm:cxn modelId="{875B129A-A831-4EEA-B90A-32DA12BE6E79}" type="presParOf" srcId="{B426D59A-9A13-442A-B2A8-4B5C5F6E1A4E}" destId="{BC8D5B32-4287-488A-AE27-24B5753B20AD}" srcOrd="0" destOrd="0" presId="urn:microsoft.com/office/officeart/2005/8/layout/list1"/>
     <dgm:cxn modelId="{D9116081-E9F0-4E19-A6FC-0BA6CE00D983}" type="presParOf" srcId="{B426D59A-9A13-442A-B2A8-4B5C5F6E1A4E}" destId="{A6417265-19A4-4C59-8205-0913748E67B8}" srcOrd="1" destOrd="0" presId="urn:microsoft.com/office/officeart/2005/8/layout/list1"/>
@@ -3283,7 +4926,7 @@
 </dgm:dataModel>
 </file>
 
-<file path=ppt/diagrams/data3.xml><?xml version="1.0" encoding="utf-8"?>
+<file path=ppt/diagrams/data4.xml><?xml version="1.0" encoding="utf-8"?>
 <dgm:dataModel xmlns:dgm="http://schemas.openxmlformats.org/drawingml/2006/diagram" xmlns:a="http://schemas.openxmlformats.org/drawingml/2006/main">
   <dgm:ptLst>
     <dgm:pt modelId="{06959820-55ED-4456-B6D7-45048950325C}" type="doc">
@@ -3597,6 +5240,13 @@
         </dgm:presLayoutVars>
       </dgm:prSet>
       <dgm:spPr/>
+      <dgm:t>
+        <a:bodyPr/>
+        <a:lstStyle/>
+        <a:p>
+          <a:endParaRPr lang="es-CO"/>
+        </a:p>
+      </dgm:t>
     </dgm:pt>
     <dgm:pt modelId="{470BBE58-0C95-4C73-BFB5-83728078F6EF}" type="pres">
       <dgm:prSet presAssocID="{36538C99-A620-4D37-8D46-32FC85CC4E1D}" presName="vertFlow" presStyleCnt="0"/>
@@ -3605,10 +5255,24 @@
     <dgm:pt modelId="{04EAE157-6708-4B0E-8DF1-6DE5284CC3B4}" type="pres">
       <dgm:prSet presAssocID="{36538C99-A620-4D37-8D46-32FC85CC4E1D}" presName="header" presStyleLbl="node1" presStyleIdx="0" presStyleCnt="2" custScaleY="55074"/>
       <dgm:spPr/>
+      <dgm:t>
+        <a:bodyPr/>
+        <a:lstStyle/>
+        <a:p>
+          <a:endParaRPr lang="es-CO"/>
+        </a:p>
+      </dgm:t>
     </dgm:pt>
     <dgm:pt modelId="{AA4CE55A-50DF-4DD4-8F94-AE89EC06FE7F}" type="pres">
       <dgm:prSet presAssocID="{B39BCC14-1806-4B02-A173-E27510581FCC}" presName="parTrans" presStyleLbl="sibTrans2D1" presStyleIdx="0" presStyleCnt="5"/>
       <dgm:spPr/>
+      <dgm:t>
+        <a:bodyPr/>
+        <a:lstStyle/>
+        <a:p>
+          <a:endParaRPr lang="es-CO"/>
+        </a:p>
+      </dgm:t>
     </dgm:pt>
     <dgm:pt modelId="{C8C28EB4-71EB-4460-9978-94D21DD534D6}" type="pres">
       <dgm:prSet presAssocID="{41834D75-974C-448B-9B59-1D039D3E2901}" presName="child" presStyleLbl="alignAccFollowNode1" presStyleIdx="0" presStyleCnt="5">
@@ -3618,10 +5282,24 @@
         </dgm:presLayoutVars>
       </dgm:prSet>
       <dgm:spPr/>
+      <dgm:t>
+        <a:bodyPr/>
+        <a:lstStyle/>
+        <a:p>
+          <a:endParaRPr lang="es-CO"/>
+        </a:p>
+      </dgm:t>
     </dgm:pt>
     <dgm:pt modelId="{391FAD6D-CD61-4B5A-B4ED-FC53DBCB2F0D}" type="pres">
       <dgm:prSet presAssocID="{D15EEABE-E6E6-4565-B3DA-5FEF0C7CC384}" presName="sibTrans" presStyleLbl="sibTrans2D1" presStyleIdx="1" presStyleCnt="5"/>
       <dgm:spPr/>
+      <dgm:t>
+        <a:bodyPr/>
+        <a:lstStyle/>
+        <a:p>
+          <a:endParaRPr lang="es-CO"/>
+        </a:p>
+      </dgm:t>
     </dgm:pt>
     <dgm:pt modelId="{E51EC3AD-CE1F-481D-ACD3-7A01BB950981}" type="pres">
       <dgm:prSet presAssocID="{672A0FD7-1866-4914-B850-BEB7A98E88B1}" presName="child" presStyleLbl="alignAccFollowNode1" presStyleIdx="1" presStyleCnt="5">
@@ -3631,6 +5309,13 @@
         </dgm:presLayoutVars>
       </dgm:prSet>
       <dgm:spPr/>
+      <dgm:t>
+        <a:bodyPr/>
+        <a:lstStyle/>
+        <a:p>
+          <a:endParaRPr lang="es-CO"/>
+        </a:p>
+      </dgm:t>
     </dgm:pt>
     <dgm:pt modelId="{602B05B0-EDF4-4512-B198-B77A9752DFF9}" type="pres">
       <dgm:prSet presAssocID="{36538C99-A620-4D37-8D46-32FC85CC4E1D}" presName="hSp" presStyleCnt="0"/>
@@ -3643,10 +5328,24 @@
     <dgm:pt modelId="{1285723F-489C-4AAE-B1C6-4B9118A564BC}" type="pres">
       <dgm:prSet presAssocID="{80293294-CAF0-489C-AB1E-DCE226AF09E6}" presName="header" presStyleLbl="node1" presStyleIdx="1" presStyleCnt="2" custScaleY="55074"/>
       <dgm:spPr/>
+      <dgm:t>
+        <a:bodyPr/>
+        <a:lstStyle/>
+        <a:p>
+          <a:endParaRPr lang="es-CO"/>
+        </a:p>
+      </dgm:t>
     </dgm:pt>
     <dgm:pt modelId="{D69E85C4-B031-41F6-BD32-CAE56986C035}" type="pres">
       <dgm:prSet presAssocID="{920BFAC6-5F94-49D7-BF76-DA2E93A06720}" presName="parTrans" presStyleLbl="sibTrans2D1" presStyleIdx="2" presStyleCnt="5"/>
       <dgm:spPr/>
+      <dgm:t>
+        <a:bodyPr/>
+        <a:lstStyle/>
+        <a:p>
+          <a:endParaRPr lang="es-CO"/>
+        </a:p>
+      </dgm:t>
     </dgm:pt>
     <dgm:pt modelId="{123BDEC7-05D4-4A83-ADFD-11A052C9067C}" type="pres">
       <dgm:prSet presAssocID="{0287B8F6-9036-45AF-A82B-2BCBDD16FF40}" presName="child" presStyleLbl="alignAccFollowNode1" presStyleIdx="2" presStyleCnt="5" custScaleX="129735" custScaleY="114470">
@@ -3656,10 +5355,24 @@
         </dgm:presLayoutVars>
       </dgm:prSet>
       <dgm:spPr/>
+      <dgm:t>
+        <a:bodyPr/>
+        <a:lstStyle/>
+        <a:p>
+          <a:endParaRPr lang="es-CO"/>
+        </a:p>
+      </dgm:t>
     </dgm:pt>
     <dgm:pt modelId="{863B7E17-91F3-4B45-8FF3-42DB14A1355C}" type="pres">
       <dgm:prSet presAssocID="{4CD03649-993C-41D1-9A30-C0586AEC26C4}" presName="sibTrans" presStyleLbl="sibTrans2D1" presStyleIdx="3" presStyleCnt="5"/>
       <dgm:spPr/>
+      <dgm:t>
+        <a:bodyPr/>
+        <a:lstStyle/>
+        <a:p>
+          <a:endParaRPr lang="es-CO"/>
+        </a:p>
+      </dgm:t>
     </dgm:pt>
     <dgm:pt modelId="{8E25C45E-F70B-4D6B-91F1-601DE179EEDD}" type="pres">
       <dgm:prSet presAssocID="{CBE78464-6951-4056-B6CA-BA515CD12D6C}" presName="child" presStyleLbl="alignAccFollowNode1" presStyleIdx="3" presStyleCnt="5" custScaleX="129735" custScaleY="114470">
@@ -3669,10 +5382,24 @@
         </dgm:presLayoutVars>
       </dgm:prSet>
       <dgm:spPr/>
+      <dgm:t>
+        <a:bodyPr/>
+        <a:lstStyle/>
+        <a:p>
+          <a:endParaRPr lang="es-CO"/>
+        </a:p>
+      </dgm:t>
     </dgm:pt>
     <dgm:pt modelId="{21A871D3-37AD-45B2-BE63-083ADDF06728}" type="pres">
       <dgm:prSet presAssocID="{40AFEE62-44D2-443B-83E6-80C0AD28B687}" presName="sibTrans" presStyleLbl="sibTrans2D1" presStyleIdx="4" presStyleCnt="5"/>
       <dgm:spPr/>
+      <dgm:t>
+        <a:bodyPr/>
+        <a:lstStyle/>
+        <a:p>
+          <a:endParaRPr lang="es-CO"/>
+        </a:p>
+      </dgm:t>
     </dgm:pt>
     <dgm:pt modelId="{7F6B091A-34FF-4AF9-ACC7-68B3ED58691C}" type="pres">
       <dgm:prSet presAssocID="{BDFF18E6-CEBD-4CCA-8283-37519DA5EBC7}" presName="child" presStyleLbl="alignAccFollowNode1" presStyleIdx="4" presStyleCnt="5" custScaleX="129735" custScaleY="114470">
@@ -3682,29 +5409,36 @@
         </dgm:presLayoutVars>
       </dgm:prSet>
       <dgm:spPr/>
+      <dgm:t>
+        <a:bodyPr/>
+        <a:lstStyle/>
+        <a:p>
+          <a:endParaRPr lang="es-CO"/>
+        </a:p>
+      </dgm:t>
     </dgm:pt>
   </dgm:ptLst>
   <dgm:cxnLst>
+    <dgm:cxn modelId="{6C92319D-1623-4E01-A9DE-376875F63B8F}" type="presOf" srcId="{0287B8F6-9036-45AF-A82B-2BCBDD16FF40}" destId="{123BDEC7-05D4-4A83-ADFD-11A052C9067C}" srcOrd="0" destOrd="0" presId="urn:microsoft.com/office/officeart/2005/8/layout/lProcess1"/>
+    <dgm:cxn modelId="{E48F0180-0020-416B-B011-74718475D566}" type="presOf" srcId="{4CD03649-993C-41D1-9A30-C0586AEC26C4}" destId="{863B7E17-91F3-4B45-8FF3-42DB14A1355C}" srcOrd="0" destOrd="0" presId="urn:microsoft.com/office/officeart/2005/8/layout/lProcess1"/>
+    <dgm:cxn modelId="{CA05FA09-C3EC-4F62-BE9F-979DD76D957E}" type="presOf" srcId="{D15EEABE-E6E6-4565-B3DA-5FEF0C7CC384}" destId="{391FAD6D-CD61-4B5A-B4ED-FC53DBCB2F0D}" srcOrd="0" destOrd="0" presId="urn:microsoft.com/office/officeart/2005/8/layout/lProcess1"/>
+    <dgm:cxn modelId="{DB4AF916-E5D2-4AD7-9C70-C42D530A0F4B}" srcId="{36538C99-A620-4D37-8D46-32FC85CC4E1D}" destId="{672A0FD7-1866-4914-B850-BEB7A98E88B1}" srcOrd="1" destOrd="0" parTransId="{9B59A350-F462-4F4B-8457-2CBECA0CFD89}" sibTransId="{5FC2D43D-4D85-4878-9AC4-9F1F0BAB9FCC}"/>
+    <dgm:cxn modelId="{9A914A3C-4C5A-43B4-88FE-850FED360AE9}" type="presOf" srcId="{80293294-CAF0-489C-AB1E-DCE226AF09E6}" destId="{1285723F-489C-4AAE-B1C6-4B9118A564BC}" srcOrd="0" destOrd="0" presId="urn:microsoft.com/office/officeart/2005/8/layout/lProcess1"/>
+    <dgm:cxn modelId="{3D4E18DE-BB1A-4AF7-A8D9-9847AF9C19BB}" type="presOf" srcId="{41834D75-974C-448B-9B59-1D039D3E2901}" destId="{C8C28EB4-71EB-4460-9978-94D21DD534D6}" srcOrd="0" destOrd="0" presId="urn:microsoft.com/office/officeart/2005/8/layout/lProcess1"/>
+    <dgm:cxn modelId="{1906B47D-FB63-4C79-A05C-43D08FDDE65E}" type="presOf" srcId="{06959820-55ED-4456-B6D7-45048950325C}" destId="{A561FD43-4297-4F16-BEFD-5FADF09687D5}" srcOrd="0" destOrd="0" presId="urn:microsoft.com/office/officeart/2005/8/layout/lProcess1"/>
+    <dgm:cxn modelId="{5909E4FA-5D86-4526-BDDA-72B75CED0D7E}" srcId="{06959820-55ED-4456-B6D7-45048950325C}" destId="{36538C99-A620-4D37-8D46-32FC85CC4E1D}" srcOrd="0" destOrd="0" parTransId="{C8153643-2F2D-4A42-A5DB-FFAF90DF52EB}" sibTransId="{3E87096C-A634-4CA8-87FF-CD4E387F105A}"/>
+    <dgm:cxn modelId="{4E59DE1F-E2DA-4D4D-BF75-2E225BD9C6B9}" type="presOf" srcId="{920BFAC6-5F94-49D7-BF76-DA2E93A06720}" destId="{D69E85C4-B031-41F6-BD32-CAE56986C035}" srcOrd="0" destOrd="0" presId="urn:microsoft.com/office/officeart/2005/8/layout/lProcess1"/>
+    <dgm:cxn modelId="{F6F2057A-1AA0-454A-8D04-5D12930D1373}" srcId="{80293294-CAF0-489C-AB1E-DCE226AF09E6}" destId="{BDFF18E6-CEBD-4CCA-8283-37519DA5EBC7}" srcOrd="2" destOrd="0" parTransId="{52394652-ED68-49DA-A7BA-3C19FA5A030B}" sibTransId="{E2514B0F-F19E-4718-85E7-2531785FE6A8}"/>
+    <dgm:cxn modelId="{3B6AD5CC-5DF4-4780-812A-F5915F5D0560}" type="presOf" srcId="{BDFF18E6-CEBD-4CCA-8283-37519DA5EBC7}" destId="{7F6B091A-34FF-4AF9-ACC7-68B3ED58691C}" srcOrd="0" destOrd="0" presId="urn:microsoft.com/office/officeart/2005/8/layout/lProcess1"/>
+    <dgm:cxn modelId="{1CF34CDE-C520-4C9B-97A1-0666D6A2DE27}" type="presOf" srcId="{CBE78464-6951-4056-B6CA-BA515CD12D6C}" destId="{8E25C45E-F70B-4D6B-91F1-601DE179EEDD}" srcOrd="0" destOrd="0" presId="urn:microsoft.com/office/officeart/2005/8/layout/lProcess1"/>
+    <dgm:cxn modelId="{5C835C1E-9F43-4A48-8CEC-A4CA01098588}" type="presOf" srcId="{B39BCC14-1806-4B02-A173-E27510581FCC}" destId="{AA4CE55A-50DF-4DD4-8F94-AE89EC06FE7F}" srcOrd="0" destOrd="0" presId="urn:microsoft.com/office/officeart/2005/8/layout/lProcess1"/>
+    <dgm:cxn modelId="{B58280EB-E257-4986-BCF7-3C2A30AA0E61}" srcId="{80293294-CAF0-489C-AB1E-DCE226AF09E6}" destId="{CBE78464-6951-4056-B6CA-BA515CD12D6C}" srcOrd="1" destOrd="0" parTransId="{002231F3-D377-4C27-8958-A232CF58393A}" sibTransId="{40AFEE62-44D2-443B-83E6-80C0AD28B687}"/>
+    <dgm:cxn modelId="{7B490C1E-6982-4E99-8A4E-6F04F04C49DC}" srcId="{36538C99-A620-4D37-8D46-32FC85CC4E1D}" destId="{41834D75-974C-448B-9B59-1D039D3E2901}" srcOrd="0" destOrd="0" parTransId="{B39BCC14-1806-4B02-A173-E27510581FCC}" sibTransId="{D15EEABE-E6E6-4565-B3DA-5FEF0C7CC384}"/>
+    <dgm:cxn modelId="{488C7758-71DD-43D7-98C6-60EAA8DE060D}" srcId="{80293294-CAF0-489C-AB1E-DCE226AF09E6}" destId="{0287B8F6-9036-45AF-A82B-2BCBDD16FF40}" srcOrd="0" destOrd="0" parTransId="{920BFAC6-5F94-49D7-BF76-DA2E93A06720}" sibTransId="{4CD03649-993C-41D1-9A30-C0586AEC26C4}"/>
+    <dgm:cxn modelId="{23F0EE1C-AF2C-4A8A-866B-CC31B4BEC3D0}" type="presOf" srcId="{40AFEE62-44D2-443B-83E6-80C0AD28B687}" destId="{21A871D3-37AD-45B2-BE63-083ADDF06728}" srcOrd="0" destOrd="0" presId="urn:microsoft.com/office/officeart/2005/8/layout/lProcess1"/>
     <dgm:cxn modelId="{AF81E5A3-DAD0-4535-A822-3AACC4779B6B}" type="presOf" srcId="{36538C99-A620-4D37-8D46-32FC85CC4E1D}" destId="{04EAE157-6708-4B0E-8DF1-6DE5284CC3B4}" srcOrd="0" destOrd="0" presId="urn:microsoft.com/office/officeart/2005/8/layout/lProcess1"/>
     <dgm:cxn modelId="{DC6AFFAE-57FF-45E1-8C7E-1F9DE56BB9BA}" srcId="{06959820-55ED-4456-B6D7-45048950325C}" destId="{80293294-CAF0-489C-AB1E-DCE226AF09E6}" srcOrd="1" destOrd="0" parTransId="{C4B77400-FD38-41B2-BB54-1B994C812944}" sibTransId="{20884D86-1DE2-45F6-BE25-11A70A4A68F1}"/>
-    <dgm:cxn modelId="{4E59DE1F-E2DA-4D4D-BF75-2E225BD9C6B9}" type="presOf" srcId="{920BFAC6-5F94-49D7-BF76-DA2E93A06720}" destId="{D69E85C4-B031-41F6-BD32-CAE56986C035}" srcOrd="0" destOrd="0" presId="urn:microsoft.com/office/officeart/2005/8/layout/lProcess1"/>
-    <dgm:cxn modelId="{6C92319D-1623-4E01-A9DE-376875F63B8F}" type="presOf" srcId="{0287B8F6-9036-45AF-A82B-2BCBDD16FF40}" destId="{123BDEC7-05D4-4A83-ADFD-11A052C9067C}" srcOrd="0" destOrd="0" presId="urn:microsoft.com/office/officeart/2005/8/layout/lProcess1"/>
-    <dgm:cxn modelId="{1CF34CDE-C520-4C9B-97A1-0666D6A2DE27}" type="presOf" srcId="{CBE78464-6951-4056-B6CA-BA515CD12D6C}" destId="{8E25C45E-F70B-4D6B-91F1-601DE179EEDD}" srcOrd="0" destOrd="0" presId="urn:microsoft.com/office/officeart/2005/8/layout/lProcess1"/>
-    <dgm:cxn modelId="{3B6AD5CC-5DF4-4780-812A-F5915F5D0560}" type="presOf" srcId="{BDFF18E6-CEBD-4CCA-8283-37519DA5EBC7}" destId="{7F6B091A-34FF-4AF9-ACC7-68B3ED58691C}" srcOrd="0" destOrd="0" presId="urn:microsoft.com/office/officeart/2005/8/layout/lProcess1"/>
-    <dgm:cxn modelId="{5909E4FA-5D86-4526-BDDA-72B75CED0D7E}" srcId="{06959820-55ED-4456-B6D7-45048950325C}" destId="{36538C99-A620-4D37-8D46-32FC85CC4E1D}" srcOrd="0" destOrd="0" parTransId="{C8153643-2F2D-4A42-A5DB-FFAF90DF52EB}" sibTransId="{3E87096C-A634-4CA8-87FF-CD4E387F105A}"/>
-    <dgm:cxn modelId="{9A914A3C-4C5A-43B4-88FE-850FED360AE9}" type="presOf" srcId="{80293294-CAF0-489C-AB1E-DCE226AF09E6}" destId="{1285723F-489C-4AAE-B1C6-4B9118A564BC}" srcOrd="0" destOrd="0" presId="urn:microsoft.com/office/officeart/2005/8/layout/lProcess1"/>
-    <dgm:cxn modelId="{5C835C1E-9F43-4A48-8CEC-A4CA01098588}" type="presOf" srcId="{B39BCC14-1806-4B02-A173-E27510581FCC}" destId="{AA4CE55A-50DF-4DD4-8F94-AE89EC06FE7F}" srcOrd="0" destOrd="0" presId="urn:microsoft.com/office/officeart/2005/8/layout/lProcess1"/>
-    <dgm:cxn modelId="{F6F2057A-1AA0-454A-8D04-5D12930D1373}" srcId="{80293294-CAF0-489C-AB1E-DCE226AF09E6}" destId="{BDFF18E6-CEBD-4CCA-8283-37519DA5EBC7}" srcOrd="2" destOrd="0" parTransId="{52394652-ED68-49DA-A7BA-3C19FA5A030B}" sibTransId="{E2514B0F-F19E-4718-85E7-2531785FE6A8}"/>
-    <dgm:cxn modelId="{DB4AF916-E5D2-4AD7-9C70-C42D530A0F4B}" srcId="{36538C99-A620-4D37-8D46-32FC85CC4E1D}" destId="{672A0FD7-1866-4914-B850-BEB7A98E88B1}" srcOrd="1" destOrd="0" parTransId="{9B59A350-F462-4F4B-8457-2CBECA0CFD89}" sibTransId="{5FC2D43D-4D85-4878-9AC4-9F1F0BAB9FCC}"/>
-    <dgm:cxn modelId="{1906B47D-FB63-4C79-A05C-43D08FDDE65E}" type="presOf" srcId="{06959820-55ED-4456-B6D7-45048950325C}" destId="{A561FD43-4297-4F16-BEFD-5FADF09687D5}" srcOrd="0" destOrd="0" presId="urn:microsoft.com/office/officeart/2005/8/layout/lProcess1"/>
-    <dgm:cxn modelId="{7B490C1E-6982-4E99-8A4E-6F04F04C49DC}" srcId="{36538C99-A620-4D37-8D46-32FC85CC4E1D}" destId="{41834D75-974C-448B-9B59-1D039D3E2901}" srcOrd="0" destOrd="0" parTransId="{B39BCC14-1806-4B02-A173-E27510581FCC}" sibTransId="{D15EEABE-E6E6-4565-B3DA-5FEF0C7CC384}"/>
     <dgm:cxn modelId="{B70205DF-E0CC-4B36-B12D-03CDC2A80A87}" type="presOf" srcId="{672A0FD7-1866-4914-B850-BEB7A98E88B1}" destId="{E51EC3AD-CE1F-481D-ACD3-7A01BB950981}" srcOrd="0" destOrd="0" presId="urn:microsoft.com/office/officeart/2005/8/layout/lProcess1"/>
-    <dgm:cxn modelId="{E48F0180-0020-416B-B011-74718475D566}" type="presOf" srcId="{4CD03649-993C-41D1-9A30-C0586AEC26C4}" destId="{863B7E17-91F3-4B45-8FF3-42DB14A1355C}" srcOrd="0" destOrd="0" presId="urn:microsoft.com/office/officeart/2005/8/layout/lProcess1"/>
-    <dgm:cxn modelId="{3D4E18DE-BB1A-4AF7-A8D9-9847AF9C19BB}" type="presOf" srcId="{41834D75-974C-448B-9B59-1D039D3E2901}" destId="{C8C28EB4-71EB-4460-9978-94D21DD534D6}" srcOrd="0" destOrd="0" presId="urn:microsoft.com/office/officeart/2005/8/layout/lProcess1"/>
-    <dgm:cxn modelId="{CA05FA09-C3EC-4F62-BE9F-979DD76D957E}" type="presOf" srcId="{D15EEABE-E6E6-4565-B3DA-5FEF0C7CC384}" destId="{391FAD6D-CD61-4B5A-B4ED-FC53DBCB2F0D}" srcOrd="0" destOrd="0" presId="urn:microsoft.com/office/officeart/2005/8/layout/lProcess1"/>
-    <dgm:cxn modelId="{488C7758-71DD-43D7-98C6-60EAA8DE060D}" srcId="{80293294-CAF0-489C-AB1E-DCE226AF09E6}" destId="{0287B8F6-9036-45AF-A82B-2BCBDD16FF40}" srcOrd="0" destOrd="0" parTransId="{920BFAC6-5F94-49D7-BF76-DA2E93A06720}" sibTransId="{4CD03649-993C-41D1-9A30-C0586AEC26C4}"/>
-    <dgm:cxn modelId="{B58280EB-E257-4986-BCF7-3C2A30AA0E61}" srcId="{80293294-CAF0-489C-AB1E-DCE226AF09E6}" destId="{CBE78464-6951-4056-B6CA-BA515CD12D6C}" srcOrd="1" destOrd="0" parTransId="{002231F3-D377-4C27-8958-A232CF58393A}" sibTransId="{40AFEE62-44D2-443B-83E6-80C0AD28B687}"/>
-    <dgm:cxn modelId="{23F0EE1C-AF2C-4A8A-866B-CC31B4BEC3D0}" type="presOf" srcId="{40AFEE62-44D2-443B-83E6-80C0AD28B687}" destId="{21A871D3-37AD-45B2-BE63-083ADDF06728}" srcOrd="0" destOrd="0" presId="urn:microsoft.com/office/officeart/2005/8/layout/lProcess1"/>
     <dgm:cxn modelId="{B82EB6FE-5B15-4D9E-8441-DD072B697D23}" type="presParOf" srcId="{A561FD43-4297-4F16-BEFD-5FADF09687D5}" destId="{470BBE58-0C95-4C73-BFB5-83728078F6EF}" srcOrd="0" destOrd="0" presId="urn:microsoft.com/office/officeart/2005/8/layout/lProcess1"/>
     <dgm:cxn modelId="{EBE6A2D4-6CB2-438F-88C5-347DFB504BD0}" type="presParOf" srcId="{470BBE58-0C95-4C73-BFB5-83728078F6EF}" destId="{04EAE157-6708-4B0E-8DF1-6DE5284CC3B4}" srcOrd="0" destOrd="0" presId="urn:microsoft.com/office/officeart/2005/8/layout/lProcess1"/>
     <dgm:cxn modelId="{83797F52-ED38-425E-B516-D0B585500B75}" type="presParOf" srcId="{470BBE58-0C95-4C73-BFB5-83728078F6EF}" destId="{AA4CE55A-50DF-4DD4-8F94-AE89EC06FE7F}" srcOrd="1" destOrd="0" presId="urn:microsoft.com/office/officeart/2005/8/layout/lProcess1"/>
@@ -3732,6 +5466,958 @@
 </file>
 
 <file path=ppt/diagrams/drawing1.xml><?xml version="1.0" encoding="utf-8"?>
+<dsp:drawing xmlns:dgm="http://schemas.openxmlformats.org/drawingml/2006/diagram" xmlns:a="http://schemas.openxmlformats.org/drawingml/2006/main" xmlns:dsp="http://schemas.microsoft.com/office/drawing/2008/diagram">
+  <dsp:spTree>
+    <dsp:nvGrpSpPr>
+      <dsp:cNvPr id="0" name=""/>
+      <dsp:cNvGrpSpPr/>
+    </dsp:nvGrpSpPr>
+    <dsp:grpSpPr/>
+    <dsp:sp modelId="{43D2433B-C800-41EB-B72A-24E30D1266E8}">
+      <dsp:nvSpPr>
+        <dsp:cNvPr id="0" name=""/>
+        <dsp:cNvSpPr/>
+      </dsp:nvSpPr>
+      <dsp:spPr>
+        <a:xfrm>
+          <a:off x="1152125" y="2773"/>
+          <a:ext cx="2518103" cy="605739"/>
+        </a:xfrm>
+        <a:prstGeom prst="chevron">
+          <a:avLst/>
+        </a:prstGeom>
+        <a:solidFill>
+          <a:schemeClr val="accent2">
+            <a:hueOff val="0"/>
+            <a:satOff val="0"/>
+            <a:lumOff val="0"/>
+            <a:alphaOff val="0"/>
+          </a:schemeClr>
+        </a:solidFill>
+        <a:ln w="25400" cap="flat" cmpd="sng" algn="ctr">
+          <a:solidFill>
+            <a:schemeClr val="lt1">
+              <a:hueOff val="0"/>
+              <a:satOff val="0"/>
+              <a:lumOff val="0"/>
+              <a:alphaOff val="0"/>
+            </a:schemeClr>
+          </a:solidFill>
+          <a:prstDash val="solid"/>
+        </a:ln>
+        <a:effectLst/>
+      </dsp:spPr>
+      <dsp:style>
+        <a:lnRef idx="2">
+          <a:scrgbClr r="0" g="0" b="0"/>
+        </a:lnRef>
+        <a:fillRef idx="1">
+          <a:scrgbClr r="0" g="0" b="0"/>
+        </a:fillRef>
+        <a:effectRef idx="0">
+          <a:scrgbClr r="0" g="0" b="0"/>
+        </a:effectRef>
+        <a:fontRef idx="minor">
+          <a:schemeClr val="lt1"/>
+        </a:fontRef>
+      </dsp:style>
+      <dsp:txBody>
+        <a:bodyPr spcFirstLastPara="0" vert="horz" wrap="square" lIns="25400" tIns="12700" rIns="0" bIns="12700" numCol="1" spcCol="1270" anchor="ctr" anchorCtr="0">
+          <a:noAutofit/>
+        </a:bodyPr>
+        <a:lstStyle/>
+        <a:p>
+          <a:pPr lvl="0" algn="l" defTabSz="889000">
+            <a:lnSpc>
+              <a:spcPct val="90000"/>
+            </a:lnSpc>
+            <a:spcBef>
+              <a:spcPct val="0"/>
+            </a:spcBef>
+            <a:spcAft>
+              <a:spcPct val="35000"/>
+            </a:spcAft>
+          </a:pPr>
+          <a:r>
+            <a:rPr lang="es-CO" sz="2000" b="1" kern="1200" dirty="0" smtClean="0"/>
+            <a:t>Ingeniero de Administración</a:t>
+          </a:r>
+          <a:endParaRPr lang="es-CO" sz="2000" kern="1200" dirty="0"/>
+        </a:p>
+      </dsp:txBody>
+      <dsp:txXfrm>
+        <a:off x="1152125" y="2773"/>
+        <a:ext cx="2518103" cy="605739"/>
+      </dsp:txXfrm>
+    </dsp:sp>
+    <dsp:sp modelId="{3AF60287-035B-4E46-A68D-CE361C1192E0}">
+      <dsp:nvSpPr>
+        <dsp:cNvPr id="0" name=""/>
+        <dsp:cNvSpPr/>
+      </dsp:nvSpPr>
+      <dsp:spPr>
+        <a:xfrm>
+          <a:off x="3473363" y="103562"/>
+          <a:ext cx="3871455" cy="404161"/>
+        </a:xfrm>
+        <a:prstGeom prst="chevron">
+          <a:avLst/>
+        </a:prstGeom>
+        <a:solidFill>
+          <a:schemeClr val="accent2">
+            <a:tint val="40000"/>
+            <a:alpha val="90000"/>
+            <a:hueOff val="0"/>
+            <a:satOff val="0"/>
+            <a:lumOff val="0"/>
+            <a:alphaOff val="0"/>
+          </a:schemeClr>
+        </a:solidFill>
+        <a:ln w="25400" cap="flat" cmpd="sng" algn="ctr">
+          <a:solidFill>
+            <a:schemeClr val="accent2">
+              <a:tint val="40000"/>
+              <a:alpha val="90000"/>
+              <a:hueOff val="0"/>
+              <a:satOff val="0"/>
+              <a:lumOff val="0"/>
+              <a:alphaOff val="0"/>
+            </a:schemeClr>
+          </a:solidFill>
+          <a:prstDash val="solid"/>
+        </a:ln>
+        <a:effectLst/>
+      </dsp:spPr>
+      <dsp:style>
+        <a:lnRef idx="2">
+          <a:scrgbClr r="0" g="0" b="0"/>
+        </a:lnRef>
+        <a:fillRef idx="1">
+          <a:scrgbClr r="0" g="0" b="0"/>
+        </a:fillRef>
+        <a:effectRef idx="0">
+          <a:scrgbClr r="0" g="0" b="0"/>
+        </a:effectRef>
+        <a:fontRef idx="minor"/>
+      </dsp:style>
+      <dsp:txBody>
+        <a:bodyPr spcFirstLastPara="0" vert="horz" wrap="square" lIns="25400" tIns="12700" rIns="0" bIns="12700" numCol="1" spcCol="1270" anchor="ctr" anchorCtr="0">
+          <a:noAutofit/>
+        </a:bodyPr>
+        <a:lstStyle/>
+        <a:p>
+          <a:pPr lvl="0" algn="l" defTabSz="889000">
+            <a:lnSpc>
+              <a:spcPct val="90000"/>
+            </a:lnSpc>
+            <a:spcBef>
+              <a:spcPct val="0"/>
+            </a:spcBef>
+            <a:spcAft>
+              <a:spcPct val="35000"/>
+            </a:spcAft>
+          </a:pPr>
+          <a:r>
+            <a:rPr lang="es-CO" sz="2000" kern="1200" dirty="0" smtClean="0"/>
+            <a:t>Erik Fernando Arcos Franco</a:t>
+          </a:r>
+          <a:endParaRPr lang="es-CO" sz="2000" kern="1200" dirty="0"/>
+        </a:p>
+      </dsp:txBody>
+      <dsp:txXfrm>
+        <a:off x="3473363" y="103562"/>
+        <a:ext cx="3871455" cy="404161"/>
+      </dsp:txXfrm>
+    </dsp:sp>
+    <dsp:sp modelId="{DDEF83C6-53B3-4A7D-9E75-C0B2EEC177DF}">
+      <dsp:nvSpPr>
+        <dsp:cNvPr id="0" name=""/>
+        <dsp:cNvSpPr/>
+      </dsp:nvSpPr>
+      <dsp:spPr>
+        <a:xfrm>
+          <a:off x="1152125" y="693316"/>
+          <a:ext cx="2518103" cy="605739"/>
+        </a:xfrm>
+        <a:prstGeom prst="chevron">
+          <a:avLst/>
+        </a:prstGeom>
+        <a:solidFill>
+          <a:schemeClr val="accent2">
+            <a:hueOff val="936304"/>
+            <a:satOff val="-1168"/>
+            <a:lumOff val="275"/>
+            <a:alphaOff val="0"/>
+          </a:schemeClr>
+        </a:solidFill>
+        <a:ln w="25400" cap="flat" cmpd="sng" algn="ctr">
+          <a:solidFill>
+            <a:schemeClr val="lt1">
+              <a:hueOff val="0"/>
+              <a:satOff val="0"/>
+              <a:lumOff val="0"/>
+              <a:alphaOff val="0"/>
+            </a:schemeClr>
+          </a:solidFill>
+          <a:prstDash val="solid"/>
+        </a:ln>
+        <a:effectLst/>
+      </dsp:spPr>
+      <dsp:style>
+        <a:lnRef idx="2">
+          <a:scrgbClr r="0" g="0" b="0"/>
+        </a:lnRef>
+        <a:fillRef idx="1">
+          <a:scrgbClr r="0" g="0" b="0"/>
+        </a:fillRef>
+        <a:effectRef idx="0">
+          <a:scrgbClr r="0" g="0" b="0"/>
+        </a:effectRef>
+        <a:fontRef idx="minor">
+          <a:schemeClr val="lt1"/>
+        </a:fontRef>
+      </dsp:style>
+      <dsp:txBody>
+        <a:bodyPr spcFirstLastPara="0" vert="horz" wrap="square" lIns="25400" tIns="12700" rIns="0" bIns="12700" numCol="1" spcCol="1270" anchor="ctr" anchorCtr="0">
+          <a:noAutofit/>
+        </a:bodyPr>
+        <a:lstStyle/>
+        <a:p>
+          <a:pPr lvl="0" algn="l" defTabSz="889000">
+            <a:lnSpc>
+              <a:spcPct val="90000"/>
+            </a:lnSpc>
+            <a:spcBef>
+              <a:spcPct val="0"/>
+            </a:spcBef>
+            <a:spcAft>
+              <a:spcPct val="35000"/>
+            </a:spcAft>
+          </a:pPr>
+          <a:r>
+            <a:rPr lang="es-CO" sz="2000" b="1" kern="1200" dirty="0" smtClean="0"/>
+            <a:t>Ingeniero de Soporte</a:t>
+          </a:r>
+          <a:endParaRPr lang="es-CO" sz="2000" kern="1200" dirty="0"/>
+        </a:p>
+      </dsp:txBody>
+      <dsp:txXfrm>
+        <a:off x="1152125" y="693316"/>
+        <a:ext cx="2518103" cy="605739"/>
+      </dsp:txXfrm>
+    </dsp:sp>
+    <dsp:sp modelId="{8D6A7D35-C7E5-403F-9217-4F5D58B77A03}">
+      <dsp:nvSpPr>
+        <dsp:cNvPr id="0" name=""/>
+        <dsp:cNvSpPr/>
+      </dsp:nvSpPr>
+      <dsp:spPr>
+        <a:xfrm>
+          <a:off x="3473363" y="794105"/>
+          <a:ext cx="3871455" cy="404161"/>
+        </a:xfrm>
+        <a:prstGeom prst="chevron">
+          <a:avLst/>
+        </a:prstGeom>
+        <a:solidFill>
+          <a:schemeClr val="accent2">
+            <a:tint val="40000"/>
+            <a:alpha val="90000"/>
+            <a:hueOff val="1005164"/>
+            <a:satOff val="-876"/>
+            <a:lumOff val="-1"/>
+            <a:alphaOff val="0"/>
+          </a:schemeClr>
+        </a:solidFill>
+        <a:ln w="25400" cap="flat" cmpd="sng" algn="ctr">
+          <a:solidFill>
+            <a:schemeClr val="accent2">
+              <a:tint val="40000"/>
+              <a:alpha val="90000"/>
+              <a:hueOff val="1005164"/>
+              <a:satOff val="-876"/>
+              <a:lumOff val="-1"/>
+              <a:alphaOff val="0"/>
+            </a:schemeClr>
+          </a:solidFill>
+          <a:prstDash val="solid"/>
+        </a:ln>
+        <a:effectLst/>
+      </dsp:spPr>
+      <dsp:style>
+        <a:lnRef idx="2">
+          <a:scrgbClr r="0" g="0" b="0"/>
+        </a:lnRef>
+        <a:fillRef idx="1">
+          <a:scrgbClr r="0" g="0" b="0"/>
+        </a:fillRef>
+        <a:effectRef idx="0">
+          <a:scrgbClr r="0" g="0" b="0"/>
+        </a:effectRef>
+        <a:fontRef idx="minor"/>
+      </dsp:style>
+      <dsp:txBody>
+        <a:bodyPr spcFirstLastPara="0" vert="horz" wrap="square" lIns="25400" tIns="12700" rIns="0" bIns="12700" numCol="1" spcCol="1270" anchor="ctr" anchorCtr="0">
+          <a:noAutofit/>
+        </a:bodyPr>
+        <a:lstStyle/>
+        <a:p>
+          <a:pPr lvl="0" algn="l" defTabSz="889000">
+            <a:lnSpc>
+              <a:spcPct val="90000"/>
+            </a:lnSpc>
+            <a:spcBef>
+              <a:spcPct val="0"/>
+            </a:spcBef>
+            <a:spcAft>
+              <a:spcPct val="35000"/>
+            </a:spcAft>
+          </a:pPr>
+          <a:r>
+            <a:rPr lang="es-CO" sz="2000" kern="1200" dirty="0" smtClean="0"/>
+            <a:t>Andrés Mauricio Erazo Benavides</a:t>
+          </a:r>
+          <a:endParaRPr lang="es-CO" sz="2000" kern="1200" dirty="0"/>
+        </a:p>
+      </dsp:txBody>
+      <dsp:txXfrm>
+        <a:off x="3473363" y="794105"/>
+        <a:ext cx="3871455" cy="404161"/>
+      </dsp:txXfrm>
+    </dsp:sp>
+    <dsp:sp modelId="{3C8C0889-D2FC-4512-B2E2-34392065E875}">
+      <dsp:nvSpPr>
+        <dsp:cNvPr id="0" name=""/>
+        <dsp:cNvSpPr/>
+      </dsp:nvSpPr>
+      <dsp:spPr>
+        <a:xfrm>
+          <a:off x="1152125" y="1383859"/>
+          <a:ext cx="2518103" cy="605739"/>
+        </a:xfrm>
+        <a:prstGeom prst="chevron">
+          <a:avLst/>
+        </a:prstGeom>
+        <a:solidFill>
+          <a:schemeClr val="accent2">
+            <a:hueOff val="1872608"/>
+            <a:satOff val="-2336"/>
+            <a:lumOff val="549"/>
+            <a:alphaOff val="0"/>
+          </a:schemeClr>
+        </a:solidFill>
+        <a:ln w="25400" cap="flat" cmpd="sng" algn="ctr">
+          <a:solidFill>
+            <a:schemeClr val="lt1">
+              <a:hueOff val="0"/>
+              <a:satOff val="0"/>
+              <a:lumOff val="0"/>
+              <a:alphaOff val="0"/>
+            </a:schemeClr>
+          </a:solidFill>
+          <a:prstDash val="solid"/>
+        </a:ln>
+        <a:effectLst/>
+      </dsp:spPr>
+      <dsp:style>
+        <a:lnRef idx="2">
+          <a:scrgbClr r="0" g="0" b="0"/>
+        </a:lnRef>
+        <a:fillRef idx="1">
+          <a:scrgbClr r="0" g="0" b="0"/>
+        </a:fillRef>
+        <a:effectRef idx="0">
+          <a:scrgbClr r="0" g="0" b="0"/>
+        </a:effectRef>
+        <a:fontRef idx="minor">
+          <a:schemeClr val="lt1"/>
+        </a:fontRef>
+      </dsp:style>
+      <dsp:txBody>
+        <a:bodyPr spcFirstLastPara="0" vert="horz" wrap="square" lIns="25400" tIns="12700" rIns="0" bIns="12700" numCol="1" spcCol="1270" anchor="ctr" anchorCtr="0">
+          <a:noAutofit/>
+        </a:bodyPr>
+        <a:lstStyle/>
+        <a:p>
+          <a:pPr lvl="0" algn="l" defTabSz="889000">
+            <a:lnSpc>
+              <a:spcPct val="90000"/>
+            </a:lnSpc>
+            <a:spcBef>
+              <a:spcPct val="0"/>
+            </a:spcBef>
+            <a:spcAft>
+              <a:spcPct val="35000"/>
+            </a:spcAft>
+          </a:pPr>
+          <a:r>
+            <a:rPr lang="es-CO" sz="2000" b="1" kern="1200" dirty="0" smtClean="0"/>
+            <a:t>Arquitecto Jefe</a:t>
+          </a:r>
+          <a:endParaRPr lang="es-CO" sz="2000" kern="1200" dirty="0"/>
+        </a:p>
+      </dsp:txBody>
+      <dsp:txXfrm>
+        <a:off x="1152125" y="1383859"/>
+        <a:ext cx="2518103" cy="605739"/>
+      </dsp:txXfrm>
+    </dsp:sp>
+    <dsp:sp modelId="{14AFB1CC-5D3A-4FF2-B4AD-5A51A3533829}">
+      <dsp:nvSpPr>
+        <dsp:cNvPr id="0" name=""/>
+        <dsp:cNvSpPr/>
+      </dsp:nvSpPr>
+      <dsp:spPr>
+        <a:xfrm>
+          <a:off x="3473363" y="1484647"/>
+          <a:ext cx="3871455" cy="404161"/>
+        </a:xfrm>
+        <a:prstGeom prst="chevron">
+          <a:avLst/>
+        </a:prstGeom>
+        <a:solidFill>
+          <a:schemeClr val="accent2">
+            <a:tint val="40000"/>
+            <a:alpha val="90000"/>
+            <a:hueOff val="2010328"/>
+            <a:satOff val="-1751"/>
+            <a:lumOff val="-2"/>
+            <a:alphaOff val="0"/>
+          </a:schemeClr>
+        </a:solidFill>
+        <a:ln w="25400" cap="flat" cmpd="sng" algn="ctr">
+          <a:solidFill>
+            <a:schemeClr val="accent2">
+              <a:tint val="40000"/>
+              <a:alpha val="90000"/>
+              <a:hueOff val="2010328"/>
+              <a:satOff val="-1751"/>
+              <a:lumOff val="-2"/>
+              <a:alphaOff val="0"/>
+            </a:schemeClr>
+          </a:solidFill>
+          <a:prstDash val="solid"/>
+        </a:ln>
+        <a:effectLst/>
+      </dsp:spPr>
+      <dsp:style>
+        <a:lnRef idx="2">
+          <a:scrgbClr r="0" g="0" b="0"/>
+        </a:lnRef>
+        <a:fillRef idx="1">
+          <a:scrgbClr r="0" g="0" b="0"/>
+        </a:fillRef>
+        <a:effectRef idx="0">
+          <a:scrgbClr r="0" g="0" b="0"/>
+        </a:effectRef>
+        <a:fontRef idx="minor"/>
+      </dsp:style>
+      <dsp:txBody>
+        <a:bodyPr spcFirstLastPara="0" vert="horz" wrap="square" lIns="25400" tIns="12700" rIns="0" bIns="12700" numCol="1" spcCol="1270" anchor="ctr" anchorCtr="0">
+          <a:noAutofit/>
+        </a:bodyPr>
+        <a:lstStyle/>
+        <a:p>
+          <a:pPr lvl="0" algn="l" defTabSz="889000">
+            <a:lnSpc>
+              <a:spcPct val="90000"/>
+            </a:lnSpc>
+            <a:spcBef>
+              <a:spcPct val="0"/>
+            </a:spcBef>
+            <a:spcAft>
+              <a:spcPct val="35000"/>
+            </a:spcAft>
+          </a:pPr>
+          <a:r>
+            <a:rPr lang="es-CO" sz="2000" kern="1200" dirty="0" smtClean="0"/>
+            <a:t>Andrés Mauricio Erazo Benavides</a:t>
+          </a:r>
+          <a:endParaRPr lang="es-CO" sz="2000" kern="1200" dirty="0"/>
+        </a:p>
+      </dsp:txBody>
+      <dsp:txXfrm>
+        <a:off x="3473363" y="1484647"/>
+        <a:ext cx="3871455" cy="404161"/>
+      </dsp:txXfrm>
+    </dsp:sp>
+    <dsp:sp modelId="{D3350139-2613-4C73-B491-E108435D0AE9}">
+      <dsp:nvSpPr>
+        <dsp:cNvPr id="0" name=""/>
+        <dsp:cNvSpPr/>
+      </dsp:nvSpPr>
+      <dsp:spPr>
+        <a:xfrm>
+          <a:off x="1152125" y="2074401"/>
+          <a:ext cx="2518103" cy="605739"/>
+        </a:xfrm>
+        <a:prstGeom prst="chevron">
+          <a:avLst/>
+        </a:prstGeom>
+        <a:solidFill>
+          <a:schemeClr val="accent2">
+            <a:hueOff val="2808911"/>
+            <a:satOff val="-3503"/>
+            <a:lumOff val="824"/>
+            <a:alphaOff val="0"/>
+          </a:schemeClr>
+        </a:solidFill>
+        <a:ln w="25400" cap="flat" cmpd="sng" algn="ctr">
+          <a:solidFill>
+            <a:schemeClr val="lt1">
+              <a:hueOff val="0"/>
+              <a:satOff val="0"/>
+              <a:lumOff val="0"/>
+              <a:alphaOff val="0"/>
+            </a:schemeClr>
+          </a:solidFill>
+          <a:prstDash val="solid"/>
+        </a:ln>
+        <a:effectLst/>
+      </dsp:spPr>
+      <dsp:style>
+        <a:lnRef idx="2">
+          <a:scrgbClr r="0" g="0" b="0"/>
+        </a:lnRef>
+        <a:fillRef idx="1">
+          <a:scrgbClr r="0" g="0" b="0"/>
+        </a:fillRef>
+        <a:effectRef idx="0">
+          <a:scrgbClr r="0" g="0" b="0"/>
+        </a:effectRef>
+        <a:fontRef idx="minor">
+          <a:schemeClr val="lt1"/>
+        </a:fontRef>
+      </dsp:style>
+      <dsp:txBody>
+        <a:bodyPr spcFirstLastPara="0" vert="horz" wrap="square" lIns="25400" tIns="12700" rIns="0" bIns="12700" numCol="1" spcCol="1270" anchor="ctr" anchorCtr="0">
+          <a:noAutofit/>
+        </a:bodyPr>
+        <a:lstStyle/>
+        <a:p>
+          <a:pPr lvl="0" algn="l" defTabSz="889000">
+            <a:lnSpc>
+              <a:spcPct val="90000"/>
+            </a:lnSpc>
+            <a:spcBef>
+              <a:spcPct val="0"/>
+            </a:spcBef>
+            <a:spcAft>
+              <a:spcPct val="35000"/>
+            </a:spcAft>
+          </a:pPr>
+          <a:r>
+            <a:rPr lang="es-CO" sz="2000" b="1" kern="1200" dirty="0" smtClean="0"/>
+            <a:t>Ingeniero de Requerimientos</a:t>
+          </a:r>
+          <a:endParaRPr lang="es-CO" sz="2000" kern="1200" dirty="0"/>
+        </a:p>
+      </dsp:txBody>
+      <dsp:txXfrm>
+        <a:off x="1152125" y="2074401"/>
+        <a:ext cx="2518103" cy="605739"/>
+      </dsp:txXfrm>
+    </dsp:sp>
+    <dsp:sp modelId="{09498659-E017-4DD8-8D1D-F98B28139037}">
+      <dsp:nvSpPr>
+        <dsp:cNvPr id="0" name=""/>
+        <dsp:cNvSpPr/>
+      </dsp:nvSpPr>
+      <dsp:spPr>
+        <a:xfrm>
+          <a:off x="3473363" y="2175190"/>
+          <a:ext cx="3871455" cy="404161"/>
+        </a:xfrm>
+        <a:prstGeom prst="chevron">
+          <a:avLst/>
+        </a:prstGeom>
+        <a:solidFill>
+          <a:schemeClr val="accent2">
+            <a:tint val="40000"/>
+            <a:alpha val="90000"/>
+            <a:hueOff val="3015493"/>
+            <a:satOff val="-2627"/>
+            <a:lumOff val="-4"/>
+            <a:alphaOff val="0"/>
+          </a:schemeClr>
+        </a:solidFill>
+        <a:ln w="25400" cap="flat" cmpd="sng" algn="ctr">
+          <a:solidFill>
+            <a:schemeClr val="accent2">
+              <a:tint val="40000"/>
+              <a:alpha val="90000"/>
+              <a:hueOff val="3015493"/>
+              <a:satOff val="-2627"/>
+              <a:lumOff val="-4"/>
+              <a:alphaOff val="0"/>
+            </a:schemeClr>
+          </a:solidFill>
+          <a:prstDash val="solid"/>
+        </a:ln>
+        <a:effectLst/>
+      </dsp:spPr>
+      <dsp:style>
+        <a:lnRef idx="2">
+          <a:scrgbClr r="0" g="0" b="0"/>
+        </a:lnRef>
+        <a:fillRef idx="1">
+          <a:scrgbClr r="0" g="0" b="0"/>
+        </a:fillRef>
+        <a:effectRef idx="0">
+          <a:scrgbClr r="0" g="0" b="0"/>
+        </a:effectRef>
+        <a:fontRef idx="minor"/>
+      </dsp:style>
+      <dsp:txBody>
+        <a:bodyPr spcFirstLastPara="0" vert="horz" wrap="square" lIns="25400" tIns="12700" rIns="0" bIns="12700" numCol="1" spcCol="1270" anchor="ctr" anchorCtr="0">
+          <a:noAutofit/>
+        </a:bodyPr>
+        <a:lstStyle/>
+        <a:p>
+          <a:pPr lvl="0" algn="l" defTabSz="889000">
+            <a:lnSpc>
+              <a:spcPct val="90000"/>
+            </a:lnSpc>
+            <a:spcBef>
+              <a:spcPct val="0"/>
+            </a:spcBef>
+            <a:spcAft>
+              <a:spcPct val="35000"/>
+            </a:spcAft>
+          </a:pPr>
+          <a:r>
+            <a:rPr lang="es-CO" sz="2000" kern="1200" dirty="0" smtClean="0"/>
+            <a:t>Carlos Ernesto González Vargas</a:t>
+          </a:r>
+          <a:endParaRPr lang="es-CO" sz="2000" kern="1200" dirty="0"/>
+        </a:p>
+      </dsp:txBody>
+      <dsp:txXfrm>
+        <a:off x="3473363" y="2175190"/>
+        <a:ext cx="3871455" cy="404161"/>
+      </dsp:txXfrm>
+    </dsp:sp>
+    <dsp:sp modelId="{D7ED1614-9D60-4293-8664-C9F7DFCBFE8A}">
+      <dsp:nvSpPr>
+        <dsp:cNvPr id="0" name=""/>
+        <dsp:cNvSpPr/>
+      </dsp:nvSpPr>
+      <dsp:spPr>
+        <a:xfrm>
+          <a:off x="1152125" y="2764944"/>
+          <a:ext cx="2518103" cy="605739"/>
+        </a:xfrm>
+        <a:prstGeom prst="chevron">
+          <a:avLst/>
+        </a:prstGeom>
+        <a:solidFill>
+          <a:schemeClr val="accent2">
+            <a:hueOff val="3745215"/>
+            <a:satOff val="-4671"/>
+            <a:lumOff val="1098"/>
+            <a:alphaOff val="0"/>
+          </a:schemeClr>
+        </a:solidFill>
+        <a:ln w="25400" cap="flat" cmpd="sng" algn="ctr">
+          <a:solidFill>
+            <a:schemeClr val="lt1">
+              <a:hueOff val="0"/>
+              <a:satOff val="0"/>
+              <a:lumOff val="0"/>
+              <a:alphaOff val="0"/>
+            </a:schemeClr>
+          </a:solidFill>
+          <a:prstDash val="solid"/>
+        </a:ln>
+        <a:effectLst/>
+      </dsp:spPr>
+      <dsp:style>
+        <a:lnRef idx="2">
+          <a:scrgbClr r="0" g="0" b="0"/>
+        </a:lnRef>
+        <a:fillRef idx="1">
+          <a:scrgbClr r="0" g="0" b="0"/>
+        </a:fillRef>
+        <a:effectRef idx="0">
+          <a:scrgbClr r="0" g="0" b="0"/>
+        </a:effectRef>
+        <a:fontRef idx="minor">
+          <a:schemeClr val="lt1"/>
+        </a:fontRef>
+      </dsp:style>
+      <dsp:txBody>
+        <a:bodyPr spcFirstLastPara="0" vert="horz" wrap="square" lIns="25400" tIns="12700" rIns="0" bIns="12700" numCol="1" spcCol="1270" anchor="ctr" anchorCtr="0">
+          <a:noAutofit/>
+        </a:bodyPr>
+        <a:lstStyle/>
+        <a:p>
+          <a:pPr lvl="0" algn="l" defTabSz="889000">
+            <a:lnSpc>
+              <a:spcPct val="90000"/>
+            </a:lnSpc>
+            <a:spcBef>
+              <a:spcPct val="0"/>
+            </a:spcBef>
+            <a:spcAft>
+              <a:spcPct val="35000"/>
+            </a:spcAft>
+          </a:pPr>
+          <a:r>
+            <a:rPr lang="es-CO" sz="2000" b="1" kern="1200" dirty="0" smtClean="0"/>
+            <a:t>Ingeniero de calidad</a:t>
+          </a:r>
+          <a:endParaRPr lang="es-CO" sz="2000" kern="1200" dirty="0"/>
+        </a:p>
+      </dsp:txBody>
+      <dsp:txXfrm>
+        <a:off x="1152125" y="2764944"/>
+        <a:ext cx="2518103" cy="605739"/>
+      </dsp:txXfrm>
+    </dsp:sp>
+    <dsp:sp modelId="{B0A9C9C2-74B4-49C4-A0B4-2D254947495B}">
+      <dsp:nvSpPr>
+        <dsp:cNvPr id="0" name=""/>
+        <dsp:cNvSpPr/>
+      </dsp:nvSpPr>
+      <dsp:spPr>
+        <a:xfrm>
+          <a:off x="3473363" y="2865733"/>
+          <a:ext cx="3871455" cy="404161"/>
+        </a:xfrm>
+        <a:prstGeom prst="chevron">
+          <a:avLst/>
+        </a:prstGeom>
+        <a:solidFill>
+          <a:schemeClr val="accent2">
+            <a:tint val="40000"/>
+            <a:alpha val="90000"/>
+            <a:hueOff val="4020657"/>
+            <a:satOff val="-3502"/>
+            <a:lumOff val="-5"/>
+            <a:alphaOff val="0"/>
+          </a:schemeClr>
+        </a:solidFill>
+        <a:ln w="25400" cap="flat" cmpd="sng" algn="ctr">
+          <a:solidFill>
+            <a:schemeClr val="accent2">
+              <a:tint val="40000"/>
+              <a:alpha val="90000"/>
+              <a:hueOff val="4020657"/>
+              <a:satOff val="-3502"/>
+              <a:lumOff val="-5"/>
+              <a:alphaOff val="0"/>
+            </a:schemeClr>
+          </a:solidFill>
+          <a:prstDash val="solid"/>
+        </a:ln>
+        <a:effectLst/>
+      </dsp:spPr>
+      <dsp:style>
+        <a:lnRef idx="2">
+          <a:scrgbClr r="0" g="0" b="0"/>
+        </a:lnRef>
+        <a:fillRef idx="1">
+          <a:scrgbClr r="0" g="0" b="0"/>
+        </a:fillRef>
+        <a:effectRef idx="0">
+          <a:scrgbClr r="0" g="0" b="0"/>
+        </a:effectRef>
+        <a:fontRef idx="minor"/>
+      </dsp:style>
+      <dsp:txBody>
+        <a:bodyPr spcFirstLastPara="0" vert="horz" wrap="square" lIns="25400" tIns="12700" rIns="0" bIns="12700" numCol="1" spcCol="1270" anchor="ctr" anchorCtr="0">
+          <a:noAutofit/>
+        </a:bodyPr>
+        <a:lstStyle/>
+        <a:p>
+          <a:pPr lvl="0" algn="l" defTabSz="889000">
+            <a:lnSpc>
+              <a:spcPct val="90000"/>
+            </a:lnSpc>
+            <a:spcBef>
+              <a:spcPct val="0"/>
+            </a:spcBef>
+            <a:spcAft>
+              <a:spcPct val="35000"/>
+            </a:spcAft>
+          </a:pPr>
+          <a:r>
+            <a:rPr lang="es-CO" sz="2000" kern="1200" dirty="0" smtClean="0"/>
+            <a:t>David Pérez </a:t>
+          </a:r>
+          <a:r>
+            <a:rPr lang="es-CO" sz="2000" kern="1200" dirty="0" err="1" smtClean="0"/>
+            <a:t>Chibuque</a:t>
+          </a:r>
+          <a:endParaRPr lang="es-CO" sz="2000" kern="1200" dirty="0"/>
+        </a:p>
+      </dsp:txBody>
+      <dsp:txXfrm>
+        <a:off x="3473363" y="2865733"/>
+        <a:ext cx="3871455" cy="404161"/>
+      </dsp:txXfrm>
+    </dsp:sp>
+    <dsp:sp modelId="{9A2EFF53-CE12-4033-99C5-D70209579430}">
+      <dsp:nvSpPr>
+        <dsp:cNvPr id="0" name=""/>
+        <dsp:cNvSpPr/>
+      </dsp:nvSpPr>
+      <dsp:spPr>
+        <a:xfrm>
+          <a:off x="1152125" y="3455487"/>
+          <a:ext cx="2518103" cy="605739"/>
+        </a:xfrm>
+        <a:prstGeom prst="chevron">
+          <a:avLst/>
+        </a:prstGeom>
+        <a:solidFill>
+          <a:schemeClr val="accent2">
+            <a:hueOff val="4681519"/>
+            <a:satOff val="-5839"/>
+            <a:lumOff val="1373"/>
+            <a:alphaOff val="0"/>
+          </a:schemeClr>
+        </a:solidFill>
+        <a:ln w="25400" cap="flat" cmpd="sng" algn="ctr">
+          <a:solidFill>
+            <a:schemeClr val="lt1">
+              <a:hueOff val="0"/>
+              <a:satOff val="0"/>
+              <a:lumOff val="0"/>
+              <a:alphaOff val="0"/>
+            </a:schemeClr>
+          </a:solidFill>
+          <a:prstDash val="solid"/>
+        </a:ln>
+        <a:effectLst/>
+      </dsp:spPr>
+      <dsp:style>
+        <a:lnRef idx="2">
+          <a:scrgbClr r="0" g="0" b="0"/>
+        </a:lnRef>
+        <a:fillRef idx="1">
+          <a:scrgbClr r="0" g="0" b="0"/>
+        </a:fillRef>
+        <a:effectRef idx="0">
+          <a:scrgbClr r="0" g="0" b="0"/>
+        </a:effectRef>
+        <a:fontRef idx="minor">
+          <a:schemeClr val="lt1"/>
+        </a:fontRef>
+      </dsp:style>
+      <dsp:txBody>
+        <a:bodyPr spcFirstLastPara="0" vert="horz" wrap="square" lIns="25400" tIns="12700" rIns="0" bIns="12700" numCol="1" spcCol="1270" anchor="ctr" anchorCtr="0">
+          <a:noAutofit/>
+        </a:bodyPr>
+        <a:lstStyle/>
+        <a:p>
+          <a:pPr lvl="0" algn="l" defTabSz="889000">
+            <a:lnSpc>
+              <a:spcPct val="90000"/>
+            </a:lnSpc>
+            <a:spcBef>
+              <a:spcPct val="0"/>
+            </a:spcBef>
+            <a:spcAft>
+              <a:spcPct val="35000"/>
+            </a:spcAft>
+          </a:pPr>
+          <a:r>
+            <a:rPr lang="es-CO" sz="2000" b="1" kern="1200" dirty="0" smtClean="0"/>
+            <a:t>Ingeniera de Producción</a:t>
+          </a:r>
+          <a:endParaRPr lang="es-CO" sz="2000" kern="1200" dirty="0"/>
+        </a:p>
+      </dsp:txBody>
+      <dsp:txXfrm>
+        <a:off x="1152125" y="3455487"/>
+        <a:ext cx="2518103" cy="605739"/>
+      </dsp:txXfrm>
+    </dsp:sp>
+    <dsp:sp modelId="{01D1699C-D4EB-4C39-9E1B-A05367549CF3}">
+      <dsp:nvSpPr>
+        <dsp:cNvPr id="0" name=""/>
+        <dsp:cNvSpPr/>
+      </dsp:nvSpPr>
+      <dsp:spPr>
+        <a:xfrm>
+          <a:off x="3473363" y="3556275"/>
+          <a:ext cx="3871455" cy="404161"/>
+        </a:xfrm>
+        <a:prstGeom prst="chevron">
+          <a:avLst/>
+        </a:prstGeom>
+        <a:solidFill>
+          <a:schemeClr val="accent2">
+            <a:tint val="40000"/>
+            <a:alpha val="90000"/>
+            <a:hueOff val="5025821"/>
+            <a:satOff val="-4378"/>
+            <a:lumOff val="-6"/>
+            <a:alphaOff val="0"/>
+          </a:schemeClr>
+        </a:solidFill>
+        <a:ln w="25400" cap="flat" cmpd="sng" algn="ctr">
+          <a:solidFill>
+            <a:schemeClr val="accent2">
+              <a:tint val="40000"/>
+              <a:alpha val="90000"/>
+              <a:hueOff val="5025821"/>
+              <a:satOff val="-4378"/>
+              <a:lumOff val="-6"/>
+              <a:alphaOff val="0"/>
+            </a:schemeClr>
+          </a:solidFill>
+          <a:prstDash val="solid"/>
+        </a:ln>
+        <a:effectLst/>
+      </dsp:spPr>
+      <dsp:style>
+        <a:lnRef idx="2">
+          <a:scrgbClr r="0" g="0" b="0"/>
+        </a:lnRef>
+        <a:fillRef idx="1">
+          <a:scrgbClr r="0" g="0" b="0"/>
+        </a:fillRef>
+        <a:effectRef idx="0">
+          <a:scrgbClr r="0" g="0" b="0"/>
+        </a:effectRef>
+        <a:fontRef idx="minor"/>
+      </dsp:style>
+      <dsp:txBody>
+        <a:bodyPr spcFirstLastPara="0" vert="horz" wrap="square" lIns="25400" tIns="12700" rIns="0" bIns="12700" numCol="1" spcCol="1270" anchor="ctr" anchorCtr="0">
+          <a:noAutofit/>
+        </a:bodyPr>
+        <a:lstStyle/>
+        <a:p>
+          <a:pPr lvl="0" algn="l" defTabSz="889000">
+            <a:lnSpc>
+              <a:spcPct val="90000"/>
+            </a:lnSpc>
+            <a:spcBef>
+              <a:spcPct val="0"/>
+            </a:spcBef>
+            <a:spcAft>
+              <a:spcPct val="35000"/>
+            </a:spcAft>
+          </a:pPr>
+          <a:r>
+            <a:rPr lang="es-CO" sz="2000" kern="1200" dirty="0" smtClean="0"/>
+            <a:t>Sandra Milena Gómez Ríos</a:t>
+          </a:r>
+          <a:endParaRPr lang="es-CO" sz="2000" kern="1200" dirty="0"/>
+        </a:p>
+      </dsp:txBody>
+      <dsp:txXfrm>
+        <a:off x="3473363" y="3556275"/>
+        <a:ext cx="3871455" cy="404161"/>
+      </dsp:txXfrm>
+    </dsp:sp>
+  </dsp:spTree>
+</dsp:drawing>
+</file>
+
+<file path=ppt/diagrams/drawing2.xml><?xml version="1.0" encoding="utf-8"?>
 <dsp:drawing xmlns:dgm="http://schemas.openxmlformats.org/drawingml/2006/diagram" xmlns:a="http://schemas.openxmlformats.org/drawingml/2006/main" xmlns:dsp="http://schemas.microsoft.com/office/drawing/2008/diagram">
   <dsp:spTree>
     <dsp:nvGrpSpPr>
@@ -4528,7 +7214,7 @@
 </dsp:drawing>
 </file>
 
-<file path=ppt/diagrams/drawing2.xml><?xml version="1.0" encoding="utf-8"?>
+<file path=ppt/diagrams/drawing3.xml><?xml version="1.0" encoding="utf-8"?>
 <dsp:drawing xmlns:dgm="http://schemas.openxmlformats.org/drawingml/2006/diagram" xmlns:a="http://schemas.openxmlformats.org/drawingml/2006/main" xmlns:dsp="http://schemas.microsoft.com/office/drawing/2008/diagram">
   <dsp:spTree>
     <dsp:nvGrpSpPr>
@@ -4915,7 +7601,7 @@
 </dsp:drawing>
 </file>
 
-<file path=ppt/diagrams/drawing3.xml><?xml version="1.0" encoding="utf-8"?>
+<file path=ppt/diagrams/drawing4.xml><?xml version="1.0" encoding="utf-8"?>
 <dsp:drawing xmlns:dgm="http://schemas.openxmlformats.org/drawingml/2006/diagram" xmlns:a="http://schemas.openxmlformats.org/drawingml/2006/main" xmlns:dsp="http://schemas.microsoft.com/office/drawing/2008/diagram">
   <dsp:spTree>
     <dsp:nvGrpSpPr>
@@ -5748,6 +8434,287 @@
 </file>
 
 <file path=ppt/diagrams/layout1.xml><?xml version="1.0" encoding="utf-8"?>
+<dgm:layoutDef xmlns:dgm="http://schemas.openxmlformats.org/drawingml/2006/diagram" xmlns:a="http://schemas.openxmlformats.org/drawingml/2006/main" uniqueId="urn:microsoft.com/office/officeart/2005/8/layout/lProcess3">
+  <dgm:title val=""/>
+  <dgm:desc val=""/>
+  <dgm:catLst>
+    <dgm:cat type="process" pri="11000"/>
+    <dgm:cat type="convert" pri="12000"/>
+  </dgm:catLst>
+  <dgm:sampData>
+    <dgm:dataModel>
+      <dgm:ptLst>
+        <dgm:pt modelId="0" type="doc"/>
+        <dgm:pt modelId="1">
+          <dgm:prSet phldr="1"/>
+        </dgm:pt>
+        <dgm:pt modelId="11">
+          <dgm:prSet phldr="1"/>
+        </dgm:pt>
+        <dgm:pt modelId="12">
+          <dgm:prSet phldr="1"/>
+        </dgm:pt>
+        <dgm:pt modelId="2">
+          <dgm:prSet phldr="1"/>
+        </dgm:pt>
+        <dgm:pt modelId="21">
+          <dgm:prSet phldr="1"/>
+        </dgm:pt>
+        <dgm:pt modelId="22">
+          <dgm:prSet phldr="1"/>
+        </dgm:pt>
+        <dgm:pt modelId="3">
+          <dgm:prSet phldr="1"/>
+        </dgm:pt>
+        <dgm:pt modelId="31">
+          <dgm:prSet phldr="1"/>
+        </dgm:pt>
+        <dgm:pt modelId="32">
+          <dgm:prSet phldr="1"/>
+        </dgm:pt>
+      </dgm:ptLst>
+      <dgm:cxnLst>
+        <dgm:cxn modelId="4" srcId="0" destId="1" srcOrd="0" destOrd="0"/>
+        <dgm:cxn modelId="5" srcId="0" destId="2" srcOrd="1" destOrd="0"/>
+        <dgm:cxn modelId="6" srcId="0" destId="3" srcOrd="2" destOrd="0"/>
+        <dgm:cxn modelId="41" srcId="1" destId="11" srcOrd="0" destOrd="0"/>
+        <dgm:cxn modelId="42" srcId="1" destId="12" srcOrd="1" destOrd="0"/>
+        <dgm:cxn modelId="51" srcId="2" destId="21" srcOrd="0" destOrd="0"/>
+        <dgm:cxn modelId="52" srcId="2" destId="22" srcOrd="1" destOrd="0"/>
+        <dgm:cxn modelId="61" srcId="3" destId="31" srcOrd="0" destOrd="0"/>
+        <dgm:cxn modelId="62" srcId="3" destId="32" srcOrd="1" destOrd="0"/>
+      </dgm:cxnLst>
+      <dgm:bg/>
+      <dgm:whole/>
+    </dgm:dataModel>
+  </dgm:sampData>
+  <dgm:styleData>
+    <dgm:dataModel>
+      <dgm:ptLst>
+        <dgm:pt modelId="0" type="doc"/>
+        <dgm:pt modelId="1"/>
+        <dgm:pt modelId="2"/>
+      </dgm:ptLst>
+      <dgm:cxnLst>
+        <dgm:cxn modelId="4" srcId="0" destId="1" srcOrd="0" destOrd="0"/>
+        <dgm:cxn modelId="5" srcId="1" destId="2" srcOrd="0" destOrd="0"/>
+      </dgm:cxnLst>
+      <dgm:bg/>
+      <dgm:whole/>
+    </dgm:dataModel>
+  </dgm:styleData>
+  <dgm:clrData>
+    <dgm:dataModel>
+      <dgm:ptLst>
+        <dgm:pt modelId="0" type="doc"/>
+        <dgm:pt modelId="1"/>
+        <dgm:pt modelId="11"/>
+        <dgm:pt modelId="2"/>
+        <dgm:pt modelId="21"/>
+        <dgm:pt modelId="3"/>
+        <dgm:pt modelId="31"/>
+        <dgm:pt modelId="4"/>
+        <dgm:pt modelId="41"/>
+      </dgm:ptLst>
+      <dgm:cxnLst>
+        <dgm:cxn modelId="5" srcId="0" destId="1" srcOrd="0" destOrd="0"/>
+        <dgm:cxn modelId="6" srcId="0" destId="2" srcOrd="1" destOrd="0"/>
+        <dgm:cxn modelId="7" srcId="0" destId="3" srcOrd="2" destOrd="0"/>
+        <dgm:cxn modelId="8" srcId="0" destId="4" srcOrd="3" destOrd="0"/>
+        <dgm:cxn modelId="51" srcId="1" destId="11" srcOrd="0" destOrd="0"/>
+        <dgm:cxn modelId="61" srcId="2" destId="21" srcOrd="0" destOrd="0"/>
+        <dgm:cxn modelId="71" srcId="3" destId="31" srcOrd="0" destOrd="0"/>
+        <dgm:cxn modelId="81" srcId="4" destId="41" srcOrd="0" destOrd="0"/>
+      </dgm:cxnLst>
+      <dgm:bg/>
+      <dgm:whole/>
+    </dgm:dataModel>
+  </dgm:clrData>
+  <dgm:layoutNode name="Name0">
+    <dgm:varLst>
+      <dgm:chPref val="3"/>
+      <dgm:dir/>
+      <dgm:animLvl val="lvl"/>
+      <dgm:resizeHandles/>
+    </dgm:varLst>
+    <dgm:choose name="Name1">
+      <dgm:if name="Name2" func="var" arg="dir" op="equ" val="norm">
+        <dgm:alg type="lin">
+          <dgm:param type="linDir" val="fromT"/>
+          <dgm:param type="vertAlign" val="mid"/>
+          <dgm:param type="nodeHorzAlign" val="l"/>
+          <dgm:param type="nodeVertAlign" val="t"/>
+          <dgm:param type="fallback" val="2D"/>
+        </dgm:alg>
+      </dgm:if>
+      <dgm:else name="Name3">
+        <dgm:alg type="lin">
+          <dgm:param type="linDir" val="fromT"/>
+          <dgm:param type="vertAlign" val="mid"/>
+          <dgm:param type="nodeHorzAlign" val="r"/>
+          <dgm:param type="nodeVertAlign" val="t"/>
+          <dgm:param type="fallback" val="2D"/>
+        </dgm:alg>
+      </dgm:else>
+    </dgm:choose>
+    <dgm:shape xmlns:r="http://schemas.openxmlformats.org/officeDocument/2006/relationships" r:blip="">
+      <dgm:adjLst/>
+    </dgm:shape>
+    <dgm:presOf/>
+    <dgm:constrLst>
+      <dgm:constr type="w" for="des" forName="bigChev" refType="w"/>
+      <dgm:constr type="h" for="des" forName="bigChev" refType="w" refFor="des" refForName="bigChev" op="equ" fact="0.4"/>
+      <dgm:constr type="w" for="des" forName="node" refType="w" refFor="des" refForName="bigChev" fact="0.83"/>
+      <dgm:constr type="h" for="des" forName="node" refType="w" refFor="des" refForName="node" op="equ" fact="0.4"/>
+      <dgm:constr type="w" for="des" forName="parTrans" refType="w" refFor="des" refForName="bigChev" op="equ" fact="-0.13"/>
+      <dgm:constr type="w" for="des" forName="sibTrans" refType="w" refFor="des" refForName="node" op="equ" fact="-0.14"/>
+      <dgm:constr type="h" for="ch" forName="vSp" refType="h" refFor="des" refForName="bigChev" op="equ" fact="0.14"/>
+      <dgm:constr type="primFontSz" for="des" forName="node" op="equ"/>
+      <dgm:constr type="primFontSz" for="des" forName="bigChev" op="equ"/>
+    </dgm:constrLst>
+    <dgm:ruleLst/>
+    <dgm:forEach name="Name4" axis="ch" ptType="node">
+      <dgm:layoutNode name="horFlow">
+        <dgm:choose name="Name5">
+          <dgm:if name="Name6" func="var" arg="dir" op="equ" val="norm">
+            <dgm:alg type="lin">
+              <dgm:param type="linDir" val="fromL"/>
+              <dgm:param type="nodeHorzAlign" val="l"/>
+              <dgm:param type="nodeVertAlign" val="mid"/>
+              <dgm:param type="fallback" val="2D"/>
+            </dgm:alg>
+          </dgm:if>
+          <dgm:else name="Name7">
+            <dgm:alg type="lin">
+              <dgm:param type="linDir" val="fromR"/>
+              <dgm:param type="nodeHorzAlign" val="r"/>
+              <dgm:param type="nodeVertAlign" val="mid"/>
+              <dgm:param type="fallback" val="2D"/>
+            </dgm:alg>
+          </dgm:else>
+        </dgm:choose>
+        <dgm:shape xmlns:r="http://schemas.openxmlformats.org/officeDocument/2006/relationships" r:blip="">
+          <dgm:adjLst/>
+        </dgm:shape>
+        <dgm:presOf/>
+        <dgm:constrLst/>
+        <dgm:ruleLst/>
+        <dgm:layoutNode name="bigChev" styleLbl="node1">
+          <dgm:alg type="tx"/>
+          <dgm:choose name="Name8">
+            <dgm:if name="Name9" func="var" arg="dir" op="equ" val="norm">
+              <dgm:shape xmlns:r="http://schemas.openxmlformats.org/officeDocument/2006/relationships" type="chevron" r:blip="">
+                <dgm:adjLst/>
+              </dgm:shape>
+              <dgm:presOf axis="self"/>
+              <dgm:constrLst>
+                <dgm:constr type="primFontSz" val="65"/>
+                <dgm:constr type="rMarg"/>
+                <dgm:constr type="lMarg" refType="primFontSz" fact="0.1"/>
+                <dgm:constr type="tMarg" refType="primFontSz" fact="0.05"/>
+                <dgm:constr type="bMarg" refType="primFontSz" fact="0.05"/>
+              </dgm:constrLst>
+            </dgm:if>
+            <dgm:else name="Name10">
+              <dgm:shape xmlns:r="http://schemas.openxmlformats.org/officeDocument/2006/relationships" rot="180" type="chevron" r:blip="">
+                <dgm:adjLst/>
+              </dgm:shape>
+              <dgm:presOf axis="self"/>
+              <dgm:constrLst>
+                <dgm:constr type="primFontSz" val="65"/>
+                <dgm:constr type="lMarg"/>
+                <dgm:constr type="rMarg" refType="primFontSz" fact="0.1"/>
+                <dgm:constr type="tMarg" refType="primFontSz" fact="0.05"/>
+                <dgm:constr type="bMarg" refType="primFontSz" fact="0.05"/>
+              </dgm:constrLst>
+            </dgm:else>
+          </dgm:choose>
+          <dgm:ruleLst>
+            <dgm:rule type="primFontSz" val="5" fact="NaN" max="NaN"/>
+          </dgm:ruleLst>
+        </dgm:layoutNode>
+        <dgm:forEach name="parTransForEach" axis="ch" ptType="parTrans" cnt="1">
+          <dgm:layoutNode name="parTrans">
+            <dgm:alg type="sp"/>
+            <dgm:shape xmlns:r="http://schemas.openxmlformats.org/officeDocument/2006/relationships" r:blip="">
+              <dgm:adjLst/>
+            </dgm:shape>
+            <dgm:presOf/>
+            <dgm:constrLst/>
+            <dgm:ruleLst/>
+          </dgm:layoutNode>
+        </dgm:forEach>
+        <dgm:forEach name="Name11" axis="ch" ptType="node">
+          <dgm:layoutNode name="node" styleLbl="alignAccFollowNode1">
+            <dgm:varLst>
+              <dgm:bulletEnabled val="1"/>
+            </dgm:varLst>
+            <dgm:alg type="tx"/>
+            <dgm:choose name="Name12">
+              <dgm:if name="Name13" func="var" arg="dir" op="equ" val="norm">
+                <dgm:shape xmlns:r="http://schemas.openxmlformats.org/officeDocument/2006/relationships" type="chevron" r:blip="">
+                  <dgm:adjLst/>
+                </dgm:shape>
+                <dgm:presOf axis="desOrSelf" ptType="node"/>
+                <dgm:constrLst>
+                  <dgm:constr type="primFontSz" val="65"/>
+                  <dgm:constr type="rMarg"/>
+                  <dgm:constr type="lMarg" refType="primFontSz" fact="0.1"/>
+                  <dgm:constr type="tMarg" refType="primFontSz" fact="0.05"/>
+                  <dgm:constr type="bMarg" refType="primFontSz" fact="0.05"/>
+                </dgm:constrLst>
+              </dgm:if>
+              <dgm:else name="Name14">
+                <dgm:shape xmlns:r="http://schemas.openxmlformats.org/officeDocument/2006/relationships" rot="180" type="chevron" r:blip="">
+                  <dgm:adjLst/>
+                </dgm:shape>
+                <dgm:presOf axis="desOrSelf" ptType="node"/>
+                <dgm:constrLst>
+                  <dgm:constr type="primFontSz" val="65"/>
+                  <dgm:constr type="lMarg"/>
+                  <dgm:constr type="rMarg" refType="primFontSz" fact="0.1"/>
+                  <dgm:constr type="tMarg" refType="primFontSz" fact="0.05"/>
+                  <dgm:constr type="bMarg" refType="primFontSz" fact="0.05"/>
+                </dgm:constrLst>
+              </dgm:else>
+            </dgm:choose>
+            <dgm:ruleLst>
+              <dgm:rule type="primFontSz" val="5" fact="NaN" max="NaN"/>
+            </dgm:ruleLst>
+          </dgm:layoutNode>
+          <dgm:forEach name="sibTransForEach" axis="followSib" ptType="sibTrans" cnt="1">
+            <dgm:layoutNode name="sibTrans">
+              <dgm:alg type="sp"/>
+              <dgm:shape xmlns:r="http://schemas.openxmlformats.org/officeDocument/2006/relationships" r:blip="">
+                <dgm:adjLst/>
+              </dgm:shape>
+              <dgm:presOf/>
+              <dgm:constrLst/>
+              <dgm:ruleLst/>
+            </dgm:layoutNode>
+          </dgm:forEach>
+        </dgm:forEach>
+      </dgm:layoutNode>
+      <dgm:choose name="Name15">
+        <dgm:if name="Name16" axis="self" ptType="node" func="revPos" op="gte" val="2">
+          <dgm:layoutNode name="vSp">
+            <dgm:alg type="sp"/>
+            <dgm:shape xmlns:r="http://schemas.openxmlformats.org/officeDocument/2006/relationships" r:blip="">
+              <dgm:adjLst/>
+            </dgm:shape>
+            <dgm:presOf/>
+            <dgm:constrLst/>
+            <dgm:ruleLst/>
+          </dgm:layoutNode>
+        </dgm:if>
+        <dgm:else name="Name17"/>
+      </dgm:choose>
+    </dgm:forEach>
+  </dgm:layoutNode>
+</dgm:layoutDef>
+</file>
+
+<file path=ppt/diagrams/layout2.xml><?xml version="1.0" encoding="utf-8"?>
 <dgm:layoutDef xmlns:dgm="http://schemas.openxmlformats.org/drawingml/2006/diagram" xmlns:a="http://schemas.openxmlformats.org/drawingml/2006/main" uniqueId="urn:microsoft.com/office/officeart/2005/8/layout/cycle6">
   <dgm:title val=""/>
   <dgm:desc val=""/>
@@ -5956,7 +8923,7 @@
 </dgm:layoutDef>
 </file>
 
-<file path=ppt/diagrams/layout2.xml><?xml version="1.0" encoding="utf-8"?>
+<file path=ppt/diagrams/layout3.xml><?xml version="1.0" encoding="utf-8"?>
 <dgm:layoutDef xmlns:dgm="http://schemas.openxmlformats.org/drawingml/2006/diagram" xmlns:a="http://schemas.openxmlformats.org/drawingml/2006/main" uniqueId="urn:microsoft.com/office/officeart/2005/8/layout/list1">
   <dgm:title val=""/>
   <dgm:desc val=""/>
@@ -6181,7 +9148,7 @@
 </dgm:layoutDef>
 </file>
 
-<file path=ppt/diagrams/layout3.xml><?xml version="1.0" encoding="utf-8"?>
+<file path=ppt/diagrams/layout4.xml><?xml version="1.0" encoding="utf-8"?>
 <dgm:layoutDef xmlns:dgm="http://schemas.openxmlformats.org/drawingml/2006/diagram" xmlns:a="http://schemas.openxmlformats.org/drawingml/2006/main" uniqueId="urn:microsoft.com/office/officeart/2005/8/layout/lProcess1">
   <dgm:title val=""/>
   <dgm:desc val=""/>
@@ -6444,6 +9411,1040 @@
 </file>
 
 <file path=ppt/diagrams/quickStyle1.xml><?xml version="1.0" encoding="utf-8"?>
+<dgm:styleDef xmlns:dgm="http://schemas.openxmlformats.org/drawingml/2006/diagram" xmlns:a="http://schemas.openxmlformats.org/drawingml/2006/main" uniqueId="urn:microsoft.com/office/officeart/2005/8/quickstyle/simple1">
+  <dgm:title val=""/>
+  <dgm:desc val=""/>
+  <dgm:catLst>
+    <dgm:cat type="simple" pri="10100"/>
+  </dgm:catLst>
+  <dgm:scene3d>
+    <a:camera prst="orthographicFront"/>
+    <a:lightRig rig="threePt" dir="t"/>
+  </dgm:scene3d>
+  <dgm:styleLbl name="node0">
+    <dgm:scene3d>
+      <a:camera prst="orthographicFront"/>
+      <a:lightRig rig="threePt" dir="t"/>
+    </dgm:scene3d>
+    <dgm:sp3d/>
+    <dgm:txPr/>
+    <dgm:style>
+      <a:lnRef idx="2">
+        <a:scrgbClr r="0" g="0" b="0"/>
+      </a:lnRef>
+      <a:fillRef idx="1">
+        <a:scrgbClr r="0" g="0" b="0"/>
+      </a:fillRef>
+      <a:effectRef idx="0">
+        <a:scrgbClr r="0" g="0" b="0"/>
+      </a:effectRef>
+      <a:fontRef idx="minor">
+        <a:schemeClr val="lt1"/>
+      </a:fontRef>
+    </dgm:style>
+  </dgm:styleLbl>
+  <dgm:styleLbl name="lnNode1">
+    <dgm:scene3d>
+      <a:camera prst="orthographicFront"/>
+      <a:lightRig rig="threePt" dir="t"/>
+    </dgm:scene3d>
+    <dgm:sp3d/>
+    <dgm:txPr/>
+    <dgm:style>
+      <a:lnRef idx="2">
+        <a:scrgbClr r="0" g="0" b="0"/>
+      </a:lnRef>
+      <a:fillRef idx="1">
+        <a:scrgbClr r="0" g="0" b="0"/>
+      </a:fillRef>
+      <a:effectRef idx="0">
+        <a:scrgbClr r="0" g="0" b="0"/>
+      </a:effectRef>
+      <a:fontRef idx="minor">
+        <a:schemeClr val="lt1"/>
+      </a:fontRef>
+    </dgm:style>
+  </dgm:styleLbl>
+  <dgm:styleLbl name="vennNode1">
+    <dgm:scene3d>
+      <a:camera prst="orthographicFront"/>
+      <a:lightRig rig="threePt" dir="t"/>
+    </dgm:scene3d>
+    <dgm:sp3d/>
+    <dgm:txPr/>
+    <dgm:style>
+      <a:lnRef idx="2">
+        <a:scrgbClr r="0" g="0" b="0"/>
+      </a:lnRef>
+      <a:fillRef idx="1">
+        <a:scrgbClr r="0" g="0" b="0"/>
+      </a:fillRef>
+      <a:effectRef idx="0">
+        <a:scrgbClr r="0" g="0" b="0"/>
+      </a:effectRef>
+      <a:fontRef idx="minor">
+        <a:schemeClr val="tx1"/>
+      </a:fontRef>
+    </dgm:style>
+  </dgm:styleLbl>
+  <dgm:styleLbl name="alignNode1">
+    <dgm:scene3d>
+      <a:camera prst="orthographicFront"/>
+      <a:lightRig rig="threePt" dir="t"/>
+    </dgm:scene3d>
+    <dgm:sp3d/>
+    <dgm:txPr/>
+    <dgm:style>
+      <a:lnRef idx="2">
+        <a:scrgbClr r="0" g="0" b="0"/>
+      </a:lnRef>
+      <a:fillRef idx="1">
+        <a:scrgbClr r="0" g="0" b="0"/>
+      </a:fillRef>
+      <a:effectRef idx="0">
+        <a:scrgbClr r="0" g="0" b="0"/>
+      </a:effectRef>
+      <a:fontRef idx="minor">
+        <a:schemeClr val="lt1"/>
+      </a:fontRef>
+    </dgm:style>
+  </dgm:styleLbl>
+  <dgm:styleLbl name="node1">
+    <dgm:scene3d>
+      <a:camera prst="orthographicFront"/>
+      <a:lightRig rig="threePt" dir="t"/>
+    </dgm:scene3d>
+    <dgm:sp3d/>
+    <dgm:txPr/>
+    <dgm:style>
+      <a:lnRef idx="2">
+        <a:scrgbClr r="0" g="0" b="0"/>
+      </a:lnRef>
+      <a:fillRef idx="1">
+        <a:scrgbClr r="0" g="0" b="0"/>
+      </a:fillRef>
+      <a:effectRef idx="0">
+        <a:scrgbClr r="0" g="0" b="0"/>
+      </a:effectRef>
+      <a:fontRef idx="minor">
+        <a:schemeClr val="lt1"/>
+      </a:fontRef>
+    </dgm:style>
+  </dgm:styleLbl>
+  <dgm:styleLbl name="node2">
+    <dgm:scene3d>
+      <a:camera prst="orthographicFront"/>
+      <a:lightRig rig="threePt" dir="t"/>
+    </dgm:scene3d>
+    <dgm:sp3d/>
+    <dgm:txPr/>
+    <dgm:style>
+      <a:lnRef idx="2">
+        <a:scrgbClr r="0" g="0" b="0"/>
+      </a:lnRef>
+      <a:fillRef idx="1">
+        <a:scrgbClr r="0" g="0" b="0"/>
+      </a:fillRef>
+      <a:effectRef idx="0">
+        <a:scrgbClr r="0" g="0" b="0"/>
+      </a:effectRef>
+      <a:fontRef idx="minor">
+        <a:schemeClr val="lt1"/>
+      </a:fontRef>
+    </dgm:style>
+  </dgm:styleLbl>
+  <dgm:styleLbl name="node3">
+    <dgm:scene3d>
+      <a:camera prst="orthographicFront"/>
+      <a:lightRig rig="threePt" dir="t"/>
+    </dgm:scene3d>
+    <dgm:sp3d/>
+    <dgm:txPr/>
+    <dgm:style>
+      <a:lnRef idx="2">
+        <a:scrgbClr r="0" g="0" b="0"/>
+      </a:lnRef>
+      <a:fillRef idx="1">
+        <a:scrgbClr r="0" g="0" b="0"/>
+      </a:fillRef>
+      <a:effectRef idx="0">
+        <a:scrgbClr r="0" g="0" b="0"/>
+      </a:effectRef>
+      <a:fontRef idx="minor">
+        <a:schemeClr val="lt1"/>
+      </a:fontRef>
+    </dgm:style>
+  </dgm:styleLbl>
+  <dgm:styleLbl name="node4">
+    <dgm:scene3d>
+      <a:camera prst="orthographicFront"/>
+      <a:lightRig rig="threePt" dir="t"/>
+    </dgm:scene3d>
+    <dgm:sp3d/>
+    <dgm:txPr/>
+    <dgm:style>
+      <a:lnRef idx="2">
+        <a:scrgbClr r="0" g="0" b="0"/>
+      </a:lnRef>
+      <a:fillRef idx="1">
+        <a:scrgbClr r="0" g="0" b="0"/>
+      </a:fillRef>
+      <a:effectRef idx="0">
+        <a:scrgbClr r="0" g="0" b="0"/>
+      </a:effectRef>
+      <a:fontRef idx="minor">
+        <a:schemeClr val="lt1"/>
+      </a:fontRef>
+    </dgm:style>
+  </dgm:styleLbl>
+  <dgm:styleLbl name="fgImgPlace1">
+    <dgm:scene3d>
+      <a:camera prst="orthographicFront"/>
+      <a:lightRig rig="threePt" dir="t"/>
+    </dgm:scene3d>
+    <dgm:sp3d/>
+    <dgm:txPr/>
+    <dgm:style>
+      <a:lnRef idx="2">
+        <a:scrgbClr r="0" g="0" b="0"/>
+      </a:lnRef>
+      <a:fillRef idx="1">
+        <a:scrgbClr r="0" g="0" b="0"/>
+      </a:fillRef>
+      <a:effectRef idx="0">
+        <a:scrgbClr r="0" g="0" b="0"/>
+      </a:effectRef>
+      <a:fontRef idx="minor"/>
+    </dgm:style>
+  </dgm:styleLbl>
+  <dgm:styleLbl name="alignImgPlace1">
+    <dgm:scene3d>
+      <a:camera prst="orthographicFront"/>
+      <a:lightRig rig="threePt" dir="t"/>
+    </dgm:scene3d>
+    <dgm:sp3d/>
+    <dgm:txPr/>
+    <dgm:style>
+      <a:lnRef idx="2">
+        <a:scrgbClr r="0" g="0" b="0"/>
+      </a:lnRef>
+      <a:fillRef idx="1">
+        <a:scrgbClr r="0" g="0" b="0"/>
+      </a:fillRef>
+      <a:effectRef idx="0">
+        <a:scrgbClr r="0" g="0" b="0"/>
+      </a:effectRef>
+      <a:fontRef idx="minor"/>
+    </dgm:style>
+  </dgm:styleLbl>
+  <dgm:styleLbl name="bgImgPlace1">
+    <dgm:scene3d>
+      <a:camera prst="orthographicFront"/>
+      <a:lightRig rig="threePt" dir="t"/>
+    </dgm:scene3d>
+    <dgm:sp3d/>
+    <dgm:txPr/>
+    <dgm:style>
+      <a:lnRef idx="2">
+        <a:scrgbClr r="0" g="0" b="0"/>
+      </a:lnRef>
+      <a:fillRef idx="1">
+        <a:scrgbClr r="0" g="0" b="0"/>
+      </a:fillRef>
+      <a:effectRef idx="0">
+        <a:scrgbClr r="0" g="0" b="0"/>
+      </a:effectRef>
+      <a:fontRef idx="minor"/>
+    </dgm:style>
+  </dgm:styleLbl>
+  <dgm:styleLbl name="sibTrans2D1">
+    <dgm:scene3d>
+      <a:camera prst="orthographicFront"/>
+      <a:lightRig rig="threePt" dir="t"/>
+    </dgm:scene3d>
+    <dgm:sp3d/>
+    <dgm:txPr/>
+    <dgm:style>
+      <a:lnRef idx="0">
+        <a:scrgbClr r="0" g="0" b="0"/>
+      </a:lnRef>
+      <a:fillRef idx="1">
+        <a:scrgbClr r="0" g="0" b="0"/>
+      </a:fillRef>
+      <a:effectRef idx="0">
+        <a:scrgbClr r="0" g="0" b="0"/>
+      </a:effectRef>
+      <a:fontRef idx="minor">
+        <a:schemeClr val="lt1"/>
+      </a:fontRef>
+    </dgm:style>
+  </dgm:styleLbl>
+  <dgm:styleLbl name="fgSibTrans2D1">
+    <dgm:scene3d>
+      <a:camera prst="orthographicFront"/>
+      <a:lightRig rig="threePt" dir="t"/>
+    </dgm:scene3d>
+    <dgm:sp3d/>
+    <dgm:txPr/>
+    <dgm:style>
+      <a:lnRef idx="0">
+        <a:scrgbClr r="0" g="0" b="0"/>
+      </a:lnRef>
+      <a:fillRef idx="1">
+        <a:scrgbClr r="0" g="0" b="0"/>
+      </a:fillRef>
+      <a:effectRef idx="0">
+        <a:scrgbClr r="0" g="0" b="0"/>
+      </a:effectRef>
+      <a:fontRef idx="minor">
+        <a:schemeClr val="lt1"/>
+      </a:fontRef>
+    </dgm:style>
+  </dgm:styleLbl>
+  <dgm:styleLbl name="bgSibTrans2D1">
+    <dgm:scene3d>
+      <a:camera prst="orthographicFront"/>
+      <a:lightRig rig="threePt" dir="t"/>
+    </dgm:scene3d>
+    <dgm:sp3d/>
+    <dgm:txPr/>
+    <dgm:style>
+      <a:lnRef idx="0">
+        <a:scrgbClr r="0" g="0" b="0"/>
+      </a:lnRef>
+      <a:fillRef idx="1">
+        <a:scrgbClr r="0" g="0" b="0"/>
+      </a:fillRef>
+      <a:effectRef idx="0">
+        <a:scrgbClr r="0" g="0" b="0"/>
+      </a:effectRef>
+      <a:fontRef idx="minor">
+        <a:schemeClr val="lt1"/>
+      </a:fontRef>
+    </dgm:style>
+  </dgm:styleLbl>
+  <dgm:styleLbl name="sibTrans1D1">
+    <dgm:scene3d>
+      <a:camera prst="orthographicFront"/>
+      <a:lightRig rig="threePt" dir="t"/>
+    </dgm:scene3d>
+    <dgm:sp3d/>
+    <dgm:txPr/>
+    <dgm:style>
+      <a:lnRef idx="1">
+        <a:scrgbClr r="0" g="0" b="0"/>
+      </a:lnRef>
+      <a:fillRef idx="0">
+        <a:scrgbClr r="0" g="0" b="0"/>
+      </a:fillRef>
+      <a:effectRef idx="0">
+        <a:scrgbClr r="0" g="0" b="0"/>
+      </a:effectRef>
+      <a:fontRef idx="minor"/>
+    </dgm:style>
+  </dgm:styleLbl>
+  <dgm:styleLbl name="callout">
+    <dgm:scene3d>
+      <a:camera prst="orthographicFront"/>
+      <a:lightRig rig="threePt" dir="t"/>
+    </dgm:scene3d>
+    <dgm:sp3d/>
+    <dgm:txPr/>
+    <dgm:style>
+      <a:lnRef idx="2">
+        <a:scrgbClr r="0" g="0" b="0"/>
+      </a:lnRef>
+      <a:fillRef idx="1">
+        <a:scrgbClr r="0" g="0" b="0"/>
+      </a:fillRef>
+      <a:effectRef idx="0">
+        <a:scrgbClr r="0" g="0" b="0"/>
+      </a:effectRef>
+      <a:fontRef idx="minor"/>
+    </dgm:style>
+  </dgm:styleLbl>
+  <dgm:styleLbl name="asst0">
+    <dgm:scene3d>
+      <a:camera prst="orthographicFront"/>
+      <a:lightRig rig="threePt" dir="t"/>
+    </dgm:scene3d>
+    <dgm:sp3d/>
+    <dgm:txPr/>
+    <dgm:style>
+      <a:lnRef idx="2">
+        <a:scrgbClr r="0" g="0" b="0"/>
+      </a:lnRef>
+      <a:fillRef idx="1">
+        <a:scrgbClr r="0" g="0" b="0"/>
+      </a:fillRef>
+      <a:effectRef idx="0">
+        <a:scrgbClr r="0" g="0" b="0"/>
+      </a:effectRef>
+      <a:fontRef idx="minor">
+        <a:schemeClr val="lt1"/>
+      </a:fontRef>
+    </dgm:style>
+  </dgm:styleLbl>
+  <dgm:styleLbl name="asst1">
+    <dgm:scene3d>
+      <a:camera prst="orthographicFront"/>
+      <a:lightRig rig="threePt" dir="t"/>
+    </dgm:scene3d>
+    <dgm:sp3d/>
+    <dgm:txPr/>
+    <dgm:style>
+      <a:lnRef idx="2">
+        <a:scrgbClr r="0" g="0" b="0"/>
+      </a:lnRef>
+      <a:fillRef idx="1">
+        <a:scrgbClr r="0" g="0" b="0"/>
+      </a:fillRef>
+      <a:effectRef idx="0">
+        <a:scrgbClr r="0" g="0" b="0"/>
+      </a:effectRef>
+      <a:fontRef idx="minor">
+        <a:schemeClr val="lt1"/>
+      </a:fontRef>
+    </dgm:style>
+  </dgm:styleLbl>
+  <dgm:styleLbl name="asst2">
+    <dgm:scene3d>
+      <a:camera prst="orthographicFront"/>
+      <a:lightRig rig="threePt" dir="t"/>
+    </dgm:scene3d>
+    <dgm:sp3d/>
+    <dgm:txPr/>
+    <dgm:style>
+      <a:lnRef idx="2">
+        <a:scrgbClr r="0" g="0" b="0"/>
+      </a:lnRef>
+      <a:fillRef idx="1">
+        <a:scrgbClr r="0" g="0" b="0"/>
+      </a:fillRef>
+      <a:effectRef idx="0">
+        <a:scrgbClr r="0" g="0" b="0"/>
+      </a:effectRef>
+      <a:fontRef idx="minor">
+        <a:schemeClr val="lt1"/>
+      </a:fontRef>
+    </dgm:style>
+  </dgm:styleLbl>
+  <dgm:styleLbl name="asst3">
+    <dgm:scene3d>
+      <a:camera prst="orthographicFront"/>
+      <a:lightRig rig="threePt" dir="t"/>
+    </dgm:scene3d>
+    <dgm:sp3d/>
+    <dgm:txPr/>
+    <dgm:style>
+      <a:lnRef idx="2">
+        <a:scrgbClr r="0" g="0" b="0"/>
+      </a:lnRef>
+      <a:fillRef idx="1">
+        <a:scrgbClr r="0" g="0" b="0"/>
+      </a:fillRef>
+      <a:effectRef idx="0">
+        <a:scrgbClr r="0" g="0" b="0"/>
+      </a:effectRef>
+      <a:fontRef idx="minor">
+        <a:schemeClr val="lt1"/>
+      </a:fontRef>
+    </dgm:style>
+  </dgm:styleLbl>
+  <dgm:styleLbl name="asst4">
+    <dgm:scene3d>
+      <a:camera prst="orthographicFront"/>
+      <a:lightRig rig="threePt" dir="t"/>
+    </dgm:scene3d>
+    <dgm:sp3d/>
+    <dgm:txPr/>
+    <dgm:style>
+      <a:lnRef idx="2">
+        <a:scrgbClr r="0" g="0" b="0"/>
+      </a:lnRef>
+      <a:fillRef idx="1">
+        <a:scrgbClr r="0" g="0" b="0"/>
+      </a:fillRef>
+      <a:effectRef idx="0">
+        <a:scrgbClr r="0" g="0" b="0"/>
+      </a:effectRef>
+      <a:fontRef idx="minor">
+        <a:schemeClr val="lt1"/>
+      </a:fontRef>
+    </dgm:style>
+  </dgm:styleLbl>
+  <dgm:styleLbl name="parChTrans2D1">
+    <dgm:scene3d>
+      <a:camera prst="orthographicFront"/>
+      <a:lightRig rig="threePt" dir="t"/>
+    </dgm:scene3d>
+    <dgm:sp3d/>
+    <dgm:txPr/>
+    <dgm:style>
+      <a:lnRef idx="2">
+        <a:scrgbClr r="0" g="0" b="0"/>
+      </a:lnRef>
+      <a:fillRef idx="1">
+        <a:scrgbClr r="0" g="0" b="0"/>
+      </a:fillRef>
+      <a:effectRef idx="0">
+        <a:scrgbClr r="0" g="0" b="0"/>
+      </a:effectRef>
+      <a:fontRef idx="minor">
+        <a:schemeClr val="lt1"/>
+      </a:fontRef>
+    </dgm:style>
+  </dgm:styleLbl>
+  <dgm:styleLbl name="parChTrans2D2">
+    <dgm:scene3d>
+      <a:camera prst="orthographicFront"/>
+      <a:lightRig rig="threePt" dir="t"/>
+    </dgm:scene3d>
+    <dgm:sp3d/>
+    <dgm:txPr/>
+    <dgm:style>
+      <a:lnRef idx="2">
+        <a:scrgbClr r="0" g="0" b="0"/>
+      </a:lnRef>
+      <a:fillRef idx="1">
+        <a:scrgbClr r="0" g="0" b="0"/>
+      </a:fillRef>
+      <a:effectRef idx="0">
+        <a:scrgbClr r="0" g="0" b="0"/>
+      </a:effectRef>
+      <a:fontRef idx="minor">
+        <a:schemeClr val="lt1"/>
+      </a:fontRef>
+    </dgm:style>
+  </dgm:styleLbl>
+  <dgm:styleLbl name="parChTrans2D3">
+    <dgm:scene3d>
+      <a:camera prst="orthographicFront"/>
+      <a:lightRig rig="threePt" dir="t"/>
+    </dgm:scene3d>
+    <dgm:sp3d/>
+    <dgm:txPr/>
+    <dgm:style>
+      <a:lnRef idx="2">
+        <a:scrgbClr r="0" g="0" b="0"/>
+      </a:lnRef>
+      <a:fillRef idx="1">
+        <a:scrgbClr r="0" g="0" b="0"/>
+      </a:fillRef>
+      <a:effectRef idx="0">
+        <a:scrgbClr r="0" g="0" b="0"/>
+      </a:effectRef>
+      <a:fontRef idx="minor">
+        <a:schemeClr val="lt1"/>
+      </a:fontRef>
+    </dgm:style>
+  </dgm:styleLbl>
+  <dgm:styleLbl name="parChTrans2D4">
+    <dgm:scene3d>
+      <a:camera prst="orthographicFront"/>
+      <a:lightRig rig="threePt" dir="t"/>
+    </dgm:scene3d>
+    <dgm:sp3d/>
+    <dgm:txPr/>
+    <dgm:style>
+      <a:lnRef idx="2">
+        <a:scrgbClr r="0" g="0" b="0"/>
+      </a:lnRef>
+      <a:fillRef idx="1">
+        <a:scrgbClr r="0" g="0" b="0"/>
+      </a:fillRef>
+      <a:effectRef idx="0">
+        <a:scrgbClr r="0" g="0" b="0"/>
+      </a:effectRef>
+      <a:fontRef idx="minor">
+        <a:schemeClr val="lt1"/>
+      </a:fontRef>
+    </dgm:style>
+  </dgm:styleLbl>
+  <dgm:styleLbl name="parChTrans1D1">
+    <dgm:scene3d>
+      <a:camera prst="orthographicFront"/>
+      <a:lightRig rig="threePt" dir="t"/>
+    </dgm:scene3d>
+    <dgm:sp3d/>
+    <dgm:txPr/>
+    <dgm:style>
+      <a:lnRef idx="2">
+        <a:scrgbClr r="0" g="0" b="0"/>
+      </a:lnRef>
+      <a:fillRef idx="0">
+        <a:scrgbClr r="0" g="0" b="0"/>
+      </a:fillRef>
+      <a:effectRef idx="0">
+        <a:scrgbClr r="0" g="0" b="0"/>
+      </a:effectRef>
+      <a:fontRef idx="minor"/>
+    </dgm:style>
+  </dgm:styleLbl>
+  <dgm:styleLbl name="parChTrans1D2">
+    <dgm:scene3d>
+      <a:camera prst="orthographicFront"/>
+      <a:lightRig rig="threePt" dir="t"/>
+    </dgm:scene3d>
+    <dgm:sp3d/>
+    <dgm:txPr/>
+    <dgm:style>
+      <a:lnRef idx="2">
+        <a:scrgbClr r="0" g="0" b="0"/>
+      </a:lnRef>
+      <a:fillRef idx="0">
+        <a:scrgbClr r="0" g="0" b="0"/>
+      </a:fillRef>
+      <a:effectRef idx="0">
+        <a:scrgbClr r="0" g="0" b="0"/>
+      </a:effectRef>
+      <a:fontRef idx="minor"/>
+    </dgm:style>
+  </dgm:styleLbl>
+  <dgm:styleLbl name="parChTrans1D3">
+    <dgm:scene3d>
+      <a:camera prst="orthographicFront"/>
+      <a:lightRig rig="threePt" dir="t"/>
+    </dgm:scene3d>
+    <dgm:sp3d/>
+    <dgm:txPr/>
+    <dgm:style>
+      <a:lnRef idx="2">
+        <a:scrgbClr r="0" g="0" b="0"/>
+      </a:lnRef>
+      <a:fillRef idx="0">
+        <a:scrgbClr r="0" g="0" b="0"/>
+      </a:fillRef>
+      <a:effectRef idx="0">
+        <a:scrgbClr r="0" g="0" b="0"/>
+      </a:effectRef>
+      <a:fontRef idx="minor"/>
+    </dgm:style>
+  </dgm:styleLbl>
+  <dgm:styleLbl name="parChTrans1D4">
+    <dgm:scene3d>
+      <a:camera prst="orthographicFront"/>
+      <a:lightRig rig="threePt" dir="t"/>
+    </dgm:scene3d>
+    <dgm:sp3d/>
+    <dgm:txPr/>
+    <dgm:style>
+      <a:lnRef idx="2">
+        <a:scrgbClr r="0" g="0" b="0"/>
+      </a:lnRef>
+      <a:fillRef idx="0">
+        <a:scrgbClr r="0" g="0" b="0"/>
+      </a:fillRef>
+      <a:effectRef idx="0">
+        <a:scrgbClr r="0" g="0" b="0"/>
+      </a:effectRef>
+      <a:fontRef idx="minor"/>
+    </dgm:style>
+  </dgm:styleLbl>
+  <dgm:styleLbl name="fgAcc1">
+    <dgm:scene3d>
+      <a:camera prst="orthographicFront"/>
+      <a:lightRig rig="threePt" dir="t"/>
+    </dgm:scene3d>
+    <dgm:sp3d/>
+    <dgm:txPr/>
+    <dgm:style>
+      <a:lnRef idx="2">
+        <a:scrgbClr r="0" g="0" b="0"/>
+      </a:lnRef>
+      <a:fillRef idx="1">
+        <a:scrgbClr r="0" g="0" b="0"/>
+      </a:fillRef>
+      <a:effectRef idx="0">
+        <a:scrgbClr r="0" g="0" b="0"/>
+      </a:effectRef>
+      <a:fontRef idx="minor"/>
+    </dgm:style>
+  </dgm:styleLbl>
+  <dgm:styleLbl name="conFgAcc1">
+    <dgm:scene3d>
+      <a:camera prst="orthographicFront"/>
+      <a:lightRig rig="threePt" dir="t"/>
+    </dgm:scene3d>
+    <dgm:sp3d/>
+    <dgm:txPr/>
+    <dgm:style>
+      <a:lnRef idx="2">
+        <a:scrgbClr r="0" g="0" b="0"/>
+      </a:lnRef>
+      <a:fillRef idx="1">
+        <a:scrgbClr r="0" g="0" b="0"/>
+      </a:fillRef>
+      <a:effectRef idx="0">
+        <a:scrgbClr r="0" g="0" b="0"/>
+      </a:effectRef>
+      <a:fontRef idx="minor"/>
+    </dgm:style>
+  </dgm:styleLbl>
+  <dgm:styleLbl name="alignAcc1">
+    <dgm:scene3d>
+      <a:camera prst="orthographicFront"/>
+      <a:lightRig rig="threePt" dir="t"/>
+    </dgm:scene3d>
+    <dgm:sp3d/>
+    <dgm:txPr/>
+    <dgm:style>
+      <a:lnRef idx="2">
+        <a:scrgbClr r="0" g="0" b="0"/>
+      </a:lnRef>
+      <a:fillRef idx="1">
+        <a:scrgbClr r="0" g="0" b="0"/>
+      </a:fillRef>
+      <a:effectRef idx="0">
+        <a:scrgbClr r="0" g="0" b="0"/>
+      </a:effectRef>
+      <a:fontRef idx="minor"/>
+    </dgm:style>
+  </dgm:styleLbl>
+  <dgm:styleLbl name="trAlignAcc1">
+    <dgm:scene3d>
+      <a:camera prst="orthographicFront"/>
+      <a:lightRig rig="threePt" dir="t"/>
+    </dgm:scene3d>
+    <dgm:sp3d/>
+    <dgm:txPr/>
+    <dgm:style>
+      <a:lnRef idx="1">
+        <a:scrgbClr r="0" g="0" b="0"/>
+      </a:lnRef>
+      <a:fillRef idx="1">
+        <a:scrgbClr r="0" g="0" b="0"/>
+      </a:fillRef>
+      <a:effectRef idx="0">
+        <a:scrgbClr r="0" g="0" b="0"/>
+      </a:effectRef>
+      <a:fontRef idx="minor"/>
+    </dgm:style>
+  </dgm:styleLbl>
+  <dgm:styleLbl name="bgAcc1">
+    <dgm:scene3d>
+      <a:camera prst="orthographicFront"/>
+      <a:lightRig rig="threePt" dir="t"/>
+    </dgm:scene3d>
+    <dgm:sp3d/>
+    <dgm:txPr/>
+    <dgm:style>
+      <a:lnRef idx="2">
+        <a:scrgbClr r="0" g="0" b="0"/>
+      </a:lnRef>
+      <a:fillRef idx="1">
+        <a:scrgbClr r="0" g="0" b="0"/>
+      </a:fillRef>
+      <a:effectRef idx="0">
+        <a:scrgbClr r="0" g="0" b="0"/>
+      </a:effectRef>
+      <a:fontRef idx="minor"/>
+    </dgm:style>
+  </dgm:styleLbl>
+  <dgm:styleLbl name="solidFgAcc1">
+    <dgm:scene3d>
+      <a:camera prst="orthographicFront"/>
+      <a:lightRig rig="threePt" dir="t"/>
+    </dgm:scene3d>
+    <dgm:sp3d/>
+    <dgm:txPr/>
+    <dgm:style>
+      <a:lnRef idx="2">
+        <a:scrgbClr r="0" g="0" b="0"/>
+      </a:lnRef>
+      <a:fillRef idx="1">
+        <a:scrgbClr r="0" g="0" b="0"/>
+      </a:fillRef>
+      <a:effectRef idx="0">
+        <a:scrgbClr r="0" g="0" b="0"/>
+      </a:effectRef>
+      <a:fontRef idx="minor"/>
+    </dgm:style>
+  </dgm:styleLbl>
+  <dgm:styleLbl name="solidAlignAcc1">
+    <dgm:scene3d>
+      <a:camera prst="orthographicFront"/>
+      <a:lightRig rig="threePt" dir="t"/>
+    </dgm:scene3d>
+    <dgm:sp3d/>
+    <dgm:txPr/>
+    <dgm:style>
+      <a:lnRef idx="2">
+        <a:scrgbClr r="0" g="0" b="0"/>
+      </a:lnRef>
+      <a:fillRef idx="1">
+        <a:scrgbClr r="0" g="0" b="0"/>
+      </a:fillRef>
+      <a:effectRef idx="0">
+        <a:scrgbClr r="0" g="0" b="0"/>
+      </a:effectRef>
+      <a:fontRef idx="minor"/>
+    </dgm:style>
+  </dgm:styleLbl>
+  <dgm:styleLbl name="solidBgAcc1">
+    <dgm:scene3d>
+      <a:camera prst="orthographicFront"/>
+      <a:lightRig rig="threePt" dir="t"/>
+    </dgm:scene3d>
+    <dgm:sp3d/>
+    <dgm:txPr/>
+    <dgm:style>
+      <a:lnRef idx="2">
+        <a:scrgbClr r="0" g="0" b="0"/>
+      </a:lnRef>
+      <a:fillRef idx="1">
+        <a:scrgbClr r="0" g="0" b="0"/>
+      </a:fillRef>
+      <a:effectRef idx="0">
+        <a:scrgbClr r="0" g="0" b="0"/>
+      </a:effectRef>
+      <a:fontRef idx="minor"/>
+    </dgm:style>
+  </dgm:styleLbl>
+  <dgm:styleLbl name="fgAccFollowNode1">
+    <dgm:scene3d>
+      <a:camera prst="orthographicFront"/>
+      <a:lightRig rig="threePt" dir="t"/>
+    </dgm:scene3d>
+    <dgm:sp3d/>
+    <dgm:txPr/>
+    <dgm:style>
+      <a:lnRef idx="2">
+        <a:scrgbClr r="0" g="0" b="0"/>
+      </a:lnRef>
+      <a:fillRef idx="1">
+        <a:scrgbClr r="0" g="0" b="0"/>
+      </a:fillRef>
+      <a:effectRef idx="0">
+        <a:scrgbClr r="0" g="0" b="0"/>
+      </a:effectRef>
+      <a:fontRef idx="minor"/>
+    </dgm:style>
+  </dgm:styleLbl>
+  <dgm:styleLbl name="alignAccFollowNode1">
+    <dgm:scene3d>
+      <a:camera prst="orthographicFront"/>
+      <a:lightRig rig="threePt" dir="t"/>
+    </dgm:scene3d>
+    <dgm:sp3d/>
+    <dgm:txPr/>
+    <dgm:style>
+      <a:lnRef idx="2">
+        <a:scrgbClr r="0" g="0" b="0"/>
+      </a:lnRef>
+      <a:fillRef idx="1">
+        <a:scrgbClr r="0" g="0" b="0"/>
+      </a:fillRef>
+      <a:effectRef idx="0">
+        <a:scrgbClr r="0" g="0" b="0"/>
+      </a:effectRef>
+      <a:fontRef idx="minor"/>
+    </dgm:style>
+  </dgm:styleLbl>
+  <dgm:styleLbl name="bgAccFollowNode1">
+    <dgm:scene3d>
+      <a:camera prst="orthographicFront"/>
+      <a:lightRig rig="threePt" dir="t"/>
+    </dgm:scene3d>
+    <dgm:sp3d/>
+    <dgm:txPr/>
+    <dgm:style>
+      <a:lnRef idx="2">
+        <a:scrgbClr r="0" g="0" b="0"/>
+      </a:lnRef>
+      <a:fillRef idx="1">
+        <a:scrgbClr r="0" g="0" b="0"/>
+      </a:fillRef>
+      <a:effectRef idx="0">
+        <a:scrgbClr r="0" g="0" b="0"/>
+      </a:effectRef>
+      <a:fontRef idx="minor"/>
+    </dgm:style>
+  </dgm:styleLbl>
+  <dgm:styleLbl name="fgAcc0">
+    <dgm:scene3d>
+      <a:camera prst="orthographicFront"/>
+      <a:lightRig rig="threePt" dir="t"/>
+    </dgm:scene3d>
+    <dgm:sp3d/>
+    <dgm:txPr/>
+    <dgm:style>
+      <a:lnRef idx="2">
+        <a:scrgbClr r="0" g="0" b="0"/>
+      </a:lnRef>
+      <a:fillRef idx="1">
+        <a:scrgbClr r="0" g="0" b="0"/>
+      </a:fillRef>
+      <a:effectRef idx="0">
+        <a:scrgbClr r="0" g="0" b="0"/>
+      </a:effectRef>
+      <a:fontRef idx="minor"/>
+    </dgm:style>
+  </dgm:styleLbl>
+  <dgm:styleLbl name="fgAcc2">
+    <dgm:scene3d>
+      <a:camera prst="orthographicFront"/>
+      <a:lightRig rig="threePt" dir="t"/>
+    </dgm:scene3d>
+    <dgm:sp3d/>
+    <dgm:txPr/>
+    <dgm:style>
+      <a:lnRef idx="2">
+        <a:scrgbClr r="0" g="0" b="0"/>
+      </a:lnRef>
+      <a:fillRef idx="1">
+        <a:scrgbClr r="0" g="0" b="0"/>
+      </a:fillRef>
+      <a:effectRef idx="0">
+        <a:scrgbClr r="0" g="0" b="0"/>
+      </a:effectRef>
+      <a:fontRef idx="minor"/>
+    </dgm:style>
+  </dgm:styleLbl>
+  <dgm:styleLbl name="fgAcc3">
+    <dgm:scene3d>
+      <a:camera prst="orthographicFront"/>
+      <a:lightRig rig="threePt" dir="t"/>
+    </dgm:scene3d>
+    <dgm:sp3d/>
+    <dgm:txPr/>
+    <dgm:style>
+      <a:lnRef idx="2">
+        <a:scrgbClr r="0" g="0" b="0"/>
+      </a:lnRef>
+      <a:fillRef idx="1">
+        <a:scrgbClr r="0" g="0" b="0"/>
+      </a:fillRef>
+      <a:effectRef idx="0">
+        <a:scrgbClr r="0" g="0" b="0"/>
+      </a:effectRef>
+      <a:fontRef idx="minor"/>
+    </dgm:style>
+  </dgm:styleLbl>
+  <dgm:styleLbl name="fgAcc4">
+    <dgm:scene3d>
+      <a:camera prst="orthographicFront"/>
+      <a:lightRig rig="threePt" dir="t"/>
+    </dgm:scene3d>
+    <dgm:sp3d/>
+    <dgm:txPr/>
+    <dgm:style>
+      <a:lnRef idx="2">
+        <a:scrgbClr r="0" g="0" b="0"/>
+      </a:lnRef>
+      <a:fillRef idx="1">
+        <a:scrgbClr r="0" g="0" b="0"/>
+      </a:fillRef>
+      <a:effectRef idx="0">
+        <a:scrgbClr r="0" g="0" b="0"/>
+      </a:effectRef>
+      <a:fontRef idx="minor"/>
+    </dgm:style>
+  </dgm:styleLbl>
+  <dgm:styleLbl name="bgShp">
+    <dgm:scene3d>
+      <a:camera prst="orthographicFront"/>
+      <a:lightRig rig="threePt" dir="t"/>
+    </dgm:scene3d>
+    <dgm:sp3d/>
+    <dgm:txPr/>
+    <dgm:style>
+      <a:lnRef idx="0">
+        <a:scrgbClr r="0" g="0" b="0"/>
+      </a:lnRef>
+      <a:fillRef idx="1">
+        <a:scrgbClr r="0" g="0" b="0"/>
+      </a:fillRef>
+      <a:effectRef idx="0">
+        <a:scrgbClr r="0" g="0" b="0"/>
+      </a:effectRef>
+      <a:fontRef idx="minor"/>
+    </dgm:style>
+  </dgm:styleLbl>
+  <dgm:styleLbl name="dkBgShp">
+    <dgm:scene3d>
+      <a:camera prst="orthographicFront"/>
+      <a:lightRig rig="threePt" dir="t"/>
+    </dgm:scene3d>
+    <dgm:sp3d/>
+    <dgm:txPr/>
+    <dgm:style>
+      <a:lnRef idx="0">
+        <a:scrgbClr r="0" g="0" b="0"/>
+      </a:lnRef>
+      <a:fillRef idx="1">
+        <a:scrgbClr r="0" g="0" b="0"/>
+      </a:fillRef>
+      <a:effectRef idx="0">
+        <a:scrgbClr r="0" g="0" b="0"/>
+      </a:effectRef>
+      <a:fontRef idx="minor"/>
+    </dgm:style>
+  </dgm:styleLbl>
+  <dgm:styleLbl name="trBgShp">
+    <dgm:scene3d>
+      <a:camera prst="orthographicFront"/>
+      <a:lightRig rig="threePt" dir="t"/>
+    </dgm:scene3d>
+    <dgm:sp3d/>
+    <dgm:txPr/>
+    <dgm:style>
+      <a:lnRef idx="0">
+        <a:scrgbClr r="0" g="0" b="0"/>
+      </a:lnRef>
+      <a:fillRef idx="1">
+        <a:scrgbClr r="0" g="0" b="0"/>
+      </a:fillRef>
+      <a:effectRef idx="0">
+        <a:scrgbClr r="0" g="0" b="0"/>
+      </a:effectRef>
+      <a:fontRef idx="minor"/>
+    </dgm:style>
+  </dgm:styleLbl>
+  <dgm:styleLbl name="fgShp">
+    <dgm:scene3d>
+      <a:camera prst="orthographicFront"/>
+      <a:lightRig rig="threePt" dir="t"/>
+    </dgm:scene3d>
+    <dgm:sp3d/>
+    <dgm:txPr/>
+    <dgm:style>
+      <a:lnRef idx="2">
+        <a:scrgbClr r="0" g="0" b="0"/>
+      </a:lnRef>
+      <a:fillRef idx="1">
+        <a:scrgbClr r="0" g="0" b="0"/>
+      </a:fillRef>
+      <a:effectRef idx="0">
+        <a:scrgbClr r="0" g="0" b="0"/>
+      </a:effectRef>
+      <a:fontRef idx="minor"/>
+    </dgm:style>
+  </dgm:styleLbl>
+  <dgm:styleLbl name="revTx">
+    <dgm:scene3d>
+      <a:camera prst="orthographicFront"/>
+      <a:lightRig rig="threePt" dir="t"/>
+    </dgm:scene3d>
+    <dgm:sp3d/>
+    <dgm:txPr/>
+    <dgm:style>
+      <a:lnRef idx="0">
+        <a:scrgbClr r="0" g="0" b="0"/>
+      </a:lnRef>
+      <a:fillRef idx="0">
+        <a:scrgbClr r="0" g="0" b="0"/>
+      </a:fillRef>
+      <a:effectRef idx="0">
+        <a:scrgbClr r="0" g="0" b="0"/>
+      </a:effectRef>
+      <a:fontRef idx="minor"/>
+    </dgm:style>
+  </dgm:styleLbl>
+</dgm:styleDef>
+</file>
+
+<file path=ppt/diagrams/quickStyle2.xml><?xml version="1.0" encoding="utf-8"?>
 <dgm:styleDef xmlns:dgm="http://schemas.openxmlformats.org/drawingml/2006/diagram" xmlns:a="http://schemas.openxmlformats.org/drawingml/2006/main" uniqueId="urn:microsoft.com/office/officeart/2005/8/quickstyle/simple4">
   <dgm:title val=""/>
   <dgm:desc val=""/>
@@ -7477,7 +11478,7 @@
 </dgm:styleDef>
 </file>
 
-<file path=ppt/diagrams/quickStyle2.xml><?xml version="1.0" encoding="utf-8"?>
+<file path=ppt/diagrams/quickStyle3.xml><?xml version="1.0" encoding="utf-8"?>
 <dgm:styleDef xmlns:dgm="http://schemas.openxmlformats.org/drawingml/2006/diagram" xmlns:a="http://schemas.openxmlformats.org/drawingml/2006/main" uniqueId="urn:microsoft.com/office/officeart/2005/8/quickstyle/simple1">
   <dgm:title val=""/>
   <dgm:desc val=""/>
@@ -8511,7 +12512,7 @@
 </dgm:styleDef>
 </file>
 
-<file path=ppt/diagrams/quickStyle3.xml><?xml version="1.0" encoding="utf-8"?>
+<file path=ppt/diagrams/quickStyle4.xml><?xml version="1.0" encoding="utf-8"?>
 <dgm:styleDef xmlns:dgm="http://schemas.openxmlformats.org/drawingml/2006/diagram" xmlns:a="http://schemas.openxmlformats.org/drawingml/2006/main" uniqueId="urn:microsoft.com/office/officeart/2005/8/quickstyle/simple1">
   <dgm:title val=""/>
   <dgm:desc val=""/>
@@ -9628,7 +13629,7 @@
             <a:fld id="{BF85D653-5FE0-42C2-9D9C-E3D5F26098D2}" type="datetimeFigureOut">
               <a:rPr lang="es-CO" smtClean="0"/>
               <a:pPr/>
-              <a:t>08/06/2011</a:t>
+              <a:t>09/06/2011</a:t>
             </a:fld>
             <a:endParaRPr lang="es-CO"/>
           </a:p>
@@ -9790,7 +13791,7 @@
             <a:fld id="{6E195558-F735-488E-B766-BCBB520D0067}" type="slidenum">
               <a:rPr lang="es-CO" smtClean="0"/>
               <a:pPr/>
-              <a:t>‹Nº›</a:t>
+              <a:t>‹#›</a:t>
             </a:fld>
             <a:endParaRPr lang="es-CO"/>
           </a:p>
@@ -10076,7 +14077,7 @@
             <a:fld id="{622F2B42-74F1-4278-BCD4-9F2065AEB060}" type="datetimeFigureOut">
               <a:rPr lang="es-CO" smtClean="0"/>
               <a:pPr/>
-              <a:t>08/06/2011</a:t>
+              <a:t>09/06/2011</a:t>
             </a:fld>
             <a:endParaRPr lang="es-CO"/>
           </a:p>
@@ -10119,7 +14120,7 @@
             <a:fld id="{9F5DBAEC-65E4-47B7-8F40-E70D01FFE723}" type="slidenum">
               <a:rPr lang="es-CO" smtClean="0"/>
               <a:pPr/>
-              <a:t>‹Nº›</a:t>
+              <a:t>‹#›</a:t>
             </a:fld>
             <a:endParaRPr lang="es-CO"/>
           </a:p>
@@ -10243,7 +14244,7 @@
             <a:fld id="{622F2B42-74F1-4278-BCD4-9F2065AEB060}" type="datetimeFigureOut">
               <a:rPr lang="es-CO" smtClean="0"/>
               <a:pPr/>
-              <a:t>08/06/2011</a:t>
+              <a:t>09/06/2011</a:t>
             </a:fld>
             <a:endParaRPr lang="es-CO"/>
           </a:p>
@@ -10286,7 +14287,7 @@
             <a:fld id="{9F5DBAEC-65E4-47B7-8F40-E70D01FFE723}" type="slidenum">
               <a:rPr lang="es-CO" smtClean="0"/>
               <a:pPr/>
-              <a:t>‹Nº›</a:t>
+              <a:t>‹#›</a:t>
             </a:fld>
             <a:endParaRPr lang="es-CO"/>
           </a:p>
@@ -10420,7 +14421,7 @@
             <a:fld id="{622F2B42-74F1-4278-BCD4-9F2065AEB060}" type="datetimeFigureOut">
               <a:rPr lang="es-CO" smtClean="0"/>
               <a:pPr/>
-              <a:t>08/06/2011</a:t>
+              <a:t>09/06/2011</a:t>
             </a:fld>
             <a:endParaRPr lang="es-CO"/>
           </a:p>
@@ -10463,7 +14464,7 @@
             <a:fld id="{9F5DBAEC-65E4-47B7-8F40-E70D01FFE723}" type="slidenum">
               <a:rPr lang="es-CO" smtClean="0"/>
               <a:pPr/>
-              <a:t>‹Nº›</a:t>
+              <a:t>‹#›</a:t>
             </a:fld>
             <a:endParaRPr lang="es-CO"/>
           </a:p>
@@ -10587,7 +14588,7 @@
             <a:fld id="{622F2B42-74F1-4278-BCD4-9F2065AEB060}" type="datetimeFigureOut">
               <a:rPr lang="es-CO" smtClean="0"/>
               <a:pPr/>
-              <a:t>08/06/2011</a:t>
+              <a:t>09/06/2011</a:t>
             </a:fld>
             <a:endParaRPr lang="es-CO"/>
           </a:p>
@@ -10630,7 +14631,7 @@
             <a:fld id="{9F5DBAEC-65E4-47B7-8F40-E70D01FFE723}" type="slidenum">
               <a:rPr lang="es-CO" smtClean="0"/>
               <a:pPr/>
-              <a:t>‹Nº›</a:t>
+              <a:t>‹#›</a:t>
             </a:fld>
             <a:endParaRPr lang="es-CO"/>
           </a:p>
@@ -10830,7 +14831,7 @@
             <a:fld id="{622F2B42-74F1-4278-BCD4-9F2065AEB060}" type="datetimeFigureOut">
               <a:rPr lang="es-CO" smtClean="0"/>
               <a:pPr/>
-              <a:t>08/06/2011</a:t>
+              <a:t>09/06/2011</a:t>
             </a:fld>
             <a:endParaRPr lang="es-CO"/>
           </a:p>
@@ -10873,7 +14874,7 @@
             <a:fld id="{9F5DBAEC-65E4-47B7-8F40-E70D01FFE723}" type="slidenum">
               <a:rPr lang="es-CO" smtClean="0"/>
               <a:pPr/>
-              <a:t>‹Nº›</a:t>
+              <a:t>‹#›</a:t>
             </a:fld>
             <a:endParaRPr lang="es-CO"/>
           </a:p>
@@ -11115,7 +15116,7 @@
             <a:fld id="{622F2B42-74F1-4278-BCD4-9F2065AEB060}" type="datetimeFigureOut">
               <a:rPr lang="es-CO" smtClean="0"/>
               <a:pPr/>
-              <a:t>08/06/2011</a:t>
+              <a:t>09/06/2011</a:t>
             </a:fld>
             <a:endParaRPr lang="es-CO"/>
           </a:p>
@@ -11158,7 +15159,7 @@
             <a:fld id="{9F5DBAEC-65E4-47B7-8F40-E70D01FFE723}" type="slidenum">
               <a:rPr lang="es-CO" smtClean="0"/>
               <a:pPr/>
-              <a:t>‹Nº›</a:t>
+              <a:t>‹#›</a:t>
             </a:fld>
             <a:endParaRPr lang="es-CO"/>
           </a:p>
@@ -11534,7 +15535,7 @@
             <a:fld id="{622F2B42-74F1-4278-BCD4-9F2065AEB060}" type="datetimeFigureOut">
               <a:rPr lang="es-CO" smtClean="0"/>
               <a:pPr/>
-              <a:t>08/06/2011</a:t>
+              <a:t>09/06/2011</a:t>
             </a:fld>
             <a:endParaRPr lang="es-CO"/>
           </a:p>
@@ -11577,7 +15578,7 @@
             <a:fld id="{9F5DBAEC-65E4-47B7-8F40-E70D01FFE723}" type="slidenum">
               <a:rPr lang="es-CO" smtClean="0"/>
               <a:pPr/>
-              <a:t>‹Nº›</a:t>
+              <a:t>‹#›</a:t>
             </a:fld>
             <a:endParaRPr lang="es-CO"/>
           </a:p>
@@ -11649,7 +15650,7 @@
             <a:fld id="{622F2B42-74F1-4278-BCD4-9F2065AEB060}" type="datetimeFigureOut">
               <a:rPr lang="es-CO" smtClean="0"/>
               <a:pPr/>
-              <a:t>08/06/2011</a:t>
+              <a:t>09/06/2011</a:t>
             </a:fld>
             <a:endParaRPr lang="es-CO"/>
           </a:p>
@@ -11692,7 +15693,7 @@
             <a:fld id="{9F5DBAEC-65E4-47B7-8F40-E70D01FFE723}" type="slidenum">
               <a:rPr lang="es-CO" smtClean="0"/>
               <a:pPr/>
-              <a:t>‹Nº›</a:t>
+              <a:t>‹#›</a:t>
             </a:fld>
             <a:endParaRPr lang="es-CO"/>
           </a:p>
@@ -11741,7 +15742,7 @@
             <a:fld id="{622F2B42-74F1-4278-BCD4-9F2065AEB060}" type="datetimeFigureOut">
               <a:rPr lang="es-CO" smtClean="0"/>
               <a:pPr/>
-              <a:t>08/06/2011</a:t>
+              <a:t>09/06/2011</a:t>
             </a:fld>
             <a:endParaRPr lang="es-CO"/>
           </a:p>
@@ -11784,7 +15785,7 @@
             <a:fld id="{9F5DBAEC-65E4-47B7-8F40-E70D01FFE723}" type="slidenum">
               <a:rPr lang="es-CO" smtClean="0"/>
               <a:pPr/>
-              <a:t>‹Nº›</a:t>
+              <a:t>‹#›</a:t>
             </a:fld>
             <a:endParaRPr lang="es-CO"/>
           </a:p>
@@ -12015,7 +16016,7 @@
             <a:fld id="{622F2B42-74F1-4278-BCD4-9F2065AEB060}" type="datetimeFigureOut">
               <a:rPr lang="es-CO" smtClean="0"/>
               <a:pPr/>
-              <a:t>08/06/2011</a:t>
+              <a:t>09/06/2011</a:t>
             </a:fld>
             <a:endParaRPr lang="es-CO"/>
           </a:p>
@@ -12058,7 +16059,7 @@
             <a:fld id="{9F5DBAEC-65E4-47B7-8F40-E70D01FFE723}" type="slidenum">
               <a:rPr lang="es-CO" smtClean="0"/>
               <a:pPr/>
-              <a:t>‹Nº›</a:t>
+              <a:t>‹#›</a:t>
             </a:fld>
             <a:endParaRPr lang="es-CO"/>
           </a:p>
@@ -12265,7 +16266,7 @@
             <a:fld id="{622F2B42-74F1-4278-BCD4-9F2065AEB060}" type="datetimeFigureOut">
               <a:rPr lang="es-CO" smtClean="0"/>
               <a:pPr/>
-              <a:t>08/06/2011</a:t>
+              <a:t>09/06/2011</a:t>
             </a:fld>
             <a:endParaRPr lang="es-CO"/>
           </a:p>
@@ -12308,7 +16309,7 @@
             <a:fld id="{9F5DBAEC-65E4-47B7-8F40-E70D01FFE723}" type="slidenum">
               <a:rPr lang="es-CO" smtClean="0"/>
               <a:pPr/>
-              <a:t>‹Nº›</a:t>
+              <a:t>‹#›</a:t>
             </a:fld>
             <a:endParaRPr lang="es-CO"/>
           </a:p>
@@ -12475,7 +16476,7 @@
             <a:fld id="{622F2B42-74F1-4278-BCD4-9F2065AEB060}" type="datetimeFigureOut">
               <a:rPr lang="es-CO" smtClean="0"/>
               <a:pPr/>
-              <a:t>08/06/2011</a:t>
+              <a:t>09/06/2011</a:t>
             </a:fld>
             <a:endParaRPr lang="es-CO"/>
           </a:p>
@@ -12554,7 +16555,7 @@
             <a:fld id="{9F5DBAEC-65E4-47B7-8F40-E70D01FFE723}" type="slidenum">
               <a:rPr lang="es-CO" smtClean="0"/>
               <a:pPr/>
-              <a:t>‹Nº›</a:t>
+              <a:t>‹#›</a:t>
             </a:fld>
             <a:endParaRPr lang="es-CO"/>
           </a:p>
@@ -13839,7 +17840,7 @@
                 <a:ea typeface="+mj-ea"/>
                 <a:cs typeface="+mj-cs"/>
               </a:rPr>
-              <a:t>Problema</a:t>
+              <a:t>Roles</a:t>
             </a:r>
             <a:endParaRPr kumimoji="0" lang="es-CO" sz="2400" i="1" u="none" strike="noStrike" kern="1200" cap="none" spc="0" normalizeH="0" baseline="0" noProof="0" dirty="0" smtClean="0">
               <a:ln>
@@ -13861,6 +17862,343 @@
               <a:ea typeface="+mj-ea"/>
               <a:cs typeface="+mj-cs"/>
             </a:endParaRPr>
+          </a:p>
+        </p:txBody>
+      </p:sp>
+      <p:sp>
+        <p:nvSpPr>
+          <p:cNvPr id="16" name="15 Rectángulo"/>
+          <p:cNvSpPr/>
+          <p:nvPr/>
+        </p:nvSpPr>
+        <p:spPr>
+          <a:xfrm>
+            <a:off x="500034" y="334012"/>
+            <a:ext cx="4071966" cy="523220"/>
+          </a:xfrm>
+          <a:prstGeom prst="rect">
+            <a:avLst/>
+          </a:prstGeom>
+          <a:noFill/>
+          <a:ln>
+            <a:noFill/>
+          </a:ln>
+        </p:spPr>
+        <p:style>
+          <a:lnRef idx="1">
+            <a:schemeClr val="accent3"/>
+          </a:lnRef>
+          <a:fillRef idx="3">
+            <a:schemeClr val="accent3"/>
+          </a:fillRef>
+          <a:effectRef idx="2">
+            <a:schemeClr val="accent3"/>
+          </a:effectRef>
+          <a:fontRef idx="minor">
+            <a:schemeClr val="lt1"/>
+          </a:fontRef>
+        </p:style>
+        <p:txBody>
+          <a:bodyPr wrap="square" lIns="91440" tIns="45720" rIns="91440" bIns="45720">
+            <a:spAutoFit/>
+          </a:bodyPr>
+          <a:lstStyle/>
+          <a:p>
+            <a:r>
+              <a:rPr lang="es-ES" sz="2800" b="1" dirty="0" smtClean="0">
+                <a:ln w="1905"/>
+                <a:solidFill>
+                  <a:srgbClr val="C00000"/>
+                </a:solidFill>
+                <a:effectLst>
+                  <a:innerShdw blurRad="69850" dist="43180" dir="5400000">
+                    <a:srgbClr val="000000">
+                      <a:alpha val="65000"/>
+                    </a:srgbClr>
+                  </a:innerShdw>
+                </a:effectLst>
+              </a:rPr>
+              <a:t>Casa Inteligente</a:t>
+            </a:r>
+            <a:endParaRPr lang="es-ES" sz="2000" b="1" dirty="0">
+              <a:ln w="1905"/>
+              <a:solidFill>
+                <a:srgbClr val="C00000"/>
+              </a:solidFill>
+              <a:effectLst>
+                <a:innerShdw blurRad="69850" dist="43180" dir="5400000">
+                  <a:srgbClr val="000000">
+                    <a:alpha val="65000"/>
+                  </a:srgbClr>
+                </a:innerShdw>
+              </a:effectLst>
+            </a:endParaRPr>
+          </a:p>
+        </p:txBody>
+      </p:sp>
+      <p:pic>
+        <p:nvPicPr>
+          <p:cNvPr id="1026" name="Picture 2" descr="C:\Users\Usuario\Desktop\Team.jpg"/>
+          <p:cNvPicPr>
+            <a:picLocks noChangeAspect="1" noChangeArrowheads="1"/>
+          </p:cNvPicPr>
+          <p:nvPr/>
+        </p:nvPicPr>
+        <p:blipFill>
+          <a:blip r:embed="rId3" cstate="print"/>
+          <a:srcRect/>
+          <a:stretch>
+            <a:fillRect/>
+          </a:stretch>
+        </p:blipFill>
+        <p:spPr bwMode="auto">
+          <a:xfrm>
+            <a:off x="5004048" y="3966318"/>
+            <a:ext cx="4086518" cy="2891682"/>
+          </a:xfrm>
+          <a:prstGeom prst="rect">
+            <a:avLst/>
+          </a:prstGeom>
+          <a:noFill/>
+        </p:spPr>
+      </p:pic>
+      <p:graphicFrame>
+        <p:nvGraphicFramePr>
+          <p:cNvPr id="11" name="Diagram 10"/>
+          <p:cNvGraphicFramePr/>
+          <p:nvPr/>
+        </p:nvGraphicFramePr>
+        <p:xfrm>
+          <a:off x="467544" y="1525240"/>
+          <a:ext cx="8496944" cy="4064000"/>
+        </p:xfrm>
+        <a:graphic>
+          <a:graphicData uri="http://schemas.openxmlformats.org/drawingml/2006/diagram">
+            <dgm:relIds xmlns:dgm="http://schemas.openxmlformats.org/drawingml/2006/diagram" xmlns:r="http://schemas.openxmlformats.org/officeDocument/2006/relationships" r:dm="rId4" r:lo="rId5" r:qs="rId6" r:cs="rId7"/>
+          </a:graphicData>
+        </a:graphic>
+      </p:graphicFrame>
+      <p:sp>
+        <p:nvSpPr>
+          <p:cNvPr id="12" name="Rounded Rectangle 11"/>
+          <p:cNvSpPr/>
+          <p:nvPr/>
+        </p:nvSpPr>
+        <p:spPr>
+          <a:xfrm>
+            <a:off x="683568" y="1484784"/>
+            <a:ext cx="720080" cy="4104456"/>
+          </a:xfrm>
+          <a:prstGeom prst="roundRect">
+            <a:avLst/>
+          </a:prstGeom>
+        </p:spPr>
+        <p:style>
+          <a:lnRef idx="1">
+            <a:schemeClr val="accent3"/>
+          </a:lnRef>
+          <a:fillRef idx="3">
+            <a:schemeClr val="accent3"/>
+          </a:fillRef>
+          <a:effectRef idx="2">
+            <a:schemeClr val="accent3"/>
+          </a:effectRef>
+          <a:fontRef idx="minor">
+            <a:schemeClr val="lt1"/>
+          </a:fontRef>
+        </p:style>
+        <p:txBody>
+          <a:bodyPr vert="vert270" rtlCol="0" anchor="ctr"/>
+          <a:lstStyle/>
+          <a:p>
+            <a:pPr algn="ctr"/>
+            <a:r>
+              <a:rPr lang="es-CO" sz="2800" b="1" dirty="0" smtClean="0">
+                <a:effectLst>
+                  <a:outerShdw blurRad="38100" dist="38100" dir="2700000" algn="tl">
+                    <a:srgbClr val="000000">
+                      <a:alpha val="43137"/>
+                    </a:srgbClr>
+                  </a:outerShdw>
+                </a:effectLst>
+              </a:rPr>
+              <a:t>Jefe </a:t>
+            </a:r>
+            <a:r>
+              <a:rPr lang="es-CO" sz="2400" b="1" dirty="0" smtClean="0">
+                <a:effectLst>
+                  <a:outerShdw blurRad="38100" dist="38100" dir="2700000" algn="tl">
+                    <a:srgbClr val="000000">
+                      <a:alpha val="43137"/>
+                    </a:srgbClr>
+                  </a:outerShdw>
+                </a:effectLst>
+              </a:rPr>
+              <a:t>científico</a:t>
+            </a:r>
+            <a:endParaRPr lang="es-CO" sz="2800" dirty="0">
+              <a:effectLst>
+                <a:outerShdw blurRad="38100" dist="38100" dir="2700000" algn="tl">
+                  <a:srgbClr val="000000">
+                    <a:alpha val="43137"/>
+                  </a:srgbClr>
+                </a:outerShdw>
+              </a:effectLst>
+            </a:endParaRPr>
+          </a:p>
+        </p:txBody>
+      </p:sp>
+    </p:spTree>
+  </p:cSld>
+  <p:clrMapOvr>
+    <a:masterClrMapping/>
+  </p:clrMapOvr>
+  <p:timing>
+    <p:tnLst>
+      <p:par>
+        <p:cTn id="1" dur="indefinite" restart="never" nodeType="tmRoot"/>
+      </p:par>
+    </p:tnLst>
+  </p:timing>
+</p:sld>
+</file>
+
+<file path=ppt/slides/slide4.xml><?xml version="1.0" encoding="utf-8"?>
+<p:sld xmlns:a="http://schemas.openxmlformats.org/drawingml/2006/main" xmlns:r="http://schemas.openxmlformats.org/officeDocument/2006/relationships" xmlns:p="http://schemas.openxmlformats.org/presentationml/2006/main">
+  <p:cSld>
+    <p:spTree>
+      <p:nvGrpSpPr>
+        <p:cNvPr id="1" name=""/>
+        <p:cNvGrpSpPr/>
+        <p:nvPr/>
+      </p:nvGrpSpPr>
+      <p:grpSpPr>
+        <a:xfrm>
+          <a:off x="0" y="0"/>
+          <a:ext cx="0" cy="0"/>
+          <a:chOff x="0" y="0"/>
+          <a:chExt cx="0" cy="0"/>
+        </a:xfrm>
+      </p:grpSpPr>
+      <p:pic>
+        <p:nvPicPr>
+          <p:cNvPr id="4" name="Picture 3" descr="F:\[ECOS]\ingenium-managment\ingenium-logo.png"/>
+          <p:cNvPicPr>
+            <a:picLocks noChangeAspect="1" noChangeArrowheads="1"/>
+          </p:cNvPicPr>
+          <p:nvPr/>
+        </p:nvPicPr>
+        <p:blipFill>
+          <a:blip r:embed="rId2" cstate="print"/>
+          <a:srcRect/>
+          <a:stretch>
+            <a:fillRect/>
+          </a:stretch>
+        </p:blipFill>
+        <p:spPr bwMode="auto">
+          <a:xfrm>
+            <a:off x="6786578" y="142852"/>
+            <a:ext cx="2119306" cy="709748"/>
+          </a:xfrm>
+          <a:prstGeom prst="rect">
+            <a:avLst/>
+          </a:prstGeom>
+          <a:noFill/>
+        </p:spPr>
+      </p:pic>
+      <p:cxnSp>
+        <p:nvCxnSpPr>
+          <p:cNvPr id="7" name="6 Conector recto"/>
+          <p:cNvCxnSpPr/>
+          <p:nvPr/>
+        </p:nvCxnSpPr>
+        <p:spPr>
+          <a:xfrm>
+            <a:off x="504000" y="855644"/>
+            <a:ext cx="8640000" cy="1588"/>
+          </a:xfrm>
+          <a:prstGeom prst="line">
+            <a:avLst/>
+          </a:prstGeom>
+        </p:spPr>
+        <p:style>
+          <a:lnRef idx="3">
+            <a:schemeClr val="accent6"/>
+          </a:lnRef>
+          <a:fillRef idx="0">
+            <a:schemeClr val="accent6"/>
+          </a:fillRef>
+          <a:effectRef idx="2">
+            <a:schemeClr val="accent6"/>
+          </a:effectRef>
+          <a:fontRef idx="minor">
+            <a:schemeClr val="tx1"/>
+          </a:fontRef>
+        </p:style>
+      </p:cxnSp>
+      <p:sp>
+        <p:nvSpPr>
+          <p:cNvPr id="15" name="8 Título"/>
+          <p:cNvSpPr txBox="1">
+            <a:spLocks/>
+          </p:cNvSpPr>
+          <p:nvPr/>
+        </p:nvSpPr>
+        <p:spPr>
+          <a:xfrm>
+            <a:off x="457200" y="928670"/>
+            <a:ext cx="4829180" cy="439718"/>
+          </a:xfrm>
+          <a:prstGeom prst="rect">
+            <a:avLst/>
+          </a:prstGeom>
+        </p:spPr>
+        <p:txBody>
+          <a:bodyPr vert="horz" lIns="91440" tIns="45720" rIns="91440" bIns="45720" rtlCol="0" anchor="ctr">
+            <a:noAutofit/>
+          </a:bodyPr>
+          <a:lstStyle/>
+          <a:p>
+            <a:pPr marL="0" marR="0" lvl="0" indent="0" algn="l" defTabSz="914400" rtl="0" eaLnBrk="1" fontAlgn="auto" latinLnBrk="0" hangingPunct="1">
+              <a:lnSpc>
+                <a:spcPct val="100000"/>
+              </a:lnSpc>
+              <a:spcBef>
+                <a:spcPct val="0"/>
+              </a:spcBef>
+              <a:spcAft>
+                <a:spcPts val="0"/>
+              </a:spcAft>
+              <a:buClrTx/>
+              <a:buSzTx/>
+              <a:buFontTx/>
+              <a:buNone/>
+              <a:tabLst/>
+              <a:defRPr/>
+            </a:pPr>
+            <a:r>
+              <a:rPr kumimoji="0" lang="es-CO" sz="2400" i="1" u="none" strike="noStrike" kern="1200" cap="none" spc="0" normalizeH="0" baseline="0" noProof="0" dirty="0" smtClean="0">
+                <a:ln>
+                  <a:noFill/>
+                </a:ln>
+                <a:solidFill>
+                  <a:schemeClr val="tx1"/>
+                </a:solidFill>
+                <a:effectLst>
+                  <a:outerShdw blurRad="38100" dist="38100" dir="2700000" algn="tl">
+                    <a:srgbClr val="000000">
+                      <a:alpha val="43137"/>
+                    </a:srgbClr>
+                  </a:outerShdw>
+                </a:effectLst>
+                <a:uLnTx/>
+                <a:uFillTx/>
+                <a:latin typeface="+mj-lt"/>
+                <a:ea typeface="+mj-ea"/>
+                <a:cs typeface="+mj-cs"/>
+              </a:rPr>
+              <a:t>Problema</a:t>
+            </a:r>
           </a:p>
         </p:txBody>
       </p:sp>
@@ -14557,7 +18895,7 @@
 </p:sld>
 </file>
 
-<file path=ppt/slides/slide4.xml><?xml version="1.0" encoding="utf-8"?>
+<file path=ppt/slides/slide5.xml><?xml version="1.0" encoding="utf-8"?>
 <p:sld xmlns:a="http://schemas.openxmlformats.org/drawingml/2006/main" xmlns:r="http://schemas.openxmlformats.org/officeDocument/2006/relationships" xmlns:p="http://schemas.openxmlformats.org/presentationml/2006/main">
   <p:cSld>
     <p:spTree>
@@ -15033,7 +19371,7 @@
 </p:sld>
 </file>
 
-<file path=ppt/slides/slide5.xml><?xml version="1.0" encoding="utf-8"?>
+<file path=ppt/slides/slide6.xml><?xml version="1.0" encoding="utf-8"?>
 <p:sld xmlns:a="http://schemas.openxmlformats.org/drawingml/2006/main" xmlns:r="http://schemas.openxmlformats.org/officeDocument/2006/relationships" xmlns:p="http://schemas.openxmlformats.org/presentationml/2006/main">
   <p:cSld>
     <p:spTree>
@@ -15169,26 +19507,6 @@
               </a:rPr>
               <a:t>Motivadores</a:t>
             </a:r>
-            <a:endParaRPr kumimoji="0" lang="es-CO" sz="2400" i="1" u="none" strike="noStrike" kern="1200" cap="none" spc="0" normalizeH="0" baseline="0" noProof="0" dirty="0" smtClean="0">
-              <a:ln>
-                <a:noFill/>
-              </a:ln>
-              <a:solidFill>
-                <a:schemeClr val="tx1"/>
-              </a:solidFill>
-              <a:effectLst>
-                <a:outerShdw blurRad="38100" dist="38100" dir="2700000" algn="tl">
-                  <a:srgbClr val="000000">
-                    <a:alpha val="43137"/>
-                  </a:srgbClr>
-                </a:outerShdw>
-              </a:effectLst>
-              <a:uLnTx/>
-              <a:uFillTx/>
-              <a:latin typeface="+mj-lt"/>
-              <a:ea typeface="+mj-ea"/>
-              <a:cs typeface="+mj-cs"/>
-            </a:endParaRPr>
           </a:p>
         </p:txBody>
       </p:sp>
@@ -15294,7 +19612,7 @@
 </p:sld>
 </file>
 
-<file path=ppt/slides/slide6.xml><?xml version="1.0" encoding="utf-8"?>
+<file path=ppt/slides/slide7.xml><?xml version="1.0" encoding="utf-8"?>
 <p:sld xmlns:a="http://schemas.openxmlformats.org/drawingml/2006/main" xmlns:r="http://schemas.openxmlformats.org/officeDocument/2006/relationships" xmlns:p="http://schemas.openxmlformats.org/presentationml/2006/main">
   <p:cSld>
     <p:spTree>
@@ -15547,7 +19865,7 @@
 </p:sld>
 </file>
 
-<file path=ppt/slides/slide7.xml><?xml version="1.0" encoding="utf-8"?>
+<file path=ppt/slides/slide8.xml><?xml version="1.0" encoding="utf-8"?>
 <p:sld xmlns:a="http://schemas.openxmlformats.org/drawingml/2006/main" xmlns:r="http://schemas.openxmlformats.org/officeDocument/2006/relationships" xmlns:p="http://schemas.openxmlformats.org/presentationml/2006/main">
   <p:cSld>
     <p:spTree>
@@ -15683,26 +20001,6 @@
               </a:rPr>
               <a:t>Árbol de utilidad</a:t>
             </a:r>
-            <a:endParaRPr kumimoji="0" lang="es-CO" sz="2400" i="1" u="none" strike="noStrike" kern="1200" cap="none" spc="0" normalizeH="0" baseline="0" noProof="0" dirty="0" smtClean="0">
-              <a:ln>
-                <a:noFill/>
-              </a:ln>
-              <a:solidFill>
-                <a:schemeClr val="tx1"/>
-              </a:solidFill>
-              <a:effectLst>
-                <a:outerShdw blurRad="38100" dist="38100" dir="2700000" algn="tl">
-                  <a:srgbClr val="000000">
-                    <a:alpha val="43137"/>
-                  </a:srgbClr>
-                </a:outerShdw>
-              </a:effectLst>
-              <a:uLnTx/>
-              <a:uFillTx/>
-              <a:latin typeface="+mj-lt"/>
-              <a:ea typeface="+mj-ea"/>
-              <a:cs typeface="+mj-cs"/>
-            </a:endParaRPr>
           </a:p>
         </p:txBody>
       </p:sp>
@@ -15792,7 +20090,7 @@
 </p:sld>
 </file>
 
-<file path=ppt/slides/slide8.xml><?xml version="1.0" encoding="utf-8"?>
+<file path=ppt/slides/slide9.xml><?xml version="1.0" encoding="utf-8"?>
 <p:sld xmlns:a="http://schemas.openxmlformats.org/drawingml/2006/main" xmlns:r="http://schemas.openxmlformats.org/officeDocument/2006/relationships" xmlns:p="http://schemas.openxmlformats.org/presentationml/2006/main">
   <p:cSld>
     <p:spTree>
@@ -15928,26 +20226,6 @@
               </a:rPr>
               <a:t>Escenarios Operacionales</a:t>
             </a:r>
-            <a:endParaRPr kumimoji="0" lang="es-CO" sz="2400" i="1" u="none" strike="noStrike" kern="1200" cap="none" spc="0" normalizeH="0" baseline="0" noProof="0" dirty="0" smtClean="0">
-              <a:ln>
-                <a:noFill/>
-              </a:ln>
-              <a:solidFill>
-                <a:schemeClr val="tx1"/>
-              </a:solidFill>
-              <a:effectLst>
-                <a:outerShdw blurRad="38100" dist="38100" dir="2700000" algn="tl">
-                  <a:srgbClr val="000000">
-                    <a:alpha val="43137"/>
-                  </a:srgbClr>
-                </a:outerShdw>
-              </a:effectLst>
-              <a:uLnTx/>
-              <a:uFillTx/>
-              <a:latin typeface="+mj-lt"/>
-              <a:ea typeface="+mj-ea"/>
-              <a:cs typeface="+mj-cs"/>
-            </a:endParaRPr>
           </a:p>
         </p:txBody>
       </p:sp>

--- a/CSOF5204 Arquitectura de Software/0609PrimeraEntregaSAD.pptx
+++ b/CSOF5204 Arquitectura de Software/0609PrimeraEntregaSAD.pptx
@@ -3527,8 +3527,20 @@
         <a:p>
           <a:pPr algn="l"/>
           <a:r>
+            <a:rPr lang="es-CO" dirty="0" err="1" smtClean="0"/>
+            <a:t>Willian</a:t>
+          </a:r>
+          <a:r>
             <a:rPr lang="es-CO" dirty="0" smtClean="0"/>
-            <a:t>Andrés Mauricio Erazo Benavides</a:t>
+            <a:t> Alejandro </a:t>
+          </a:r>
+          <a:r>
+            <a:rPr lang="es-CO" dirty="0" err="1" smtClean="0"/>
+            <a:t>Idrobo</a:t>
+          </a:r>
+          <a:r>
+            <a:rPr lang="es-CO" dirty="0" smtClean="0"/>
+            <a:t> Luna</a:t>
           </a:r>
           <a:endParaRPr lang="es-CO" dirty="0"/>
         </a:p>
@@ -3836,6 +3848,13 @@
         </dgm:presLayoutVars>
       </dgm:prSet>
       <dgm:spPr/>
+      <dgm:t>
+        <a:bodyPr/>
+        <a:lstStyle/>
+        <a:p>
+          <a:endParaRPr lang="es-CO"/>
+        </a:p>
+      </dgm:t>
     </dgm:pt>
     <dgm:pt modelId="{21945C05-1064-48EB-955C-81E13F3CB966}" type="pres">
       <dgm:prSet presAssocID="{DBEA8E81-1A74-4A8B-83A7-F6769D0C49E5}" presName="horFlow" presStyleCnt="0"/>
@@ -3863,6 +3882,13 @@
         </dgm:presLayoutVars>
       </dgm:prSet>
       <dgm:spPr/>
+      <dgm:t>
+        <a:bodyPr/>
+        <a:lstStyle/>
+        <a:p>
+          <a:endParaRPr lang="es-CO"/>
+        </a:p>
+      </dgm:t>
     </dgm:pt>
     <dgm:pt modelId="{F6E9FF59-4F78-42F3-8D54-8BD94CC037AD}" type="pres">
       <dgm:prSet presAssocID="{DBEA8E81-1A74-4A8B-83A7-F6769D0C49E5}" presName="vSp" presStyleCnt="0"/>
@@ -4056,31 +4082,31 @@
     </dgm:pt>
   </dgm:ptLst>
   <dgm:cxnLst>
+    <dgm:cxn modelId="{0CBF8184-CB0C-4988-88B1-E7D67C257A85}" srcId="{950FBC46-DAB7-4F06-A61E-013EEC9DC271}" destId="{779E9C81-2383-453F-9112-4987C2CDA336}" srcOrd="0" destOrd="0" parTransId="{BA49ADF7-F70D-4491-BF65-48537280AD67}" sibTransId="{E1B9BFE2-12E2-4312-9F42-C1F115BBDC46}"/>
+    <dgm:cxn modelId="{A86BCEF2-381B-40C6-BE0D-56D378C022E8}" srcId="{3FC5635F-A438-43DA-8514-E42FE6F52953}" destId="{BBC7BC5E-C71D-4FA6-84A8-CE34A5C18A08}" srcOrd="0" destOrd="0" parTransId="{BCD23F92-EED3-417C-AC5F-ABA1A73E3368}" sibTransId="{18CFA2AF-0EEF-4E40-98EF-E40D026C7967}"/>
+    <dgm:cxn modelId="{C97E7F95-97EC-4CEC-9D21-D572F47283A2}" srcId="{E533AE77-875F-4914-90B2-D7D7AC3B4C89}" destId="{C48CB691-9011-4339-9AA6-0DDF04C158CE}" srcOrd="4" destOrd="0" parTransId="{D748F646-1065-4659-A685-CF7AAC97ADFB}" sibTransId="{EB6CB7AA-F81D-46EE-B488-70F8F0695B7B}"/>
+    <dgm:cxn modelId="{BC1602A1-26D2-4A86-BDD9-46707AD43E68}" srcId="{DBEA8E81-1A74-4A8B-83A7-F6769D0C49E5}" destId="{7C31DAEF-63F8-4A9C-BCF1-0501B41AB3F3}" srcOrd="0" destOrd="0" parTransId="{CA5CA1B2-DB55-44A9-A17D-B941F74A7F9C}" sibTransId="{A53E1126-50BD-4DE9-B804-4D9F21B3CE65}"/>
+    <dgm:cxn modelId="{831472BF-C9A0-4ECB-B045-EED8F6B40664}" srcId="{E533AE77-875F-4914-90B2-D7D7AC3B4C89}" destId="{9B6CD67C-C744-45B3-8B6E-E5EE4E9742CE}" srcOrd="1" destOrd="0" parTransId="{FB31E350-8F19-4F2A-B848-423ED114E008}" sibTransId="{6A2FD69B-3333-4522-ADDC-D758A489AA90}"/>
+    <dgm:cxn modelId="{282DEF8E-B64E-458D-849F-3566EF8DF96E}" type="presOf" srcId="{E6970C8D-4031-4C8D-A6FC-27EBDCE4651B}" destId="{B0A9C9C2-74B4-49C4-A0B4-2D254947495B}" srcOrd="0" destOrd="0" presId="urn:microsoft.com/office/officeart/2005/8/layout/lProcess3"/>
+    <dgm:cxn modelId="{68128905-E82D-424C-8336-A95151323F62}" type="presOf" srcId="{E533AE77-875F-4914-90B2-D7D7AC3B4C89}" destId="{8506897D-5A90-4870-9C50-651C43DCF413}" srcOrd="0" destOrd="0" presId="urn:microsoft.com/office/officeart/2005/8/layout/lProcess3"/>
+    <dgm:cxn modelId="{8DBFA7F2-DCEE-458F-9472-C09E6FFC1E3A}" type="presOf" srcId="{41BF745E-F7A9-44C8-85FE-147DE8A54F4D}" destId="{01D1699C-D4EB-4C39-9E1B-A05367549CF3}" srcOrd="0" destOrd="0" presId="urn:microsoft.com/office/officeart/2005/8/layout/lProcess3"/>
+    <dgm:cxn modelId="{4AB7F73A-6C02-4BAD-9E6D-67361905150D}" srcId="{C48CB691-9011-4339-9AA6-0DDF04C158CE}" destId="{E6970C8D-4031-4C8D-A6FC-27EBDCE4651B}" srcOrd="0" destOrd="0" parTransId="{B714884F-C54A-4FA3-8AD3-D110EA2382A2}" sibTransId="{1FA935EE-5092-4F49-9299-964CD785398B}"/>
+    <dgm:cxn modelId="{2AF4FFDD-D319-4A0A-A8A2-EFB783497D12}" type="presOf" srcId="{950FBC46-DAB7-4F06-A61E-013EEC9DC271}" destId="{3C8C0889-D2FC-4512-B2E2-34392065E875}" srcOrd="0" destOrd="0" presId="urn:microsoft.com/office/officeart/2005/8/layout/lProcess3"/>
+    <dgm:cxn modelId="{4C7A59AF-5806-4790-99B5-1E35CC89A023}" type="presOf" srcId="{C48CB691-9011-4339-9AA6-0DDF04C158CE}" destId="{D7ED1614-9D60-4293-8664-C9F7DFCBFE8A}" srcOrd="0" destOrd="0" presId="urn:microsoft.com/office/officeart/2005/8/layout/lProcess3"/>
+    <dgm:cxn modelId="{7ED8102E-1028-42C1-946F-B7DFA94FA75A}" type="presOf" srcId="{70829743-8A99-4CEA-AAAC-2FF7E79CC1B3}" destId="{9A2EFF53-CE12-4033-99C5-D70209579430}" srcOrd="0" destOrd="0" presId="urn:microsoft.com/office/officeart/2005/8/layout/lProcess3"/>
+    <dgm:cxn modelId="{46B1532D-5180-4886-BD22-136010C663DE}" type="presOf" srcId="{7C31DAEF-63F8-4A9C-BCF1-0501B41AB3F3}" destId="{3AF60287-035B-4E46-A68D-CE361C1192E0}" srcOrd="0" destOrd="0" presId="urn:microsoft.com/office/officeart/2005/8/layout/lProcess3"/>
+    <dgm:cxn modelId="{BAE822A1-96C0-49C7-8E34-289C85E806F5}" srcId="{E533AE77-875F-4914-90B2-D7D7AC3B4C89}" destId="{DBEA8E81-1A74-4A8B-83A7-F6769D0C49E5}" srcOrd="0" destOrd="0" parTransId="{B427755B-47C7-458C-8162-BAAA69DF1436}" sibTransId="{6F14D17C-8C00-4974-92FC-3DA1F126CE58}"/>
+    <dgm:cxn modelId="{527591CD-BCEE-492C-B054-4FA5D4E16324}" srcId="{E533AE77-875F-4914-90B2-D7D7AC3B4C89}" destId="{3FC5635F-A438-43DA-8514-E42FE6F52953}" srcOrd="3" destOrd="0" parTransId="{89C2D555-A90D-4BBC-A5D9-84C08647F10A}" sibTransId="{AEF84628-7450-4AD5-8A4C-54A9924BB19B}"/>
+    <dgm:cxn modelId="{5413A998-028C-490D-BC4E-9B9377F3AAF2}" srcId="{9B6CD67C-C744-45B3-8B6E-E5EE4E9742CE}" destId="{3AAAA34A-8C23-4477-A29B-C4D5C9FFA8E4}" srcOrd="0" destOrd="0" parTransId="{E5F7ED4C-F8A7-4CCB-889A-AE24857CF7DA}" sibTransId="{1DBD4FE6-EA61-46C9-97FC-5164503DF7F6}"/>
+    <dgm:cxn modelId="{7C52BA3B-C0CE-4A52-9F2E-25D8982B6D40}" srcId="{70829743-8A99-4CEA-AAAC-2FF7E79CC1B3}" destId="{41BF745E-F7A9-44C8-85FE-147DE8A54F4D}" srcOrd="0" destOrd="0" parTransId="{BAA3BBCD-1C13-4C8A-A342-2E157461906D}" sibTransId="{914DADCE-E8A5-47E3-A0B0-4F57026C4C32}"/>
+    <dgm:cxn modelId="{EBDD8355-E696-4884-BC20-D8C4F9A7DBE9}" srcId="{E533AE77-875F-4914-90B2-D7D7AC3B4C89}" destId="{70829743-8A99-4CEA-AAAC-2FF7E79CC1B3}" srcOrd="5" destOrd="0" parTransId="{2F2E711F-47CB-4E5F-85C6-9E8B7C786A71}" sibTransId="{7DD15BF3-1A5E-4818-A800-54F6FA566C48}"/>
+    <dgm:cxn modelId="{67ABE383-F6C9-4AE9-BAB2-25BDA895F7EE}" type="presOf" srcId="{DBEA8E81-1A74-4A8B-83A7-F6769D0C49E5}" destId="{43D2433B-C800-41EB-B72A-24E30D1266E8}" srcOrd="0" destOrd="0" presId="urn:microsoft.com/office/officeart/2005/8/layout/lProcess3"/>
+    <dgm:cxn modelId="{0150F1EC-7940-4BF7-B123-43C3751CCCCA}" srcId="{E533AE77-875F-4914-90B2-D7D7AC3B4C89}" destId="{950FBC46-DAB7-4F06-A61E-013EEC9DC271}" srcOrd="2" destOrd="0" parTransId="{C702E283-0257-487F-9C44-7C3745E84551}" sibTransId="{C74DE747-8B74-4AD3-939F-AF6403D6AB43}"/>
+    <dgm:cxn modelId="{1EE471E0-DE1F-4E2B-89A8-945933F7AA36}" type="presOf" srcId="{779E9C81-2383-453F-9112-4987C2CDA336}" destId="{14AFB1CC-5D3A-4FF2-B4AD-5A51A3533829}" srcOrd="0" destOrd="0" presId="urn:microsoft.com/office/officeart/2005/8/layout/lProcess3"/>
     <dgm:cxn modelId="{F9FB5043-EF00-4AE8-B5E3-898EA16F84A9}" type="presOf" srcId="{3AAAA34A-8C23-4477-A29B-C4D5C9FFA8E4}" destId="{8D6A7D35-C7E5-403F-9217-4F5D58B77A03}" srcOrd="0" destOrd="0" presId="urn:microsoft.com/office/officeart/2005/8/layout/lProcess3"/>
+    <dgm:cxn modelId="{ED23BB92-CB18-4B4D-AD16-B8332EB4F4B0}" type="presOf" srcId="{9B6CD67C-C744-45B3-8B6E-E5EE4E9742CE}" destId="{DDEF83C6-53B3-4A7D-9E75-C0B2EEC177DF}" srcOrd="0" destOrd="0" presId="urn:microsoft.com/office/officeart/2005/8/layout/lProcess3"/>
     <dgm:cxn modelId="{77442C8E-8985-4114-A8F7-34ABA2EA003F}" type="presOf" srcId="{3FC5635F-A438-43DA-8514-E42FE6F52953}" destId="{D3350139-2613-4C73-B491-E108435D0AE9}" srcOrd="0" destOrd="0" presId="urn:microsoft.com/office/officeart/2005/8/layout/lProcess3"/>
-    <dgm:cxn modelId="{C97E7F95-97EC-4CEC-9D21-D572F47283A2}" srcId="{E533AE77-875F-4914-90B2-D7D7AC3B4C89}" destId="{C48CB691-9011-4339-9AA6-0DDF04C158CE}" srcOrd="4" destOrd="0" parTransId="{D748F646-1065-4659-A685-CF7AAC97ADFB}" sibTransId="{EB6CB7AA-F81D-46EE-B488-70F8F0695B7B}"/>
-    <dgm:cxn modelId="{67ABE383-F6C9-4AE9-BAB2-25BDA895F7EE}" type="presOf" srcId="{DBEA8E81-1A74-4A8B-83A7-F6769D0C49E5}" destId="{43D2433B-C800-41EB-B72A-24E30D1266E8}" srcOrd="0" destOrd="0" presId="urn:microsoft.com/office/officeart/2005/8/layout/lProcess3"/>
-    <dgm:cxn modelId="{5413A998-028C-490D-BC4E-9B9377F3AAF2}" srcId="{9B6CD67C-C744-45B3-8B6E-E5EE4E9742CE}" destId="{3AAAA34A-8C23-4477-A29B-C4D5C9FFA8E4}" srcOrd="0" destOrd="0" parTransId="{E5F7ED4C-F8A7-4CCB-889A-AE24857CF7DA}" sibTransId="{1DBD4FE6-EA61-46C9-97FC-5164503DF7F6}"/>
-    <dgm:cxn modelId="{7ED8102E-1028-42C1-946F-B7DFA94FA75A}" type="presOf" srcId="{70829743-8A99-4CEA-AAAC-2FF7E79CC1B3}" destId="{9A2EFF53-CE12-4033-99C5-D70209579430}" srcOrd="0" destOrd="0" presId="urn:microsoft.com/office/officeart/2005/8/layout/lProcess3"/>
-    <dgm:cxn modelId="{282DEF8E-B64E-458D-849F-3566EF8DF96E}" type="presOf" srcId="{E6970C8D-4031-4C8D-A6FC-27EBDCE4651B}" destId="{B0A9C9C2-74B4-49C4-A0B4-2D254947495B}" srcOrd="0" destOrd="0" presId="urn:microsoft.com/office/officeart/2005/8/layout/lProcess3"/>
-    <dgm:cxn modelId="{4AB7F73A-6C02-4BAD-9E6D-67361905150D}" srcId="{C48CB691-9011-4339-9AA6-0DDF04C158CE}" destId="{E6970C8D-4031-4C8D-A6FC-27EBDCE4651B}" srcOrd="0" destOrd="0" parTransId="{B714884F-C54A-4FA3-8AD3-D110EA2382A2}" sibTransId="{1FA935EE-5092-4F49-9299-964CD785398B}"/>
-    <dgm:cxn modelId="{1EE471E0-DE1F-4E2B-89A8-945933F7AA36}" type="presOf" srcId="{779E9C81-2383-453F-9112-4987C2CDA336}" destId="{14AFB1CC-5D3A-4FF2-B4AD-5A51A3533829}" srcOrd="0" destOrd="0" presId="urn:microsoft.com/office/officeart/2005/8/layout/lProcess3"/>
-    <dgm:cxn modelId="{ED23BB92-CB18-4B4D-AD16-B8332EB4F4B0}" type="presOf" srcId="{9B6CD67C-C744-45B3-8B6E-E5EE4E9742CE}" destId="{DDEF83C6-53B3-4A7D-9E75-C0B2EEC177DF}" srcOrd="0" destOrd="0" presId="urn:microsoft.com/office/officeart/2005/8/layout/lProcess3"/>
-    <dgm:cxn modelId="{0150F1EC-7940-4BF7-B123-43C3751CCCCA}" srcId="{E533AE77-875F-4914-90B2-D7D7AC3B4C89}" destId="{950FBC46-DAB7-4F06-A61E-013EEC9DC271}" srcOrd="2" destOrd="0" parTransId="{C702E283-0257-487F-9C44-7C3745E84551}" sibTransId="{C74DE747-8B74-4AD3-939F-AF6403D6AB43}"/>
-    <dgm:cxn modelId="{BC1602A1-26D2-4A86-BDD9-46707AD43E68}" srcId="{DBEA8E81-1A74-4A8B-83A7-F6769D0C49E5}" destId="{7C31DAEF-63F8-4A9C-BCF1-0501B41AB3F3}" srcOrd="0" destOrd="0" parTransId="{CA5CA1B2-DB55-44A9-A17D-B941F74A7F9C}" sibTransId="{A53E1126-50BD-4DE9-B804-4D9F21B3CE65}"/>
     <dgm:cxn modelId="{630254F7-2857-4F51-95F6-B7636FA729B9}" type="presOf" srcId="{BBC7BC5E-C71D-4FA6-84A8-CE34A5C18A08}" destId="{09498659-E017-4DD8-8D1D-F98B28139037}" srcOrd="0" destOrd="0" presId="urn:microsoft.com/office/officeart/2005/8/layout/lProcess3"/>
-    <dgm:cxn modelId="{8DBFA7F2-DCEE-458F-9472-C09E6FFC1E3A}" type="presOf" srcId="{41BF745E-F7A9-44C8-85FE-147DE8A54F4D}" destId="{01D1699C-D4EB-4C39-9E1B-A05367549CF3}" srcOrd="0" destOrd="0" presId="urn:microsoft.com/office/officeart/2005/8/layout/lProcess3"/>
-    <dgm:cxn modelId="{527591CD-BCEE-492C-B054-4FA5D4E16324}" srcId="{E533AE77-875F-4914-90B2-D7D7AC3B4C89}" destId="{3FC5635F-A438-43DA-8514-E42FE6F52953}" srcOrd="3" destOrd="0" parTransId="{89C2D555-A90D-4BBC-A5D9-84C08647F10A}" sibTransId="{AEF84628-7450-4AD5-8A4C-54A9924BB19B}"/>
-    <dgm:cxn modelId="{7C52BA3B-C0CE-4A52-9F2E-25D8982B6D40}" srcId="{70829743-8A99-4CEA-AAAC-2FF7E79CC1B3}" destId="{41BF745E-F7A9-44C8-85FE-147DE8A54F4D}" srcOrd="0" destOrd="0" parTransId="{BAA3BBCD-1C13-4C8A-A342-2E157461906D}" sibTransId="{914DADCE-E8A5-47E3-A0B0-4F57026C4C32}"/>
-    <dgm:cxn modelId="{4C7A59AF-5806-4790-99B5-1E35CC89A023}" type="presOf" srcId="{C48CB691-9011-4339-9AA6-0DDF04C158CE}" destId="{D7ED1614-9D60-4293-8664-C9F7DFCBFE8A}" srcOrd="0" destOrd="0" presId="urn:microsoft.com/office/officeart/2005/8/layout/lProcess3"/>
-    <dgm:cxn modelId="{831472BF-C9A0-4ECB-B045-EED8F6B40664}" srcId="{E533AE77-875F-4914-90B2-D7D7AC3B4C89}" destId="{9B6CD67C-C744-45B3-8B6E-E5EE4E9742CE}" srcOrd="1" destOrd="0" parTransId="{FB31E350-8F19-4F2A-B848-423ED114E008}" sibTransId="{6A2FD69B-3333-4522-ADDC-D758A489AA90}"/>
-    <dgm:cxn modelId="{A86BCEF2-381B-40C6-BE0D-56D378C022E8}" srcId="{3FC5635F-A438-43DA-8514-E42FE6F52953}" destId="{BBC7BC5E-C71D-4FA6-84A8-CE34A5C18A08}" srcOrd="0" destOrd="0" parTransId="{BCD23F92-EED3-417C-AC5F-ABA1A73E3368}" sibTransId="{18CFA2AF-0EEF-4E40-98EF-E40D026C7967}"/>
-    <dgm:cxn modelId="{BAE822A1-96C0-49C7-8E34-289C85E806F5}" srcId="{E533AE77-875F-4914-90B2-D7D7AC3B4C89}" destId="{DBEA8E81-1A74-4A8B-83A7-F6769D0C49E5}" srcOrd="0" destOrd="0" parTransId="{B427755B-47C7-458C-8162-BAAA69DF1436}" sibTransId="{6F14D17C-8C00-4974-92FC-3DA1F126CE58}"/>
-    <dgm:cxn modelId="{2AF4FFDD-D319-4A0A-A8A2-EFB783497D12}" type="presOf" srcId="{950FBC46-DAB7-4F06-A61E-013EEC9DC271}" destId="{3C8C0889-D2FC-4512-B2E2-34392065E875}" srcOrd="0" destOrd="0" presId="urn:microsoft.com/office/officeart/2005/8/layout/lProcess3"/>
-    <dgm:cxn modelId="{46B1532D-5180-4886-BD22-136010C663DE}" type="presOf" srcId="{7C31DAEF-63F8-4A9C-BCF1-0501B41AB3F3}" destId="{3AF60287-035B-4E46-A68D-CE361C1192E0}" srcOrd="0" destOrd="0" presId="urn:microsoft.com/office/officeart/2005/8/layout/lProcess3"/>
-    <dgm:cxn modelId="{0CBF8184-CB0C-4988-88B1-E7D67C257A85}" srcId="{950FBC46-DAB7-4F06-A61E-013EEC9DC271}" destId="{779E9C81-2383-453F-9112-4987C2CDA336}" srcOrd="0" destOrd="0" parTransId="{BA49ADF7-F70D-4491-BF65-48537280AD67}" sibTransId="{E1B9BFE2-12E2-4312-9F42-C1F115BBDC46}"/>
-    <dgm:cxn modelId="{EBDD8355-E696-4884-BC20-D8C4F9A7DBE9}" srcId="{E533AE77-875F-4914-90B2-D7D7AC3B4C89}" destId="{70829743-8A99-4CEA-AAAC-2FF7E79CC1B3}" srcOrd="5" destOrd="0" parTransId="{2F2E711F-47CB-4E5F-85C6-9E8B7C786A71}" sibTransId="{7DD15BF3-1A5E-4818-A800-54F6FA566C48}"/>
-    <dgm:cxn modelId="{68128905-E82D-424C-8336-A95151323F62}" type="presOf" srcId="{E533AE77-875F-4914-90B2-D7D7AC3B4C89}" destId="{8506897D-5A90-4870-9C50-651C43DCF413}" srcOrd="0" destOrd="0" presId="urn:microsoft.com/office/officeart/2005/8/layout/lProcess3"/>
     <dgm:cxn modelId="{111F661D-0D7D-42C5-A9B5-E8F5C49F05A4}" type="presParOf" srcId="{8506897D-5A90-4870-9C50-651C43DCF413}" destId="{21945C05-1064-48EB-955C-81E13F3CB966}" srcOrd="0" destOrd="0" presId="urn:microsoft.com/office/officeart/2005/8/layout/lProcess3"/>
     <dgm:cxn modelId="{1B187C42-68A6-4B9B-8F94-448D3D430C9C}" type="presParOf" srcId="{21945C05-1064-48EB-955C-81E13F3CB966}" destId="{43D2433B-C800-41EB-B72A-24E30D1266E8}" srcOrd="0" destOrd="0" presId="urn:microsoft.com/office/officeart/2005/8/layout/lProcess3"/>
     <dgm:cxn modelId="{D645C435-60FD-4EE6-8EF8-1BA6A4B5BC61}" type="presParOf" srcId="{21945C05-1064-48EB-955C-81E13F3CB966}" destId="{1EBD6795-F45E-410C-999A-53CF1EC896E7}" srcOrd="1" destOrd="0" presId="urn:microsoft.com/office/officeart/2005/8/layout/lProcess3"/>
@@ -5930,8 +5956,20 @@
             </a:spcAft>
           </a:pPr>
           <a:r>
+            <a:rPr lang="es-CO" sz="2000" kern="1200" dirty="0" err="1" smtClean="0"/>
+            <a:t>Willian</a:t>
+          </a:r>
+          <a:r>
             <a:rPr lang="es-CO" sz="2000" kern="1200" dirty="0" smtClean="0"/>
-            <a:t>Andrés Mauricio Erazo Benavides</a:t>
+            <a:t> Alejandro </a:t>
+          </a:r>
+          <a:r>
+            <a:rPr lang="es-CO" sz="2000" kern="1200" dirty="0" err="1" smtClean="0"/>
+            <a:t>Idrobo</a:t>
+          </a:r>
+          <a:r>
+            <a:rPr lang="es-CO" sz="2000" kern="1200" dirty="0" smtClean="0"/>
+            <a:t> Luna</a:t>
           </a:r>
           <a:endParaRPr lang="es-CO" sz="2000" kern="1200" dirty="0"/>
         </a:p>
@@ -17842,26 +17880,6 @@
               </a:rPr>
               <a:t>Roles</a:t>
             </a:r>
-            <a:endParaRPr kumimoji="0" lang="es-CO" sz="2400" i="1" u="none" strike="noStrike" kern="1200" cap="none" spc="0" normalizeH="0" baseline="0" noProof="0" dirty="0" smtClean="0">
-              <a:ln>
-                <a:noFill/>
-              </a:ln>
-              <a:solidFill>
-                <a:schemeClr val="tx1"/>
-              </a:solidFill>
-              <a:effectLst>
-                <a:outerShdw blurRad="38100" dist="38100" dir="2700000" algn="tl">
-                  <a:srgbClr val="000000">
-                    <a:alpha val="43137"/>
-                  </a:srgbClr>
-                </a:outerShdw>
-              </a:effectLst>
-              <a:uLnTx/>
-              <a:uFillTx/>
-              <a:latin typeface="+mj-lt"/>
-              <a:ea typeface="+mj-ea"/>
-              <a:cs typeface="+mj-cs"/>
-            </a:endParaRPr>
           </a:p>
         </p:txBody>
       </p:sp>
@@ -18045,6 +18063,41 @@
                 </a:outerShdw>
               </a:effectLst>
             </a:endParaRPr>
+          </a:p>
+        </p:txBody>
+      </p:sp>
+      <p:sp>
+        <p:nvSpPr>
+          <p:cNvPr id="9" name="TextBox 8"/>
+          <p:cNvSpPr txBox="1"/>
+          <p:nvPr/>
+        </p:nvSpPr>
+        <p:spPr>
+          <a:xfrm>
+            <a:off x="251520" y="6454497"/>
+            <a:ext cx="7992888" cy="430887"/>
+          </a:xfrm>
+          <a:prstGeom prst="rect">
+            <a:avLst/>
+          </a:prstGeom>
+          <a:noFill/>
+        </p:spPr>
+        <p:txBody>
+          <a:bodyPr wrap="square" rtlCol="0">
+            <a:spAutoFit/>
+          </a:bodyPr>
+          <a:lstStyle/>
+          <a:p>
+            <a:r>
+              <a:rPr lang="es-CO" sz="1100" b="1" u="sng" dirty="0" smtClean="0">
+                <a:hlinkClick r:id="rId9"/>
+              </a:rPr>
+              <a:t>https://spreadsheets.google.com/spreadsheet/viewform?hl=en_US&amp;formkey=dENEZWNsalhneGhJdVN4OHUtZk1ENVE6MQ</a:t>
+            </a:r>
+            <a:endParaRPr lang="en-US" sz="1100" dirty="0" smtClean="0"/>
+          </a:p>
+          <a:p>
+            <a:endParaRPr lang="es-CO" sz="1100" dirty="0"/>
           </a:p>
         </p:txBody>
       </p:sp>

--- a/CSOF5204 Arquitectura de Software/0609PrimeraEntregaSAD.pptx
+++ b/CSOF5204 Arquitectura de Software/0609PrimeraEntregaSAD.pptx
@@ -13933,6 +13933,88 @@
 </p:notesMaster>
 </file>
 
+<file path=ppt/notesSlides/notesSlide1.xml><?xml version="1.0" encoding="utf-8"?>
+<p:notes xmlns:a="http://schemas.openxmlformats.org/drawingml/2006/main" xmlns:r="http://schemas.openxmlformats.org/officeDocument/2006/relationships" xmlns:p="http://schemas.openxmlformats.org/presentationml/2006/main">
+  <p:cSld>
+    <p:spTree>
+      <p:nvGrpSpPr>
+        <p:cNvPr id="1" name=""/>
+        <p:cNvGrpSpPr/>
+        <p:nvPr/>
+      </p:nvGrpSpPr>
+      <p:grpSpPr>
+        <a:xfrm>
+          <a:off x="0" y="0"/>
+          <a:ext cx="0" cy="0"/>
+          <a:chOff x="0" y="0"/>
+          <a:chExt cx="0" cy="0"/>
+        </a:xfrm>
+      </p:grpSpPr>
+      <p:sp>
+        <p:nvSpPr>
+          <p:cNvPr id="2" name="Slide Image Placeholder 1"/>
+          <p:cNvSpPr>
+            <a:spLocks noGrp="1" noRot="1" noChangeAspect="1"/>
+          </p:cNvSpPr>
+          <p:nvPr>
+            <p:ph type="sldImg"/>
+          </p:nvPr>
+        </p:nvSpPr>
+        <p:spPr/>
+      </p:sp>
+      <p:sp>
+        <p:nvSpPr>
+          <p:cNvPr id="3" name="Notes Placeholder 2"/>
+          <p:cNvSpPr>
+            <a:spLocks noGrp="1"/>
+          </p:cNvSpPr>
+          <p:nvPr>
+            <p:ph type="body" idx="1"/>
+          </p:nvPr>
+        </p:nvSpPr>
+        <p:spPr/>
+        <p:txBody>
+          <a:bodyPr>
+            <a:normAutofit/>
+          </a:bodyPr>
+          <a:lstStyle/>
+          <a:p>
+            <a:endParaRPr lang="es-CO" dirty="0"/>
+          </a:p>
+        </p:txBody>
+      </p:sp>
+      <p:sp>
+        <p:nvSpPr>
+          <p:cNvPr id="4" name="Slide Number Placeholder 3"/>
+          <p:cNvSpPr>
+            <a:spLocks noGrp="1"/>
+          </p:cNvSpPr>
+          <p:nvPr>
+            <p:ph type="sldNum" sz="quarter" idx="10"/>
+          </p:nvPr>
+        </p:nvSpPr>
+        <p:spPr/>
+        <p:txBody>
+          <a:bodyPr/>
+          <a:lstStyle/>
+          <a:p>
+            <a:fld id="{6E195558-F735-488E-B766-BCBB520D0067}" type="slidenum">
+              <a:rPr lang="es-CO" smtClean="0"/>
+              <a:pPr/>
+              <a:t>8</a:t>
+            </a:fld>
+            <a:endParaRPr lang="es-CO"/>
+          </a:p>
+        </p:txBody>
+      </p:sp>
+    </p:spTree>
+  </p:cSld>
+  <p:clrMapOvr>
+    <a:masterClrMapping/>
+  </p:clrMapOvr>
+</p:notes>
+</file>
+
 <file path=ppt/slideLayouts/slideLayout1.xml><?xml version="1.0" encoding="utf-8"?>
 <p:sldLayout xmlns:a="http://schemas.openxmlformats.org/drawingml/2006/main" xmlns:r="http://schemas.openxmlformats.org/officeDocument/2006/relationships" xmlns:p="http://schemas.openxmlformats.org/presentationml/2006/main" type="title" preserve="1">
   <p:cSld name="Diapositiva de título">
@@ -19935,6 +20017,634 @@
           <a:chExt cx="0" cy="0"/>
         </a:xfrm>
       </p:grpSpPr>
+      <p:sp>
+        <p:nvSpPr>
+          <p:cNvPr id="53" name="Rounded Rectangle 52"/>
+          <p:cNvSpPr/>
+          <p:nvPr/>
+        </p:nvSpPr>
+        <p:spPr>
+          <a:xfrm>
+            <a:off x="8172400" y="980728"/>
+            <a:ext cx="360040" cy="360040"/>
+          </a:xfrm>
+          <a:prstGeom prst="roundRect">
+            <a:avLst/>
+          </a:prstGeom>
+        </p:spPr>
+        <p:style>
+          <a:lnRef idx="1">
+            <a:schemeClr val="dk1"/>
+          </a:lnRef>
+          <a:fillRef idx="2">
+            <a:schemeClr val="dk1"/>
+          </a:fillRef>
+          <a:effectRef idx="1">
+            <a:schemeClr val="dk1"/>
+          </a:effectRef>
+          <a:fontRef idx="minor">
+            <a:schemeClr val="dk1"/>
+          </a:fontRef>
+        </p:style>
+        <p:txBody>
+          <a:bodyPr rtlCol="0" anchor="t"/>
+          <a:lstStyle/>
+          <a:p>
+            <a:pPr algn="ctr"/>
+            <a:r>
+              <a:rPr lang="es-CO" sz="1600" b="1" dirty="0" smtClean="0">
+                <a:effectLst>
+                  <a:outerShdw blurRad="38100" dist="38100" dir="2700000" algn="tl">
+                    <a:srgbClr val="000000">
+                      <a:alpha val="43137"/>
+                    </a:srgbClr>
+                  </a:outerShdw>
+                </a:effectLst>
+              </a:rPr>
+              <a:t>N</a:t>
+            </a:r>
+            <a:endParaRPr lang="es-CO" sz="1600" b="1" dirty="0">
+              <a:effectLst>
+                <a:outerShdw blurRad="38100" dist="38100" dir="2700000" algn="tl">
+                  <a:srgbClr val="000000">
+                    <a:alpha val="43137"/>
+                  </a:srgbClr>
+                </a:outerShdw>
+              </a:effectLst>
+            </a:endParaRPr>
+          </a:p>
+        </p:txBody>
+      </p:sp>
+      <p:sp>
+        <p:nvSpPr>
+          <p:cNvPr id="19" name="Rounded Rectangle 18"/>
+          <p:cNvSpPr/>
+          <p:nvPr/>
+        </p:nvSpPr>
+        <p:spPr>
+          <a:xfrm>
+            <a:off x="4085104" y="1407056"/>
+            <a:ext cx="822960" cy="365760"/>
+          </a:xfrm>
+          <a:prstGeom prst="roundRect">
+            <a:avLst/>
+          </a:prstGeom>
+        </p:spPr>
+        <p:style>
+          <a:lnRef idx="1">
+            <a:schemeClr val="accent1"/>
+          </a:lnRef>
+          <a:fillRef idx="3">
+            <a:schemeClr val="accent1"/>
+          </a:fillRef>
+          <a:effectRef idx="2">
+            <a:schemeClr val="accent1"/>
+          </a:effectRef>
+          <a:fontRef idx="minor">
+            <a:schemeClr val="lt1"/>
+          </a:fontRef>
+        </p:style>
+        <p:txBody>
+          <a:bodyPr rtlCol="0" anchor="ctr"/>
+          <a:lstStyle/>
+          <a:p>
+            <a:r>
+              <a:rPr lang="es-CO" sz="1400" b="1" dirty="0" smtClean="0">
+                <a:effectLst>
+                  <a:outerShdw blurRad="38100" dist="38100" dir="2700000" algn="tl">
+                    <a:srgbClr val="000000">
+                      <a:alpha val="43137"/>
+                    </a:srgbClr>
+                  </a:outerShdw>
+                </a:effectLst>
+              </a:rPr>
+              <a:t>EC02</a:t>
+            </a:r>
+            <a:endParaRPr lang="es-CO" sz="1400" b="1" dirty="0">
+              <a:effectLst>
+                <a:outerShdw blurRad="38100" dist="38100" dir="2700000" algn="tl">
+                  <a:srgbClr val="000000">
+                    <a:alpha val="43137"/>
+                  </a:srgbClr>
+                </a:outerShdw>
+              </a:effectLst>
+            </a:endParaRPr>
+          </a:p>
+        </p:txBody>
+      </p:sp>
+      <p:sp>
+        <p:nvSpPr>
+          <p:cNvPr id="20" name="Rounded Rectangle 19"/>
+          <p:cNvSpPr/>
+          <p:nvPr/>
+        </p:nvSpPr>
+        <p:spPr>
+          <a:xfrm>
+            <a:off x="4085104" y="1951116"/>
+            <a:ext cx="822960" cy="365760"/>
+          </a:xfrm>
+          <a:prstGeom prst="roundRect">
+            <a:avLst/>
+          </a:prstGeom>
+        </p:spPr>
+        <p:style>
+          <a:lnRef idx="1">
+            <a:schemeClr val="accent1"/>
+          </a:lnRef>
+          <a:fillRef idx="3">
+            <a:schemeClr val="accent1"/>
+          </a:fillRef>
+          <a:effectRef idx="2">
+            <a:schemeClr val="accent1"/>
+          </a:effectRef>
+          <a:fontRef idx="minor">
+            <a:schemeClr val="lt1"/>
+          </a:fontRef>
+        </p:style>
+        <p:txBody>
+          <a:bodyPr rtlCol="0" anchor="ctr"/>
+          <a:lstStyle/>
+          <a:p>
+            <a:r>
+              <a:rPr lang="es-CO" sz="1400" b="1" dirty="0" smtClean="0">
+                <a:effectLst>
+                  <a:outerShdw blurRad="38100" dist="38100" dir="2700000" algn="tl">
+                    <a:srgbClr val="000000">
+                      <a:alpha val="43137"/>
+                    </a:srgbClr>
+                  </a:outerShdw>
+                </a:effectLst>
+              </a:rPr>
+              <a:t>EC01</a:t>
+            </a:r>
+            <a:endParaRPr lang="es-CO" sz="1400" b="1" dirty="0">
+              <a:effectLst>
+                <a:outerShdw blurRad="38100" dist="38100" dir="2700000" algn="tl">
+                  <a:srgbClr val="000000">
+                    <a:alpha val="43137"/>
+                  </a:srgbClr>
+                </a:outerShdw>
+              </a:effectLst>
+            </a:endParaRPr>
+          </a:p>
+        </p:txBody>
+      </p:sp>
+      <p:sp>
+        <p:nvSpPr>
+          <p:cNvPr id="21" name="Rounded Rectangle 20"/>
+          <p:cNvSpPr/>
+          <p:nvPr/>
+        </p:nvSpPr>
+        <p:spPr>
+          <a:xfrm>
+            <a:off x="4085104" y="2495176"/>
+            <a:ext cx="822960" cy="365760"/>
+          </a:xfrm>
+          <a:prstGeom prst="roundRect">
+            <a:avLst/>
+          </a:prstGeom>
+        </p:spPr>
+        <p:style>
+          <a:lnRef idx="1">
+            <a:schemeClr val="accent1"/>
+          </a:lnRef>
+          <a:fillRef idx="3">
+            <a:schemeClr val="accent1"/>
+          </a:fillRef>
+          <a:effectRef idx="2">
+            <a:schemeClr val="accent1"/>
+          </a:effectRef>
+          <a:fontRef idx="minor">
+            <a:schemeClr val="lt1"/>
+          </a:fontRef>
+        </p:style>
+        <p:txBody>
+          <a:bodyPr rtlCol="0" anchor="ctr"/>
+          <a:lstStyle/>
+          <a:p>
+            <a:r>
+              <a:rPr lang="es-CO" sz="1400" b="1" dirty="0" smtClean="0">
+                <a:effectLst>
+                  <a:outerShdw blurRad="38100" dist="38100" dir="2700000" algn="tl">
+                    <a:srgbClr val="000000">
+                      <a:alpha val="43137"/>
+                    </a:srgbClr>
+                  </a:outerShdw>
+                </a:effectLst>
+              </a:rPr>
+              <a:t>EC06</a:t>
+            </a:r>
+            <a:endParaRPr lang="es-CO" sz="1400" b="1" dirty="0">
+              <a:effectLst>
+                <a:outerShdw blurRad="38100" dist="38100" dir="2700000" algn="tl">
+                  <a:srgbClr val="000000">
+                    <a:alpha val="43137"/>
+                  </a:srgbClr>
+                </a:outerShdw>
+              </a:effectLst>
+            </a:endParaRPr>
+          </a:p>
+        </p:txBody>
+      </p:sp>
+      <p:sp>
+        <p:nvSpPr>
+          <p:cNvPr id="22" name="Rounded Rectangle 21"/>
+          <p:cNvSpPr/>
+          <p:nvPr/>
+        </p:nvSpPr>
+        <p:spPr>
+          <a:xfrm>
+            <a:off x="4085104" y="3039236"/>
+            <a:ext cx="822960" cy="365760"/>
+          </a:xfrm>
+          <a:prstGeom prst="roundRect">
+            <a:avLst/>
+          </a:prstGeom>
+        </p:spPr>
+        <p:style>
+          <a:lnRef idx="1">
+            <a:schemeClr val="accent1"/>
+          </a:lnRef>
+          <a:fillRef idx="3">
+            <a:schemeClr val="accent1"/>
+          </a:fillRef>
+          <a:effectRef idx="2">
+            <a:schemeClr val="accent1"/>
+          </a:effectRef>
+          <a:fontRef idx="minor">
+            <a:schemeClr val="lt1"/>
+          </a:fontRef>
+        </p:style>
+        <p:txBody>
+          <a:bodyPr rtlCol="0" anchor="ctr"/>
+          <a:lstStyle/>
+          <a:p>
+            <a:r>
+              <a:rPr lang="es-CO" sz="1400" b="1" dirty="0" smtClean="0">
+                <a:effectLst>
+                  <a:outerShdw blurRad="38100" dist="38100" dir="2700000" algn="tl">
+                    <a:srgbClr val="000000">
+                      <a:alpha val="43137"/>
+                    </a:srgbClr>
+                  </a:outerShdw>
+                </a:effectLst>
+              </a:rPr>
+              <a:t>EC09</a:t>
+            </a:r>
+            <a:endParaRPr lang="es-CO" sz="1400" b="1" dirty="0">
+              <a:effectLst>
+                <a:outerShdw blurRad="38100" dist="38100" dir="2700000" algn="tl">
+                  <a:srgbClr val="000000">
+                    <a:alpha val="43137"/>
+                  </a:srgbClr>
+                </a:outerShdw>
+              </a:effectLst>
+            </a:endParaRPr>
+          </a:p>
+        </p:txBody>
+      </p:sp>
+      <p:sp>
+        <p:nvSpPr>
+          <p:cNvPr id="23" name="Rounded Rectangle 22"/>
+          <p:cNvSpPr/>
+          <p:nvPr/>
+        </p:nvSpPr>
+        <p:spPr>
+          <a:xfrm>
+            <a:off x="4085104" y="3583296"/>
+            <a:ext cx="822960" cy="365760"/>
+          </a:xfrm>
+          <a:prstGeom prst="roundRect">
+            <a:avLst/>
+          </a:prstGeom>
+        </p:spPr>
+        <p:style>
+          <a:lnRef idx="1">
+            <a:schemeClr val="accent1"/>
+          </a:lnRef>
+          <a:fillRef idx="3">
+            <a:schemeClr val="accent1"/>
+          </a:fillRef>
+          <a:effectRef idx="2">
+            <a:schemeClr val="accent1"/>
+          </a:effectRef>
+          <a:fontRef idx="minor">
+            <a:schemeClr val="lt1"/>
+          </a:fontRef>
+        </p:style>
+        <p:txBody>
+          <a:bodyPr rtlCol="0" anchor="ctr"/>
+          <a:lstStyle/>
+          <a:p>
+            <a:r>
+              <a:rPr lang="es-CO" sz="1400" b="1" dirty="0" smtClean="0">
+                <a:effectLst>
+                  <a:outerShdw blurRad="38100" dist="38100" dir="2700000" algn="tl">
+                    <a:srgbClr val="000000">
+                      <a:alpha val="43137"/>
+                    </a:srgbClr>
+                  </a:outerShdw>
+                </a:effectLst>
+              </a:rPr>
+              <a:t>EC10</a:t>
+            </a:r>
+            <a:endParaRPr lang="es-CO" sz="1400" b="1" dirty="0">
+              <a:effectLst>
+                <a:outerShdw blurRad="38100" dist="38100" dir="2700000" algn="tl">
+                  <a:srgbClr val="000000">
+                    <a:alpha val="43137"/>
+                  </a:srgbClr>
+                </a:outerShdw>
+              </a:effectLst>
+            </a:endParaRPr>
+          </a:p>
+        </p:txBody>
+      </p:sp>
+      <p:sp>
+        <p:nvSpPr>
+          <p:cNvPr id="24" name="Rounded Rectangle 23"/>
+          <p:cNvSpPr/>
+          <p:nvPr/>
+        </p:nvSpPr>
+        <p:spPr>
+          <a:xfrm>
+            <a:off x="4085104" y="4135358"/>
+            <a:ext cx="822960" cy="365760"/>
+          </a:xfrm>
+          <a:prstGeom prst="roundRect">
+            <a:avLst/>
+          </a:prstGeom>
+        </p:spPr>
+        <p:style>
+          <a:lnRef idx="1">
+            <a:schemeClr val="accent1"/>
+          </a:lnRef>
+          <a:fillRef idx="3">
+            <a:schemeClr val="accent1"/>
+          </a:fillRef>
+          <a:effectRef idx="2">
+            <a:schemeClr val="accent1"/>
+          </a:effectRef>
+          <a:fontRef idx="minor">
+            <a:schemeClr val="lt1"/>
+          </a:fontRef>
+        </p:style>
+        <p:txBody>
+          <a:bodyPr rtlCol="0" anchor="ctr"/>
+          <a:lstStyle/>
+          <a:p>
+            <a:r>
+              <a:rPr lang="es-CO" sz="1400" b="1" dirty="0" smtClean="0">
+                <a:effectLst>
+                  <a:outerShdw blurRad="38100" dist="38100" dir="2700000" algn="tl">
+                    <a:srgbClr val="000000">
+                      <a:alpha val="43137"/>
+                    </a:srgbClr>
+                  </a:outerShdw>
+                </a:effectLst>
+              </a:rPr>
+              <a:t>EC08</a:t>
+            </a:r>
+            <a:endParaRPr lang="es-CO" sz="1400" b="1" dirty="0">
+              <a:effectLst>
+                <a:outerShdw blurRad="38100" dist="38100" dir="2700000" algn="tl">
+                  <a:srgbClr val="000000">
+                    <a:alpha val="43137"/>
+                  </a:srgbClr>
+                </a:outerShdw>
+              </a:effectLst>
+            </a:endParaRPr>
+          </a:p>
+        </p:txBody>
+      </p:sp>
+      <p:sp>
+        <p:nvSpPr>
+          <p:cNvPr id="25" name="Rounded Rectangle 24"/>
+          <p:cNvSpPr/>
+          <p:nvPr/>
+        </p:nvSpPr>
+        <p:spPr>
+          <a:xfrm>
+            <a:off x="4085104" y="4671416"/>
+            <a:ext cx="822960" cy="365760"/>
+          </a:xfrm>
+          <a:prstGeom prst="roundRect">
+            <a:avLst/>
+          </a:prstGeom>
+        </p:spPr>
+        <p:style>
+          <a:lnRef idx="1">
+            <a:schemeClr val="accent1"/>
+          </a:lnRef>
+          <a:fillRef idx="3">
+            <a:schemeClr val="accent1"/>
+          </a:fillRef>
+          <a:effectRef idx="2">
+            <a:schemeClr val="accent1"/>
+          </a:effectRef>
+          <a:fontRef idx="minor">
+            <a:schemeClr val="lt1"/>
+          </a:fontRef>
+        </p:style>
+        <p:txBody>
+          <a:bodyPr rtlCol="0" anchor="ctr"/>
+          <a:lstStyle/>
+          <a:p>
+            <a:r>
+              <a:rPr lang="es-CO" sz="1400" b="1" dirty="0" smtClean="0">
+                <a:effectLst>
+                  <a:outerShdw blurRad="38100" dist="38100" dir="2700000" algn="tl">
+                    <a:srgbClr val="000000">
+                      <a:alpha val="43137"/>
+                    </a:srgbClr>
+                  </a:outerShdw>
+                </a:effectLst>
+              </a:rPr>
+              <a:t>EC05</a:t>
+            </a:r>
+            <a:endParaRPr lang="es-CO" sz="1400" b="1" dirty="0">
+              <a:effectLst>
+                <a:outerShdw blurRad="38100" dist="38100" dir="2700000" algn="tl">
+                  <a:srgbClr val="000000">
+                    <a:alpha val="43137"/>
+                  </a:srgbClr>
+                </a:outerShdw>
+              </a:effectLst>
+            </a:endParaRPr>
+          </a:p>
+        </p:txBody>
+      </p:sp>
+      <p:sp>
+        <p:nvSpPr>
+          <p:cNvPr id="26" name="Rounded Rectangle 25"/>
+          <p:cNvSpPr/>
+          <p:nvPr/>
+        </p:nvSpPr>
+        <p:spPr>
+          <a:xfrm>
+            <a:off x="4085104" y="5215476"/>
+            <a:ext cx="822960" cy="365760"/>
+          </a:xfrm>
+          <a:prstGeom prst="roundRect">
+            <a:avLst/>
+          </a:prstGeom>
+        </p:spPr>
+        <p:style>
+          <a:lnRef idx="1">
+            <a:schemeClr val="accent1"/>
+          </a:lnRef>
+          <a:fillRef idx="3">
+            <a:schemeClr val="accent1"/>
+          </a:fillRef>
+          <a:effectRef idx="2">
+            <a:schemeClr val="accent1"/>
+          </a:effectRef>
+          <a:fontRef idx="minor">
+            <a:schemeClr val="lt1"/>
+          </a:fontRef>
+        </p:style>
+        <p:txBody>
+          <a:bodyPr rtlCol="0" anchor="ctr"/>
+          <a:lstStyle/>
+          <a:p>
+            <a:r>
+              <a:rPr lang="es-CO" sz="1400" b="1" dirty="0" smtClean="0">
+                <a:effectLst>
+                  <a:outerShdw blurRad="38100" dist="38100" dir="2700000" algn="tl">
+                    <a:srgbClr val="000000">
+                      <a:alpha val="43137"/>
+                    </a:srgbClr>
+                  </a:outerShdw>
+                </a:effectLst>
+              </a:rPr>
+              <a:t>EC07</a:t>
+            </a:r>
+            <a:endParaRPr lang="es-CO" sz="1400" b="1" dirty="0">
+              <a:effectLst>
+                <a:outerShdw blurRad="38100" dist="38100" dir="2700000" algn="tl">
+                  <a:srgbClr val="000000">
+                    <a:alpha val="43137"/>
+                  </a:srgbClr>
+                </a:outerShdw>
+              </a:effectLst>
+            </a:endParaRPr>
+          </a:p>
+        </p:txBody>
+      </p:sp>
+      <p:sp>
+        <p:nvSpPr>
+          <p:cNvPr id="27" name="Rounded Rectangle 26"/>
+          <p:cNvSpPr/>
+          <p:nvPr/>
+        </p:nvSpPr>
+        <p:spPr>
+          <a:xfrm>
+            <a:off x="4085104" y="5759536"/>
+            <a:ext cx="822960" cy="365760"/>
+          </a:xfrm>
+          <a:prstGeom prst="roundRect">
+            <a:avLst/>
+          </a:prstGeom>
+        </p:spPr>
+        <p:style>
+          <a:lnRef idx="1">
+            <a:schemeClr val="accent1"/>
+          </a:lnRef>
+          <a:fillRef idx="3">
+            <a:schemeClr val="accent1"/>
+          </a:fillRef>
+          <a:effectRef idx="2">
+            <a:schemeClr val="accent1"/>
+          </a:effectRef>
+          <a:fontRef idx="minor">
+            <a:schemeClr val="lt1"/>
+          </a:fontRef>
+        </p:style>
+        <p:txBody>
+          <a:bodyPr rtlCol="0" anchor="ctr"/>
+          <a:lstStyle/>
+          <a:p>
+            <a:r>
+              <a:rPr lang="es-CO" sz="1400" b="1" dirty="0" smtClean="0">
+                <a:effectLst>
+                  <a:outerShdw blurRad="38100" dist="38100" dir="2700000" algn="tl">
+                    <a:srgbClr val="000000">
+                      <a:alpha val="43137"/>
+                    </a:srgbClr>
+                  </a:outerShdw>
+                </a:effectLst>
+              </a:rPr>
+              <a:t>EC04</a:t>
+            </a:r>
+            <a:endParaRPr lang="es-CO" sz="1400" b="1" dirty="0">
+              <a:effectLst>
+                <a:outerShdw blurRad="38100" dist="38100" dir="2700000" algn="tl">
+                  <a:srgbClr val="000000">
+                    <a:alpha val="43137"/>
+                  </a:srgbClr>
+                </a:outerShdw>
+              </a:effectLst>
+            </a:endParaRPr>
+          </a:p>
+        </p:txBody>
+      </p:sp>
+      <p:sp>
+        <p:nvSpPr>
+          <p:cNvPr id="28" name="Rounded Rectangle 27"/>
+          <p:cNvSpPr/>
+          <p:nvPr/>
+        </p:nvSpPr>
+        <p:spPr>
+          <a:xfrm>
+            <a:off x="4085104" y="6303600"/>
+            <a:ext cx="822960" cy="365760"/>
+          </a:xfrm>
+          <a:prstGeom prst="roundRect">
+            <a:avLst/>
+          </a:prstGeom>
+        </p:spPr>
+        <p:style>
+          <a:lnRef idx="1">
+            <a:schemeClr val="accent1"/>
+          </a:lnRef>
+          <a:fillRef idx="3">
+            <a:schemeClr val="accent1"/>
+          </a:fillRef>
+          <a:effectRef idx="2">
+            <a:schemeClr val="accent1"/>
+          </a:effectRef>
+          <a:fontRef idx="minor">
+            <a:schemeClr val="lt1"/>
+          </a:fontRef>
+        </p:style>
+        <p:txBody>
+          <a:bodyPr rtlCol="0" anchor="ctr"/>
+          <a:lstStyle/>
+          <a:p>
+            <a:r>
+              <a:rPr lang="es-CO" sz="1400" b="1" dirty="0" smtClean="0">
+                <a:effectLst>
+                  <a:outerShdw blurRad="38100" dist="38100" dir="2700000" algn="tl">
+                    <a:srgbClr val="000000">
+                      <a:alpha val="43137"/>
+                    </a:srgbClr>
+                  </a:outerShdw>
+                </a:effectLst>
+              </a:rPr>
+              <a:t>EC03</a:t>
+            </a:r>
+            <a:endParaRPr lang="es-CO" sz="1400" b="1" dirty="0">
+              <a:effectLst>
+                <a:outerShdw blurRad="38100" dist="38100" dir="2700000" algn="tl">
+                  <a:srgbClr val="000000">
+                    <a:alpha val="43137"/>
+                  </a:srgbClr>
+                </a:outerShdw>
+              </a:effectLst>
+            </a:endParaRPr>
+          </a:p>
+        </p:txBody>
+      </p:sp>
       <p:pic>
         <p:nvPicPr>
           <p:cNvPr id="4" name="Picture 3" descr="F:\[ECOS]\ingenium-managment\ingenium-logo.png"/>
@@ -19944,7 +20654,7 @@
           <p:nvPr/>
         </p:nvPicPr>
         <p:blipFill>
-          <a:blip r:embed="rId2" cstate="print"/>
+          <a:blip r:embed="rId3" cstate="print"/>
           <a:srcRect/>
           <a:stretch>
             <a:fillRect/>
@@ -20128,6 +20838,2974 @@
           </a:p>
         </p:txBody>
       </p:sp>
+      <p:sp>
+        <p:nvSpPr>
+          <p:cNvPr id="6" name="Rounded Rectangle 5"/>
+          <p:cNvSpPr/>
+          <p:nvPr/>
+        </p:nvSpPr>
+        <p:spPr>
+          <a:xfrm>
+            <a:off x="4625672" y="1387624"/>
+            <a:ext cx="3474720" cy="457200"/>
+          </a:xfrm>
+          <a:prstGeom prst="roundRect">
+            <a:avLst/>
+          </a:prstGeom>
+        </p:spPr>
+        <p:style>
+          <a:lnRef idx="2">
+            <a:schemeClr val="accent1"/>
+          </a:lnRef>
+          <a:fillRef idx="1">
+            <a:schemeClr val="lt1"/>
+          </a:fillRef>
+          <a:effectRef idx="0">
+            <a:schemeClr val="accent1"/>
+          </a:effectRef>
+          <a:fontRef idx="minor">
+            <a:schemeClr val="dk1"/>
+          </a:fontRef>
+        </p:style>
+        <p:txBody>
+          <a:bodyPr rtlCol="0" anchor="ctr"/>
+          <a:lstStyle/>
+          <a:p>
+            <a:pPr algn="ctr"/>
+            <a:r>
+              <a:rPr lang="es-CO" sz="1300" b="1" dirty="0" smtClean="0"/>
+              <a:t>Mantener nivel de servicio en condiciones de carga</a:t>
+            </a:r>
+            <a:endParaRPr lang="es-CO" sz="1300" b="1" dirty="0"/>
+          </a:p>
+        </p:txBody>
+      </p:sp>
+      <p:sp>
+        <p:nvSpPr>
+          <p:cNvPr id="8" name="Rounded Rectangle 7"/>
+          <p:cNvSpPr/>
+          <p:nvPr/>
+        </p:nvSpPr>
+        <p:spPr>
+          <a:xfrm>
+            <a:off x="4625672" y="1931684"/>
+            <a:ext cx="3474720" cy="457200"/>
+          </a:xfrm>
+          <a:prstGeom prst="roundRect">
+            <a:avLst/>
+          </a:prstGeom>
+        </p:spPr>
+        <p:style>
+          <a:lnRef idx="2">
+            <a:schemeClr val="accent1"/>
+          </a:lnRef>
+          <a:fillRef idx="1">
+            <a:schemeClr val="lt1"/>
+          </a:fillRef>
+          <a:effectRef idx="0">
+            <a:schemeClr val="accent1"/>
+          </a:effectRef>
+          <a:fontRef idx="minor">
+            <a:schemeClr val="dk1"/>
+          </a:fontRef>
+        </p:style>
+        <p:txBody>
+          <a:bodyPr rtlCol="0" anchor="ctr"/>
+          <a:lstStyle/>
+          <a:p>
+            <a:pPr algn="ctr"/>
+            <a:r>
+              <a:rPr lang="es-CO" sz="1300" b="1" dirty="0" smtClean="0"/>
+              <a:t>Alertar en máximo 1 segundo a las autoridades</a:t>
+            </a:r>
+            <a:endParaRPr lang="es-CO" sz="1300" b="1" dirty="0"/>
+          </a:p>
+        </p:txBody>
+      </p:sp>
+      <p:sp>
+        <p:nvSpPr>
+          <p:cNvPr id="9" name="Rounded Rectangle 8"/>
+          <p:cNvSpPr/>
+          <p:nvPr/>
+        </p:nvSpPr>
+        <p:spPr>
+          <a:xfrm>
+            <a:off x="4625672" y="2475744"/>
+            <a:ext cx="3474720" cy="457200"/>
+          </a:xfrm>
+          <a:prstGeom prst="roundRect">
+            <a:avLst/>
+          </a:prstGeom>
+        </p:spPr>
+        <p:style>
+          <a:lnRef idx="2">
+            <a:schemeClr val="accent1"/>
+          </a:lnRef>
+          <a:fillRef idx="1">
+            <a:schemeClr val="lt1"/>
+          </a:fillRef>
+          <a:effectRef idx="0">
+            <a:schemeClr val="accent1"/>
+          </a:effectRef>
+          <a:fontRef idx="minor">
+            <a:schemeClr val="dk1"/>
+          </a:fontRef>
+        </p:style>
+        <p:txBody>
+          <a:bodyPr rtlCol="0" anchor="ctr"/>
+          <a:lstStyle/>
+          <a:p>
+            <a:pPr algn="ctr"/>
+            <a:r>
+              <a:rPr lang="es-CO" sz="1300" b="1" dirty="0" smtClean="0"/>
+              <a:t>Se debe poder acceder reportes en un tiempo &lt;= 2s</a:t>
+            </a:r>
+            <a:endParaRPr lang="es-CO" sz="1300" b="1" dirty="0"/>
+          </a:p>
+        </p:txBody>
+      </p:sp>
+      <p:sp>
+        <p:nvSpPr>
+          <p:cNvPr id="10" name="Rounded Rectangle 9"/>
+          <p:cNvSpPr/>
+          <p:nvPr/>
+        </p:nvSpPr>
+        <p:spPr>
+          <a:xfrm>
+            <a:off x="4625672" y="3019804"/>
+            <a:ext cx="3474720" cy="457200"/>
+          </a:xfrm>
+          <a:prstGeom prst="roundRect">
+            <a:avLst/>
+          </a:prstGeom>
+        </p:spPr>
+        <p:style>
+          <a:lnRef idx="2">
+            <a:schemeClr val="accent1"/>
+          </a:lnRef>
+          <a:fillRef idx="1">
+            <a:schemeClr val="lt1"/>
+          </a:fillRef>
+          <a:effectRef idx="0">
+            <a:schemeClr val="accent1"/>
+          </a:effectRef>
+          <a:fontRef idx="minor">
+            <a:schemeClr val="dk1"/>
+          </a:fontRef>
+        </p:style>
+        <p:txBody>
+          <a:bodyPr rtlCol="0" anchor="ctr"/>
+          <a:lstStyle/>
+          <a:p>
+            <a:pPr algn="ctr"/>
+            <a:r>
+              <a:rPr lang="es-CO" sz="1300" b="1" dirty="0" smtClean="0"/>
+              <a:t>El sistema tarda máximo 2 segundos en registrar la falla de un sensor</a:t>
+            </a:r>
+            <a:endParaRPr lang="es-CO" sz="1300" b="1" dirty="0"/>
+          </a:p>
+        </p:txBody>
+      </p:sp>
+      <p:sp>
+        <p:nvSpPr>
+          <p:cNvPr id="11" name="Rounded Rectangle 10"/>
+          <p:cNvSpPr/>
+          <p:nvPr/>
+        </p:nvSpPr>
+        <p:spPr>
+          <a:xfrm>
+            <a:off x="4625672" y="3563864"/>
+            <a:ext cx="3474720" cy="457200"/>
+          </a:xfrm>
+          <a:prstGeom prst="roundRect">
+            <a:avLst/>
+          </a:prstGeom>
+        </p:spPr>
+        <p:style>
+          <a:lnRef idx="2">
+            <a:schemeClr val="accent1"/>
+          </a:lnRef>
+          <a:fillRef idx="1">
+            <a:schemeClr val="lt1"/>
+          </a:fillRef>
+          <a:effectRef idx="0">
+            <a:schemeClr val="accent1"/>
+          </a:effectRef>
+          <a:fontRef idx="minor">
+            <a:schemeClr val="dk1"/>
+          </a:fontRef>
+        </p:style>
+        <p:txBody>
+          <a:bodyPr rtlCol="0" anchor="ctr"/>
+          <a:lstStyle/>
+          <a:p>
+            <a:pPr algn="ctr"/>
+            <a:r>
+              <a:rPr lang="es-CO" sz="1300" b="1" dirty="0" smtClean="0"/>
+              <a:t>Ante un evento se debe proveer alertas en máximo 1 segundo</a:t>
+            </a:r>
+            <a:endParaRPr lang="es-CO" sz="1300" b="1" dirty="0"/>
+          </a:p>
+        </p:txBody>
+      </p:sp>
+      <p:sp>
+        <p:nvSpPr>
+          <p:cNvPr id="12" name="Rounded Rectangle 11"/>
+          <p:cNvSpPr/>
+          <p:nvPr/>
+        </p:nvSpPr>
+        <p:spPr>
+          <a:xfrm>
+            <a:off x="4625672" y="4107924"/>
+            <a:ext cx="3474720" cy="457200"/>
+          </a:xfrm>
+          <a:prstGeom prst="roundRect">
+            <a:avLst/>
+          </a:prstGeom>
+        </p:spPr>
+        <p:style>
+          <a:lnRef idx="2">
+            <a:schemeClr val="accent1"/>
+          </a:lnRef>
+          <a:fillRef idx="1">
+            <a:schemeClr val="lt1"/>
+          </a:fillRef>
+          <a:effectRef idx="0">
+            <a:schemeClr val="accent1"/>
+          </a:effectRef>
+          <a:fontRef idx="minor">
+            <a:schemeClr val="dk1"/>
+          </a:fontRef>
+        </p:style>
+        <p:txBody>
+          <a:bodyPr rtlCol="0" anchor="ctr"/>
+          <a:lstStyle/>
+          <a:p>
+            <a:pPr algn="ctr"/>
+            <a:r>
+              <a:rPr lang="es-CO" sz="1300" b="1" dirty="0" smtClean="0"/>
+              <a:t>Tener el 100% de las funcionalidades del propietario desde web y desde móvil</a:t>
+            </a:r>
+            <a:endParaRPr lang="es-CO" sz="1300" b="1" dirty="0"/>
+          </a:p>
+        </p:txBody>
+      </p:sp>
+      <p:sp>
+        <p:nvSpPr>
+          <p:cNvPr id="13" name="Rounded Rectangle 12"/>
+          <p:cNvSpPr/>
+          <p:nvPr/>
+        </p:nvSpPr>
+        <p:spPr>
+          <a:xfrm>
+            <a:off x="4625672" y="4651984"/>
+            <a:ext cx="3474720" cy="457200"/>
+          </a:xfrm>
+          <a:prstGeom prst="roundRect">
+            <a:avLst/>
+          </a:prstGeom>
+        </p:spPr>
+        <p:style>
+          <a:lnRef idx="2">
+            <a:schemeClr val="accent1"/>
+          </a:lnRef>
+          <a:fillRef idx="1">
+            <a:schemeClr val="lt1"/>
+          </a:fillRef>
+          <a:effectRef idx="0">
+            <a:schemeClr val="accent1"/>
+          </a:effectRef>
+          <a:fontRef idx="minor">
+            <a:schemeClr val="dk1"/>
+          </a:fontRef>
+        </p:style>
+        <p:txBody>
+          <a:bodyPr rtlCol="0" anchor="ctr"/>
+          <a:lstStyle/>
+          <a:p>
+            <a:pPr algn="ctr"/>
+            <a:r>
+              <a:rPr lang="es-CO" sz="1300" b="1" dirty="0" smtClean="0"/>
+              <a:t>El 100% de las consultas críticas deben ejecutarse correctamente</a:t>
+            </a:r>
+            <a:endParaRPr lang="es-CO" sz="1300" b="1" dirty="0"/>
+          </a:p>
+        </p:txBody>
+      </p:sp>
+      <p:sp>
+        <p:nvSpPr>
+          <p:cNvPr id="14" name="Rounded Rectangle 13"/>
+          <p:cNvSpPr/>
+          <p:nvPr/>
+        </p:nvSpPr>
+        <p:spPr>
+          <a:xfrm>
+            <a:off x="4625672" y="5196044"/>
+            <a:ext cx="3474720" cy="457200"/>
+          </a:xfrm>
+          <a:prstGeom prst="roundRect">
+            <a:avLst/>
+          </a:prstGeom>
+        </p:spPr>
+        <p:style>
+          <a:lnRef idx="2">
+            <a:schemeClr val="accent1"/>
+          </a:lnRef>
+          <a:fillRef idx="1">
+            <a:schemeClr val="lt1"/>
+          </a:fillRef>
+          <a:effectRef idx="0">
+            <a:schemeClr val="accent1"/>
+          </a:effectRef>
+          <a:fontRef idx="minor">
+            <a:schemeClr val="dk1"/>
+          </a:fontRef>
+        </p:style>
+        <p:txBody>
+          <a:bodyPr rtlCol="0" anchor="ctr"/>
+          <a:lstStyle/>
+          <a:p>
+            <a:pPr algn="ctr"/>
+            <a:r>
+              <a:rPr lang="es-CO" sz="1300" b="1" dirty="0" smtClean="0"/>
+              <a:t>Al menos el 99% de las veces se debe detectar que un elemento sale de su área asignada</a:t>
+            </a:r>
+            <a:endParaRPr lang="es-CO" sz="1300" b="1" dirty="0"/>
+          </a:p>
+        </p:txBody>
+      </p:sp>
+      <p:sp>
+        <p:nvSpPr>
+          <p:cNvPr id="17" name="Rounded Rectangle 16"/>
+          <p:cNvSpPr/>
+          <p:nvPr/>
+        </p:nvSpPr>
+        <p:spPr>
+          <a:xfrm>
+            <a:off x="4625672" y="5740104"/>
+            <a:ext cx="3474720" cy="457200"/>
+          </a:xfrm>
+          <a:prstGeom prst="roundRect">
+            <a:avLst/>
+          </a:prstGeom>
+        </p:spPr>
+        <p:style>
+          <a:lnRef idx="2">
+            <a:schemeClr val="accent1"/>
+          </a:lnRef>
+          <a:fillRef idx="1">
+            <a:schemeClr val="lt1"/>
+          </a:fillRef>
+          <a:effectRef idx="0">
+            <a:schemeClr val="accent1"/>
+          </a:effectRef>
+          <a:fontRef idx="minor">
+            <a:schemeClr val="dk1"/>
+          </a:fontRef>
+        </p:style>
+        <p:txBody>
+          <a:bodyPr rtlCol="0" anchor="ctr"/>
+          <a:lstStyle/>
+          <a:p>
+            <a:pPr algn="ctr"/>
+            <a:r>
+              <a:rPr lang="es-CO" sz="1300" b="1" dirty="0" smtClean="0"/>
+              <a:t>Soportar hasta 900 viviendas adicionales sin cambios en software</a:t>
+            </a:r>
+            <a:endParaRPr lang="es-CO" sz="1300" b="1" dirty="0"/>
+          </a:p>
+        </p:txBody>
+      </p:sp>
+      <p:sp>
+        <p:nvSpPr>
+          <p:cNvPr id="18" name="Rounded Rectangle 17"/>
+          <p:cNvSpPr/>
+          <p:nvPr/>
+        </p:nvSpPr>
+        <p:spPr>
+          <a:xfrm>
+            <a:off x="4625672" y="6284168"/>
+            <a:ext cx="3474720" cy="457200"/>
+          </a:xfrm>
+          <a:prstGeom prst="roundRect">
+            <a:avLst/>
+          </a:prstGeom>
+        </p:spPr>
+        <p:style>
+          <a:lnRef idx="2">
+            <a:schemeClr val="accent1"/>
+          </a:lnRef>
+          <a:fillRef idx="1">
+            <a:schemeClr val="lt1"/>
+          </a:fillRef>
+          <a:effectRef idx="0">
+            <a:schemeClr val="accent1"/>
+          </a:effectRef>
+          <a:fontRef idx="minor">
+            <a:schemeClr val="dk1"/>
+          </a:fontRef>
+        </p:style>
+        <p:txBody>
+          <a:bodyPr rtlCol="0" anchor="ctr"/>
+          <a:lstStyle/>
+          <a:p>
+            <a:pPr algn="ctr"/>
+            <a:r>
+              <a:rPr lang="es-CO" sz="1300" b="1" dirty="0" smtClean="0"/>
+              <a:t>El 100% de las consultas resultan la información correcta</a:t>
+            </a:r>
+            <a:endParaRPr lang="es-CO" sz="1300" b="1" dirty="0"/>
+          </a:p>
+        </p:txBody>
+      </p:sp>
+      <p:sp>
+        <p:nvSpPr>
+          <p:cNvPr id="41" name="TextBox 40"/>
+          <p:cNvSpPr txBox="1"/>
+          <p:nvPr/>
+        </p:nvSpPr>
+        <p:spPr>
+          <a:xfrm>
+            <a:off x="8172400" y="1407056"/>
+            <a:ext cx="365760" cy="365760"/>
+          </a:xfrm>
+          <a:prstGeom prst="ellipse">
+            <a:avLst/>
+          </a:prstGeom>
+        </p:spPr>
+        <p:style>
+          <a:lnRef idx="1">
+            <a:schemeClr val="accent1"/>
+          </a:lnRef>
+          <a:fillRef idx="3">
+            <a:schemeClr val="accent1"/>
+          </a:fillRef>
+          <a:effectRef idx="2">
+            <a:schemeClr val="accent1"/>
+          </a:effectRef>
+          <a:fontRef idx="minor">
+            <a:schemeClr val="lt1"/>
+          </a:fontRef>
+        </p:style>
+        <p:txBody>
+          <a:bodyPr wrap="square" rtlCol="0" anchor="ctr">
+            <a:spAutoFit/>
+          </a:bodyPr>
+          <a:lstStyle/>
+          <a:p>
+            <a:pPr algn="ctr"/>
+            <a:r>
+              <a:rPr lang="es-CO" b="1" dirty="0" smtClean="0">
+                <a:solidFill>
+                  <a:schemeClr val="bg1"/>
+                </a:solidFill>
+                <a:effectLst>
+                  <a:outerShdw blurRad="38100" dist="38100" dir="2700000" algn="tl">
+                    <a:srgbClr val="000000">
+                      <a:alpha val="43137"/>
+                    </a:srgbClr>
+                  </a:outerShdw>
+                </a:effectLst>
+              </a:rPr>
+              <a:t>M</a:t>
+            </a:r>
+            <a:endParaRPr lang="es-CO" b="1" dirty="0">
+              <a:solidFill>
+                <a:schemeClr val="bg1"/>
+              </a:solidFill>
+              <a:effectLst>
+                <a:outerShdw blurRad="38100" dist="38100" dir="2700000" algn="tl">
+                  <a:srgbClr val="000000">
+                    <a:alpha val="43137"/>
+                  </a:srgbClr>
+                </a:outerShdw>
+              </a:effectLst>
+            </a:endParaRPr>
+          </a:p>
+        </p:txBody>
+      </p:sp>
+      <p:sp>
+        <p:nvSpPr>
+          <p:cNvPr id="43" name="TextBox 42"/>
+          <p:cNvSpPr txBox="1"/>
+          <p:nvPr/>
+        </p:nvSpPr>
+        <p:spPr>
+          <a:xfrm>
+            <a:off x="8172400" y="3583296"/>
+            <a:ext cx="365760" cy="365760"/>
+          </a:xfrm>
+          <a:prstGeom prst="ellipse">
+            <a:avLst/>
+          </a:prstGeom>
+        </p:spPr>
+        <p:style>
+          <a:lnRef idx="1">
+            <a:schemeClr val="accent2"/>
+          </a:lnRef>
+          <a:fillRef idx="3">
+            <a:schemeClr val="accent2"/>
+          </a:fillRef>
+          <a:effectRef idx="2">
+            <a:schemeClr val="accent2"/>
+          </a:effectRef>
+          <a:fontRef idx="minor">
+            <a:schemeClr val="lt1"/>
+          </a:fontRef>
+        </p:style>
+        <p:txBody>
+          <a:bodyPr wrap="square" rtlCol="0" anchor="ctr">
+            <a:spAutoFit/>
+          </a:bodyPr>
+          <a:lstStyle/>
+          <a:p>
+            <a:pPr algn="ctr"/>
+            <a:r>
+              <a:rPr lang="es-CO" b="1" dirty="0" smtClean="0">
+                <a:solidFill>
+                  <a:schemeClr val="bg1"/>
+                </a:solidFill>
+                <a:effectLst>
+                  <a:outerShdw blurRad="38100" dist="38100" dir="2700000" algn="tl">
+                    <a:srgbClr val="000000">
+                      <a:alpha val="43137"/>
+                    </a:srgbClr>
+                  </a:outerShdw>
+                </a:effectLst>
+              </a:rPr>
+              <a:t>A</a:t>
+            </a:r>
+            <a:endParaRPr lang="es-CO" b="1" dirty="0">
+              <a:solidFill>
+                <a:schemeClr val="bg1"/>
+              </a:solidFill>
+              <a:effectLst>
+                <a:outerShdw blurRad="38100" dist="38100" dir="2700000" algn="tl">
+                  <a:srgbClr val="000000">
+                    <a:alpha val="43137"/>
+                  </a:srgbClr>
+                </a:outerShdw>
+              </a:effectLst>
+            </a:endParaRPr>
+          </a:p>
+        </p:txBody>
+      </p:sp>
+      <p:sp>
+        <p:nvSpPr>
+          <p:cNvPr id="45" name="TextBox 44"/>
+          <p:cNvSpPr txBox="1"/>
+          <p:nvPr/>
+        </p:nvSpPr>
+        <p:spPr>
+          <a:xfrm>
+            <a:off x="8172400" y="1951116"/>
+            <a:ext cx="365760" cy="365760"/>
+          </a:xfrm>
+          <a:prstGeom prst="ellipse">
+            <a:avLst/>
+          </a:prstGeom>
+        </p:spPr>
+        <p:style>
+          <a:lnRef idx="1">
+            <a:schemeClr val="accent2"/>
+          </a:lnRef>
+          <a:fillRef idx="3">
+            <a:schemeClr val="accent2"/>
+          </a:fillRef>
+          <a:effectRef idx="2">
+            <a:schemeClr val="accent2"/>
+          </a:effectRef>
+          <a:fontRef idx="minor">
+            <a:schemeClr val="lt1"/>
+          </a:fontRef>
+        </p:style>
+        <p:txBody>
+          <a:bodyPr wrap="square" rtlCol="0" anchor="ctr">
+            <a:spAutoFit/>
+          </a:bodyPr>
+          <a:lstStyle/>
+          <a:p>
+            <a:pPr algn="ctr"/>
+            <a:r>
+              <a:rPr lang="es-CO" b="1" dirty="0" smtClean="0">
+                <a:solidFill>
+                  <a:schemeClr val="bg1"/>
+                </a:solidFill>
+                <a:effectLst>
+                  <a:outerShdw blurRad="38100" dist="38100" dir="2700000" algn="tl">
+                    <a:srgbClr val="000000">
+                      <a:alpha val="43137"/>
+                    </a:srgbClr>
+                  </a:outerShdw>
+                </a:effectLst>
+              </a:rPr>
+              <a:t>A</a:t>
+            </a:r>
+            <a:endParaRPr lang="es-CO" b="1" dirty="0">
+              <a:solidFill>
+                <a:schemeClr val="bg1"/>
+              </a:solidFill>
+              <a:effectLst>
+                <a:outerShdw blurRad="38100" dist="38100" dir="2700000" algn="tl">
+                  <a:srgbClr val="000000">
+                    <a:alpha val="43137"/>
+                  </a:srgbClr>
+                </a:outerShdw>
+              </a:effectLst>
+            </a:endParaRPr>
+          </a:p>
+        </p:txBody>
+      </p:sp>
+      <p:sp>
+        <p:nvSpPr>
+          <p:cNvPr id="46" name="TextBox 45"/>
+          <p:cNvSpPr txBox="1"/>
+          <p:nvPr/>
+        </p:nvSpPr>
+        <p:spPr>
+          <a:xfrm>
+            <a:off x="8172400" y="4127356"/>
+            <a:ext cx="365760" cy="365760"/>
+          </a:xfrm>
+          <a:prstGeom prst="ellipse">
+            <a:avLst/>
+          </a:prstGeom>
+        </p:spPr>
+        <p:style>
+          <a:lnRef idx="1">
+            <a:schemeClr val="accent1"/>
+          </a:lnRef>
+          <a:fillRef idx="3">
+            <a:schemeClr val="accent1"/>
+          </a:fillRef>
+          <a:effectRef idx="2">
+            <a:schemeClr val="accent1"/>
+          </a:effectRef>
+          <a:fontRef idx="minor">
+            <a:schemeClr val="lt1"/>
+          </a:fontRef>
+        </p:style>
+        <p:txBody>
+          <a:bodyPr wrap="square" rtlCol="0" anchor="ctr">
+            <a:spAutoFit/>
+          </a:bodyPr>
+          <a:lstStyle/>
+          <a:p>
+            <a:pPr algn="ctr"/>
+            <a:r>
+              <a:rPr lang="es-CO" b="1" dirty="0" smtClean="0">
+                <a:solidFill>
+                  <a:schemeClr val="bg1"/>
+                </a:solidFill>
+                <a:effectLst>
+                  <a:outerShdw blurRad="38100" dist="38100" dir="2700000" algn="tl">
+                    <a:srgbClr val="000000">
+                      <a:alpha val="43137"/>
+                    </a:srgbClr>
+                  </a:outerShdw>
+                </a:effectLst>
+              </a:rPr>
+              <a:t>M</a:t>
+            </a:r>
+            <a:endParaRPr lang="es-CO" b="1" dirty="0">
+              <a:solidFill>
+                <a:schemeClr val="bg1"/>
+              </a:solidFill>
+              <a:effectLst>
+                <a:outerShdw blurRad="38100" dist="38100" dir="2700000" algn="tl">
+                  <a:srgbClr val="000000">
+                    <a:alpha val="43137"/>
+                  </a:srgbClr>
+                </a:outerShdw>
+              </a:effectLst>
+            </a:endParaRPr>
+          </a:p>
+        </p:txBody>
+      </p:sp>
+      <p:sp>
+        <p:nvSpPr>
+          <p:cNvPr id="47" name="TextBox 46"/>
+          <p:cNvSpPr txBox="1"/>
+          <p:nvPr/>
+        </p:nvSpPr>
+        <p:spPr>
+          <a:xfrm>
+            <a:off x="8172400" y="5759536"/>
+            <a:ext cx="365760" cy="365760"/>
+          </a:xfrm>
+          <a:prstGeom prst="ellipse">
+            <a:avLst/>
+          </a:prstGeom>
+        </p:spPr>
+        <p:style>
+          <a:lnRef idx="1">
+            <a:schemeClr val="accent1"/>
+          </a:lnRef>
+          <a:fillRef idx="3">
+            <a:schemeClr val="accent1"/>
+          </a:fillRef>
+          <a:effectRef idx="2">
+            <a:schemeClr val="accent1"/>
+          </a:effectRef>
+          <a:fontRef idx="minor">
+            <a:schemeClr val="lt1"/>
+          </a:fontRef>
+        </p:style>
+        <p:txBody>
+          <a:bodyPr wrap="square" rtlCol="0" anchor="ctr">
+            <a:spAutoFit/>
+          </a:bodyPr>
+          <a:lstStyle/>
+          <a:p>
+            <a:pPr algn="ctr"/>
+            <a:r>
+              <a:rPr lang="es-CO" b="1" dirty="0" smtClean="0">
+                <a:solidFill>
+                  <a:schemeClr val="bg1"/>
+                </a:solidFill>
+                <a:effectLst>
+                  <a:outerShdw blurRad="38100" dist="38100" dir="2700000" algn="tl">
+                    <a:srgbClr val="000000">
+                      <a:alpha val="43137"/>
+                    </a:srgbClr>
+                  </a:outerShdw>
+                </a:effectLst>
+              </a:rPr>
+              <a:t>M</a:t>
+            </a:r>
+            <a:endParaRPr lang="es-CO" b="1" dirty="0">
+              <a:solidFill>
+                <a:schemeClr val="bg1"/>
+              </a:solidFill>
+              <a:effectLst>
+                <a:outerShdw blurRad="38100" dist="38100" dir="2700000" algn="tl">
+                  <a:srgbClr val="000000">
+                    <a:alpha val="43137"/>
+                  </a:srgbClr>
+                </a:outerShdw>
+              </a:effectLst>
+            </a:endParaRPr>
+          </a:p>
+        </p:txBody>
+      </p:sp>
+      <p:sp>
+        <p:nvSpPr>
+          <p:cNvPr id="48" name="TextBox 47"/>
+          <p:cNvSpPr txBox="1"/>
+          <p:nvPr/>
+        </p:nvSpPr>
+        <p:spPr>
+          <a:xfrm>
+            <a:off x="8172400" y="6303600"/>
+            <a:ext cx="365760" cy="365760"/>
+          </a:xfrm>
+          <a:prstGeom prst="ellipse">
+            <a:avLst/>
+          </a:prstGeom>
+        </p:spPr>
+        <p:style>
+          <a:lnRef idx="1">
+            <a:schemeClr val="accent1"/>
+          </a:lnRef>
+          <a:fillRef idx="3">
+            <a:schemeClr val="accent1"/>
+          </a:fillRef>
+          <a:effectRef idx="2">
+            <a:schemeClr val="accent1"/>
+          </a:effectRef>
+          <a:fontRef idx="minor">
+            <a:schemeClr val="lt1"/>
+          </a:fontRef>
+        </p:style>
+        <p:txBody>
+          <a:bodyPr wrap="square" rtlCol="0" anchor="ctr">
+            <a:spAutoFit/>
+          </a:bodyPr>
+          <a:lstStyle/>
+          <a:p>
+            <a:pPr algn="ctr"/>
+            <a:r>
+              <a:rPr lang="es-CO" b="1" dirty="0" smtClean="0">
+                <a:solidFill>
+                  <a:schemeClr val="bg1"/>
+                </a:solidFill>
+                <a:effectLst>
+                  <a:outerShdw blurRad="38100" dist="38100" dir="2700000" algn="tl">
+                    <a:srgbClr val="000000">
+                      <a:alpha val="43137"/>
+                    </a:srgbClr>
+                  </a:outerShdw>
+                </a:effectLst>
+              </a:rPr>
+              <a:t>M</a:t>
+            </a:r>
+            <a:endParaRPr lang="es-CO" b="1" dirty="0">
+              <a:solidFill>
+                <a:schemeClr val="bg1"/>
+              </a:solidFill>
+              <a:effectLst>
+                <a:outerShdw blurRad="38100" dist="38100" dir="2700000" algn="tl">
+                  <a:srgbClr val="000000">
+                    <a:alpha val="43137"/>
+                  </a:srgbClr>
+                </a:outerShdw>
+              </a:effectLst>
+            </a:endParaRPr>
+          </a:p>
+        </p:txBody>
+      </p:sp>
+      <p:sp>
+        <p:nvSpPr>
+          <p:cNvPr id="49" name="TextBox 48"/>
+          <p:cNvSpPr txBox="1"/>
+          <p:nvPr/>
+        </p:nvSpPr>
+        <p:spPr>
+          <a:xfrm>
+            <a:off x="8172400" y="2495176"/>
+            <a:ext cx="365760" cy="365760"/>
+          </a:xfrm>
+          <a:prstGeom prst="ellipse">
+            <a:avLst/>
+          </a:prstGeom>
+        </p:spPr>
+        <p:style>
+          <a:lnRef idx="1">
+            <a:schemeClr val="accent1"/>
+          </a:lnRef>
+          <a:fillRef idx="3">
+            <a:schemeClr val="accent1"/>
+          </a:fillRef>
+          <a:effectRef idx="2">
+            <a:schemeClr val="accent1"/>
+          </a:effectRef>
+          <a:fontRef idx="minor">
+            <a:schemeClr val="lt1"/>
+          </a:fontRef>
+        </p:style>
+        <p:txBody>
+          <a:bodyPr wrap="square" rtlCol="0" anchor="ctr">
+            <a:spAutoFit/>
+          </a:bodyPr>
+          <a:lstStyle/>
+          <a:p>
+            <a:pPr algn="ctr"/>
+            <a:r>
+              <a:rPr lang="es-CO" b="1" dirty="0" smtClean="0">
+                <a:solidFill>
+                  <a:schemeClr val="bg1"/>
+                </a:solidFill>
+                <a:effectLst>
+                  <a:outerShdw blurRad="38100" dist="38100" dir="2700000" algn="tl">
+                    <a:srgbClr val="000000">
+                      <a:alpha val="43137"/>
+                    </a:srgbClr>
+                  </a:outerShdw>
+                </a:effectLst>
+              </a:rPr>
+              <a:t>M</a:t>
+            </a:r>
+            <a:endParaRPr lang="es-CO" b="1" dirty="0">
+              <a:solidFill>
+                <a:schemeClr val="bg1"/>
+              </a:solidFill>
+              <a:effectLst>
+                <a:outerShdw blurRad="38100" dist="38100" dir="2700000" algn="tl">
+                  <a:srgbClr val="000000">
+                    <a:alpha val="43137"/>
+                  </a:srgbClr>
+                </a:outerShdw>
+              </a:effectLst>
+            </a:endParaRPr>
+          </a:p>
+        </p:txBody>
+      </p:sp>
+      <p:sp>
+        <p:nvSpPr>
+          <p:cNvPr id="50" name="TextBox 49"/>
+          <p:cNvSpPr txBox="1"/>
+          <p:nvPr/>
+        </p:nvSpPr>
+        <p:spPr>
+          <a:xfrm>
+            <a:off x="8172400" y="4671416"/>
+            <a:ext cx="365760" cy="365760"/>
+          </a:xfrm>
+          <a:prstGeom prst="ellipse">
+            <a:avLst/>
+          </a:prstGeom>
+        </p:spPr>
+        <p:style>
+          <a:lnRef idx="1">
+            <a:schemeClr val="accent1"/>
+          </a:lnRef>
+          <a:fillRef idx="3">
+            <a:schemeClr val="accent1"/>
+          </a:fillRef>
+          <a:effectRef idx="2">
+            <a:schemeClr val="accent1"/>
+          </a:effectRef>
+          <a:fontRef idx="minor">
+            <a:schemeClr val="lt1"/>
+          </a:fontRef>
+        </p:style>
+        <p:txBody>
+          <a:bodyPr wrap="square" rtlCol="0" anchor="ctr">
+            <a:spAutoFit/>
+          </a:bodyPr>
+          <a:lstStyle/>
+          <a:p>
+            <a:pPr algn="ctr"/>
+            <a:r>
+              <a:rPr lang="es-CO" b="1" dirty="0" smtClean="0">
+                <a:solidFill>
+                  <a:schemeClr val="bg1"/>
+                </a:solidFill>
+                <a:effectLst>
+                  <a:outerShdw blurRad="38100" dist="38100" dir="2700000" algn="tl">
+                    <a:srgbClr val="000000">
+                      <a:alpha val="43137"/>
+                    </a:srgbClr>
+                  </a:outerShdw>
+                </a:effectLst>
+              </a:rPr>
+              <a:t>M</a:t>
+            </a:r>
+            <a:endParaRPr lang="es-CO" b="1" dirty="0">
+              <a:solidFill>
+                <a:schemeClr val="bg1"/>
+              </a:solidFill>
+              <a:effectLst>
+                <a:outerShdw blurRad="38100" dist="38100" dir="2700000" algn="tl">
+                  <a:srgbClr val="000000">
+                    <a:alpha val="43137"/>
+                  </a:srgbClr>
+                </a:outerShdw>
+              </a:effectLst>
+            </a:endParaRPr>
+          </a:p>
+        </p:txBody>
+      </p:sp>
+      <p:sp>
+        <p:nvSpPr>
+          <p:cNvPr id="51" name="TextBox 50"/>
+          <p:cNvSpPr txBox="1"/>
+          <p:nvPr/>
+        </p:nvSpPr>
+        <p:spPr>
+          <a:xfrm>
+            <a:off x="8172400" y="3039236"/>
+            <a:ext cx="365760" cy="365760"/>
+          </a:xfrm>
+          <a:prstGeom prst="ellipse">
+            <a:avLst/>
+          </a:prstGeom>
+        </p:spPr>
+        <p:style>
+          <a:lnRef idx="1">
+            <a:schemeClr val="accent1"/>
+          </a:lnRef>
+          <a:fillRef idx="3">
+            <a:schemeClr val="accent1"/>
+          </a:fillRef>
+          <a:effectRef idx="2">
+            <a:schemeClr val="accent1"/>
+          </a:effectRef>
+          <a:fontRef idx="minor">
+            <a:schemeClr val="lt1"/>
+          </a:fontRef>
+        </p:style>
+        <p:txBody>
+          <a:bodyPr wrap="square" rtlCol="0" anchor="ctr">
+            <a:spAutoFit/>
+          </a:bodyPr>
+          <a:lstStyle/>
+          <a:p>
+            <a:pPr algn="ctr"/>
+            <a:r>
+              <a:rPr lang="es-CO" b="1" dirty="0" smtClean="0">
+                <a:solidFill>
+                  <a:schemeClr val="bg1"/>
+                </a:solidFill>
+                <a:effectLst>
+                  <a:outerShdw blurRad="38100" dist="38100" dir="2700000" algn="tl">
+                    <a:srgbClr val="000000">
+                      <a:alpha val="43137"/>
+                    </a:srgbClr>
+                  </a:outerShdw>
+                </a:effectLst>
+              </a:rPr>
+              <a:t>M</a:t>
+            </a:r>
+            <a:endParaRPr lang="es-CO" b="1" dirty="0">
+              <a:solidFill>
+                <a:schemeClr val="bg1"/>
+              </a:solidFill>
+              <a:effectLst>
+                <a:outerShdw blurRad="38100" dist="38100" dir="2700000" algn="tl">
+                  <a:srgbClr val="000000">
+                    <a:alpha val="43137"/>
+                  </a:srgbClr>
+                </a:outerShdw>
+              </a:effectLst>
+            </a:endParaRPr>
+          </a:p>
+        </p:txBody>
+      </p:sp>
+      <p:sp>
+        <p:nvSpPr>
+          <p:cNvPr id="52" name="TextBox 51"/>
+          <p:cNvSpPr txBox="1"/>
+          <p:nvPr/>
+        </p:nvSpPr>
+        <p:spPr>
+          <a:xfrm>
+            <a:off x="8172400" y="5215476"/>
+            <a:ext cx="365760" cy="365760"/>
+          </a:xfrm>
+          <a:prstGeom prst="ellipse">
+            <a:avLst/>
+          </a:prstGeom>
+        </p:spPr>
+        <p:style>
+          <a:lnRef idx="1">
+            <a:schemeClr val="accent2"/>
+          </a:lnRef>
+          <a:fillRef idx="3">
+            <a:schemeClr val="accent2"/>
+          </a:fillRef>
+          <a:effectRef idx="2">
+            <a:schemeClr val="accent2"/>
+          </a:effectRef>
+          <a:fontRef idx="minor">
+            <a:schemeClr val="lt1"/>
+          </a:fontRef>
+        </p:style>
+        <p:txBody>
+          <a:bodyPr wrap="square" rtlCol="0" anchor="ctr">
+            <a:spAutoFit/>
+          </a:bodyPr>
+          <a:lstStyle/>
+          <a:p>
+            <a:pPr algn="ctr"/>
+            <a:r>
+              <a:rPr lang="es-CO" b="1" dirty="0" smtClean="0">
+                <a:solidFill>
+                  <a:schemeClr val="bg1"/>
+                </a:solidFill>
+                <a:effectLst>
+                  <a:outerShdw blurRad="38100" dist="38100" dir="2700000" algn="tl">
+                    <a:srgbClr val="000000">
+                      <a:alpha val="43137"/>
+                    </a:srgbClr>
+                  </a:outerShdw>
+                </a:effectLst>
+              </a:rPr>
+              <a:t>A</a:t>
+            </a:r>
+            <a:endParaRPr lang="es-CO" b="1" dirty="0">
+              <a:solidFill>
+                <a:schemeClr val="bg1"/>
+              </a:solidFill>
+              <a:effectLst>
+                <a:outerShdw blurRad="38100" dist="38100" dir="2700000" algn="tl">
+                  <a:srgbClr val="000000">
+                    <a:alpha val="43137"/>
+                  </a:srgbClr>
+                </a:outerShdw>
+              </a:effectLst>
+            </a:endParaRPr>
+          </a:p>
+        </p:txBody>
+      </p:sp>
+      <p:sp>
+        <p:nvSpPr>
+          <p:cNvPr id="54" name="Rounded Rectangle 53"/>
+          <p:cNvSpPr/>
+          <p:nvPr/>
+        </p:nvSpPr>
+        <p:spPr>
+          <a:xfrm>
+            <a:off x="8604448" y="980728"/>
+            <a:ext cx="360040" cy="360040"/>
+          </a:xfrm>
+          <a:prstGeom prst="roundRect">
+            <a:avLst/>
+          </a:prstGeom>
+        </p:spPr>
+        <p:style>
+          <a:lnRef idx="1">
+            <a:schemeClr val="dk1"/>
+          </a:lnRef>
+          <a:fillRef idx="2">
+            <a:schemeClr val="dk1"/>
+          </a:fillRef>
+          <a:effectRef idx="1">
+            <a:schemeClr val="dk1"/>
+          </a:effectRef>
+          <a:fontRef idx="minor">
+            <a:schemeClr val="dk1"/>
+          </a:fontRef>
+        </p:style>
+        <p:txBody>
+          <a:bodyPr rtlCol="0" anchor="t"/>
+          <a:lstStyle/>
+          <a:p>
+            <a:pPr algn="ctr"/>
+            <a:r>
+              <a:rPr lang="es-CO" sz="1600" b="1" dirty="0" smtClean="0">
+                <a:effectLst>
+                  <a:outerShdw blurRad="38100" dist="38100" dir="2700000" algn="tl">
+                    <a:srgbClr val="000000">
+                      <a:alpha val="43137"/>
+                    </a:srgbClr>
+                  </a:outerShdw>
+                </a:effectLst>
+              </a:rPr>
+              <a:t>A</a:t>
+            </a:r>
+            <a:endParaRPr lang="es-CO" sz="1600" b="1" dirty="0">
+              <a:effectLst>
+                <a:outerShdw blurRad="38100" dist="38100" dir="2700000" algn="tl">
+                  <a:srgbClr val="000000">
+                    <a:alpha val="43137"/>
+                  </a:srgbClr>
+                </a:outerShdw>
+              </a:effectLst>
+            </a:endParaRPr>
+          </a:p>
+        </p:txBody>
+      </p:sp>
+      <p:sp>
+        <p:nvSpPr>
+          <p:cNvPr id="55" name="TextBox 54"/>
+          <p:cNvSpPr txBox="1"/>
+          <p:nvPr/>
+        </p:nvSpPr>
+        <p:spPr>
+          <a:xfrm>
+            <a:off x="8604448" y="1407056"/>
+            <a:ext cx="365760" cy="365760"/>
+          </a:xfrm>
+          <a:prstGeom prst="ellipse">
+            <a:avLst/>
+          </a:prstGeom>
+        </p:spPr>
+        <p:style>
+          <a:lnRef idx="1">
+            <a:schemeClr val="accent2"/>
+          </a:lnRef>
+          <a:fillRef idx="3">
+            <a:schemeClr val="accent2"/>
+          </a:fillRef>
+          <a:effectRef idx="2">
+            <a:schemeClr val="accent2"/>
+          </a:effectRef>
+          <a:fontRef idx="minor">
+            <a:schemeClr val="lt1"/>
+          </a:fontRef>
+        </p:style>
+        <p:txBody>
+          <a:bodyPr wrap="square" rtlCol="0" anchor="ctr">
+            <a:spAutoFit/>
+          </a:bodyPr>
+          <a:lstStyle/>
+          <a:p>
+            <a:pPr algn="ctr"/>
+            <a:r>
+              <a:rPr lang="es-CO" b="1" dirty="0" smtClean="0">
+                <a:solidFill>
+                  <a:schemeClr val="bg1"/>
+                </a:solidFill>
+                <a:effectLst>
+                  <a:outerShdw blurRad="38100" dist="38100" dir="2700000" algn="tl">
+                    <a:srgbClr val="000000">
+                      <a:alpha val="43137"/>
+                    </a:srgbClr>
+                  </a:outerShdw>
+                </a:effectLst>
+              </a:rPr>
+              <a:t>A</a:t>
+            </a:r>
+            <a:endParaRPr lang="es-CO" b="1" dirty="0">
+              <a:solidFill>
+                <a:schemeClr val="bg1"/>
+              </a:solidFill>
+              <a:effectLst>
+                <a:outerShdw blurRad="38100" dist="38100" dir="2700000" algn="tl">
+                  <a:srgbClr val="000000">
+                    <a:alpha val="43137"/>
+                  </a:srgbClr>
+                </a:outerShdw>
+              </a:effectLst>
+            </a:endParaRPr>
+          </a:p>
+        </p:txBody>
+      </p:sp>
+      <p:sp>
+        <p:nvSpPr>
+          <p:cNvPr id="56" name="TextBox 55"/>
+          <p:cNvSpPr txBox="1"/>
+          <p:nvPr/>
+        </p:nvSpPr>
+        <p:spPr>
+          <a:xfrm>
+            <a:off x="8604448" y="3583296"/>
+            <a:ext cx="365760" cy="365760"/>
+          </a:xfrm>
+          <a:prstGeom prst="ellipse">
+            <a:avLst/>
+          </a:prstGeom>
+        </p:spPr>
+        <p:style>
+          <a:lnRef idx="1">
+            <a:schemeClr val="accent2"/>
+          </a:lnRef>
+          <a:fillRef idx="3">
+            <a:schemeClr val="accent2"/>
+          </a:fillRef>
+          <a:effectRef idx="2">
+            <a:schemeClr val="accent2"/>
+          </a:effectRef>
+          <a:fontRef idx="minor">
+            <a:schemeClr val="lt1"/>
+          </a:fontRef>
+        </p:style>
+        <p:txBody>
+          <a:bodyPr wrap="square" rtlCol="0" anchor="ctr">
+            <a:spAutoFit/>
+          </a:bodyPr>
+          <a:lstStyle/>
+          <a:p>
+            <a:pPr algn="ctr"/>
+            <a:r>
+              <a:rPr lang="es-CO" b="1" dirty="0" smtClean="0">
+                <a:solidFill>
+                  <a:schemeClr val="bg1"/>
+                </a:solidFill>
+                <a:effectLst>
+                  <a:outerShdw blurRad="38100" dist="38100" dir="2700000" algn="tl">
+                    <a:srgbClr val="000000">
+                      <a:alpha val="43137"/>
+                    </a:srgbClr>
+                  </a:outerShdw>
+                </a:effectLst>
+              </a:rPr>
+              <a:t>A</a:t>
+            </a:r>
+            <a:endParaRPr lang="es-CO" b="1" dirty="0">
+              <a:solidFill>
+                <a:schemeClr val="bg1"/>
+              </a:solidFill>
+              <a:effectLst>
+                <a:outerShdw blurRad="38100" dist="38100" dir="2700000" algn="tl">
+                  <a:srgbClr val="000000">
+                    <a:alpha val="43137"/>
+                  </a:srgbClr>
+                </a:outerShdw>
+              </a:effectLst>
+            </a:endParaRPr>
+          </a:p>
+        </p:txBody>
+      </p:sp>
+      <p:sp>
+        <p:nvSpPr>
+          <p:cNvPr id="57" name="TextBox 56"/>
+          <p:cNvSpPr txBox="1"/>
+          <p:nvPr/>
+        </p:nvSpPr>
+        <p:spPr>
+          <a:xfrm>
+            <a:off x="8604448" y="1951116"/>
+            <a:ext cx="365760" cy="365760"/>
+          </a:xfrm>
+          <a:prstGeom prst="ellipse">
+            <a:avLst/>
+          </a:prstGeom>
+        </p:spPr>
+        <p:style>
+          <a:lnRef idx="1">
+            <a:schemeClr val="accent2"/>
+          </a:lnRef>
+          <a:fillRef idx="3">
+            <a:schemeClr val="accent2"/>
+          </a:fillRef>
+          <a:effectRef idx="2">
+            <a:schemeClr val="accent2"/>
+          </a:effectRef>
+          <a:fontRef idx="minor">
+            <a:schemeClr val="lt1"/>
+          </a:fontRef>
+        </p:style>
+        <p:txBody>
+          <a:bodyPr wrap="square" rtlCol="0" anchor="ctr">
+            <a:spAutoFit/>
+          </a:bodyPr>
+          <a:lstStyle/>
+          <a:p>
+            <a:pPr algn="ctr"/>
+            <a:r>
+              <a:rPr lang="es-CO" b="1" dirty="0" smtClean="0">
+                <a:solidFill>
+                  <a:schemeClr val="bg1"/>
+                </a:solidFill>
+                <a:effectLst>
+                  <a:outerShdw blurRad="38100" dist="38100" dir="2700000" algn="tl">
+                    <a:srgbClr val="000000">
+                      <a:alpha val="43137"/>
+                    </a:srgbClr>
+                  </a:outerShdw>
+                </a:effectLst>
+              </a:rPr>
+              <a:t>A</a:t>
+            </a:r>
+            <a:endParaRPr lang="es-CO" b="1" dirty="0">
+              <a:solidFill>
+                <a:schemeClr val="bg1"/>
+              </a:solidFill>
+              <a:effectLst>
+                <a:outerShdw blurRad="38100" dist="38100" dir="2700000" algn="tl">
+                  <a:srgbClr val="000000">
+                    <a:alpha val="43137"/>
+                  </a:srgbClr>
+                </a:outerShdw>
+              </a:effectLst>
+            </a:endParaRPr>
+          </a:p>
+        </p:txBody>
+      </p:sp>
+      <p:sp>
+        <p:nvSpPr>
+          <p:cNvPr id="58" name="TextBox 57"/>
+          <p:cNvSpPr txBox="1"/>
+          <p:nvPr/>
+        </p:nvSpPr>
+        <p:spPr>
+          <a:xfrm>
+            <a:off x="8604448" y="4127356"/>
+            <a:ext cx="365760" cy="365760"/>
+          </a:xfrm>
+          <a:prstGeom prst="ellipse">
+            <a:avLst/>
+          </a:prstGeom>
+        </p:spPr>
+        <p:style>
+          <a:lnRef idx="1">
+            <a:schemeClr val="accent2"/>
+          </a:lnRef>
+          <a:fillRef idx="3">
+            <a:schemeClr val="accent2"/>
+          </a:fillRef>
+          <a:effectRef idx="2">
+            <a:schemeClr val="accent2"/>
+          </a:effectRef>
+          <a:fontRef idx="minor">
+            <a:schemeClr val="lt1"/>
+          </a:fontRef>
+        </p:style>
+        <p:txBody>
+          <a:bodyPr wrap="square" rtlCol="0" anchor="ctr">
+            <a:spAutoFit/>
+          </a:bodyPr>
+          <a:lstStyle/>
+          <a:p>
+            <a:pPr algn="ctr"/>
+            <a:r>
+              <a:rPr lang="es-CO" b="1" dirty="0" smtClean="0">
+                <a:solidFill>
+                  <a:schemeClr val="bg1"/>
+                </a:solidFill>
+                <a:effectLst>
+                  <a:outerShdw blurRad="38100" dist="38100" dir="2700000" algn="tl">
+                    <a:srgbClr val="000000">
+                      <a:alpha val="43137"/>
+                    </a:srgbClr>
+                  </a:outerShdw>
+                </a:effectLst>
+              </a:rPr>
+              <a:t>A</a:t>
+            </a:r>
+            <a:endParaRPr lang="es-CO" b="1" dirty="0">
+              <a:solidFill>
+                <a:schemeClr val="bg1"/>
+              </a:solidFill>
+              <a:effectLst>
+                <a:outerShdw blurRad="38100" dist="38100" dir="2700000" algn="tl">
+                  <a:srgbClr val="000000">
+                    <a:alpha val="43137"/>
+                  </a:srgbClr>
+                </a:outerShdw>
+              </a:effectLst>
+            </a:endParaRPr>
+          </a:p>
+        </p:txBody>
+      </p:sp>
+      <p:sp>
+        <p:nvSpPr>
+          <p:cNvPr id="59" name="TextBox 58"/>
+          <p:cNvSpPr txBox="1"/>
+          <p:nvPr/>
+        </p:nvSpPr>
+        <p:spPr>
+          <a:xfrm>
+            <a:off x="8604448" y="5759536"/>
+            <a:ext cx="365760" cy="365760"/>
+          </a:xfrm>
+          <a:prstGeom prst="ellipse">
+            <a:avLst/>
+          </a:prstGeom>
+        </p:spPr>
+        <p:style>
+          <a:lnRef idx="1">
+            <a:schemeClr val="accent2"/>
+          </a:lnRef>
+          <a:fillRef idx="3">
+            <a:schemeClr val="accent2"/>
+          </a:fillRef>
+          <a:effectRef idx="2">
+            <a:schemeClr val="accent2"/>
+          </a:effectRef>
+          <a:fontRef idx="minor">
+            <a:schemeClr val="lt1"/>
+          </a:fontRef>
+        </p:style>
+        <p:txBody>
+          <a:bodyPr wrap="square" rtlCol="0" anchor="ctr">
+            <a:spAutoFit/>
+          </a:bodyPr>
+          <a:lstStyle/>
+          <a:p>
+            <a:pPr algn="ctr"/>
+            <a:r>
+              <a:rPr lang="es-CO" b="1" dirty="0" smtClean="0">
+                <a:solidFill>
+                  <a:schemeClr val="bg1"/>
+                </a:solidFill>
+                <a:effectLst>
+                  <a:outerShdw blurRad="38100" dist="38100" dir="2700000" algn="tl">
+                    <a:srgbClr val="000000">
+                      <a:alpha val="43137"/>
+                    </a:srgbClr>
+                  </a:outerShdw>
+                </a:effectLst>
+              </a:rPr>
+              <a:t>A</a:t>
+            </a:r>
+            <a:endParaRPr lang="es-CO" b="1" dirty="0">
+              <a:solidFill>
+                <a:schemeClr val="bg1"/>
+              </a:solidFill>
+              <a:effectLst>
+                <a:outerShdw blurRad="38100" dist="38100" dir="2700000" algn="tl">
+                  <a:srgbClr val="000000">
+                    <a:alpha val="43137"/>
+                  </a:srgbClr>
+                </a:outerShdw>
+              </a:effectLst>
+            </a:endParaRPr>
+          </a:p>
+        </p:txBody>
+      </p:sp>
+      <p:sp>
+        <p:nvSpPr>
+          <p:cNvPr id="60" name="TextBox 59"/>
+          <p:cNvSpPr txBox="1"/>
+          <p:nvPr/>
+        </p:nvSpPr>
+        <p:spPr>
+          <a:xfrm>
+            <a:off x="8604448" y="6303600"/>
+            <a:ext cx="365760" cy="365760"/>
+          </a:xfrm>
+          <a:prstGeom prst="ellipse">
+            <a:avLst/>
+          </a:prstGeom>
+        </p:spPr>
+        <p:style>
+          <a:lnRef idx="1">
+            <a:schemeClr val="accent2"/>
+          </a:lnRef>
+          <a:fillRef idx="3">
+            <a:schemeClr val="accent2"/>
+          </a:fillRef>
+          <a:effectRef idx="2">
+            <a:schemeClr val="accent2"/>
+          </a:effectRef>
+          <a:fontRef idx="minor">
+            <a:schemeClr val="lt1"/>
+          </a:fontRef>
+        </p:style>
+        <p:txBody>
+          <a:bodyPr wrap="square" rtlCol="0" anchor="ctr">
+            <a:spAutoFit/>
+          </a:bodyPr>
+          <a:lstStyle/>
+          <a:p>
+            <a:pPr algn="ctr"/>
+            <a:r>
+              <a:rPr lang="es-CO" b="1" dirty="0" smtClean="0">
+                <a:solidFill>
+                  <a:schemeClr val="bg1"/>
+                </a:solidFill>
+                <a:effectLst>
+                  <a:outerShdw blurRad="38100" dist="38100" dir="2700000" algn="tl">
+                    <a:srgbClr val="000000">
+                      <a:alpha val="43137"/>
+                    </a:srgbClr>
+                  </a:outerShdw>
+                </a:effectLst>
+              </a:rPr>
+              <a:t>A</a:t>
+            </a:r>
+            <a:endParaRPr lang="es-CO" b="1" dirty="0">
+              <a:solidFill>
+                <a:schemeClr val="bg1"/>
+              </a:solidFill>
+              <a:effectLst>
+                <a:outerShdw blurRad="38100" dist="38100" dir="2700000" algn="tl">
+                  <a:srgbClr val="000000">
+                    <a:alpha val="43137"/>
+                  </a:srgbClr>
+                </a:outerShdw>
+              </a:effectLst>
+            </a:endParaRPr>
+          </a:p>
+        </p:txBody>
+      </p:sp>
+      <p:sp>
+        <p:nvSpPr>
+          <p:cNvPr id="61" name="TextBox 60"/>
+          <p:cNvSpPr txBox="1"/>
+          <p:nvPr/>
+        </p:nvSpPr>
+        <p:spPr>
+          <a:xfrm>
+            <a:off x="8604448" y="2495176"/>
+            <a:ext cx="365760" cy="365760"/>
+          </a:xfrm>
+          <a:prstGeom prst="ellipse">
+            <a:avLst/>
+          </a:prstGeom>
+        </p:spPr>
+        <p:style>
+          <a:lnRef idx="1">
+            <a:schemeClr val="accent1"/>
+          </a:lnRef>
+          <a:fillRef idx="3">
+            <a:schemeClr val="accent1"/>
+          </a:fillRef>
+          <a:effectRef idx="2">
+            <a:schemeClr val="accent1"/>
+          </a:effectRef>
+          <a:fontRef idx="minor">
+            <a:schemeClr val="lt1"/>
+          </a:fontRef>
+        </p:style>
+        <p:txBody>
+          <a:bodyPr wrap="square" rtlCol="0" anchor="ctr">
+            <a:spAutoFit/>
+          </a:bodyPr>
+          <a:lstStyle/>
+          <a:p>
+            <a:pPr algn="ctr"/>
+            <a:r>
+              <a:rPr lang="es-CO" b="1" dirty="0" smtClean="0">
+                <a:solidFill>
+                  <a:schemeClr val="bg1"/>
+                </a:solidFill>
+                <a:effectLst>
+                  <a:outerShdw blurRad="38100" dist="38100" dir="2700000" algn="tl">
+                    <a:srgbClr val="000000">
+                      <a:alpha val="43137"/>
+                    </a:srgbClr>
+                  </a:outerShdw>
+                </a:effectLst>
+              </a:rPr>
+              <a:t>M</a:t>
+            </a:r>
+            <a:endParaRPr lang="es-CO" b="1" dirty="0">
+              <a:solidFill>
+                <a:schemeClr val="bg1"/>
+              </a:solidFill>
+              <a:effectLst>
+                <a:outerShdw blurRad="38100" dist="38100" dir="2700000" algn="tl">
+                  <a:srgbClr val="000000">
+                    <a:alpha val="43137"/>
+                  </a:srgbClr>
+                </a:outerShdw>
+              </a:effectLst>
+            </a:endParaRPr>
+          </a:p>
+        </p:txBody>
+      </p:sp>
+      <p:sp>
+        <p:nvSpPr>
+          <p:cNvPr id="62" name="TextBox 61"/>
+          <p:cNvSpPr txBox="1"/>
+          <p:nvPr/>
+        </p:nvSpPr>
+        <p:spPr>
+          <a:xfrm>
+            <a:off x="8604448" y="4671416"/>
+            <a:ext cx="365760" cy="365760"/>
+          </a:xfrm>
+          <a:prstGeom prst="ellipse">
+            <a:avLst/>
+          </a:prstGeom>
+        </p:spPr>
+        <p:style>
+          <a:lnRef idx="1">
+            <a:schemeClr val="accent1"/>
+          </a:lnRef>
+          <a:fillRef idx="3">
+            <a:schemeClr val="accent1"/>
+          </a:fillRef>
+          <a:effectRef idx="2">
+            <a:schemeClr val="accent1"/>
+          </a:effectRef>
+          <a:fontRef idx="minor">
+            <a:schemeClr val="lt1"/>
+          </a:fontRef>
+        </p:style>
+        <p:txBody>
+          <a:bodyPr wrap="square" rtlCol="0" anchor="ctr">
+            <a:spAutoFit/>
+          </a:bodyPr>
+          <a:lstStyle/>
+          <a:p>
+            <a:pPr algn="ctr"/>
+            <a:r>
+              <a:rPr lang="es-CO" b="1" dirty="0" smtClean="0">
+                <a:solidFill>
+                  <a:schemeClr val="bg1"/>
+                </a:solidFill>
+                <a:effectLst>
+                  <a:outerShdw blurRad="38100" dist="38100" dir="2700000" algn="tl">
+                    <a:srgbClr val="000000">
+                      <a:alpha val="43137"/>
+                    </a:srgbClr>
+                  </a:outerShdw>
+                </a:effectLst>
+              </a:rPr>
+              <a:t>M</a:t>
+            </a:r>
+            <a:endParaRPr lang="es-CO" b="1" dirty="0">
+              <a:solidFill>
+                <a:schemeClr val="bg1"/>
+              </a:solidFill>
+              <a:effectLst>
+                <a:outerShdw blurRad="38100" dist="38100" dir="2700000" algn="tl">
+                  <a:srgbClr val="000000">
+                    <a:alpha val="43137"/>
+                  </a:srgbClr>
+                </a:outerShdw>
+              </a:effectLst>
+            </a:endParaRPr>
+          </a:p>
+        </p:txBody>
+      </p:sp>
+      <p:sp>
+        <p:nvSpPr>
+          <p:cNvPr id="63" name="TextBox 62"/>
+          <p:cNvSpPr txBox="1"/>
+          <p:nvPr/>
+        </p:nvSpPr>
+        <p:spPr>
+          <a:xfrm>
+            <a:off x="8604448" y="3039236"/>
+            <a:ext cx="365760" cy="365760"/>
+          </a:xfrm>
+          <a:prstGeom prst="ellipse">
+            <a:avLst/>
+          </a:prstGeom>
+        </p:spPr>
+        <p:style>
+          <a:lnRef idx="1">
+            <a:schemeClr val="accent2"/>
+          </a:lnRef>
+          <a:fillRef idx="3">
+            <a:schemeClr val="accent2"/>
+          </a:fillRef>
+          <a:effectRef idx="2">
+            <a:schemeClr val="accent2"/>
+          </a:effectRef>
+          <a:fontRef idx="minor">
+            <a:schemeClr val="lt1"/>
+          </a:fontRef>
+        </p:style>
+        <p:txBody>
+          <a:bodyPr wrap="square" rtlCol="0" anchor="ctr">
+            <a:spAutoFit/>
+          </a:bodyPr>
+          <a:lstStyle/>
+          <a:p>
+            <a:pPr algn="ctr"/>
+            <a:r>
+              <a:rPr lang="es-CO" b="1" dirty="0" smtClean="0">
+                <a:solidFill>
+                  <a:schemeClr val="bg1"/>
+                </a:solidFill>
+                <a:effectLst>
+                  <a:outerShdw blurRad="38100" dist="38100" dir="2700000" algn="tl">
+                    <a:srgbClr val="000000">
+                      <a:alpha val="43137"/>
+                    </a:srgbClr>
+                  </a:outerShdw>
+                </a:effectLst>
+              </a:rPr>
+              <a:t>A</a:t>
+            </a:r>
+            <a:endParaRPr lang="es-CO" b="1" dirty="0">
+              <a:solidFill>
+                <a:schemeClr val="bg1"/>
+              </a:solidFill>
+              <a:effectLst>
+                <a:outerShdw blurRad="38100" dist="38100" dir="2700000" algn="tl">
+                  <a:srgbClr val="000000">
+                    <a:alpha val="43137"/>
+                  </a:srgbClr>
+                </a:outerShdw>
+              </a:effectLst>
+            </a:endParaRPr>
+          </a:p>
+        </p:txBody>
+      </p:sp>
+      <p:sp>
+        <p:nvSpPr>
+          <p:cNvPr id="64" name="TextBox 63"/>
+          <p:cNvSpPr txBox="1"/>
+          <p:nvPr/>
+        </p:nvSpPr>
+        <p:spPr>
+          <a:xfrm>
+            <a:off x="8604448" y="5215476"/>
+            <a:ext cx="365760" cy="365760"/>
+          </a:xfrm>
+          <a:prstGeom prst="ellipse">
+            <a:avLst/>
+          </a:prstGeom>
+        </p:spPr>
+        <p:style>
+          <a:lnRef idx="1">
+            <a:schemeClr val="accent1"/>
+          </a:lnRef>
+          <a:fillRef idx="3">
+            <a:schemeClr val="accent1"/>
+          </a:fillRef>
+          <a:effectRef idx="2">
+            <a:schemeClr val="accent1"/>
+          </a:effectRef>
+          <a:fontRef idx="minor">
+            <a:schemeClr val="lt1"/>
+          </a:fontRef>
+        </p:style>
+        <p:txBody>
+          <a:bodyPr wrap="square" rtlCol="0" anchor="ctr">
+            <a:spAutoFit/>
+          </a:bodyPr>
+          <a:lstStyle/>
+          <a:p>
+            <a:pPr algn="ctr"/>
+            <a:r>
+              <a:rPr lang="es-CO" b="1" dirty="0" smtClean="0">
+                <a:solidFill>
+                  <a:schemeClr val="bg1"/>
+                </a:solidFill>
+                <a:effectLst>
+                  <a:outerShdw blurRad="38100" dist="38100" dir="2700000" algn="tl">
+                    <a:srgbClr val="000000">
+                      <a:alpha val="43137"/>
+                    </a:srgbClr>
+                  </a:outerShdw>
+                </a:effectLst>
+              </a:rPr>
+              <a:t>M</a:t>
+            </a:r>
+            <a:endParaRPr lang="es-CO" b="1" dirty="0">
+              <a:solidFill>
+                <a:schemeClr val="bg1"/>
+              </a:solidFill>
+              <a:effectLst>
+                <a:outerShdw blurRad="38100" dist="38100" dir="2700000" algn="tl">
+                  <a:srgbClr val="000000">
+                    <a:alpha val="43137"/>
+                  </a:srgbClr>
+                </a:outerShdw>
+              </a:effectLst>
+            </a:endParaRPr>
+          </a:p>
+        </p:txBody>
+      </p:sp>
+      <p:sp>
+        <p:nvSpPr>
+          <p:cNvPr id="65" name="Rounded Rectangle 64"/>
+          <p:cNvSpPr/>
+          <p:nvPr/>
+        </p:nvSpPr>
+        <p:spPr>
+          <a:xfrm>
+            <a:off x="2388880" y="1407056"/>
+            <a:ext cx="1463040" cy="365760"/>
+          </a:xfrm>
+          <a:prstGeom prst="roundRect">
+            <a:avLst/>
+          </a:prstGeom>
+        </p:spPr>
+        <p:style>
+          <a:lnRef idx="2">
+            <a:schemeClr val="accent1"/>
+          </a:lnRef>
+          <a:fillRef idx="1">
+            <a:schemeClr val="lt1"/>
+          </a:fillRef>
+          <a:effectRef idx="0">
+            <a:schemeClr val="accent1"/>
+          </a:effectRef>
+          <a:fontRef idx="minor">
+            <a:schemeClr val="dk1"/>
+          </a:fontRef>
+        </p:style>
+        <p:txBody>
+          <a:bodyPr rtlCol="0" anchor="ctr"/>
+          <a:lstStyle/>
+          <a:p>
+            <a:pPr algn="ctr"/>
+            <a:r>
+              <a:rPr lang="es-CO" sz="1400" b="1" dirty="0" err="1" smtClean="0"/>
+              <a:t>Jitter</a:t>
+            </a:r>
+            <a:endParaRPr lang="es-CO" sz="1400" b="1" dirty="0"/>
+          </a:p>
+        </p:txBody>
+      </p:sp>
+      <p:sp>
+        <p:nvSpPr>
+          <p:cNvPr id="66" name="Rounded Rectangle 65"/>
+          <p:cNvSpPr/>
+          <p:nvPr/>
+        </p:nvSpPr>
+        <p:spPr>
+          <a:xfrm>
+            <a:off x="2388880" y="2775208"/>
+            <a:ext cx="1463040" cy="365760"/>
+          </a:xfrm>
+          <a:prstGeom prst="roundRect">
+            <a:avLst/>
+          </a:prstGeom>
+        </p:spPr>
+        <p:style>
+          <a:lnRef idx="2">
+            <a:schemeClr val="accent1"/>
+          </a:lnRef>
+          <a:fillRef idx="1">
+            <a:schemeClr val="lt1"/>
+          </a:fillRef>
+          <a:effectRef idx="0">
+            <a:schemeClr val="accent1"/>
+          </a:effectRef>
+          <a:fontRef idx="minor">
+            <a:schemeClr val="dk1"/>
+          </a:fontRef>
+        </p:style>
+        <p:txBody>
+          <a:bodyPr rtlCol="0" anchor="ctr"/>
+          <a:lstStyle/>
+          <a:p>
+            <a:pPr algn="ctr"/>
+            <a:r>
+              <a:rPr lang="es-CO" sz="1400" b="1" dirty="0" smtClean="0"/>
+              <a:t>Latencia</a:t>
+            </a:r>
+            <a:endParaRPr lang="es-CO" sz="1400" b="1" dirty="0"/>
+          </a:p>
+        </p:txBody>
+      </p:sp>
+      <p:sp>
+        <p:nvSpPr>
+          <p:cNvPr id="67" name="Rounded Rectangle 66"/>
+          <p:cNvSpPr/>
+          <p:nvPr/>
+        </p:nvSpPr>
+        <p:spPr>
+          <a:xfrm>
+            <a:off x="2388880" y="4135358"/>
+            <a:ext cx="1463040" cy="365760"/>
+          </a:xfrm>
+          <a:prstGeom prst="roundRect">
+            <a:avLst/>
+          </a:prstGeom>
+        </p:spPr>
+        <p:style>
+          <a:lnRef idx="2">
+            <a:schemeClr val="accent1"/>
+          </a:lnRef>
+          <a:fillRef idx="1">
+            <a:schemeClr val="lt1"/>
+          </a:fillRef>
+          <a:effectRef idx="0">
+            <a:schemeClr val="accent1"/>
+          </a:effectRef>
+          <a:fontRef idx="minor">
+            <a:schemeClr val="dk1"/>
+          </a:fontRef>
+        </p:style>
+        <p:txBody>
+          <a:bodyPr rtlCol="0" anchor="ctr"/>
+          <a:lstStyle/>
+          <a:p>
+            <a:pPr algn="ctr"/>
+            <a:r>
+              <a:rPr lang="es-CO" sz="1400" b="1" dirty="0" smtClean="0"/>
+              <a:t>Rendimiento</a:t>
+            </a:r>
+            <a:endParaRPr lang="es-CO" sz="1400" b="1" dirty="0"/>
+          </a:p>
+        </p:txBody>
+      </p:sp>
+      <p:sp>
+        <p:nvSpPr>
+          <p:cNvPr id="68" name="Rounded Rectangle 67"/>
+          <p:cNvSpPr/>
+          <p:nvPr/>
+        </p:nvSpPr>
+        <p:spPr>
+          <a:xfrm>
+            <a:off x="2388880" y="4941168"/>
+            <a:ext cx="1463040" cy="365760"/>
+          </a:xfrm>
+          <a:prstGeom prst="roundRect">
+            <a:avLst/>
+          </a:prstGeom>
+        </p:spPr>
+        <p:style>
+          <a:lnRef idx="2">
+            <a:schemeClr val="accent1"/>
+          </a:lnRef>
+          <a:fillRef idx="1">
+            <a:schemeClr val="lt1"/>
+          </a:fillRef>
+          <a:effectRef idx="0">
+            <a:schemeClr val="accent1"/>
+          </a:effectRef>
+          <a:fontRef idx="minor">
+            <a:schemeClr val="dk1"/>
+          </a:fontRef>
+        </p:style>
+        <p:txBody>
+          <a:bodyPr rtlCol="0" anchor="ctr"/>
+          <a:lstStyle/>
+          <a:p>
+            <a:pPr algn="ctr"/>
+            <a:r>
+              <a:rPr lang="es-CO" sz="1400" b="1" dirty="0" smtClean="0"/>
+              <a:t>Tiempo</a:t>
+            </a:r>
+            <a:endParaRPr lang="es-CO" sz="1400" b="1" dirty="0"/>
+          </a:p>
+        </p:txBody>
+      </p:sp>
+      <p:sp>
+        <p:nvSpPr>
+          <p:cNvPr id="69" name="Rounded Rectangle 68"/>
+          <p:cNvSpPr/>
+          <p:nvPr/>
+        </p:nvSpPr>
+        <p:spPr>
+          <a:xfrm>
+            <a:off x="2388880" y="5759536"/>
+            <a:ext cx="1463040" cy="365760"/>
+          </a:xfrm>
+          <a:prstGeom prst="roundRect">
+            <a:avLst/>
+          </a:prstGeom>
+        </p:spPr>
+        <p:style>
+          <a:lnRef idx="2">
+            <a:schemeClr val="accent1"/>
+          </a:lnRef>
+          <a:fillRef idx="1">
+            <a:schemeClr val="lt1"/>
+          </a:fillRef>
+          <a:effectRef idx="0">
+            <a:schemeClr val="accent1"/>
+          </a:effectRef>
+          <a:fontRef idx="minor">
+            <a:schemeClr val="dk1"/>
+          </a:fontRef>
+        </p:style>
+        <p:txBody>
+          <a:bodyPr rtlCol="0" anchor="ctr"/>
+          <a:lstStyle/>
+          <a:p>
+            <a:pPr algn="ctr"/>
+            <a:r>
+              <a:rPr lang="es-CO" sz="1400" b="1" dirty="0" smtClean="0"/>
+              <a:t>Escalabilidad</a:t>
+            </a:r>
+            <a:endParaRPr lang="es-CO" sz="1400" b="1" dirty="0"/>
+          </a:p>
+        </p:txBody>
+      </p:sp>
+      <p:sp>
+        <p:nvSpPr>
+          <p:cNvPr id="70" name="Rounded Rectangle 69"/>
+          <p:cNvSpPr/>
+          <p:nvPr/>
+        </p:nvSpPr>
+        <p:spPr>
+          <a:xfrm>
+            <a:off x="2388880" y="6303600"/>
+            <a:ext cx="1463040" cy="365760"/>
+          </a:xfrm>
+          <a:prstGeom prst="roundRect">
+            <a:avLst/>
+          </a:prstGeom>
+        </p:spPr>
+        <p:style>
+          <a:lnRef idx="2">
+            <a:schemeClr val="accent1"/>
+          </a:lnRef>
+          <a:fillRef idx="1">
+            <a:schemeClr val="lt1"/>
+          </a:fillRef>
+          <a:effectRef idx="0">
+            <a:schemeClr val="accent1"/>
+          </a:effectRef>
+          <a:fontRef idx="minor">
+            <a:schemeClr val="dk1"/>
+          </a:fontRef>
+        </p:style>
+        <p:txBody>
+          <a:bodyPr rtlCol="0" anchor="ctr"/>
+          <a:lstStyle/>
+          <a:p>
+            <a:pPr algn="ctr"/>
+            <a:r>
+              <a:rPr lang="es-CO" sz="1400" b="1" dirty="0" smtClean="0"/>
+              <a:t>Confidencialidad</a:t>
+            </a:r>
+            <a:endParaRPr lang="es-CO" sz="1400" b="1" dirty="0"/>
+          </a:p>
+        </p:txBody>
+      </p:sp>
+      <p:cxnSp>
+        <p:nvCxnSpPr>
+          <p:cNvPr id="72" name="Straight Connector 71"/>
+          <p:cNvCxnSpPr>
+            <a:stCxn id="65" idx="3"/>
+            <a:endCxn id="19" idx="1"/>
+          </p:cNvCxnSpPr>
+          <p:nvPr/>
+        </p:nvCxnSpPr>
+        <p:spPr>
+          <a:xfrm>
+            <a:off x="3851920" y="1589936"/>
+            <a:ext cx="233184" cy="0"/>
+          </a:xfrm>
+          <a:prstGeom prst="line">
+            <a:avLst/>
+          </a:prstGeom>
+        </p:spPr>
+        <p:style>
+          <a:lnRef idx="2">
+            <a:schemeClr val="dk1"/>
+          </a:lnRef>
+          <a:fillRef idx="0">
+            <a:schemeClr val="dk1"/>
+          </a:fillRef>
+          <a:effectRef idx="1">
+            <a:schemeClr val="dk1"/>
+          </a:effectRef>
+          <a:fontRef idx="minor">
+            <a:schemeClr val="tx1"/>
+          </a:fontRef>
+        </p:style>
+      </p:cxnSp>
+      <p:cxnSp>
+        <p:nvCxnSpPr>
+          <p:cNvPr id="73" name="Straight Connector 72"/>
+          <p:cNvCxnSpPr>
+            <a:stCxn id="69" idx="3"/>
+            <a:endCxn id="27" idx="1"/>
+          </p:cNvCxnSpPr>
+          <p:nvPr/>
+        </p:nvCxnSpPr>
+        <p:spPr>
+          <a:xfrm>
+            <a:off x="3851920" y="5942416"/>
+            <a:ext cx="233184" cy="0"/>
+          </a:xfrm>
+          <a:prstGeom prst="line">
+            <a:avLst/>
+          </a:prstGeom>
+        </p:spPr>
+        <p:style>
+          <a:lnRef idx="2">
+            <a:schemeClr val="dk1"/>
+          </a:lnRef>
+          <a:fillRef idx="0">
+            <a:schemeClr val="dk1"/>
+          </a:fillRef>
+          <a:effectRef idx="1">
+            <a:schemeClr val="dk1"/>
+          </a:effectRef>
+          <a:fontRef idx="minor">
+            <a:schemeClr val="tx1"/>
+          </a:fontRef>
+        </p:style>
+      </p:cxnSp>
+      <p:cxnSp>
+        <p:nvCxnSpPr>
+          <p:cNvPr id="74" name="Straight Connector 73"/>
+          <p:cNvCxnSpPr>
+            <a:stCxn id="70" idx="3"/>
+            <a:endCxn id="28" idx="1"/>
+          </p:cNvCxnSpPr>
+          <p:nvPr/>
+        </p:nvCxnSpPr>
+        <p:spPr>
+          <a:xfrm>
+            <a:off x="3851920" y="6486480"/>
+            <a:ext cx="233184" cy="0"/>
+          </a:xfrm>
+          <a:prstGeom prst="line">
+            <a:avLst/>
+          </a:prstGeom>
+        </p:spPr>
+        <p:style>
+          <a:lnRef idx="2">
+            <a:schemeClr val="dk1"/>
+          </a:lnRef>
+          <a:fillRef idx="0">
+            <a:schemeClr val="dk1"/>
+          </a:fillRef>
+          <a:effectRef idx="1">
+            <a:schemeClr val="dk1"/>
+          </a:effectRef>
+          <a:fontRef idx="minor">
+            <a:schemeClr val="tx1"/>
+          </a:fontRef>
+        </p:style>
+      </p:cxnSp>
+      <p:cxnSp>
+        <p:nvCxnSpPr>
+          <p:cNvPr id="79" name="Straight Connector 78"/>
+          <p:cNvCxnSpPr>
+            <a:stCxn id="67" idx="3"/>
+            <a:endCxn id="24" idx="1"/>
+          </p:cNvCxnSpPr>
+          <p:nvPr/>
+        </p:nvCxnSpPr>
+        <p:spPr>
+          <a:xfrm>
+            <a:off x="3851920" y="4318238"/>
+            <a:ext cx="233184" cy="0"/>
+          </a:xfrm>
+          <a:prstGeom prst="line">
+            <a:avLst/>
+          </a:prstGeom>
+        </p:spPr>
+        <p:style>
+          <a:lnRef idx="2">
+            <a:schemeClr val="dk1"/>
+          </a:lnRef>
+          <a:fillRef idx="0">
+            <a:schemeClr val="dk1"/>
+          </a:fillRef>
+          <a:effectRef idx="1">
+            <a:schemeClr val="dk1"/>
+          </a:effectRef>
+          <a:fontRef idx="minor">
+            <a:schemeClr val="tx1"/>
+          </a:fontRef>
+        </p:style>
+      </p:cxnSp>
+      <p:cxnSp>
+        <p:nvCxnSpPr>
+          <p:cNvPr id="83" name="Elbow Connector 82"/>
+          <p:cNvCxnSpPr>
+            <a:stCxn id="20" idx="1"/>
+            <a:endCxn id="66" idx="3"/>
+          </p:cNvCxnSpPr>
+          <p:nvPr/>
+        </p:nvCxnSpPr>
+        <p:spPr>
+          <a:xfrm rot="10800000" flipV="1">
+            <a:off x="3851920" y="2133996"/>
+            <a:ext cx="233184" cy="824092"/>
+          </a:xfrm>
+          <a:prstGeom prst="bentConnector3">
+            <a:avLst>
+              <a:gd name="adj1" fmla="val 50000"/>
+            </a:avLst>
+          </a:prstGeom>
+        </p:spPr>
+        <p:style>
+          <a:lnRef idx="2">
+            <a:schemeClr val="dk1"/>
+          </a:lnRef>
+          <a:fillRef idx="0">
+            <a:schemeClr val="dk1"/>
+          </a:fillRef>
+          <a:effectRef idx="1">
+            <a:schemeClr val="dk1"/>
+          </a:effectRef>
+          <a:fontRef idx="minor">
+            <a:schemeClr val="tx1"/>
+          </a:fontRef>
+        </p:style>
+      </p:cxnSp>
+      <p:cxnSp>
+        <p:nvCxnSpPr>
+          <p:cNvPr id="86" name="Elbow Connector 85"/>
+          <p:cNvCxnSpPr>
+            <a:stCxn id="21" idx="1"/>
+            <a:endCxn id="66" idx="3"/>
+          </p:cNvCxnSpPr>
+          <p:nvPr/>
+        </p:nvCxnSpPr>
+        <p:spPr>
+          <a:xfrm rot="10800000" flipV="1">
+            <a:off x="3851920" y="2678056"/>
+            <a:ext cx="233184" cy="280032"/>
+          </a:xfrm>
+          <a:prstGeom prst="bentConnector3">
+            <a:avLst>
+              <a:gd name="adj1" fmla="val 50000"/>
+            </a:avLst>
+          </a:prstGeom>
+        </p:spPr>
+        <p:style>
+          <a:lnRef idx="2">
+            <a:schemeClr val="dk1"/>
+          </a:lnRef>
+          <a:fillRef idx="0">
+            <a:schemeClr val="dk1"/>
+          </a:fillRef>
+          <a:effectRef idx="1">
+            <a:schemeClr val="dk1"/>
+          </a:effectRef>
+          <a:fontRef idx="minor">
+            <a:schemeClr val="tx1"/>
+          </a:fontRef>
+        </p:style>
+      </p:cxnSp>
+      <p:cxnSp>
+        <p:nvCxnSpPr>
+          <p:cNvPr id="89" name="Elbow Connector 88"/>
+          <p:cNvCxnSpPr>
+            <a:stCxn id="23" idx="1"/>
+            <a:endCxn id="66" idx="3"/>
+          </p:cNvCxnSpPr>
+          <p:nvPr/>
+        </p:nvCxnSpPr>
+        <p:spPr>
+          <a:xfrm rot="10800000">
+            <a:off x="3851920" y="2958088"/>
+            <a:ext cx="233184" cy="808088"/>
+          </a:xfrm>
+          <a:prstGeom prst="bentConnector3">
+            <a:avLst>
+              <a:gd name="adj1" fmla="val 50000"/>
+            </a:avLst>
+          </a:prstGeom>
+        </p:spPr>
+        <p:style>
+          <a:lnRef idx="2">
+            <a:schemeClr val="dk1"/>
+          </a:lnRef>
+          <a:fillRef idx="0">
+            <a:schemeClr val="dk1"/>
+          </a:fillRef>
+          <a:effectRef idx="1">
+            <a:schemeClr val="dk1"/>
+          </a:effectRef>
+          <a:fontRef idx="minor">
+            <a:schemeClr val="tx1"/>
+          </a:fontRef>
+        </p:style>
+      </p:cxnSp>
+      <p:cxnSp>
+        <p:nvCxnSpPr>
+          <p:cNvPr id="90" name="Elbow Connector 89"/>
+          <p:cNvCxnSpPr>
+            <a:stCxn id="66" idx="3"/>
+            <a:endCxn id="22" idx="1"/>
+          </p:cNvCxnSpPr>
+          <p:nvPr/>
+        </p:nvCxnSpPr>
+        <p:spPr>
+          <a:xfrm>
+            <a:off x="3851920" y="2958088"/>
+            <a:ext cx="233184" cy="264028"/>
+          </a:xfrm>
+          <a:prstGeom prst="bentConnector3">
+            <a:avLst>
+              <a:gd name="adj1" fmla="val 50000"/>
+            </a:avLst>
+          </a:prstGeom>
+        </p:spPr>
+        <p:style>
+          <a:lnRef idx="2">
+            <a:schemeClr val="dk1"/>
+          </a:lnRef>
+          <a:fillRef idx="0">
+            <a:schemeClr val="dk1"/>
+          </a:fillRef>
+          <a:effectRef idx="1">
+            <a:schemeClr val="dk1"/>
+          </a:effectRef>
+          <a:fontRef idx="minor">
+            <a:schemeClr val="tx1"/>
+          </a:fontRef>
+        </p:style>
+      </p:cxnSp>
+      <p:cxnSp>
+        <p:nvCxnSpPr>
+          <p:cNvPr id="96" name="Elbow Connector 95"/>
+          <p:cNvCxnSpPr>
+            <a:stCxn id="25" idx="1"/>
+            <a:endCxn id="68" idx="3"/>
+          </p:cNvCxnSpPr>
+          <p:nvPr/>
+        </p:nvCxnSpPr>
+        <p:spPr>
+          <a:xfrm rot="10800000" flipV="1">
+            <a:off x="3851920" y="4854296"/>
+            <a:ext cx="233184" cy="269752"/>
+          </a:xfrm>
+          <a:prstGeom prst="bentConnector3">
+            <a:avLst>
+              <a:gd name="adj1" fmla="val 50000"/>
+            </a:avLst>
+          </a:prstGeom>
+        </p:spPr>
+        <p:style>
+          <a:lnRef idx="2">
+            <a:schemeClr val="dk1"/>
+          </a:lnRef>
+          <a:fillRef idx="0">
+            <a:schemeClr val="dk1"/>
+          </a:fillRef>
+          <a:effectRef idx="1">
+            <a:schemeClr val="dk1"/>
+          </a:effectRef>
+          <a:fontRef idx="minor">
+            <a:schemeClr val="tx1"/>
+          </a:fontRef>
+        </p:style>
+      </p:cxnSp>
+      <p:cxnSp>
+        <p:nvCxnSpPr>
+          <p:cNvPr id="99" name="Elbow Connector 98"/>
+          <p:cNvCxnSpPr>
+            <a:stCxn id="26" idx="1"/>
+            <a:endCxn id="68" idx="3"/>
+          </p:cNvCxnSpPr>
+          <p:nvPr/>
+        </p:nvCxnSpPr>
+        <p:spPr>
+          <a:xfrm rot="10800000">
+            <a:off x="3851920" y="5124048"/>
+            <a:ext cx="233184" cy="274308"/>
+          </a:xfrm>
+          <a:prstGeom prst="bentConnector3">
+            <a:avLst>
+              <a:gd name="adj1" fmla="val 50000"/>
+            </a:avLst>
+          </a:prstGeom>
+        </p:spPr>
+        <p:style>
+          <a:lnRef idx="2">
+            <a:schemeClr val="dk1"/>
+          </a:lnRef>
+          <a:fillRef idx="0">
+            <a:schemeClr val="dk1"/>
+          </a:fillRef>
+          <a:effectRef idx="1">
+            <a:schemeClr val="dk1"/>
+          </a:effectRef>
+          <a:fontRef idx="minor">
+            <a:schemeClr val="tx1"/>
+          </a:fontRef>
+        </p:style>
+      </p:cxnSp>
+      <p:sp>
+        <p:nvSpPr>
+          <p:cNvPr id="102" name="Rounded Rectangle 101"/>
+          <p:cNvSpPr/>
+          <p:nvPr/>
+        </p:nvSpPr>
+        <p:spPr>
+          <a:xfrm>
+            <a:off x="755576" y="2775208"/>
+            <a:ext cx="1463040" cy="365760"/>
+          </a:xfrm>
+          <a:prstGeom prst="roundRect">
+            <a:avLst/>
+          </a:prstGeom>
+        </p:spPr>
+        <p:style>
+          <a:lnRef idx="2">
+            <a:schemeClr val="accent1"/>
+          </a:lnRef>
+          <a:fillRef idx="1">
+            <a:schemeClr val="lt1"/>
+          </a:fillRef>
+          <a:effectRef idx="0">
+            <a:schemeClr val="accent1"/>
+          </a:effectRef>
+          <a:fontRef idx="minor">
+            <a:schemeClr val="dk1"/>
+          </a:fontRef>
+        </p:style>
+        <p:txBody>
+          <a:bodyPr rtlCol="0" anchor="ctr"/>
+          <a:lstStyle/>
+          <a:p>
+            <a:pPr algn="ctr"/>
+            <a:r>
+              <a:rPr lang="es-CO" sz="1400" b="1" dirty="0" smtClean="0"/>
+              <a:t>Desempeño</a:t>
+            </a:r>
+            <a:endParaRPr lang="es-CO" sz="1400" b="1" dirty="0"/>
+          </a:p>
+        </p:txBody>
+      </p:sp>
+      <p:sp>
+        <p:nvSpPr>
+          <p:cNvPr id="103" name="Rounded Rectangle 102"/>
+          <p:cNvSpPr/>
+          <p:nvPr/>
+        </p:nvSpPr>
+        <p:spPr>
+          <a:xfrm>
+            <a:off x="755576" y="4935448"/>
+            <a:ext cx="1463040" cy="365760"/>
+          </a:xfrm>
+          <a:prstGeom prst="roundRect">
+            <a:avLst/>
+          </a:prstGeom>
+        </p:spPr>
+        <p:style>
+          <a:lnRef idx="2">
+            <a:schemeClr val="accent1"/>
+          </a:lnRef>
+          <a:fillRef idx="1">
+            <a:schemeClr val="lt1"/>
+          </a:fillRef>
+          <a:effectRef idx="0">
+            <a:schemeClr val="accent1"/>
+          </a:effectRef>
+          <a:fontRef idx="minor">
+            <a:schemeClr val="dk1"/>
+          </a:fontRef>
+        </p:style>
+        <p:txBody>
+          <a:bodyPr rtlCol="0" anchor="ctr"/>
+          <a:lstStyle/>
+          <a:p>
+            <a:pPr algn="ctr"/>
+            <a:r>
+              <a:rPr lang="es-CO" sz="1400" b="1" dirty="0" smtClean="0"/>
+              <a:t>Disponibilidad</a:t>
+            </a:r>
+            <a:endParaRPr lang="es-CO" sz="1400" b="1" dirty="0"/>
+          </a:p>
+        </p:txBody>
+      </p:sp>
+      <p:sp>
+        <p:nvSpPr>
+          <p:cNvPr id="104" name="Rounded Rectangle 103"/>
+          <p:cNvSpPr/>
+          <p:nvPr/>
+        </p:nvSpPr>
+        <p:spPr>
+          <a:xfrm>
+            <a:off x="755576" y="5759536"/>
+            <a:ext cx="1463040" cy="365760"/>
+          </a:xfrm>
+          <a:prstGeom prst="roundRect">
+            <a:avLst/>
+          </a:prstGeom>
+        </p:spPr>
+        <p:style>
+          <a:lnRef idx="2">
+            <a:schemeClr val="accent1"/>
+          </a:lnRef>
+          <a:fillRef idx="1">
+            <a:schemeClr val="lt1"/>
+          </a:fillRef>
+          <a:effectRef idx="0">
+            <a:schemeClr val="accent1"/>
+          </a:effectRef>
+          <a:fontRef idx="minor">
+            <a:schemeClr val="dk1"/>
+          </a:fontRef>
+        </p:style>
+        <p:txBody>
+          <a:bodyPr rtlCol="0" anchor="ctr"/>
+          <a:lstStyle/>
+          <a:p>
+            <a:pPr algn="ctr"/>
+            <a:r>
+              <a:rPr lang="es-CO" sz="1400" b="1" dirty="0" err="1" smtClean="0"/>
+              <a:t>Modificabilidad</a:t>
+            </a:r>
+            <a:endParaRPr lang="es-CO" sz="1400" b="1" dirty="0"/>
+          </a:p>
+        </p:txBody>
+      </p:sp>
+      <p:sp>
+        <p:nvSpPr>
+          <p:cNvPr id="105" name="Rounded Rectangle 104"/>
+          <p:cNvSpPr/>
+          <p:nvPr/>
+        </p:nvSpPr>
+        <p:spPr>
+          <a:xfrm>
+            <a:off x="755576" y="6303600"/>
+            <a:ext cx="1463040" cy="365760"/>
+          </a:xfrm>
+          <a:prstGeom prst="roundRect">
+            <a:avLst/>
+          </a:prstGeom>
+        </p:spPr>
+        <p:style>
+          <a:lnRef idx="2">
+            <a:schemeClr val="accent1"/>
+          </a:lnRef>
+          <a:fillRef idx="1">
+            <a:schemeClr val="lt1"/>
+          </a:fillRef>
+          <a:effectRef idx="0">
+            <a:schemeClr val="accent1"/>
+          </a:effectRef>
+          <a:fontRef idx="minor">
+            <a:schemeClr val="dk1"/>
+          </a:fontRef>
+        </p:style>
+        <p:txBody>
+          <a:bodyPr rtlCol="0" anchor="ctr"/>
+          <a:lstStyle/>
+          <a:p>
+            <a:pPr algn="ctr"/>
+            <a:r>
+              <a:rPr lang="es-CO" sz="1400" b="1" dirty="0" smtClean="0"/>
+              <a:t>Seguridad</a:t>
+            </a:r>
+            <a:endParaRPr lang="es-CO" sz="1400" b="1" dirty="0"/>
+          </a:p>
+        </p:txBody>
+      </p:sp>
+      <p:cxnSp>
+        <p:nvCxnSpPr>
+          <p:cNvPr id="106" name="Elbow Connector 105"/>
+          <p:cNvCxnSpPr>
+            <a:stCxn id="65" idx="1"/>
+            <a:endCxn id="102" idx="3"/>
+          </p:cNvCxnSpPr>
+          <p:nvPr/>
+        </p:nvCxnSpPr>
+        <p:spPr>
+          <a:xfrm rot="10800000" flipV="1">
+            <a:off x="2218616" y="1589936"/>
+            <a:ext cx="170264" cy="1368152"/>
+          </a:xfrm>
+          <a:prstGeom prst="bentConnector3">
+            <a:avLst>
+              <a:gd name="adj1" fmla="val 50000"/>
+            </a:avLst>
+          </a:prstGeom>
+        </p:spPr>
+        <p:style>
+          <a:lnRef idx="2">
+            <a:schemeClr val="dk1"/>
+          </a:lnRef>
+          <a:fillRef idx="0">
+            <a:schemeClr val="dk1"/>
+          </a:fillRef>
+          <a:effectRef idx="1">
+            <a:schemeClr val="dk1"/>
+          </a:effectRef>
+          <a:fontRef idx="minor">
+            <a:schemeClr val="tx1"/>
+          </a:fontRef>
+        </p:style>
+      </p:cxnSp>
+      <p:cxnSp>
+        <p:nvCxnSpPr>
+          <p:cNvPr id="112" name="Elbow Connector 111"/>
+          <p:cNvCxnSpPr>
+            <a:stCxn id="102" idx="3"/>
+            <a:endCxn id="67" idx="1"/>
+          </p:cNvCxnSpPr>
+          <p:nvPr/>
+        </p:nvCxnSpPr>
+        <p:spPr>
+          <a:xfrm>
+            <a:off x="2218616" y="2958088"/>
+            <a:ext cx="170264" cy="1360150"/>
+          </a:xfrm>
+          <a:prstGeom prst="bentConnector3">
+            <a:avLst>
+              <a:gd name="adj1" fmla="val 50000"/>
+            </a:avLst>
+          </a:prstGeom>
+        </p:spPr>
+        <p:style>
+          <a:lnRef idx="2">
+            <a:schemeClr val="dk1"/>
+          </a:lnRef>
+          <a:fillRef idx="0">
+            <a:schemeClr val="dk1"/>
+          </a:fillRef>
+          <a:effectRef idx="1">
+            <a:schemeClr val="dk1"/>
+          </a:effectRef>
+          <a:fontRef idx="minor">
+            <a:schemeClr val="tx1"/>
+          </a:fontRef>
+        </p:style>
+      </p:cxnSp>
+      <p:cxnSp>
+        <p:nvCxnSpPr>
+          <p:cNvPr id="121" name="Straight Connector 120"/>
+          <p:cNvCxnSpPr>
+            <a:stCxn id="66" idx="1"/>
+            <a:endCxn id="102" idx="3"/>
+          </p:cNvCxnSpPr>
+          <p:nvPr/>
+        </p:nvCxnSpPr>
+        <p:spPr>
+          <a:xfrm rot="10800000">
+            <a:off x="2218616" y="2958088"/>
+            <a:ext cx="170264" cy="0"/>
+          </a:xfrm>
+          <a:prstGeom prst="line">
+            <a:avLst/>
+          </a:prstGeom>
+        </p:spPr>
+        <p:style>
+          <a:lnRef idx="2">
+            <a:schemeClr val="dk1"/>
+          </a:lnRef>
+          <a:fillRef idx="0">
+            <a:schemeClr val="dk1"/>
+          </a:fillRef>
+          <a:effectRef idx="1">
+            <a:schemeClr val="dk1"/>
+          </a:effectRef>
+          <a:fontRef idx="minor">
+            <a:schemeClr val="tx1"/>
+          </a:fontRef>
+        </p:style>
+      </p:cxnSp>
+      <p:cxnSp>
+        <p:nvCxnSpPr>
+          <p:cNvPr id="122" name="Straight Connector 121"/>
+          <p:cNvCxnSpPr>
+            <a:stCxn id="104" idx="3"/>
+            <a:endCxn id="69" idx="1"/>
+          </p:cNvCxnSpPr>
+          <p:nvPr/>
+        </p:nvCxnSpPr>
+        <p:spPr>
+          <a:xfrm>
+            <a:off x="2218616" y="5942416"/>
+            <a:ext cx="170264" cy="0"/>
+          </a:xfrm>
+          <a:prstGeom prst="line">
+            <a:avLst/>
+          </a:prstGeom>
+        </p:spPr>
+        <p:style>
+          <a:lnRef idx="2">
+            <a:schemeClr val="dk1"/>
+          </a:lnRef>
+          <a:fillRef idx="0">
+            <a:schemeClr val="dk1"/>
+          </a:fillRef>
+          <a:effectRef idx="1">
+            <a:schemeClr val="dk1"/>
+          </a:effectRef>
+          <a:fontRef idx="minor">
+            <a:schemeClr val="tx1"/>
+          </a:fontRef>
+        </p:style>
+      </p:cxnSp>
+      <p:cxnSp>
+        <p:nvCxnSpPr>
+          <p:cNvPr id="123" name="Straight Connector 122"/>
+          <p:cNvCxnSpPr>
+            <a:stCxn id="103" idx="3"/>
+            <a:endCxn id="68" idx="1"/>
+          </p:cNvCxnSpPr>
+          <p:nvPr/>
+        </p:nvCxnSpPr>
+        <p:spPr>
+          <a:xfrm>
+            <a:off x="2218616" y="5118328"/>
+            <a:ext cx="170264" cy="5720"/>
+          </a:xfrm>
+          <a:prstGeom prst="line">
+            <a:avLst/>
+          </a:prstGeom>
+        </p:spPr>
+        <p:style>
+          <a:lnRef idx="2">
+            <a:schemeClr val="dk1"/>
+          </a:lnRef>
+          <a:fillRef idx="0">
+            <a:schemeClr val="dk1"/>
+          </a:fillRef>
+          <a:effectRef idx="1">
+            <a:schemeClr val="dk1"/>
+          </a:effectRef>
+          <a:fontRef idx="minor">
+            <a:schemeClr val="tx1"/>
+          </a:fontRef>
+        </p:style>
+      </p:cxnSp>
+      <p:cxnSp>
+        <p:nvCxnSpPr>
+          <p:cNvPr id="124" name="Straight Connector 123"/>
+          <p:cNvCxnSpPr>
+            <a:stCxn id="105" idx="3"/>
+            <a:endCxn id="70" idx="1"/>
+          </p:cNvCxnSpPr>
+          <p:nvPr/>
+        </p:nvCxnSpPr>
+        <p:spPr>
+          <a:xfrm>
+            <a:off x="2218616" y="6486480"/>
+            <a:ext cx="170264" cy="0"/>
+          </a:xfrm>
+          <a:prstGeom prst="line">
+            <a:avLst/>
+          </a:prstGeom>
+        </p:spPr>
+        <p:style>
+          <a:lnRef idx="2">
+            <a:schemeClr val="dk1"/>
+          </a:lnRef>
+          <a:fillRef idx="0">
+            <a:schemeClr val="dk1"/>
+          </a:fillRef>
+          <a:effectRef idx="1">
+            <a:schemeClr val="dk1"/>
+          </a:effectRef>
+          <a:fontRef idx="minor">
+            <a:schemeClr val="tx1"/>
+          </a:fontRef>
+        </p:style>
+      </p:cxnSp>
+      <p:sp>
+        <p:nvSpPr>
+          <p:cNvPr id="137" name="TextBox 136"/>
+          <p:cNvSpPr txBox="1"/>
+          <p:nvPr/>
+        </p:nvSpPr>
+        <p:spPr>
+          <a:xfrm>
+            <a:off x="107504" y="3861048"/>
+            <a:ext cx="365760" cy="365760"/>
+          </a:xfrm>
+          <a:prstGeom prst="ellipse">
+            <a:avLst/>
+          </a:prstGeom>
+        </p:spPr>
+        <p:style>
+          <a:lnRef idx="1">
+            <a:schemeClr val="accent3"/>
+          </a:lnRef>
+          <a:fillRef idx="3">
+            <a:schemeClr val="accent3"/>
+          </a:fillRef>
+          <a:effectRef idx="2">
+            <a:schemeClr val="accent3"/>
+          </a:effectRef>
+          <a:fontRef idx="minor">
+            <a:schemeClr val="lt1"/>
+          </a:fontRef>
+        </p:style>
+        <p:txBody>
+          <a:bodyPr wrap="square" rtlCol="0" anchor="ctr">
+            <a:spAutoFit/>
+          </a:bodyPr>
+          <a:lstStyle/>
+          <a:p>
+            <a:pPr algn="ctr"/>
+            <a:r>
+              <a:rPr lang="es-CO" b="1" dirty="0" smtClean="0">
+                <a:solidFill>
+                  <a:schemeClr val="bg1"/>
+                </a:solidFill>
+                <a:effectLst>
+                  <a:outerShdw blurRad="38100" dist="38100" dir="2700000" algn="tl">
+                    <a:srgbClr val="000000">
+                      <a:alpha val="43137"/>
+                    </a:srgbClr>
+                  </a:outerShdw>
+                </a:effectLst>
+              </a:rPr>
+              <a:t>U</a:t>
+            </a:r>
+            <a:endParaRPr lang="es-CO" b="1" dirty="0">
+              <a:solidFill>
+                <a:schemeClr val="bg1"/>
+              </a:solidFill>
+              <a:effectLst>
+                <a:outerShdw blurRad="38100" dist="38100" dir="2700000" algn="tl">
+                  <a:srgbClr val="000000">
+                    <a:alpha val="43137"/>
+                  </a:srgbClr>
+                </a:outerShdw>
+              </a:effectLst>
+            </a:endParaRPr>
+          </a:p>
+        </p:txBody>
+      </p:sp>
+      <p:cxnSp>
+        <p:nvCxnSpPr>
+          <p:cNvPr id="138" name="Elbow Connector 137"/>
+          <p:cNvCxnSpPr>
+            <a:stCxn id="102" idx="1"/>
+            <a:endCxn id="137" idx="6"/>
+          </p:cNvCxnSpPr>
+          <p:nvPr/>
+        </p:nvCxnSpPr>
+        <p:spPr>
+          <a:xfrm rot="10800000" flipV="1">
+            <a:off x="473264" y="2958088"/>
+            <a:ext cx="282312" cy="1085840"/>
+          </a:xfrm>
+          <a:prstGeom prst="bentConnector3">
+            <a:avLst>
+              <a:gd name="adj1" fmla="val 50000"/>
+            </a:avLst>
+          </a:prstGeom>
+        </p:spPr>
+        <p:style>
+          <a:lnRef idx="2">
+            <a:schemeClr val="dk1"/>
+          </a:lnRef>
+          <a:fillRef idx="0">
+            <a:schemeClr val="dk1"/>
+          </a:fillRef>
+          <a:effectRef idx="1">
+            <a:schemeClr val="dk1"/>
+          </a:effectRef>
+          <a:fontRef idx="minor">
+            <a:schemeClr val="tx1"/>
+          </a:fontRef>
+        </p:style>
+      </p:cxnSp>
+      <p:cxnSp>
+        <p:nvCxnSpPr>
+          <p:cNvPr id="141" name="Elbow Connector 140"/>
+          <p:cNvCxnSpPr>
+            <a:stCxn id="137" idx="6"/>
+            <a:endCxn id="104" idx="1"/>
+          </p:cNvCxnSpPr>
+          <p:nvPr/>
+        </p:nvCxnSpPr>
+        <p:spPr>
+          <a:xfrm>
+            <a:off x="473264" y="4043928"/>
+            <a:ext cx="282312" cy="1898488"/>
+          </a:xfrm>
+          <a:prstGeom prst="bentConnector3">
+            <a:avLst>
+              <a:gd name="adj1" fmla="val 50000"/>
+            </a:avLst>
+          </a:prstGeom>
+        </p:spPr>
+        <p:style>
+          <a:lnRef idx="2">
+            <a:schemeClr val="dk1"/>
+          </a:lnRef>
+          <a:fillRef idx="0">
+            <a:schemeClr val="dk1"/>
+          </a:fillRef>
+          <a:effectRef idx="1">
+            <a:schemeClr val="dk1"/>
+          </a:effectRef>
+          <a:fontRef idx="minor">
+            <a:schemeClr val="tx1"/>
+          </a:fontRef>
+        </p:style>
+      </p:cxnSp>
+      <p:cxnSp>
+        <p:nvCxnSpPr>
+          <p:cNvPr id="142" name="Elbow Connector 141"/>
+          <p:cNvCxnSpPr>
+            <a:stCxn id="137" idx="6"/>
+            <a:endCxn id="103" idx="1"/>
+          </p:cNvCxnSpPr>
+          <p:nvPr/>
+        </p:nvCxnSpPr>
+        <p:spPr>
+          <a:xfrm>
+            <a:off x="473264" y="4043928"/>
+            <a:ext cx="282312" cy="1074400"/>
+          </a:xfrm>
+          <a:prstGeom prst="bentConnector3">
+            <a:avLst>
+              <a:gd name="adj1" fmla="val 50000"/>
+            </a:avLst>
+          </a:prstGeom>
+        </p:spPr>
+        <p:style>
+          <a:lnRef idx="2">
+            <a:schemeClr val="dk1"/>
+          </a:lnRef>
+          <a:fillRef idx="0">
+            <a:schemeClr val="dk1"/>
+          </a:fillRef>
+          <a:effectRef idx="1">
+            <a:schemeClr val="dk1"/>
+          </a:effectRef>
+          <a:fontRef idx="minor">
+            <a:schemeClr val="tx1"/>
+          </a:fontRef>
+        </p:style>
+      </p:cxnSp>
+      <p:cxnSp>
+        <p:nvCxnSpPr>
+          <p:cNvPr id="143" name="Elbow Connector 142"/>
+          <p:cNvCxnSpPr>
+            <a:stCxn id="137" idx="6"/>
+            <a:endCxn id="105" idx="1"/>
+          </p:cNvCxnSpPr>
+          <p:nvPr/>
+        </p:nvCxnSpPr>
+        <p:spPr>
+          <a:xfrm>
+            <a:off x="473264" y="4043928"/>
+            <a:ext cx="282312" cy="2442552"/>
+          </a:xfrm>
+          <a:prstGeom prst="bentConnector3">
+            <a:avLst>
+              <a:gd name="adj1" fmla="val 50000"/>
+            </a:avLst>
+          </a:prstGeom>
+        </p:spPr>
+        <p:style>
+          <a:lnRef idx="2">
+            <a:schemeClr val="dk1"/>
+          </a:lnRef>
+          <a:fillRef idx="0">
+            <a:schemeClr val="dk1"/>
+          </a:fillRef>
+          <a:effectRef idx="1">
+            <a:schemeClr val="dk1"/>
+          </a:effectRef>
+          <a:fontRef idx="minor">
+            <a:schemeClr val="tx1"/>
+          </a:fontRef>
+        </p:style>
+      </p:cxnSp>
     </p:spTree>
   </p:cSld>
   <p:clrMapOvr>
